--- a/src/Documentation/Slides/Slides.pptx
+++ b/src/Documentation/Slides/Slides.pptx
@@ -286,7 +286,7 @@
           <a:p>
             <a:fld id="{AF1194EC-C915-441E-AD9A-616349DBA75B}" type="datetimeFigureOut">
               <a:rPr lang="en-US" smtClean="0"/>
-              <a:t>2/2/2016</a:t>
+              <a:t>2/4/2016</a:t>
             </a:fld>
             <a:endParaRPr lang="en-US"/>
           </a:p>
@@ -456,7 +456,7 @@
           <a:p>
             <a:fld id="{AF1194EC-C915-441E-AD9A-616349DBA75B}" type="datetimeFigureOut">
               <a:rPr lang="en-US" smtClean="0"/>
-              <a:t>2/2/2016</a:t>
+              <a:t>2/4/2016</a:t>
             </a:fld>
             <a:endParaRPr lang="en-US"/>
           </a:p>
@@ -636,7 +636,7 @@
           <a:p>
             <a:fld id="{AF1194EC-C915-441E-AD9A-616349DBA75B}" type="datetimeFigureOut">
               <a:rPr lang="en-US" smtClean="0"/>
-              <a:t>2/2/2016</a:t>
+              <a:t>2/4/2016</a:t>
             </a:fld>
             <a:endParaRPr lang="en-US"/>
           </a:p>
@@ -806,7 +806,7 @@
           <a:p>
             <a:fld id="{AF1194EC-C915-441E-AD9A-616349DBA75B}" type="datetimeFigureOut">
               <a:rPr lang="en-US" smtClean="0"/>
-              <a:t>2/2/2016</a:t>
+              <a:t>2/4/2016</a:t>
             </a:fld>
             <a:endParaRPr lang="en-US"/>
           </a:p>
@@ -1052,7 +1052,7 @@
           <a:p>
             <a:fld id="{AF1194EC-C915-441E-AD9A-616349DBA75B}" type="datetimeFigureOut">
               <a:rPr lang="en-US" smtClean="0"/>
-              <a:t>2/2/2016</a:t>
+              <a:t>2/4/2016</a:t>
             </a:fld>
             <a:endParaRPr lang="en-US"/>
           </a:p>
@@ -1284,7 +1284,7 @@
           <a:p>
             <a:fld id="{AF1194EC-C915-441E-AD9A-616349DBA75B}" type="datetimeFigureOut">
               <a:rPr lang="en-US" smtClean="0"/>
-              <a:t>2/2/2016</a:t>
+              <a:t>2/4/2016</a:t>
             </a:fld>
             <a:endParaRPr lang="en-US"/>
           </a:p>
@@ -1651,7 +1651,7 @@
           <a:p>
             <a:fld id="{AF1194EC-C915-441E-AD9A-616349DBA75B}" type="datetimeFigureOut">
               <a:rPr lang="en-US" smtClean="0"/>
-              <a:t>2/2/2016</a:t>
+              <a:t>2/4/2016</a:t>
             </a:fld>
             <a:endParaRPr lang="en-US"/>
           </a:p>
@@ -1769,7 +1769,7 @@
           <a:p>
             <a:fld id="{AF1194EC-C915-441E-AD9A-616349DBA75B}" type="datetimeFigureOut">
               <a:rPr lang="en-US" smtClean="0"/>
-              <a:t>2/2/2016</a:t>
+              <a:t>2/4/2016</a:t>
             </a:fld>
             <a:endParaRPr lang="en-US"/>
           </a:p>
@@ -1864,7 +1864,7 @@
           <a:p>
             <a:fld id="{AF1194EC-C915-441E-AD9A-616349DBA75B}" type="datetimeFigureOut">
               <a:rPr lang="en-US" smtClean="0"/>
-              <a:t>2/2/2016</a:t>
+              <a:t>2/4/2016</a:t>
             </a:fld>
             <a:endParaRPr lang="en-US"/>
           </a:p>
@@ -2141,7 +2141,7 @@
           <a:p>
             <a:fld id="{AF1194EC-C915-441E-AD9A-616349DBA75B}" type="datetimeFigureOut">
               <a:rPr lang="en-US" smtClean="0"/>
-              <a:t>2/2/2016</a:t>
+              <a:t>2/4/2016</a:t>
             </a:fld>
             <a:endParaRPr lang="en-US"/>
           </a:p>
@@ -2394,7 +2394,7 @@
           <a:p>
             <a:fld id="{AF1194EC-C915-441E-AD9A-616349DBA75B}" type="datetimeFigureOut">
               <a:rPr lang="en-US" smtClean="0"/>
-              <a:t>2/2/2016</a:t>
+              <a:t>2/4/2016</a:t>
             </a:fld>
             <a:endParaRPr lang="en-US"/>
           </a:p>
@@ -2613,7 +2613,7 @@
           <a:p>
             <a:fld id="{AF1194EC-C915-441E-AD9A-616349DBA75B}" type="datetimeFigureOut">
               <a:rPr lang="en-US" smtClean="0"/>
-              <a:t>2/2/2016</a:t>
+              <a:t>2/4/2016</a:t>
             </a:fld>
             <a:endParaRPr lang="en-US"/>
           </a:p>
@@ -3125,10 +3125,6 @@
               </a:rPr>
               <a:t>enerator</a:t>
             </a:r>
-            <a:endParaRPr lang="de-DE" sz="2800" dirty="0" smtClean="0">
-              <a:latin typeface="Gabriola" panose="04040605051002020D02" pitchFamily="82" charset="0"/>
-              <a:sym typeface="Wingdings" panose="05000000000000000000" pitchFamily="2" charset="2"/>
-            </a:endParaRPr>
           </a:p>
         </p:txBody>
       </p:sp>
@@ -3193,6 +3189,19 @@
           <a:p>
             <a:pPr algn="ctr"/>
             <a:r>
+              <a:rPr lang="de-DE" sz="3600" dirty="0" err="1">
+                <a:effectLst>
+                  <a:outerShdw blurRad="38100" dist="38100" dir="2700000" algn="tl">
+                    <a:srgbClr val="000000">
+                      <a:alpha val="43137"/>
+                    </a:srgbClr>
+                  </a:outerShdw>
+                </a:effectLst>
+                <a:latin typeface="Gabriola" panose="04040605051002020D02" pitchFamily="82" charset="0"/>
+              </a:rPr>
+              <a:t>f</a:t>
+            </a:r>
+            <a:r>
               <a:rPr lang="de-DE" sz="3600" dirty="0" err="1" smtClean="0">
                 <a:effectLst>
                   <a:outerShdw blurRad="38100" dist="38100" dir="2700000" algn="tl">
@@ -3203,7 +3212,7 @@
                 </a:effectLst>
                 <a:latin typeface="Gabriola" panose="04040605051002020D02" pitchFamily="82" charset="0"/>
               </a:rPr>
-              <a:t>From</a:t>
+              <a:t>rom</a:t>
             </a:r>
             <a:r>
               <a:rPr lang="de-DE" sz="3600" dirty="0" smtClean="0">
@@ -3219,6 +3228,19 @@
               <a:t> </a:t>
             </a:r>
             <a:r>
+              <a:rPr lang="de-DE" sz="3600" dirty="0" err="1">
+                <a:effectLst>
+                  <a:outerShdw blurRad="38100" dist="38100" dir="2700000" algn="tl">
+                    <a:srgbClr val="000000">
+                      <a:alpha val="43137"/>
+                    </a:srgbClr>
+                  </a:outerShdw>
+                </a:effectLst>
+                <a:latin typeface="Gabriola" panose="04040605051002020D02" pitchFamily="82" charset="0"/>
+              </a:rPr>
+              <a:t>O</a:t>
+            </a:r>
+            <a:r>
               <a:rPr lang="de-DE" sz="3600" dirty="0" err="1" smtClean="0">
                 <a:effectLst>
                   <a:outerShdw blurRad="38100" dist="38100" dir="2700000" algn="tl">
@@ -3229,7 +3251,7 @@
                 </a:effectLst>
                 <a:latin typeface="Gabriola" panose="04040605051002020D02" pitchFamily="82" charset="0"/>
               </a:rPr>
-              <a:t>one</a:t>
+              <a:t>ne</a:t>
             </a:r>
             <a:r>
               <a:rPr lang="de-DE" sz="3600" dirty="0" smtClean="0">
@@ -3245,6 +3267,32 @@
               <a:t> </a:t>
             </a:r>
             <a:r>
+              <a:rPr lang="de-DE" sz="3600" dirty="0">
+                <a:effectLst>
+                  <a:outerShdw blurRad="38100" dist="38100" dir="2700000" algn="tl">
+                    <a:srgbClr val="000000">
+                      <a:alpha val="43137"/>
+                    </a:srgbClr>
+                  </a:outerShdw>
+                </a:effectLst>
+                <a:latin typeface="Gabriola" panose="04040605051002020D02" pitchFamily="82" charset="0"/>
+              </a:rPr>
+              <a:t>T</a:t>
+            </a:r>
+            <a:r>
+              <a:rPr lang="de-DE" sz="3600" dirty="0" smtClean="0">
+                <a:effectLst>
+                  <a:outerShdw blurRad="38100" dist="38100" dir="2700000" algn="tl">
+                    <a:srgbClr val="000000">
+                      <a:alpha val="43137"/>
+                    </a:srgbClr>
+                  </a:outerShdw>
+                </a:effectLst>
+                <a:latin typeface="Gabriola" panose="04040605051002020D02" pitchFamily="82" charset="0"/>
+              </a:rPr>
+              <a:t>est      </a:t>
+            </a:r>
+            <a:r>
               <a:rPr lang="de-DE" sz="3600" dirty="0" err="1" smtClean="0">
                 <a:effectLst>
                   <a:outerShdw blurRad="38100" dist="38100" dir="2700000" algn="tl">
@@ -3255,7 +3303,7 @@
                 </a:effectLst>
                 <a:latin typeface="Gabriola" panose="04040605051002020D02" pitchFamily="82" charset="0"/>
               </a:rPr>
-              <a:t>test</a:t>
+              <a:t>to</a:t>
             </a:r>
             <a:r>
               <a:rPr lang="de-DE" sz="3600" dirty="0" smtClean="0">
@@ -3268,7 +3316,20 @@
                 </a:effectLst>
                 <a:latin typeface="Gabriola" panose="04040605051002020D02" pitchFamily="82" charset="0"/>
               </a:rPr>
-              <a:t> </a:t>
+              <a:t>      </a:t>
+            </a:r>
+            <a:r>
+              <a:rPr lang="de-DE" sz="3600" dirty="0" err="1">
+                <a:effectLst>
+                  <a:outerShdw blurRad="38100" dist="38100" dir="2700000" algn="tl">
+                    <a:srgbClr val="000000">
+                      <a:alpha val="43137"/>
+                    </a:srgbClr>
+                  </a:outerShdw>
+                </a:effectLst>
+                <a:latin typeface="Gabriola" panose="04040605051002020D02" pitchFamily="82" charset="0"/>
+              </a:rPr>
+              <a:t>M</a:t>
             </a:r>
             <a:r>
               <a:rPr lang="de-DE" sz="3600" dirty="0" err="1" smtClean="0">
@@ -3281,7 +3342,7 @@
                 </a:effectLst>
                 <a:latin typeface="Gabriola" panose="04040605051002020D02" pitchFamily="82" charset="0"/>
               </a:rPr>
-              <a:t>to</a:t>
+              <a:t>any</a:t>
             </a:r>
             <a:r>
               <a:rPr lang="de-DE" sz="3600" dirty="0" smtClean="0">
@@ -3297,7 +3358,7 @@
               <a:t> </a:t>
             </a:r>
             <a:r>
-              <a:rPr lang="de-DE" sz="3600" dirty="0" err="1" smtClean="0">
+              <a:rPr lang="de-DE" sz="3600" dirty="0">
                 <a:effectLst>
                   <a:outerShdw blurRad="38100" dist="38100" dir="2700000" algn="tl">
                     <a:srgbClr val="000000">
@@ -3307,7 +3368,7 @@
                 </a:effectLst>
                 <a:latin typeface="Gabriola" panose="04040605051002020D02" pitchFamily="82" charset="0"/>
               </a:rPr>
-              <a:t>many</a:t>
+              <a:t>T</a:t>
             </a:r>
             <a:r>
               <a:rPr lang="de-DE" sz="3600" dirty="0" smtClean="0">
@@ -3320,20 +3381,7 @@
                 </a:effectLst>
                 <a:latin typeface="Gabriola" panose="04040605051002020D02" pitchFamily="82" charset="0"/>
               </a:rPr>
-              <a:t> </a:t>
-            </a:r>
-            <a:r>
-              <a:rPr lang="de-DE" sz="3600" dirty="0" err="1" smtClean="0">
-                <a:effectLst>
-                  <a:outerShdw blurRad="38100" dist="38100" dir="2700000" algn="tl">
-                    <a:srgbClr val="000000">
-                      <a:alpha val="43137"/>
-                    </a:srgbClr>
-                  </a:outerShdw>
-                </a:effectLst>
-                <a:latin typeface="Gabriola" panose="04040605051002020D02" pitchFamily="82" charset="0"/>
-              </a:rPr>
-              <a:t>tests</a:t>
+              <a:t>ests</a:t>
             </a:r>
             <a:endParaRPr lang="en-US" sz="3600" dirty="0">
               <a:effectLst>
@@ -3375,6 +3423,18 @@
               <a:rPr lang="de-DE" sz="3200" dirty="0" err="1" smtClean="0">
                 <a:latin typeface="Gabriola" panose="04040605051002020D02" pitchFamily="82" charset="0"/>
               </a:rPr>
+              <a:t>NCase</a:t>
+            </a:r>
+            <a:r>
+              <a:rPr lang="de-DE" sz="3200" dirty="0" smtClean="0">
+                <a:latin typeface="Gabriola" panose="04040605051002020D02" pitchFamily="82" charset="0"/>
+              </a:rPr>
+              <a:t> </a:t>
+            </a:r>
+            <a:r>
+              <a:rPr lang="de-DE" sz="3200" dirty="0" err="1" smtClean="0">
+                <a:latin typeface="Gabriola" panose="04040605051002020D02" pitchFamily="82" charset="0"/>
+              </a:rPr>
               <a:t>Many</a:t>
             </a:r>
             <a:r>
@@ -3384,10 +3444,16 @@
               <a:t> </a:t>
             </a:r>
             <a:r>
-              <a:rPr lang="de-DE" sz="3200" dirty="0" err="1" smtClean="0">
-                <a:latin typeface="Gabriola" panose="04040605051002020D02" pitchFamily="82" charset="0"/>
-              </a:rPr>
-              <a:t>tests</a:t>
+              <a:rPr lang="de-DE" sz="3200" dirty="0">
+                <a:latin typeface="Gabriola" panose="04040605051002020D02" pitchFamily="82" charset="0"/>
+              </a:rPr>
+              <a:t>T</a:t>
+            </a:r>
+            <a:r>
+              <a:rPr lang="de-DE" sz="3200" dirty="0" smtClean="0">
+                <a:latin typeface="Gabriola" panose="04040605051002020D02" pitchFamily="82" charset="0"/>
+              </a:rPr>
+              <a:t>ests</a:t>
             </a:r>
             <a:endParaRPr lang="en-US" sz="3200" dirty="0">
               <a:latin typeface="Gabriola" panose="04040605051002020D02" pitchFamily="82" charset="0"/>
@@ -3530,25 +3596,25 @@
               <a:rPr lang="de-DE" sz="3200" dirty="0" err="1" smtClean="0">
                 <a:latin typeface="Gabriola" panose="04040605051002020D02" pitchFamily="82" charset="0"/>
               </a:rPr>
+              <a:t>NCase</a:t>
+            </a:r>
+            <a:r>
+              <a:rPr lang="de-DE" sz="3200" dirty="0" smtClean="0">
+                <a:latin typeface="Gabriola" panose="04040605051002020D02" pitchFamily="82" charset="0"/>
+              </a:rPr>
+              <a:t> </a:t>
+            </a:r>
+            <a:r>
+              <a:rPr lang="de-DE" sz="3200" dirty="0" err="1" smtClean="0">
+                <a:latin typeface="Gabriola" panose="04040605051002020D02" pitchFamily="82" charset="0"/>
+              </a:rPr>
               <a:t>One</a:t>
             </a:r>
             <a:r>
               <a:rPr lang="de-DE" sz="3200" dirty="0" smtClean="0">
                 <a:latin typeface="Gabriola" panose="04040605051002020D02" pitchFamily="82" charset="0"/>
               </a:rPr>
-              <a:t> </a:t>
-            </a:r>
-            <a:r>
-              <a:rPr lang="de-DE" sz="3200" dirty="0" err="1" smtClean="0">
-                <a:latin typeface="Gabriola" panose="04040605051002020D02" pitchFamily="82" charset="0"/>
-              </a:rPr>
-              <a:t>test</a:t>
-            </a:r>
-            <a:r>
-              <a:rPr lang="de-DE" sz="3200" dirty="0" smtClean="0">
-                <a:latin typeface="Gabriola" panose="04040605051002020D02" pitchFamily="82" charset="0"/>
-              </a:rPr>
-              <a:t> </a:t>
+              <a:t> Test </a:t>
             </a:r>
             <a:endParaRPr lang="en-US" sz="3200" dirty="0">
               <a:latin typeface="Gabriola" panose="04040605051002020D02" pitchFamily="82" charset="0"/>
@@ -4141,8 +4207,8 @@
         </p:nvSpPr>
         <p:spPr>
           <a:xfrm>
-            <a:off x="913493" y="2079569"/>
-            <a:ext cx="3657601" cy="1077218"/>
+            <a:off x="532493" y="1571569"/>
+            <a:ext cx="3657601" cy="2554545"/>
           </a:xfrm>
           <a:prstGeom prst="rect">
             <a:avLst/>
@@ -4155,7 +4221,6 @@
           </a:bodyPr>
           <a:lstStyle/>
           <a:p>
-            <a:pPr algn="ctr"/>
             <a:r>
               <a:rPr lang="de-DE" sz="3200" dirty="0" smtClean="0">
                 <a:latin typeface="Gabriola" panose="04040605051002020D02" pitchFamily="82" charset="0"/>
@@ -4183,13 +4248,67 @@
               <a:rPr lang="de-DE" sz="3200" dirty="0" smtClean="0">
                 <a:latin typeface="Gabriola" panose="04040605051002020D02" pitchFamily="82" charset="0"/>
               </a:rPr>
-              <a:t>!</a:t>
-            </a:r>
+              <a:t> </a:t>
+            </a:r>
+            <a:r>
+              <a:rPr lang="de-DE" sz="3200" dirty="0" err="1" smtClean="0">
+                <a:latin typeface="Gabriola" panose="04040605051002020D02" pitchFamily="82" charset="0"/>
+              </a:rPr>
+              <a:t>between</a:t>
+            </a:r>
+            <a:endParaRPr lang="de-DE" sz="3200" dirty="0" smtClean="0">
+              <a:latin typeface="Gabriola" panose="04040605051002020D02" pitchFamily="82" charset="0"/>
+            </a:endParaRPr>
+          </a:p>
+          <a:p>
+            <a:pPr marL="457200" indent="-457200">
+              <a:buFontTx/>
+              <a:buChar char="-"/>
+            </a:pPr>
+            <a:r>
+              <a:rPr lang="de-DE" sz="3200" dirty="0" err="1" smtClean="0">
+                <a:latin typeface="Gabriola" panose="04040605051002020D02" pitchFamily="82" charset="0"/>
+              </a:rPr>
+              <a:t>Titles</a:t>
+            </a:r>
+            <a:endParaRPr lang="de-DE" sz="3200" dirty="0" smtClean="0">
+              <a:latin typeface="Gabriola" panose="04040605051002020D02" pitchFamily="82" charset="0"/>
+            </a:endParaRPr>
+          </a:p>
+          <a:p>
+            <a:pPr marL="457200" indent="-457200">
+              <a:buFontTx/>
+              <a:buChar char="-"/>
+            </a:pPr>
             <a:r>
               <a:rPr lang="de-DE" sz="3200" dirty="0" smtClean="0">
                 <a:latin typeface="Gabriola" panose="04040605051002020D02" pitchFamily="82" charset="0"/>
               </a:rPr>
+              <a:t>Due Dates</a:t>
+            </a:r>
+          </a:p>
+          <a:p>
+            <a:pPr marL="457200" indent="-457200">
+              <a:buFontTx/>
+              <a:buChar char="-"/>
+            </a:pPr>
+            <a:r>
+              <a:rPr lang="de-DE" sz="3200" dirty="0" err="1" smtClean="0">
+                <a:latin typeface="Gabriola" panose="04040605051002020D02" pitchFamily="82" charset="0"/>
+              </a:rPr>
+              <a:t>IsDone</a:t>
+            </a:r>
+            <a:r>
+              <a:rPr lang="de-DE" sz="3200" dirty="0" smtClean="0">
+                <a:latin typeface="Gabriola" panose="04040605051002020D02" pitchFamily="82" charset="0"/>
+              </a:rPr>
               <a:t> </a:t>
+            </a:r>
+            <a:r>
+              <a:rPr lang="de-DE" sz="3200" dirty="0" err="1" smtClean="0">
+                <a:latin typeface="Gabriola" panose="04040605051002020D02" pitchFamily="82" charset="0"/>
+              </a:rPr>
+              <a:t>values</a:t>
             </a:r>
             <a:endParaRPr lang="en-US" sz="3200" dirty="0">
               <a:latin typeface="Gabriola" panose="04040605051002020D02" pitchFamily="82" charset="0"/>
@@ -4656,9 +4775,6 @@
               </a:rPr>
               <a:t>3</a:t>
             </a:r>
-            <a:endParaRPr lang="en-US" sz="2400" dirty="0">
-              <a:latin typeface="Arial Black" panose="020B0A04020102020204" pitchFamily="34" charset="0"/>
-            </a:endParaRPr>
           </a:p>
         </p:txBody>
       </p:sp>
@@ -12257,7 +12373,13 @@
               <a:rPr lang="de-DE" sz="3200" dirty="0" smtClean="0">
                 <a:latin typeface="Gabriola" panose="04040605051002020D02" pitchFamily="82" charset="0"/>
               </a:rPr>
-              <a:t> &amp; Paste</a:t>
+              <a:t> &amp; </a:t>
+            </a:r>
+            <a:r>
+              <a:rPr lang="de-DE" sz="3200" dirty="0" smtClean="0">
+                <a:latin typeface="Gabriola" panose="04040605051002020D02" pitchFamily="82" charset="0"/>
+              </a:rPr>
+              <a:t>Paste &amp; Change</a:t>
             </a:r>
             <a:endParaRPr lang="en-US" sz="3200" dirty="0">
               <a:latin typeface="Gabriola" panose="04040605051002020D02" pitchFamily="82" charset="0"/>
@@ -12705,16 +12827,16 @@
               <a:t>Various syntaxes with </a:t>
             </a:r>
             <a:r>
-              <a:rPr lang="en-US" sz="2400" dirty="0">
-                <a:latin typeface="Gabriola" panose="04040605051002020D02" pitchFamily="82" charset="0"/>
-              </a:rPr>
-              <a:t>t</a:t>
-            </a:r>
-            <a:r>
               <a:rPr lang="en-US" sz="2400" dirty="0" smtClean="0">
                 <a:latin typeface="Gabriola" panose="04040605051002020D02" pitchFamily="82" charset="0"/>
               </a:rPr>
-              <a:t>rade-off </a:t>
+              <a:t>bad trade-off </a:t>
+            </a:r>
+            <a:r>
+              <a:rPr lang="en-US" sz="2400" dirty="0" smtClean="0">
+                <a:latin typeface="Gabriola" panose="04040605051002020D02" pitchFamily="82" charset="0"/>
+              </a:rPr>
+              <a:t/>
             </a:r>
             <a:br>
               <a:rPr lang="en-US" sz="2400" dirty="0" smtClean="0">
@@ -13922,10 +14044,16 @@
               <a:t> </a:t>
             </a:r>
             <a:r>
-              <a:rPr lang="de-DE" sz="3200" dirty="0" err="1" smtClean="0">
-                <a:latin typeface="Gabriola" panose="04040605051002020D02" pitchFamily="82" charset="0"/>
-              </a:rPr>
-              <a:t>test</a:t>
+              <a:rPr lang="de-DE" sz="3200" dirty="0">
+                <a:latin typeface="Gabriola" panose="04040605051002020D02" pitchFamily="82" charset="0"/>
+              </a:rPr>
+              <a:t>T</a:t>
+            </a:r>
+            <a:r>
+              <a:rPr lang="de-DE" sz="3200" dirty="0" smtClean="0">
+                <a:latin typeface="Gabriola" panose="04040605051002020D02" pitchFamily="82" charset="0"/>
+              </a:rPr>
+              <a:t>est</a:t>
             </a:r>
             <a:endParaRPr lang="en-US" sz="3200" dirty="0">
               <a:latin typeface="Gabriola" panose="04040605051002020D02" pitchFamily="82" charset="0"/>
@@ -13967,7 +14095,7 @@
                 </a:effectLst>
                 <a:latin typeface="Gabriola" panose="04040605051002020D02" pitchFamily="82" charset="0"/>
               </a:rPr>
-              <a:t>F</a:t>
+              <a:t>f</a:t>
             </a:r>
             <a:r>
               <a:rPr lang="de-DE" sz="3600" dirty="0" err="1" smtClean="0">
@@ -13993,7 +14121,7 @@
                 </a:effectLst>
                 <a:latin typeface="Gabriola" panose="04040605051002020D02" pitchFamily="82" charset="0"/>
               </a:rPr>
-              <a:t> </a:t>
+              <a:t>     </a:t>
             </a:r>
             <a:r>
               <a:rPr lang="de-DE" sz="3600" dirty="0" err="1" smtClean="0">
@@ -14006,7 +14134,20 @@
                 </a:effectLst>
                 <a:latin typeface="Gabriola" panose="04040605051002020D02" pitchFamily="82" charset="0"/>
               </a:rPr>
-              <a:t>conventional</a:t>
+              <a:t>C</a:t>
+            </a:r>
+            <a:r>
+              <a:rPr lang="de-DE" sz="3600" dirty="0" err="1" smtClean="0">
+                <a:effectLst>
+                  <a:outerShdw blurRad="38100" dist="38100" dir="2700000" algn="tl">
+                    <a:srgbClr val="000000">
+                      <a:alpha val="43137"/>
+                    </a:srgbClr>
+                  </a:outerShdw>
+                </a:effectLst>
+                <a:latin typeface="Gabriola" panose="04040605051002020D02" pitchFamily="82" charset="0"/>
+              </a:rPr>
+              <a:t>onventional</a:t>
             </a:r>
             <a:r>
               <a:rPr lang="de-DE" sz="3600" dirty="0" smtClean="0">
@@ -14022,6 +14163,32 @@
               <a:t> </a:t>
             </a:r>
             <a:r>
+              <a:rPr lang="de-DE" sz="3600" dirty="0">
+                <a:effectLst>
+                  <a:outerShdw blurRad="38100" dist="38100" dir="2700000" algn="tl">
+                    <a:srgbClr val="000000">
+                      <a:alpha val="43137"/>
+                    </a:srgbClr>
+                  </a:outerShdw>
+                </a:effectLst>
+                <a:latin typeface="Gabriola" panose="04040605051002020D02" pitchFamily="82" charset="0"/>
+              </a:rPr>
+              <a:t>T</a:t>
+            </a:r>
+            <a:r>
+              <a:rPr lang="de-DE" sz="3600" dirty="0" smtClean="0">
+                <a:effectLst>
+                  <a:outerShdw blurRad="38100" dist="38100" dir="2700000" algn="tl">
+                    <a:srgbClr val="000000">
+                      <a:alpha val="43137"/>
+                    </a:srgbClr>
+                  </a:outerShdw>
+                </a:effectLst>
+                <a:latin typeface="Gabriola" panose="04040605051002020D02" pitchFamily="82" charset="0"/>
+              </a:rPr>
+              <a:t>est     </a:t>
+            </a:r>
+            <a:r>
               <a:rPr lang="de-DE" sz="3600" dirty="0" err="1" smtClean="0">
                 <a:effectLst>
                   <a:outerShdw blurRad="38100" dist="38100" dir="2700000" algn="tl">
@@ -14032,7 +14199,7 @@
                 </a:effectLst>
                 <a:latin typeface="Gabriola" panose="04040605051002020D02" pitchFamily="82" charset="0"/>
               </a:rPr>
-              <a:t>test</a:t>
+              <a:t>to</a:t>
             </a:r>
             <a:r>
               <a:rPr lang="de-DE" sz="3600" dirty="0" smtClean="0">
@@ -14045,33 +14212,7 @@
                 </a:effectLst>
                 <a:latin typeface="Gabriola" panose="04040605051002020D02" pitchFamily="82" charset="0"/>
               </a:rPr>
-              <a:t> </a:t>
-            </a:r>
-            <a:r>
-              <a:rPr lang="de-DE" sz="3600" dirty="0" err="1" smtClean="0">
-                <a:effectLst>
-                  <a:outerShdw blurRad="38100" dist="38100" dir="2700000" algn="tl">
-                    <a:srgbClr val="000000">
-                      <a:alpha val="43137"/>
-                    </a:srgbClr>
-                  </a:outerShdw>
-                </a:effectLst>
-                <a:latin typeface="Gabriola" panose="04040605051002020D02" pitchFamily="82" charset="0"/>
-              </a:rPr>
-              <a:t>to</a:t>
-            </a:r>
-            <a:r>
-              <a:rPr lang="de-DE" sz="3600" dirty="0" smtClean="0">
-                <a:effectLst>
-                  <a:outerShdw blurRad="38100" dist="38100" dir="2700000" algn="tl">
-                    <a:srgbClr val="000000">
-                      <a:alpha val="43137"/>
-                    </a:srgbClr>
-                  </a:outerShdw>
-                </a:effectLst>
-                <a:latin typeface="Gabriola" panose="04040605051002020D02" pitchFamily="82" charset="0"/>
-              </a:rPr>
-              <a:t> </a:t>
+              <a:t>     </a:t>
             </a:r>
             <a:r>
               <a:rPr lang="de-DE" sz="3600" dirty="0" err="1" smtClean="0">
@@ -14096,6 +14237,46 @@
               </a:effectLst>
               <a:latin typeface="Gabriola" panose="04040605051002020D02" pitchFamily="82" charset="0"/>
             </a:endParaRPr>
+          </a:p>
+        </p:txBody>
+      </p:sp>
+      <p:sp>
+        <p:nvSpPr>
+          <p:cNvPr id="18" name="Right Arrow 17"/>
+          <p:cNvSpPr/>
+          <p:nvPr/>
+        </p:nvSpPr>
+        <p:spPr>
+          <a:xfrm>
+            <a:off x="4190094" y="720420"/>
+            <a:ext cx="762000" cy="359292"/>
+          </a:xfrm>
+          <a:prstGeom prst="rightArrow">
+            <a:avLst/>
+          </a:prstGeom>
+        </p:spPr>
+        <p:style>
+          <a:lnRef idx="2">
+            <a:schemeClr val="accent1">
+              <a:shade val="50000"/>
+            </a:schemeClr>
+          </a:lnRef>
+          <a:fillRef idx="1">
+            <a:schemeClr val="accent1"/>
+          </a:fillRef>
+          <a:effectRef idx="0">
+            <a:schemeClr val="accent1"/>
+          </a:effectRef>
+          <a:fontRef idx="minor">
+            <a:schemeClr val="lt1"/>
+          </a:fontRef>
+        </p:style>
+        <p:txBody>
+          <a:bodyPr rtlCol="0" anchor="ctr"/>
+          <a:lstStyle/>
+          <a:p>
+            <a:pPr algn="ctr"/>
+            <a:endParaRPr lang="en-US"/>
           </a:p>
         </p:txBody>
       </p:sp>

--- a/src/Documentation/Slides/Slides.pptx
+++ b/src/Documentation/Slides/Slides.pptx
@@ -16,25 +16,27 @@
     <p:sldId id="292" r:id="rId10"/>
     <p:sldId id="284" r:id="rId11"/>
     <p:sldId id="295" r:id="rId12"/>
-    <p:sldId id="303" r:id="rId13"/>
-    <p:sldId id="296" r:id="rId14"/>
-    <p:sldId id="304" r:id="rId15"/>
-    <p:sldId id="297" r:id="rId16"/>
-    <p:sldId id="298" r:id="rId17"/>
-    <p:sldId id="299" r:id="rId18"/>
-    <p:sldId id="300" r:id="rId19"/>
-    <p:sldId id="256" r:id="rId20"/>
-    <p:sldId id="258" r:id="rId21"/>
-    <p:sldId id="260" r:id="rId22"/>
-    <p:sldId id="261" r:id="rId23"/>
-    <p:sldId id="257" r:id="rId24"/>
-    <p:sldId id="259" r:id="rId25"/>
-    <p:sldId id="262" r:id="rId26"/>
-    <p:sldId id="263" r:id="rId27"/>
-    <p:sldId id="264" r:id="rId28"/>
-    <p:sldId id="265" r:id="rId29"/>
-    <p:sldId id="305" r:id="rId30"/>
-    <p:sldId id="301" r:id="rId31"/>
+    <p:sldId id="306" r:id="rId13"/>
+    <p:sldId id="303" r:id="rId14"/>
+    <p:sldId id="296" r:id="rId15"/>
+    <p:sldId id="304" r:id="rId16"/>
+    <p:sldId id="309" r:id="rId17"/>
+    <p:sldId id="310" r:id="rId18"/>
+    <p:sldId id="311" r:id="rId19"/>
+    <p:sldId id="300" r:id="rId20"/>
+    <p:sldId id="256" r:id="rId21"/>
+    <p:sldId id="258" r:id="rId22"/>
+    <p:sldId id="260" r:id="rId23"/>
+    <p:sldId id="261" r:id="rId24"/>
+    <p:sldId id="257" r:id="rId25"/>
+    <p:sldId id="259" r:id="rId26"/>
+    <p:sldId id="262" r:id="rId27"/>
+    <p:sldId id="263" r:id="rId28"/>
+    <p:sldId id="264" r:id="rId29"/>
+    <p:sldId id="265" r:id="rId30"/>
+    <p:sldId id="308" r:id="rId31"/>
+    <p:sldId id="301" r:id="rId32"/>
+    <p:sldId id="307" r:id="rId33"/>
   </p:sldIdLst>
   <p:sldSz cx="9144000" cy="5143500" type="screen16x9"/>
   <p:notesSz cx="6858000" cy="9144000"/>
@@ -151,6 +153,11 @@
             <a:srgbClr val="A4A3A4"/>
           </p15:clr>
         </p15:guide>
+        <p15:guide id="7" pos="2880">
+          <p15:clr>
+            <a:srgbClr val="A4A3A4"/>
+          </p15:clr>
+        </p15:guide>
       </p15:sldGuideLst>
     </p:ext>
   </p:extLst>
@@ -288,7 +295,7 @@
           <a:p>
             <a:fld id="{AF1194EC-C915-441E-AD9A-616349DBA75B}" type="datetimeFigureOut">
               <a:rPr lang="en-US" smtClean="0"/>
-              <a:t>2/5/2016</a:t>
+              <a:t>2/7/2016</a:t>
             </a:fld>
             <a:endParaRPr lang="en-US"/>
           </a:p>
@@ -458,7 +465,7 @@
           <a:p>
             <a:fld id="{AF1194EC-C915-441E-AD9A-616349DBA75B}" type="datetimeFigureOut">
               <a:rPr lang="en-US" smtClean="0"/>
-              <a:t>2/5/2016</a:t>
+              <a:t>2/7/2016</a:t>
             </a:fld>
             <a:endParaRPr lang="en-US"/>
           </a:p>
@@ -638,7 +645,7 @@
           <a:p>
             <a:fld id="{AF1194EC-C915-441E-AD9A-616349DBA75B}" type="datetimeFigureOut">
               <a:rPr lang="en-US" smtClean="0"/>
-              <a:t>2/5/2016</a:t>
+              <a:t>2/7/2016</a:t>
             </a:fld>
             <a:endParaRPr lang="en-US"/>
           </a:p>
@@ -808,7 +815,7 @@
           <a:p>
             <a:fld id="{AF1194EC-C915-441E-AD9A-616349DBA75B}" type="datetimeFigureOut">
               <a:rPr lang="en-US" smtClean="0"/>
-              <a:t>2/5/2016</a:t>
+              <a:t>2/7/2016</a:t>
             </a:fld>
             <a:endParaRPr lang="en-US"/>
           </a:p>
@@ -1054,7 +1061,7 @@
           <a:p>
             <a:fld id="{AF1194EC-C915-441E-AD9A-616349DBA75B}" type="datetimeFigureOut">
               <a:rPr lang="en-US" smtClean="0"/>
-              <a:t>2/5/2016</a:t>
+              <a:t>2/7/2016</a:t>
             </a:fld>
             <a:endParaRPr lang="en-US"/>
           </a:p>
@@ -1286,7 +1293,7 @@
           <a:p>
             <a:fld id="{AF1194EC-C915-441E-AD9A-616349DBA75B}" type="datetimeFigureOut">
               <a:rPr lang="en-US" smtClean="0"/>
-              <a:t>2/5/2016</a:t>
+              <a:t>2/7/2016</a:t>
             </a:fld>
             <a:endParaRPr lang="en-US"/>
           </a:p>
@@ -1653,7 +1660,7 @@
           <a:p>
             <a:fld id="{AF1194EC-C915-441E-AD9A-616349DBA75B}" type="datetimeFigureOut">
               <a:rPr lang="en-US" smtClean="0"/>
-              <a:t>2/5/2016</a:t>
+              <a:t>2/7/2016</a:t>
             </a:fld>
             <a:endParaRPr lang="en-US"/>
           </a:p>
@@ -1771,7 +1778,7 @@
           <a:p>
             <a:fld id="{AF1194EC-C915-441E-AD9A-616349DBA75B}" type="datetimeFigureOut">
               <a:rPr lang="en-US" smtClean="0"/>
-              <a:t>2/5/2016</a:t>
+              <a:t>2/7/2016</a:t>
             </a:fld>
             <a:endParaRPr lang="en-US"/>
           </a:p>
@@ -1866,7 +1873,7 @@
           <a:p>
             <a:fld id="{AF1194EC-C915-441E-AD9A-616349DBA75B}" type="datetimeFigureOut">
               <a:rPr lang="en-US" smtClean="0"/>
-              <a:t>2/5/2016</a:t>
+              <a:t>2/7/2016</a:t>
             </a:fld>
             <a:endParaRPr lang="en-US"/>
           </a:p>
@@ -2143,7 +2150,7 @@
           <a:p>
             <a:fld id="{AF1194EC-C915-441E-AD9A-616349DBA75B}" type="datetimeFigureOut">
               <a:rPr lang="en-US" smtClean="0"/>
-              <a:t>2/5/2016</a:t>
+              <a:t>2/7/2016</a:t>
             </a:fld>
             <a:endParaRPr lang="en-US"/>
           </a:p>
@@ -2396,7 +2403,7 @@
           <a:p>
             <a:fld id="{AF1194EC-C915-441E-AD9A-616349DBA75B}" type="datetimeFigureOut">
               <a:rPr lang="en-US" smtClean="0"/>
-              <a:t>2/5/2016</a:t>
+              <a:t>2/7/2016</a:t>
             </a:fld>
             <a:endParaRPr lang="en-US"/>
           </a:p>
@@ -2615,7 +2622,7 @@
           <a:p>
             <a:fld id="{AF1194EC-C915-441E-AD9A-616349DBA75B}" type="datetimeFigureOut">
               <a:rPr lang="en-US" smtClean="0"/>
-              <a:t>2/5/2016</a:t>
+              <a:t>2/7/2016</a:t>
             </a:fld>
             <a:endParaRPr lang="en-US"/>
           </a:p>
@@ -3989,9 +3996,6 @@
               </a:rPr>
               <a:t>1 Title</a:t>
             </a:r>
-            <a:endParaRPr lang="de-DE" sz="3200" dirty="0" smtClean="0">
-              <a:latin typeface="Gabriola" panose="04040605051002020D02" pitchFamily="82" charset="0"/>
-            </a:endParaRPr>
           </a:p>
           <a:p>
             <a:pPr marL="457200" indent="-457200">
@@ -4004,9 +4008,6 @@
               </a:rPr>
               <a:t>1 Due Date</a:t>
             </a:r>
-            <a:endParaRPr lang="de-DE" sz="3200" dirty="0" smtClean="0">
-              <a:latin typeface="Gabriola" panose="04040605051002020D02" pitchFamily="82" charset="0"/>
-            </a:endParaRPr>
           </a:p>
           <a:p>
             <a:pPr marL="457200" indent="-457200">
@@ -4368,13 +4369,7 @@
               <a:rPr lang="de-DE" sz="3200" dirty="0" smtClean="0">
                 <a:latin typeface="Gabriola" panose="04040605051002020D02" pitchFamily="82" charset="0"/>
               </a:rPr>
-              <a:t> </a:t>
-            </a:r>
-            <a:r>
-              <a:rPr lang="de-DE" sz="3200" dirty="0" smtClean="0">
-                <a:latin typeface="Gabriola" panose="04040605051002020D02" pitchFamily="82" charset="0"/>
-              </a:rPr>
-              <a:t>all </a:t>
+              <a:t> all </a:t>
             </a:r>
             <a:r>
               <a:rPr lang="de-DE" sz="3200" dirty="0" err="1" smtClean="0">
@@ -4441,6 +4436,20 @@
 <file path=ppt/slides/slide12.xml><?xml version="1.0" encoding="utf-8"?>
 <p:sld xmlns:a="http://schemas.openxmlformats.org/drawingml/2006/main" xmlns:r="http://schemas.openxmlformats.org/officeDocument/2006/relationships" xmlns:p="http://schemas.openxmlformats.org/presentationml/2006/main">
   <p:cSld>
+    <p:bg>
+      <p:bgPr>
+        <a:blipFill dpi="0" rotWithShape="1">
+          <a:blip r:embed="rId2">
+            <a:lum/>
+          </a:blip>
+          <a:srcRect/>
+          <a:stretch>
+            <a:fillRect/>
+          </a:stretch>
+        </a:blipFill>
+        <a:effectLst/>
+      </p:bgPr>
+    </p:bg>
     <p:spTree>
       <p:nvGrpSpPr>
         <p:cNvPr id="1" name=""/>
@@ -4457,14 +4466,62 @@
       </p:grpSpPr>
       <p:sp>
         <p:nvSpPr>
-          <p:cNvPr id="18" name="Textfeld 17"/>
+          <p:cNvPr id="13" name="Rectangle 12"/>
+          <p:cNvSpPr/>
+          <p:nvPr/>
+        </p:nvSpPr>
+        <p:spPr>
+          <a:xfrm>
+            <a:off x="0" y="0"/>
+            <a:ext cx="9144000" cy="5143500"/>
+          </a:xfrm>
+          <a:prstGeom prst="rect">
+            <a:avLst/>
+          </a:prstGeom>
+          <a:solidFill>
+            <a:schemeClr val="accent1">
+              <a:alpha val="42000"/>
+            </a:schemeClr>
+          </a:solidFill>
+          <a:ln>
+            <a:noFill/>
+          </a:ln>
+        </p:spPr>
+        <p:style>
+          <a:lnRef idx="2">
+            <a:schemeClr val="accent1">
+              <a:shade val="50000"/>
+            </a:schemeClr>
+          </a:lnRef>
+          <a:fillRef idx="1">
+            <a:schemeClr val="accent1"/>
+          </a:fillRef>
+          <a:effectRef idx="0">
+            <a:schemeClr val="accent1"/>
+          </a:effectRef>
+          <a:fontRef idx="minor">
+            <a:schemeClr val="lt1"/>
+          </a:fontRef>
+        </p:style>
+        <p:txBody>
+          <a:bodyPr rtlCol="0" anchor="ctr"/>
+          <a:lstStyle/>
+          <a:p>
+            <a:pPr algn="ctr"/>
+            <a:endParaRPr lang="en-US"/>
+          </a:p>
+        </p:txBody>
+      </p:sp>
+      <p:sp>
+        <p:nvSpPr>
+          <p:cNvPr id="12" name="Textfeld 4"/>
           <p:cNvSpPr txBox="1"/>
           <p:nvPr/>
         </p:nvSpPr>
         <p:spPr>
           <a:xfrm>
-            <a:off x="2725235" y="1734257"/>
-            <a:ext cx="3444721" cy="1200329"/>
+            <a:off x="0" y="0"/>
+            <a:ext cx="9144000" cy="646331"/>
           </a:xfrm>
           <a:prstGeom prst="rect">
             <a:avLst/>
@@ -4479,7 +4536,7 @@
           <a:p>
             <a:pPr algn="ctr"/>
             <a:r>
-              <a:rPr lang="de-DE" sz="7200" dirty="0" err="1" smtClean="0">
+              <a:rPr lang="de-DE" sz="3600" dirty="0" err="1" smtClean="0">
                 <a:effectLst>
                   <a:outerShdw blurRad="38100" dist="38100" dir="2700000" algn="tl">
                     <a:srgbClr val="000000">
@@ -4489,9 +4546,126 @@
                 </a:effectLst>
                 <a:latin typeface="Gabriola" panose="04040605051002020D02" pitchFamily="82" charset="0"/>
               </a:rPr>
-              <a:t>NCase</a:t>
-            </a:r>
-            <a:endParaRPr lang="en-US" sz="7200" dirty="0">
+              <a:t>from</a:t>
+            </a:r>
+            <a:r>
+              <a:rPr lang="de-DE" sz="3600" dirty="0" smtClean="0">
+                <a:effectLst>
+                  <a:outerShdw blurRad="38100" dist="38100" dir="2700000" algn="tl">
+                    <a:srgbClr val="000000">
+                      <a:alpha val="43137"/>
+                    </a:srgbClr>
+                  </a:outerShdw>
+                </a:effectLst>
+                <a:latin typeface="Gabriola" panose="04040605051002020D02" pitchFamily="82" charset="0"/>
+              </a:rPr>
+              <a:t>   </a:t>
+            </a:r>
+            <a:r>
+              <a:rPr lang="de-DE" sz="3600" dirty="0" err="1" smtClean="0">
+                <a:effectLst>
+                  <a:outerShdw blurRad="38100" dist="38100" dir="2700000" algn="tl">
+                    <a:srgbClr val="000000">
+                      <a:alpha val="43137"/>
+                    </a:srgbClr>
+                  </a:outerShdw>
+                </a:effectLst>
+                <a:latin typeface="Gabriola" panose="04040605051002020D02" pitchFamily="82" charset="0"/>
+              </a:rPr>
+              <a:t>One</a:t>
+            </a:r>
+            <a:r>
+              <a:rPr lang="de-DE" sz="3600" dirty="0" smtClean="0">
+                <a:effectLst>
+                  <a:outerShdw blurRad="38100" dist="38100" dir="2700000" algn="tl">
+                    <a:srgbClr val="000000">
+                      <a:alpha val="43137"/>
+                    </a:srgbClr>
+                  </a:outerShdw>
+                </a:effectLst>
+                <a:latin typeface="Gabriola" panose="04040605051002020D02" pitchFamily="82" charset="0"/>
+              </a:rPr>
+              <a:t> Test   </a:t>
+            </a:r>
+            <a:r>
+              <a:rPr lang="de-DE" sz="3600" dirty="0" err="1" smtClean="0">
+                <a:effectLst>
+                  <a:outerShdw blurRad="38100" dist="38100" dir="2700000" algn="tl">
+                    <a:srgbClr val="000000">
+                      <a:alpha val="43137"/>
+                    </a:srgbClr>
+                  </a:outerShdw>
+                </a:effectLst>
+                <a:latin typeface="Gabriola" panose="04040605051002020D02" pitchFamily="82" charset="0"/>
+              </a:rPr>
+              <a:t>to</a:t>
+            </a:r>
+            <a:r>
+              <a:rPr lang="de-DE" sz="3600" dirty="0" smtClean="0">
+                <a:effectLst>
+                  <a:outerShdw blurRad="38100" dist="38100" dir="2700000" algn="tl">
+                    <a:srgbClr val="000000">
+                      <a:alpha val="43137"/>
+                    </a:srgbClr>
+                  </a:outerShdw>
+                </a:effectLst>
+                <a:latin typeface="Gabriola" panose="04040605051002020D02" pitchFamily="82" charset="0"/>
+              </a:rPr>
+              <a:t>   </a:t>
+            </a:r>
+            <a:r>
+              <a:rPr lang="de-DE" sz="3600" dirty="0" err="1" smtClean="0">
+                <a:effectLst>
+                  <a:outerShdw blurRad="38100" dist="38100" dir="2700000" algn="tl">
+                    <a:srgbClr val="000000">
+                      <a:alpha val="43137"/>
+                    </a:srgbClr>
+                  </a:outerShdw>
+                </a:effectLst>
+                <a:latin typeface="Gabriola" panose="04040605051002020D02" pitchFamily="82" charset="0"/>
+              </a:rPr>
+              <a:t>Many</a:t>
+            </a:r>
+            <a:r>
+              <a:rPr lang="de-DE" sz="3600" dirty="0" smtClean="0">
+                <a:effectLst>
+                  <a:outerShdw blurRad="38100" dist="38100" dir="2700000" algn="tl">
+                    <a:srgbClr val="000000">
+                      <a:alpha val="43137"/>
+                    </a:srgbClr>
+                  </a:outerShdw>
+                </a:effectLst>
+                <a:latin typeface="Gabriola" panose="04040605051002020D02" pitchFamily="82" charset="0"/>
+              </a:rPr>
+              <a:t> </a:t>
+            </a:r>
+            <a:r>
+              <a:rPr lang="de-DE" sz="3600" dirty="0">
+                <a:effectLst>
+                  <a:outerShdw blurRad="38100" dist="38100" dir="2700000" algn="tl">
+                    <a:srgbClr val="000000">
+                      <a:alpha val="43137"/>
+                    </a:srgbClr>
+                  </a:outerShdw>
+                </a:effectLst>
+                <a:latin typeface="Gabriola" panose="04040605051002020D02" pitchFamily="82" charset="0"/>
+              </a:rPr>
+              <a:t>T</a:t>
+            </a:r>
+            <a:r>
+              <a:rPr lang="de-DE" sz="3600" dirty="0" smtClean="0">
+                <a:effectLst>
+                  <a:outerShdw blurRad="38100" dist="38100" dir="2700000" algn="tl">
+                    <a:srgbClr val="000000">
+                      <a:alpha val="43137"/>
+                    </a:srgbClr>
+                  </a:outerShdw>
+                </a:effectLst>
+                <a:latin typeface="Gabriola" panose="04040605051002020D02" pitchFamily="82" charset="0"/>
+              </a:rPr>
+              <a:t>ests</a:t>
+            </a:r>
+            <a:endParaRPr lang="en-US" sz="3600" dirty="0">
               <a:effectLst>
                 <a:outerShdw blurRad="38100" dist="38100" dir="2700000" algn="tl">
                   <a:srgbClr val="000000">
@@ -4504,98 +4678,48 @@
           </a:p>
         </p:txBody>
       </p:sp>
-      <p:sp>
-        <p:nvSpPr>
-          <p:cNvPr id="32" name="Textfeld 9"/>
-          <p:cNvSpPr txBox="1"/>
-          <p:nvPr/>
-        </p:nvSpPr>
-        <p:spPr>
-          <a:xfrm>
-            <a:off x="1303155" y="1467535"/>
-            <a:ext cx="6288882" cy="523220"/>
+      <p:pic>
+        <p:nvPicPr>
+          <p:cNvPr id="2" name="Picture 1"/>
+          <p:cNvPicPr>
+            <a:picLocks noChangeAspect="1"/>
+          </p:cNvPicPr>
+          <p:nvPr/>
+        </p:nvPicPr>
+        <p:blipFill>
+          <a:blip r:link="rId3"/>
+          <a:stretch>
+            <a:fillRect/>
+          </a:stretch>
+        </p:blipFill>
+        <p:spPr>
+          <a:xfrm>
+            <a:off x="3168439" y="898579"/>
+            <a:ext cx="2807121" cy="4062303"/>
           </a:xfrm>
           <a:prstGeom prst="rect">
             <a:avLst/>
           </a:prstGeom>
-          <a:noFill/>
-        </p:spPr>
-        <p:txBody>
-          <a:bodyPr wrap="square" rtlCol="0">
-            <a:spAutoFit/>
-          </a:bodyPr>
-          <a:lstStyle/>
-          <a:p>
-            <a:pPr algn="ctr"/>
-            <a:r>
-              <a:rPr lang="de-DE" sz="2800" dirty="0" err="1" smtClean="0">
-                <a:latin typeface="Gabriola" panose="04040605051002020D02" pitchFamily="82" charset="0"/>
-                <a:sym typeface="Wingdings" panose="05000000000000000000" pitchFamily="2" charset="2"/>
-              </a:rPr>
-              <a:t>How</a:t>
-            </a:r>
-            <a:r>
-              <a:rPr lang="de-DE" sz="2800" dirty="0" smtClean="0">
-                <a:latin typeface="Gabriola" panose="04040605051002020D02" pitchFamily="82" charset="0"/>
-                <a:sym typeface="Wingdings" panose="05000000000000000000" pitchFamily="2" charset="2"/>
-              </a:rPr>
-              <a:t> </a:t>
-            </a:r>
-            <a:r>
-              <a:rPr lang="de-DE" sz="2800" dirty="0" err="1" smtClean="0">
-                <a:latin typeface="Gabriola" panose="04040605051002020D02" pitchFamily="82" charset="0"/>
-                <a:sym typeface="Wingdings" panose="05000000000000000000" pitchFamily="2" charset="2"/>
-              </a:rPr>
-              <a:t>does</a:t>
-            </a:r>
-            <a:endParaRPr lang="de-DE" sz="2800" dirty="0" smtClean="0">
-              <a:latin typeface="Gabriola" panose="04040605051002020D02" pitchFamily="82" charset="0"/>
-              <a:sym typeface="Wingdings" panose="05000000000000000000" pitchFamily="2" charset="2"/>
-            </a:endParaRPr>
-          </a:p>
-        </p:txBody>
-      </p:sp>
-      <p:sp>
-        <p:nvSpPr>
-          <p:cNvPr id="4" name="Textfeld 9"/>
-          <p:cNvSpPr txBox="1"/>
-          <p:nvPr/>
-        </p:nvSpPr>
-        <p:spPr>
-          <a:xfrm>
-            <a:off x="1303154" y="2928005"/>
-            <a:ext cx="6288882" cy="523220"/>
-          </a:xfrm>
-          <a:prstGeom prst="rect">
-            <a:avLst/>
-          </a:prstGeom>
-          <a:noFill/>
-        </p:spPr>
-        <p:txBody>
-          <a:bodyPr wrap="square" rtlCol="0">
-            <a:spAutoFit/>
-          </a:bodyPr>
-          <a:lstStyle/>
-          <a:p>
-            <a:pPr algn="ctr"/>
-            <a:r>
-              <a:rPr lang="de-DE" sz="2800" dirty="0" smtClean="0">
-                <a:latin typeface="Gabriola" panose="04040605051002020D02" pitchFamily="82" charset="0"/>
-                <a:sym typeface="Wingdings" panose="05000000000000000000" pitchFamily="2" charset="2"/>
-              </a:rPr>
-              <a:t>Work?</a:t>
-            </a:r>
-            <a:endParaRPr lang="de-DE" sz="2800" dirty="0" smtClean="0">
-              <a:latin typeface="Gabriola" panose="04040605051002020D02" pitchFamily="82" charset="0"/>
-              <a:sym typeface="Wingdings" panose="05000000000000000000" pitchFamily="2" charset="2"/>
-            </a:endParaRPr>
-          </a:p>
-        </p:txBody>
-      </p:sp>
+          <a:ln>
+            <a:solidFill>
+              <a:schemeClr val="bg1">
+                <a:lumMod val="75000"/>
+              </a:schemeClr>
+            </a:solidFill>
+          </a:ln>
+          <a:effectLst>
+            <a:outerShdw blurRad="457200" dist="1295400" dir="9120000" sx="94000" sy="94000" algn="tr" rotWithShape="0">
+              <a:prstClr val="black">
+                <a:alpha val="41000"/>
+              </a:prstClr>
+            </a:outerShdw>
+          </a:effectLst>
+        </p:spPr>
+      </p:pic>
     </p:spTree>
     <p:extLst>
       <p:ext uri="{BB962C8B-B14F-4D97-AF65-F5344CB8AC3E}">
-        <p14:creationId xmlns:p14="http://schemas.microsoft.com/office/powerpoint/2010/main" val="2021199302"/>
+        <p14:creationId xmlns:p14="http://schemas.microsoft.com/office/powerpoint/2010/main" val="531289801"/>
       </p:ext>
     </p:extLst>
   </p:cSld>
@@ -4631,57 +4755,14 @@
       </p:grpSpPr>
       <p:sp>
         <p:nvSpPr>
-          <p:cNvPr id="2" name="Rectangle 1"/>
-          <p:cNvSpPr/>
-          <p:nvPr/>
-        </p:nvSpPr>
-        <p:spPr>
-          <a:xfrm>
-            <a:off x="2228938" y="646331"/>
-            <a:ext cx="4689612" cy="4440019"/>
-          </a:xfrm>
-          <a:prstGeom prst="rect">
-            <a:avLst/>
-          </a:prstGeom>
-          <a:solidFill>
-            <a:schemeClr val="bg1"/>
-          </a:solidFill>
-        </p:spPr>
-        <p:style>
-          <a:lnRef idx="2">
-            <a:schemeClr val="accent1">
-              <a:shade val="50000"/>
-            </a:schemeClr>
-          </a:lnRef>
-          <a:fillRef idx="1">
-            <a:schemeClr val="accent1"/>
-          </a:fillRef>
-          <a:effectRef idx="0">
-            <a:schemeClr val="accent1"/>
-          </a:effectRef>
-          <a:fontRef idx="minor">
-            <a:schemeClr val="lt1"/>
-          </a:fontRef>
-        </p:style>
-        <p:txBody>
-          <a:bodyPr rtlCol="0" anchor="ctr"/>
-          <a:lstStyle/>
-          <a:p>
-            <a:pPr algn="ctr"/>
-            <a:endParaRPr lang="en-US"/>
-          </a:p>
-        </p:txBody>
-      </p:sp>
-      <p:sp>
-        <p:nvSpPr>
-          <p:cNvPr id="5" name="Textfeld 4"/>
+          <p:cNvPr id="18" name="Textfeld 17"/>
           <p:cNvSpPr txBox="1"/>
           <p:nvPr/>
         </p:nvSpPr>
         <p:spPr>
           <a:xfrm>
-            <a:off x="0" y="0"/>
-            <a:ext cx="9144000" cy="646331"/>
+            <a:off x="2725235" y="1734257"/>
+            <a:ext cx="3444721" cy="1200329"/>
           </a:xfrm>
           <a:prstGeom prst="rect">
             <a:avLst/>
@@ -4696,7 +4777,7 @@
           <a:p>
             <a:pPr algn="ctr"/>
             <a:r>
-              <a:rPr lang="de-DE" sz="3600" dirty="0" err="1" smtClean="0">
+              <a:rPr lang="de-DE" sz="7200" dirty="0" err="1" smtClean="0">
                 <a:effectLst>
                   <a:outerShdw blurRad="38100" dist="38100" dir="2700000" algn="tl">
                     <a:srgbClr val="000000">
@@ -4706,100 +4787,9 @@
                 </a:effectLst>
                 <a:latin typeface="Gabriola" panose="04040605051002020D02" pitchFamily="82" charset="0"/>
               </a:rPr>
-              <a:t>How</a:t>
-            </a:r>
-            <a:r>
-              <a:rPr lang="de-DE" sz="3600" dirty="0" smtClean="0">
-                <a:effectLst>
-                  <a:outerShdw blurRad="38100" dist="38100" dir="2700000" algn="tl">
-                    <a:srgbClr val="000000">
-                      <a:alpha val="43137"/>
-                    </a:srgbClr>
-                  </a:outerShdw>
-                </a:effectLst>
-                <a:latin typeface="Gabriola" panose="04040605051002020D02" pitchFamily="82" charset="0"/>
-              </a:rPr>
-              <a:t> </a:t>
-            </a:r>
-            <a:r>
-              <a:rPr lang="de-DE" sz="3600" dirty="0" err="1" smtClean="0">
-                <a:effectLst>
-                  <a:outerShdw blurRad="38100" dist="38100" dir="2700000" algn="tl">
-                    <a:srgbClr val="000000">
-                      <a:alpha val="43137"/>
-                    </a:srgbClr>
-                  </a:outerShdw>
-                </a:effectLst>
-                <a:latin typeface="Gabriola" panose="04040605051002020D02" pitchFamily="82" charset="0"/>
-              </a:rPr>
-              <a:t>does</a:t>
-            </a:r>
-            <a:r>
-              <a:rPr lang="de-DE" sz="3600" dirty="0" smtClean="0">
-                <a:effectLst>
-                  <a:outerShdw blurRad="38100" dist="38100" dir="2700000" algn="tl">
-                    <a:srgbClr val="000000">
-                      <a:alpha val="43137"/>
-                    </a:srgbClr>
-                  </a:outerShdw>
-                </a:effectLst>
-                <a:latin typeface="Gabriola" panose="04040605051002020D02" pitchFamily="82" charset="0"/>
-              </a:rPr>
-              <a:t> </a:t>
-            </a:r>
-            <a:r>
-              <a:rPr lang="de-DE" sz="3600" dirty="0" err="1" smtClean="0">
-                <a:effectLst>
-                  <a:outerShdw blurRad="38100" dist="38100" dir="2700000" algn="tl">
-                    <a:srgbClr val="000000">
-                      <a:alpha val="43137"/>
-                    </a:srgbClr>
-                  </a:outerShdw>
-                </a:effectLst>
-                <a:latin typeface="Gabriola" panose="04040605051002020D02" pitchFamily="82" charset="0"/>
-              </a:rPr>
               <a:t>NCase</a:t>
             </a:r>
-            <a:r>
-              <a:rPr lang="de-DE" sz="3600" dirty="0" smtClean="0">
-                <a:effectLst>
-                  <a:outerShdw blurRad="38100" dist="38100" dir="2700000" algn="tl">
-                    <a:srgbClr val="000000">
-                      <a:alpha val="43137"/>
-                    </a:srgbClr>
-                  </a:outerShdw>
-                </a:effectLst>
-                <a:latin typeface="Gabriola" panose="04040605051002020D02" pitchFamily="82" charset="0"/>
-              </a:rPr>
-              <a:t> </a:t>
-            </a:r>
-            <a:r>
-              <a:rPr lang="de-DE" sz="3600" dirty="0" err="1" smtClean="0">
-                <a:effectLst>
-                  <a:outerShdw blurRad="38100" dist="38100" dir="2700000" algn="tl">
-                    <a:srgbClr val="000000">
-                      <a:alpha val="43137"/>
-                    </a:srgbClr>
-                  </a:outerShdw>
-                </a:effectLst>
-                <a:latin typeface="Gabriola" panose="04040605051002020D02" pitchFamily="82" charset="0"/>
-              </a:rPr>
-              <a:t>work</a:t>
-            </a:r>
-            <a:r>
-              <a:rPr lang="de-DE" sz="3600" dirty="0" smtClean="0">
-                <a:effectLst>
-                  <a:outerShdw blurRad="38100" dist="38100" dir="2700000" algn="tl">
-                    <a:srgbClr val="000000">
-                      <a:alpha val="43137"/>
-                    </a:srgbClr>
-                  </a:outerShdw>
-                </a:effectLst>
-                <a:latin typeface="Gabriola" panose="04040605051002020D02" pitchFamily="82" charset="0"/>
-              </a:rPr>
-              <a:t>?</a:t>
-            </a:r>
-            <a:endParaRPr lang="en-US" sz="3600" dirty="0">
+            <a:endParaRPr lang="en-US" sz="7200" dirty="0">
               <a:effectLst>
                 <a:outerShdw blurRad="38100" dist="38100" dir="2700000" algn="tl">
                   <a:srgbClr val="000000">
@@ -4812,218 +4802,86 @@
           </a:p>
         </p:txBody>
       </p:sp>
-      <p:pic>
-        <p:nvPicPr>
-          <p:cNvPr id="17" name="Grafik 5"/>
-          <p:cNvPicPr>
-            <a:picLocks noChangeAspect="1"/>
-          </p:cNvPicPr>
-          <p:nvPr/>
-        </p:nvPicPr>
-        <p:blipFill rotWithShape="1">
-          <a:blip r:link="rId2"/>
-          <a:srcRect l="1996" t="3891" r="3993" b="7509"/>
-          <a:stretch/>
-        </p:blipFill>
-        <p:spPr>
-          <a:xfrm>
-            <a:off x="2228938" y="646331"/>
-            <a:ext cx="4689612" cy="4440019"/>
+      <p:sp>
+        <p:nvSpPr>
+          <p:cNvPr id="32" name="Textfeld 9"/>
+          <p:cNvSpPr txBox="1"/>
+          <p:nvPr/>
+        </p:nvSpPr>
+        <p:spPr>
+          <a:xfrm>
+            <a:off x="1303155" y="1467535"/>
+            <a:ext cx="6288882" cy="523220"/>
           </a:xfrm>
           <a:prstGeom prst="rect">
             <a:avLst/>
           </a:prstGeom>
-          <a:ln>
-            <a:solidFill>
-              <a:schemeClr val="bg1">
-                <a:lumMod val="75000"/>
-              </a:schemeClr>
-            </a:solidFill>
-          </a:ln>
-        </p:spPr>
-      </p:pic>
-      <p:sp>
-        <p:nvSpPr>
-          <p:cNvPr id="19" name="Rechteck 21"/>
-          <p:cNvSpPr/>
-          <p:nvPr/>
-        </p:nvSpPr>
-        <p:spPr>
-          <a:xfrm>
-            <a:off x="2228938" y="1609724"/>
-            <a:ext cx="4689612" cy="1495425"/>
+          <a:noFill/>
+        </p:spPr>
+        <p:txBody>
+          <a:bodyPr wrap="square" rtlCol="0">
+            <a:spAutoFit/>
+          </a:bodyPr>
+          <a:lstStyle/>
+          <a:p>
+            <a:pPr algn="ctr"/>
+            <a:r>
+              <a:rPr lang="de-DE" sz="2800" dirty="0" err="1" smtClean="0">
+                <a:latin typeface="Gabriola" panose="04040605051002020D02" pitchFamily="82" charset="0"/>
+                <a:sym typeface="Wingdings" panose="05000000000000000000" pitchFamily="2" charset="2"/>
+              </a:rPr>
+              <a:t>How</a:t>
+            </a:r>
+            <a:r>
+              <a:rPr lang="de-DE" sz="2800" dirty="0" smtClean="0">
+                <a:latin typeface="Gabriola" panose="04040605051002020D02" pitchFamily="82" charset="0"/>
+                <a:sym typeface="Wingdings" panose="05000000000000000000" pitchFamily="2" charset="2"/>
+              </a:rPr>
+              <a:t> </a:t>
+            </a:r>
+            <a:r>
+              <a:rPr lang="de-DE" sz="2800" dirty="0" err="1" smtClean="0">
+                <a:latin typeface="Gabriola" panose="04040605051002020D02" pitchFamily="82" charset="0"/>
+                <a:sym typeface="Wingdings" panose="05000000000000000000" pitchFamily="2" charset="2"/>
+              </a:rPr>
+              <a:t>does</a:t>
+            </a:r>
+            <a:endParaRPr lang="de-DE" sz="2800" dirty="0" smtClean="0">
+              <a:latin typeface="Gabriola" panose="04040605051002020D02" pitchFamily="82" charset="0"/>
+              <a:sym typeface="Wingdings" panose="05000000000000000000" pitchFamily="2" charset="2"/>
+            </a:endParaRPr>
+          </a:p>
+        </p:txBody>
+      </p:sp>
+      <p:sp>
+        <p:nvSpPr>
+          <p:cNvPr id="4" name="Textfeld 9"/>
+          <p:cNvSpPr txBox="1"/>
+          <p:nvPr/>
+        </p:nvSpPr>
+        <p:spPr>
+          <a:xfrm>
+            <a:off x="1303154" y="2928005"/>
+            <a:ext cx="6288882" cy="523220"/>
           </a:xfrm>
           <a:prstGeom prst="rect">
             <a:avLst/>
           </a:prstGeom>
-          <a:solidFill>
-            <a:srgbClr val="00B050">
-              <a:alpha val="12941"/>
-            </a:srgbClr>
-          </a:solidFill>
-          <a:ln>
-            <a:noFill/>
-          </a:ln>
-        </p:spPr>
-        <p:style>
-          <a:lnRef idx="2">
-            <a:schemeClr val="accent1">
-              <a:shade val="50000"/>
-            </a:schemeClr>
-          </a:lnRef>
-          <a:fillRef idx="1">
-            <a:schemeClr val="accent1"/>
-          </a:fillRef>
-          <a:effectRef idx="0">
-            <a:schemeClr val="accent1"/>
-          </a:effectRef>
-          <a:fontRef idx="minor">
-            <a:schemeClr val="lt1"/>
-          </a:fontRef>
-        </p:style>
-        <p:txBody>
-          <a:bodyPr rtlCol="0" anchor="ctr"/>
+          <a:noFill/>
+        </p:spPr>
+        <p:txBody>
+          <a:bodyPr wrap="square" rtlCol="0">
+            <a:spAutoFit/>
+          </a:bodyPr>
           <a:lstStyle/>
           <a:p>
             <a:pPr algn="ctr"/>
-            <a:endParaRPr lang="en-US"/>
-          </a:p>
-        </p:txBody>
-      </p:sp>
-      <p:sp>
-        <p:nvSpPr>
-          <p:cNvPr id="6" name="Oval 5"/>
-          <p:cNvSpPr/>
-          <p:nvPr/>
-        </p:nvSpPr>
-        <p:spPr>
-          <a:xfrm>
-            <a:off x="1394408" y="902509"/>
-            <a:ext cx="554027" cy="554027"/>
-          </a:xfrm>
-          <a:prstGeom prst="ellipse">
-            <a:avLst/>
-          </a:prstGeom>
-        </p:spPr>
-        <p:style>
-          <a:lnRef idx="2">
-            <a:schemeClr val="accent1">
-              <a:shade val="50000"/>
-            </a:schemeClr>
-          </a:lnRef>
-          <a:fillRef idx="1">
-            <a:schemeClr val="accent1"/>
-          </a:fillRef>
-          <a:effectRef idx="0">
-            <a:schemeClr val="accent1"/>
-          </a:effectRef>
-          <a:fontRef idx="minor">
-            <a:schemeClr val="lt1"/>
-          </a:fontRef>
-        </p:style>
-        <p:txBody>
-          <a:bodyPr rtlCol="0" anchor="ctr"/>
-          <a:lstStyle/>
-          <a:p>
-            <a:pPr algn="ctr"/>
-            <a:r>
-              <a:rPr lang="en-US" sz="2400" dirty="0" smtClean="0">
-                <a:latin typeface="Arial Black" panose="020B0A04020102020204" pitchFamily="34" charset="0"/>
-              </a:rPr>
-              <a:t>1</a:t>
-            </a:r>
-            <a:endParaRPr lang="en-US" sz="2400" dirty="0">
-              <a:latin typeface="Arial Black" panose="020B0A04020102020204" pitchFamily="34" charset="0"/>
-            </a:endParaRPr>
-          </a:p>
-        </p:txBody>
-      </p:sp>
-      <p:sp>
-        <p:nvSpPr>
-          <p:cNvPr id="29" name="Oval 28"/>
-          <p:cNvSpPr/>
-          <p:nvPr/>
-        </p:nvSpPr>
-        <p:spPr>
-          <a:xfrm>
-            <a:off x="1394408" y="3797816"/>
-            <a:ext cx="554027" cy="554027"/>
-          </a:xfrm>
-          <a:prstGeom prst="ellipse">
-            <a:avLst/>
-          </a:prstGeom>
-        </p:spPr>
-        <p:style>
-          <a:lnRef idx="2">
-            <a:schemeClr val="accent1">
-              <a:shade val="50000"/>
-            </a:schemeClr>
-          </a:lnRef>
-          <a:fillRef idx="1">
-            <a:schemeClr val="accent1"/>
-          </a:fillRef>
-          <a:effectRef idx="0">
-            <a:schemeClr val="accent1"/>
-          </a:effectRef>
-          <a:fontRef idx="minor">
-            <a:schemeClr val="lt1"/>
-          </a:fontRef>
-        </p:style>
-        <p:txBody>
-          <a:bodyPr rtlCol="0" anchor="ctr"/>
-          <a:lstStyle/>
-          <a:p>
-            <a:pPr algn="ctr"/>
-            <a:r>
-              <a:rPr lang="en-US" sz="2400" dirty="0">
-                <a:latin typeface="Arial Black" panose="020B0A04020102020204" pitchFamily="34" charset="0"/>
-              </a:rPr>
-              <a:t>3</a:t>
-            </a:r>
-          </a:p>
-        </p:txBody>
-      </p:sp>
-      <p:sp>
-        <p:nvSpPr>
-          <p:cNvPr id="31" name="Oval 30"/>
-          <p:cNvSpPr/>
-          <p:nvPr/>
-        </p:nvSpPr>
-        <p:spPr>
-          <a:xfrm>
-            <a:off x="1394407" y="2083316"/>
-            <a:ext cx="554027" cy="554027"/>
-          </a:xfrm>
-          <a:prstGeom prst="ellipse">
-            <a:avLst/>
-          </a:prstGeom>
-        </p:spPr>
-        <p:style>
-          <a:lnRef idx="2">
-            <a:schemeClr val="accent1">
-              <a:shade val="50000"/>
-            </a:schemeClr>
-          </a:lnRef>
-          <a:fillRef idx="1">
-            <a:schemeClr val="accent1"/>
-          </a:fillRef>
-          <a:effectRef idx="0">
-            <a:schemeClr val="accent1"/>
-          </a:effectRef>
-          <a:fontRef idx="minor">
-            <a:schemeClr val="lt1"/>
-          </a:fontRef>
-        </p:style>
-        <p:txBody>
-          <a:bodyPr rtlCol="0" anchor="ctr"/>
-          <a:lstStyle/>
-          <a:p>
-            <a:pPr algn="ctr"/>
-            <a:r>
-              <a:rPr lang="en-US" sz="2400" dirty="0">
-                <a:latin typeface="Arial Black" panose="020B0A04020102020204" pitchFamily="34" charset="0"/>
-              </a:rPr>
-              <a:t>2</a:t>
+            <a:r>
+              <a:rPr lang="de-DE" sz="2800" dirty="0" smtClean="0">
+                <a:latin typeface="Gabriola" panose="04040605051002020D02" pitchFamily="82" charset="0"/>
+                <a:sym typeface="Wingdings" panose="05000000000000000000" pitchFamily="2" charset="2"/>
+              </a:rPr>
+              <a:t>Work?</a:t>
             </a:r>
           </a:p>
         </p:txBody>
@@ -5031,7 +4889,7 @@
     </p:spTree>
     <p:extLst>
       <p:ext uri="{BB962C8B-B14F-4D97-AF65-F5344CB8AC3E}">
-        <p14:creationId xmlns:p14="http://schemas.microsoft.com/office/powerpoint/2010/main" val="3122706509"/>
+        <p14:creationId xmlns:p14="http://schemas.microsoft.com/office/powerpoint/2010/main" val="2021199302"/>
       </p:ext>
     </p:extLst>
   </p:cSld>
@@ -5065,12 +4923,19 @@
           <a:chExt cx="0" cy="0"/>
         </a:xfrm>
       </p:grpSpPr>
-      <p:sp>
-        <p:nvSpPr>
-          <p:cNvPr id="2" name="Rectangle 1"/>
-          <p:cNvSpPr/>
-          <p:nvPr/>
-        </p:nvSpPr>
+      <p:pic>
+        <p:nvPicPr>
+          <p:cNvPr id="17" name="Grafik 5"/>
+          <p:cNvPicPr>
+            <a:picLocks noChangeAspect="1"/>
+          </p:cNvPicPr>
+          <p:nvPr/>
+        </p:nvPicPr>
+        <p:blipFill rotWithShape="1">
+          <a:blip r:link="rId2"/>
+          <a:srcRect l="1996" t="3891" r="3993" b="7509"/>
+          <a:stretch/>
+        </p:blipFill>
         <p:spPr>
           <a:xfrm>
             <a:off x="2228938" y="646331"/>
@@ -5079,35 +4944,15 @@
           <a:prstGeom prst="rect">
             <a:avLst/>
           </a:prstGeom>
-          <a:solidFill>
-            <a:schemeClr val="bg1"/>
-          </a:solidFill>
-        </p:spPr>
-        <p:style>
-          <a:lnRef idx="2">
-            <a:schemeClr val="accent1">
-              <a:shade val="50000"/>
-            </a:schemeClr>
-          </a:lnRef>
-          <a:fillRef idx="1">
-            <a:schemeClr val="accent1"/>
-          </a:fillRef>
-          <a:effectRef idx="0">
-            <a:schemeClr val="accent1"/>
-          </a:effectRef>
-          <a:fontRef idx="minor">
-            <a:schemeClr val="lt1"/>
-          </a:fontRef>
-        </p:style>
-        <p:txBody>
-          <a:bodyPr rtlCol="0" anchor="ctr"/>
-          <a:lstStyle/>
-          <a:p>
-            <a:pPr algn="ctr"/>
-            <a:endParaRPr lang="en-US"/>
-          </a:p>
-        </p:txBody>
-      </p:sp>
+          <a:ln>
+            <a:solidFill>
+              <a:schemeClr val="bg1">
+                <a:lumMod val="75000"/>
+              </a:schemeClr>
+            </a:solidFill>
+          </a:ln>
+        </p:spPr>
+      </p:pic>
       <p:sp>
         <p:nvSpPr>
           <p:cNvPr id="5" name="Textfeld 4"/>
@@ -5434,16 +5279,67 @@
           </a:p>
         </p:txBody>
       </p:sp>
-      <p:sp>
-        <p:nvSpPr>
-          <p:cNvPr id="8" name="Textfeld 4"/>
+    </p:spTree>
+    <p:extLst>
+      <p:ext uri="{BB962C8B-B14F-4D97-AF65-F5344CB8AC3E}">
+        <p14:creationId xmlns:p14="http://schemas.microsoft.com/office/powerpoint/2010/main" val="3122706509"/>
+      </p:ext>
+    </p:extLst>
+  </p:cSld>
+  <p:clrMapOvr>
+    <a:masterClrMapping/>
+  </p:clrMapOvr>
+  <p:timing>
+    <p:tnLst>
+      <p:par>
+        <p:cTn id="1" dur="indefinite" restart="never" nodeType="tmRoot"/>
+      </p:par>
+    </p:tnLst>
+  </p:timing>
+</p:sld>
+</file>
+
+<file path=ppt/slides/slide15.xml><?xml version="1.0" encoding="utf-8"?>
+<p:sld xmlns:a="http://schemas.openxmlformats.org/drawingml/2006/main" xmlns:r="http://schemas.openxmlformats.org/officeDocument/2006/relationships" xmlns:p="http://schemas.openxmlformats.org/presentationml/2006/main">
+  <p:cSld>
+    <p:bg>
+      <p:bgPr>
+        <a:blipFill dpi="0" rotWithShape="1">
+          <a:blip r:embed="rId2">
+            <a:lum/>
+          </a:blip>
+          <a:srcRect/>
+          <a:stretch>
+            <a:fillRect/>
+          </a:stretch>
+        </a:blipFill>
+        <a:effectLst/>
+      </p:bgPr>
+    </p:bg>
+    <p:spTree>
+      <p:nvGrpSpPr>
+        <p:cNvPr id="1" name=""/>
+        <p:cNvGrpSpPr/>
+        <p:nvPr/>
+      </p:nvGrpSpPr>
+      <p:grpSpPr>
+        <a:xfrm>
+          <a:off x="0" y="0"/>
+          <a:ext cx="0" cy="0"/>
+          <a:chOff x="0" y="0"/>
+          <a:chExt cx="0" cy="0"/>
+        </a:xfrm>
+      </p:grpSpPr>
+      <p:sp>
+        <p:nvSpPr>
+          <p:cNvPr id="5" name="Textfeld 4"/>
           <p:cNvSpPr txBox="1"/>
           <p:nvPr/>
         </p:nvSpPr>
         <p:spPr>
           <a:xfrm>
-            <a:off x="2225674" y="896292"/>
-            <a:ext cx="5027291" cy="523220"/>
+            <a:off x="0" y="0"/>
+            <a:ext cx="9144000" cy="646331"/>
           </a:xfrm>
           <a:prstGeom prst="rect">
             <a:avLst/>
@@ -5456,8 +5352,9 @@
           </a:bodyPr>
           <a:lstStyle/>
           <a:p>
-            <a:r>
-              <a:rPr lang="de-DE" sz="2800" dirty="0" smtClean="0">
+            <a:pPr algn="ctr"/>
+            <a:r>
+              <a:rPr lang="de-DE" sz="3600" dirty="0" err="1" smtClean="0">
                 <a:effectLst>
                   <a:outerShdw blurRad="38100" dist="38100" dir="2700000" algn="tl">
                     <a:srgbClr val="000000">
@@ -5467,10 +5364,10 @@
                 </a:effectLst>
                 <a:latin typeface="Gabriola" panose="04040605051002020D02" pitchFamily="82" charset="0"/>
               </a:rPr>
-              <a:t>Create Sets </a:t>
-            </a:r>
-            <a:r>
-              <a:rPr lang="de-DE" sz="2800" dirty="0" err="1" smtClean="0">
+              <a:t>How</a:t>
+            </a:r>
+            <a:r>
+              <a:rPr lang="de-DE" sz="3600" dirty="0" smtClean="0">
                 <a:effectLst>
                   <a:outerShdw blurRad="38100" dist="38100" dir="2700000" algn="tl">
                     <a:srgbClr val="000000">
@@ -5480,10 +5377,10 @@
                 </a:effectLst>
                 <a:latin typeface="Gabriola" panose="04040605051002020D02" pitchFamily="82" charset="0"/>
               </a:rPr>
-              <a:t>and</a:t>
-            </a:r>
-            <a:r>
-              <a:rPr lang="de-DE" sz="2800" dirty="0" smtClean="0">
+              <a:t> </a:t>
+            </a:r>
+            <a:r>
+              <a:rPr lang="de-DE" sz="3600" dirty="0" err="1" smtClean="0">
                 <a:effectLst>
                   <a:outerShdw blurRad="38100" dist="38100" dir="2700000" algn="tl">
                     <a:srgbClr val="000000">
@@ -5493,10 +5390,10 @@
                 </a:effectLst>
                 <a:latin typeface="Gabriola" panose="04040605051002020D02" pitchFamily="82" charset="0"/>
               </a:rPr>
-              <a:t> </a:t>
-            </a:r>
-            <a:r>
-              <a:rPr lang="de-DE" sz="2800" dirty="0" err="1" smtClean="0">
+              <a:t>does</a:t>
+            </a:r>
+            <a:r>
+              <a:rPr lang="de-DE" sz="3600" dirty="0" smtClean="0">
                 <a:effectLst>
                   <a:outerShdw blurRad="38100" dist="38100" dir="2700000" algn="tl">
                     <a:srgbClr val="000000">
@@ -5506,9 +5403,61 @@
                 </a:effectLst>
                 <a:latin typeface="Gabriola" panose="04040605051002020D02" pitchFamily="82" charset="0"/>
               </a:rPr>
-              <a:t>Contributors</a:t>
-            </a:r>
-            <a:endParaRPr lang="en-US" sz="2800" dirty="0">
+              <a:t> </a:t>
+            </a:r>
+            <a:r>
+              <a:rPr lang="de-DE" sz="3600" dirty="0" err="1" smtClean="0">
+                <a:effectLst>
+                  <a:outerShdw blurRad="38100" dist="38100" dir="2700000" algn="tl">
+                    <a:srgbClr val="000000">
+                      <a:alpha val="43137"/>
+                    </a:srgbClr>
+                  </a:outerShdw>
+                </a:effectLst>
+                <a:latin typeface="Gabriola" panose="04040605051002020D02" pitchFamily="82" charset="0"/>
+              </a:rPr>
+              <a:t>NCase</a:t>
+            </a:r>
+            <a:r>
+              <a:rPr lang="de-DE" sz="3600" dirty="0" smtClean="0">
+                <a:effectLst>
+                  <a:outerShdw blurRad="38100" dist="38100" dir="2700000" algn="tl">
+                    <a:srgbClr val="000000">
+                      <a:alpha val="43137"/>
+                    </a:srgbClr>
+                  </a:outerShdw>
+                </a:effectLst>
+                <a:latin typeface="Gabriola" panose="04040605051002020D02" pitchFamily="82" charset="0"/>
+              </a:rPr>
+              <a:t> </a:t>
+            </a:r>
+            <a:r>
+              <a:rPr lang="de-DE" sz="3600" dirty="0" err="1" smtClean="0">
+                <a:effectLst>
+                  <a:outerShdw blurRad="38100" dist="38100" dir="2700000" algn="tl">
+                    <a:srgbClr val="000000">
+                      <a:alpha val="43137"/>
+                    </a:srgbClr>
+                  </a:outerShdw>
+                </a:effectLst>
+                <a:latin typeface="Gabriola" panose="04040605051002020D02" pitchFamily="82" charset="0"/>
+              </a:rPr>
+              <a:t>work</a:t>
+            </a:r>
+            <a:r>
+              <a:rPr lang="de-DE" sz="3600" dirty="0" smtClean="0">
+                <a:effectLst>
+                  <a:outerShdw blurRad="38100" dist="38100" dir="2700000" algn="tl">
+                    <a:srgbClr val="000000">
+                      <a:alpha val="43137"/>
+                    </a:srgbClr>
+                  </a:outerShdw>
+                </a:effectLst>
+                <a:latin typeface="Gabriola" panose="04040605051002020D02" pitchFamily="82" charset="0"/>
+              </a:rPr>
+              <a:t>?</a:t>
+            </a:r>
+            <a:endParaRPr lang="en-US" sz="3600" dirty="0">
               <a:effectLst>
                 <a:outerShdw blurRad="38100" dist="38100" dir="2700000" algn="tl">
                   <a:srgbClr val="000000">
@@ -5523,19 +5472,28 @@
       </p:sp>
       <p:sp>
         <p:nvSpPr>
-          <p:cNvPr id="9" name="Textfeld 4"/>
+          <p:cNvPr id="8" name="Textfeld 4"/>
           <p:cNvSpPr txBox="1"/>
           <p:nvPr/>
         </p:nvSpPr>
         <p:spPr>
           <a:xfrm>
-            <a:off x="2225673" y="2081510"/>
-            <a:ext cx="5027291" cy="523220"/>
-          </a:xfrm>
-          <a:prstGeom prst="rect">
-            <a:avLst/>
-          </a:prstGeom>
-          <a:noFill/>
+            <a:off x="2225675" y="896292"/>
+            <a:ext cx="3407870" cy="578882"/>
+          </a:xfrm>
+          <a:prstGeom prst="roundRect">
+            <a:avLst/>
+          </a:prstGeom>
+          <a:solidFill>
+            <a:srgbClr val="5B9BD5"/>
+          </a:solidFill>
+          <a:effectLst>
+            <a:outerShdw blurRad="50800" dist="114300" dir="8100000" algn="tr" rotWithShape="0">
+              <a:prstClr val="black">
+                <a:alpha val="40000"/>
+              </a:prstClr>
+            </a:outerShdw>
+          </a:effectLst>
         </p:spPr>
         <p:txBody>
           <a:bodyPr wrap="square" rtlCol="0">
@@ -5545,38 +5503,29 @@
           <a:p>
             <a:r>
               <a:rPr lang="de-DE" sz="2800" dirty="0" smtClean="0">
-                <a:effectLst>
-                  <a:outerShdw blurRad="38100" dist="38100" dir="2700000" algn="tl">
-                    <a:srgbClr val="000000">
-                      <a:alpha val="43137"/>
-                    </a:srgbClr>
-                  </a:outerShdw>
-                </a:effectLst>
-                <a:latin typeface="Gabriola" panose="04040605051002020D02" pitchFamily="82" charset="0"/>
-              </a:rPr>
-              <a:t>Write Set </a:t>
+                <a:latin typeface="Gabriola" panose="04040605051002020D02" pitchFamily="82" charset="0"/>
+              </a:rPr>
+              <a:t>Create Sets </a:t>
             </a:r>
             <a:r>
               <a:rPr lang="de-DE" sz="2800" dirty="0" err="1" smtClean="0">
-                <a:effectLst>
-                  <a:outerShdw blurRad="38100" dist="38100" dir="2700000" algn="tl">
-                    <a:srgbClr val="000000">
-                      <a:alpha val="43137"/>
-                    </a:srgbClr>
-                  </a:outerShdw>
-                </a:effectLst>
-                <a:latin typeface="Gabriola" panose="04040605051002020D02" pitchFamily="82" charset="0"/>
-              </a:rPr>
-              <a:t>Definitions</a:t>
+                <a:latin typeface="Gabriola" panose="04040605051002020D02" pitchFamily="82" charset="0"/>
+              </a:rPr>
+              <a:t>and</a:t>
+            </a:r>
+            <a:r>
+              <a:rPr lang="de-DE" sz="2800" dirty="0" smtClean="0">
+                <a:latin typeface="Gabriola" panose="04040605051002020D02" pitchFamily="82" charset="0"/>
+              </a:rPr>
+              <a:t> </a:t>
+            </a:r>
+            <a:r>
+              <a:rPr lang="de-DE" sz="2800" dirty="0" err="1" smtClean="0">
+                <a:latin typeface="Gabriola" panose="04040605051002020D02" pitchFamily="82" charset="0"/>
+              </a:rPr>
+              <a:t>Contributors</a:t>
             </a:r>
             <a:endParaRPr lang="en-US" sz="2800" dirty="0">
-              <a:effectLst>
-                <a:outerShdw blurRad="38100" dist="38100" dir="2700000" algn="tl">
-                  <a:srgbClr val="000000">
-                    <a:alpha val="43137"/>
-                  </a:srgbClr>
-                </a:outerShdw>
-              </a:effectLst>
               <a:latin typeface="Gabriola" panose="04040605051002020D02" pitchFamily="82" charset="0"/>
             </a:endParaRPr>
           </a:p>
@@ -5584,114 +5533,280 @@
       </p:sp>
       <p:sp>
         <p:nvSpPr>
-          <p:cNvPr id="10" name="Textfeld 4"/>
+          <p:cNvPr id="9" name="Textfeld 4"/>
           <p:cNvSpPr txBox="1"/>
           <p:nvPr/>
         </p:nvSpPr>
         <p:spPr>
           <a:xfrm>
-            <a:off x="2232200" y="3778299"/>
-            <a:ext cx="5324300" cy="523220"/>
-          </a:xfrm>
-          <a:prstGeom prst="rect">
-            <a:avLst/>
-          </a:prstGeom>
-          <a:noFill/>
+            <a:off x="2225674" y="2081510"/>
+            <a:ext cx="2567044" cy="578882"/>
+          </a:xfrm>
+          <a:prstGeom prst="roundRect">
+            <a:avLst/>
+          </a:prstGeom>
+          <a:solidFill>
+            <a:srgbClr val="5B9BD5"/>
+          </a:solidFill>
+          <a:effectLst>
+            <a:outerShdw blurRad="50800" dist="114300" dir="8100000" algn="tr" rotWithShape="0">
+              <a:prstClr val="black">
+                <a:alpha val="40000"/>
+              </a:prstClr>
+            </a:outerShdw>
+          </a:effectLst>
         </p:spPr>
         <p:txBody>
           <a:bodyPr wrap="square" rtlCol="0">
             <a:spAutoFit/>
           </a:bodyPr>
-          <a:lstStyle/>
-          <a:p>
-            <a:r>
-              <a:rPr lang="de-DE" sz="2800" dirty="0" err="1" smtClean="0">
-                <a:effectLst>
-                  <a:outerShdw blurRad="38100" dist="38100" dir="2700000" algn="tl">
-                    <a:srgbClr val="000000">
-                      <a:alpha val="43137"/>
-                    </a:srgbClr>
-                  </a:outerShdw>
-                </a:effectLst>
-                <a:latin typeface="Gabriola" panose="04040605051002020D02" pitchFamily="82" charset="0"/>
-              </a:rPr>
+          <a:lstStyle>
+            <a:defPPr>
+              <a:defRPr lang="de-DE"/>
+            </a:defPPr>
+            <a:lvl1pPr>
+              <a:defRPr sz="2800">
+                <a:latin typeface="Gabriola" panose="04040605051002020D02" pitchFamily="82" charset="0"/>
+              </a:defRPr>
+            </a:lvl1pPr>
+          </a:lstStyle>
+          <a:p>
+            <a:r>
+              <a:rPr lang="de-DE" dirty="0"/>
+              <a:t>Write Set </a:t>
+            </a:r>
+            <a:r>
+              <a:rPr lang="de-DE" dirty="0" err="1"/>
+              <a:t>Definitions</a:t>
+            </a:r>
+            <a:endParaRPr lang="en-US" dirty="0"/>
+          </a:p>
+        </p:txBody>
+      </p:sp>
+      <p:sp>
+        <p:nvSpPr>
+          <p:cNvPr id="10" name="Textfeld 4"/>
+          <p:cNvSpPr txBox="1"/>
+          <p:nvPr/>
+        </p:nvSpPr>
+        <p:spPr>
+          <a:xfrm>
+            <a:off x="2232199" y="3778299"/>
+            <a:ext cx="4494421" cy="578882"/>
+          </a:xfrm>
+          <a:prstGeom prst="roundRect">
+            <a:avLst/>
+          </a:prstGeom>
+          <a:solidFill>
+            <a:srgbClr val="5B9BD5"/>
+          </a:solidFill>
+          <a:effectLst>
+            <a:outerShdw blurRad="50800" dist="114300" dir="8100000" algn="tr" rotWithShape="0">
+              <a:prstClr val="black">
+                <a:alpha val="40000"/>
+              </a:prstClr>
+            </a:outerShdw>
+          </a:effectLst>
+        </p:spPr>
+        <p:txBody>
+          <a:bodyPr wrap="square" rtlCol="0">
+            <a:spAutoFit/>
+          </a:bodyPr>
+          <a:lstStyle>
+            <a:defPPr>
+              <a:defRPr lang="de-DE"/>
+            </a:defPPr>
+            <a:lvl1pPr>
+              <a:defRPr sz="2800">
+                <a:latin typeface="Gabriola" panose="04040605051002020D02" pitchFamily="82" charset="0"/>
+              </a:defRPr>
+            </a:lvl1pPr>
+          </a:lstStyle>
+          <a:p>
+            <a:r>
+              <a:rPr lang="de-DE" dirty="0" err="1"/>
               <a:t>Generate</a:t>
             </a:r>
             <a:r>
-              <a:rPr lang="de-DE" sz="2800" dirty="0" smtClean="0">
-                <a:effectLst>
-                  <a:outerShdw blurRad="38100" dist="38100" dir="2700000" algn="tl">
-                    <a:srgbClr val="000000">
-                      <a:alpha val="43137"/>
-                    </a:srgbClr>
-                  </a:outerShdw>
-                </a:effectLst>
-                <a:latin typeface="Gabriola" panose="04040605051002020D02" pitchFamily="82" charset="0"/>
-              </a:rPr>
+              <a:rPr lang="de-DE" dirty="0"/>
               <a:t> Test Cases </a:t>
             </a:r>
             <a:r>
-              <a:rPr lang="de-DE" sz="2800" dirty="0" err="1" smtClean="0">
-                <a:effectLst>
-                  <a:outerShdw blurRad="38100" dist="38100" dir="2700000" algn="tl">
-                    <a:srgbClr val="000000">
-                      <a:alpha val="43137"/>
-                    </a:srgbClr>
-                  </a:outerShdw>
-                </a:effectLst>
-                <a:latin typeface="Gabriola" panose="04040605051002020D02" pitchFamily="82" charset="0"/>
-              </a:rPr>
+              <a:rPr lang="de-DE" dirty="0" err="1"/>
               <a:t>and</a:t>
             </a:r>
             <a:r>
-              <a:rPr lang="de-DE" sz="2800" dirty="0" smtClean="0">
-                <a:effectLst>
-                  <a:outerShdw blurRad="38100" dist="38100" dir="2700000" algn="tl">
-                    <a:srgbClr val="000000">
-                      <a:alpha val="43137"/>
-                    </a:srgbClr>
-                  </a:outerShdw>
-                </a:effectLst>
-                <a:latin typeface="Gabriola" panose="04040605051002020D02" pitchFamily="82" charset="0"/>
-              </a:rPr>
+              <a:rPr lang="de-DE" dirty="0"/>
               <a:t> </a:t>
             </a:r>
             <a:r>
-              <a:rPr lang="de-DE" sz="2800" dirty="0" err="1" smtClean="0">
-                <a:effectLst>
-                  <a:outerShdw blurRad="38100" dist="38100" dir="2700000" algn="tl">
-                    <a:srgbClr val="000000">
-                      <a:alpha val="43137"/>
-                    </a:srgbClr>
-                  </a:outerShdw>
-                </a:effectLst>
-                <a:latin typeface="Gabriola" panose="04040605051002020D02" pitchFamily="82" charset="0"/>
-              </a:rPr>
+              <a:rPr lang="de-DE" dirty="0" err="1"/>
               <a:t>Perform</a:t>
             </a:r>
             <a:r>
-              <a:rPr lang="de-DE" sz="2800" dirty="0" smtClean="0">
-                <a:effectLst>
-                  <a:outerShdw blurRad="38100" dist="38100" dir="2700000" algn="tl">
-                    <a:srgbClr val="000000">
-                      <a:alpha val="43137"/>
-                    </a:srgbClr>
-                  </a:outerShdw>
-                </a:effectLst>
-                <a:latin typeface="Gabriola" panose="04040605051002020D02" pitchFamily="82" charset="0"/>
-              </a:rPr>
+              <a:rPr lang="de-DE" dirty="0"/>
               <a:t> Tests</a:t>
             </a:r>
-            <a:endParaRPr lang="en-US" sz="2800" dirty="0">
-              <a:effectLst>
-                <a:outerShdw blurRad="38100" dist="38100" dir="2700000" algn="tl">
-                  <a:srgbClr val="000000">
-                    <a:alpha val="43137"/>
-                  </a:srgbClr>
-                </a:outerShdw>
-              </a:effectLst>
-              <a:latin typeface="Gabriola" panose="04040605051002020D02" pitchFamily="82" charset="0"/>
+            <a:endParaRPr lang="en-US" dirty="0"/>
+          </a:p>
+        </p:txBody>
+      </p:sp>
+      <p:sp>
+        <p:nvSpPr>
+          <p:cNvPr id="12" name="Oval 11"/>
+          <p:cNvSpPr/>
+          <p:nvPr/>
+        </p:nvSpPr>
+        <p:spPr>
+          <a:xfrm>
+            <a:off x="1394408" y="902509"/>
+            <a:ext cx="554027" cy="554027"/>
+          </a:xfrm>
+          <a:prstGeom prst="ellipse">
+            <a:avLst/>
+          </a:prstGeom>
+          <a:effectLst>
+            <a:outerShdw blurRad="50800" dist="114300" dir="8100000" algn="tr" rotWithShape="0">
+              <a:prstClr val="black">
+                <a:alpha val="40000"/>
+              </a:prstClr>
+            </a:outerShdw>
+          </a:effectLst>
+        </p:spPr>
+        <p:style>
+          <a:lnRef idx="2">
+            <a:schemeClr val="accent1">
+              <a:shade val="50000"/>
+            </a:schemeClr>
+          </a:lnRef>
+          <a:fillRef idx="1">
+            <a:schemeClr val="accent1"/>
+          </a:fillRef>
+          <a:effectRef idx="0">
+            <a:schemeClr val="accent1"/>
+          </a:effectRef>
+          <a:fontRef idx="minor">
+            <a:schemeClr val="lt1"/>
+          </a:fontRef>
+        </p:style>
+        <p:txBody>
+          <a:bodyPr rtlCol="0" anchor="ctr"/>
+          <a:lstStyle/>
+          <a:p>
+            <a:pPr algn="ctr"/>
+            <a:r>
+              <a:rPr lang="en-US" sz="2400" dirty="0" smtClean="0">
+                <a:latin typeface="Arial Black" panose="020B0A04020102020204" pitchFamily="34" charset="0"/>
+              </a:rPr>
+              <a:t>1</a:t>
+            </a:r>
+            <a:endParaRPr lang="en-US" sz="2400" dirty="0">
+              <a:latin typeface="Arial Black" panose="020B0A04020102020204" pitchFamily="34" charset="0"/>
             </a:endParaRPr>
+          </a:p>
+        </p:txBody>
+      </p:sp>
+      <p:sp>
+        <p:nvSpPr>
+          <p:cNvPr id="13" name="Oval 12"/>
+          <p:cNvSpPr/>
+          <p:nvPr/>
+        </p:nvSpPr>
+        <p:spPr>
+          <a:xfrm>
+            <a:off x="1394408" y="3797816"/>
+            <a:ext cx="554027" cy="554027"/>
+          </a:xfrm>
+          <a:prstGeom prst="ellipse">
+            <a:avLst/>
+          </a:prstGeom>
+          <a:effectLst>
+            <a:outerShdw blurRad="50800" dist="114300" dir="8100000" algn="tr" rotWithShape="0">
+              <a:prstClr val="black">
+                <a:alpha val="40000"/>
+              </a:prstClr>
+            </a:outerShdw>
+          </a:effectLst>
+        </p:spPr>
+        <p:style>
+          <a:lnRef idx="2">
+            <a:schemeClr val="accent1">
+              <a:shade val="50000"/>
+            </a:schemeClr>
+          </a:lnRef>
+          <a:fillRef idx="1">
+            <a:schemeClr val="accent1"/>
+          </a:fillRef>
+          <a:effectRef idx="0">
+            <a:schemeClr val="accent1"/>
+          </a:effectRef>
+          <a:fontRef idx="minor">
+            <a:schemeClr val="lt1"/>
+          </a:fontRef>
+        </p:style>
+        <p:txBody>
+          <a:bodyPr rtlCol="0" anchor="ctr"/>
+          <a:lstStyle/>
+          <a:p>
+            <a:pPr algn="ctr"/>
+            <a:r>
+              <a:rPr lang="en-US" sz="2400" dirty="0">
+                <a:latin typeface="Arial Black" panose="020B0A04020102020204" pitchFamily="34" charset="0"/>
+              </a:rPr>
+              <a:t>3</a:t>
+            </a:r>
+          </a:p>
+        </p:txBody>
+      </p:sp>
+      <p:sp>
+        <p:nvSpPr>
+          <p:cNvPr id="14" name="Oval 13"/>
+          <p:cNvSpPr/>
+          <p:nvPr/>
+        </p:nvSpPr>
+        <p:spPr>
+          <a:xfrm>
+            <a:off x="1394407" y="2083316"/>
+            <a:ext cx="554027" cy="554027"/>
+          </a:xfrm>
+          <a:prstGeom prst="ellipse">
+            <a:avLst/>
+          </a:prstGeom>
+          <a:effectLst>
+            <a:outerShdw blurRad="50800" dist="114300" dir="8100000" algn="tr" rotWithShape="0">
+              <a:prstClr val="black">
+                <a:alpha val="40000"/>
+              </a:prstClr>
+            </a:outerShdw>
+          </a:effectLst>
+        </p:spPr>
+        <p:style>
+          <a:lnRef idx="2">
+            <a:schemeClr val="accent1">
+              <a:shade val="50000"/>
+            </a:schemeClr>
+          </a:lnRef>
+          <a:fillRef idx="1">
+            <a:schemeClr val="accent1"/>
+          </a:fillRef>
+          <a:effectRef idx="0">
+            <a:schemeClr val="accent1"/>
+          </a:effectRef>
+          <a:fontRef idx="minor">
+            <a:schemeClr val="lt1"/>
+          </a:fontRef>
+        </p:style>
+        <p:txBody>
+          <a:bodyPr rtlCol="0" anchor="ctr"/>
+          <a:lstStyle/>
+          <a:p>
+            <a:pPr algn="ctr"/>
+            <a:r>
+              <a:rPr lang="en-US" sz="2400" dirty="0">
+                <a:latin typeface="Arial Black" panose="020B0A04020102020204" pitchFamily="34" charset="0"/>
+              </a:rPr>
+              <a:t>2</a:t>
+            </a:r>
           </a:p>
         </p:txBody>
       </p:sp>
@@ -5715,9 +5830,23 @@
 </p:sld>
 </file>
 
-<file path=ppt/slides/slide15.xml><?xml version="1.0" encoding="utf-8"?>
+<file path=ppt/slides/slide16.xml><?xml version="1.0" encoding="utf-8"?>
 <p:sld xmlns:a="http://schemas.openxmlformats.org/drawingml/2006/main" xmlns:r="http://schemas.openxmlformats.org/officeDocument/2006/relationships" xmlns:p="http://schemas.openxmlformats.org/presentationml/2006/main">
   <p:cSld>
+    <p:bg>
+      <p:bgPr>
+        <a:blipFill dpi="0" rotWithShape="1">
+          <a:blip r:embed="rId2">
+            <a:lum/>
+          </a:blip>
+          <a:srcRect/>
+          <a:stretch>
+            <a:fillRect/>
+          </a:stretch>
+        </a:blipFill>
+        <a:effectLst/>
+      </p:bgPr>
+    </p:bg>
     <p:spTree>
       <p:nvGrpSpPr>
         <p:cNvPr id="1" name=""/>
@@ -5734,85 +5863,7 @@
       </p:grpSpPr>
       <p:sp>
         <p:nvSpPr>
-          <p:cNvPr id="54" name="Oval 53"/>
-          <p:cNvSpPr/>
-          <p:nvPr/>
-        </p:nvSpPr>
-        <p:spPr>
-          <a:xfrm>
-            <a:off x="1394408" y="902509"/>
-            <a:ext cx="554027" cy="554027"/>
-          </a:xfrm>
-          <a:prstGeom prst="ellipse">
-            <a:avLst/>
-          </a:prstGeom>
-        </p:spPr>
-        <p:style>
-          <a:lnRef idx="2">
-            <a:schemeClr val="accent1">
-              <a:shade val="50000"/>
-            </a:schemeClr>
-          </a:lnRef>
-          <a:fillRef idx="1">
-            <a:schemeClr val="accent1"/>
-          </a:fillRef>
-          <a:effectRef idx="0">
-            <a:schemeClr val="accent1"/>
-          </a:effectRef>
-          <a:fontRef idx="minor">
-            <a:schemeClr val="lt1"/>
-          </a:fontRef>
-        </p:style>
-        <p:txBody>
-          <a:bodyPr rtlCol="0" anchor="ctr"/>
-          <a:lstStyle/>
-          <a:p>
-            <a:pPr algn="ctr"/>
-            <a:r>
-              <a:rPr lang="en-US" sz="2400" dirty="0" smtClean="0">
-                <a:latin typeface="Arial Black" panose="020B0A04020102020204" pitchFamily="34" charset="0"/>
-              </a:rPr>
-              <a:t>1</a:t>
-            </a:r>
-            <a:endParaRPr lang="en-US" sz="2400" dirty="0">
-              <a:latin typeface="Arial Black" panose="020B0A04020102020204" pitchFamily="34" charset="0"/>
-            </a:endParaRPr>
-          </a:p>
-        </p:txBody>
-      </p:sp>
-      <p:pic>
-        <p:nvPicPr>
-          <p:cNvPr id="55" name="Grafik 5"/>
-          <p:cNvPicPr>
-            <a:picLocks noChangeAspect="1"/>
-          </p:cNvPicPr>
-          <p:nvPr/>
-        </p:nvPicPr>
-        <p:blipFill rotWithShape="1">
-          <a:blip r:link="rId2"/>
-          <a:srcRect l="1996" t="8192" r="3993" b="78805"/>
-          <a:stretch/>
-        </p:blipFill>
-        <p:spPr>
-          <a:xfrm>
-            <a:off x="2228938" y="861848"/>
-            <a:ext cx="4689612" cy="651642"/>
-          </a:xfrm>
-          <a:prstGeom prst="rect">
-            <a:avLst/>
-          </a:prstGeom>
-          <a:ln>
-            <a:solidFill>
-              <a:schemeClr val="bg1">
-                <a:lumMod val="75000"/>
-              </a:schemeClr>
-            </a:solidFill>
-          </a:ln>
-        </p:spPr>
-      </p:pic>
-      <p:sp>
-        <p:nvSpPr>
-          <p:cNvPr id="57" name="Textfeld 4"/>
+          <p:cNvPr id="5" name="Textfeld 4"/>
           <p:cNvSpPr txBox="1"/>
           <p:nvPr/>
         </p:nvSpPr>
@@ -5834,7 +5885,10 @@
           <a:p>
             <a:pPr algn="ctr"/>
             <a:r>
-              <a:rPr lang="de-DE" sz="3600" dirty="0">
+              <a:rPr lang="de-DE" sz="3600" dirty="0" err="1" smtClean="0">
+                <a:solidFill>
+                  <a:prstClr val="black"/>
+                </a:solidFill>
                 <a:effectLst>
                   <a:outerShdw blurRad="38100" dist="38100" dir="2700000" algn="tl">
                     <a:srgbClr val="000000">
@@ -5844,10 +5898,13 @@
                 </a:effectLst>
                 <a:latin typeface="Gabriola" panose="04040605051002020D02" pitchFamily="82" charset="0"/>
               </a:rPr>
-              <a:t>Create Sets </a:t>
-            </a:r>
-            <a:r>
-              <a:rPr lang="de-DE" sz="3600" dirty="0" err="1">
+              <a:t>How</a:t>
+            </a:r>
+            <a:r>
+              <a:rPr lang="de-DE" sz="3600" dirty="0" smtClean="0">
+                <a:solidFill>
+                  <a:prstClr val="black"/>
+                </a:solidFill>
                 <a:effectLst>
                   <a:outerShdw blurRad="38100" dist="38100" dir="2700000" algn="tl">
                     <a:srgbClr val="000000">
@@ -5857,10 +5914,13 @@
                 </a:effectLst>
                 <a:latin typeface="Gabriola" panose="04040605051002020D02" pitchFamily="82" charset="0"/>
               </a:rPr>
-              <a:t>and</a:t>
-            </a:r>
-            <a:r>
-              <a:rPr lang="de-DE" sz="3600" dirty="0">
+              <a:t> </a:t>
+            </a:r>
+            <a:r>
+              <a:rPr lang="de-DE" sz="3600" dirty="0" err="1" smtClean="0">
+                <a:solidFill>
+                  <a:prstClr val="black"/>
+                </a:solidFill>
                 <a:effectLst>
                   <a:outerShdw blurRad="38100" dist="38100" dir="2700000" algn="tl">
                     <a:srgbClr val="000000">
@@ -5870,10 +5930,13 @@
                 </a:effectLst>
                 <a:latin typeface="Gabriola" panose="04040605051002020D02" pitchFamily="82" charset="0"/>
               </a:rPr>
-              <a:t> </a:t>
-            </a:r>
-            <a:r>
-              <a:rPr lang="de-DE" sz="3600" dirty="0" err="1">
+              <a:t>does</a:t>
+            </a:r>
+            <a:r>
+              <a:rPr lang="de-DE" sz="3600" dirty="0" smtClean="0">
+                <a:solidFill>
+                  <a:prstClr val="black"/>
+                </a:solidFill>
                 <a:effectLst>
                   <a:outerShdw blurRad="38100" dist="38100" dir="2700000" algn="tl">
                     <a:srgbClr val="000000">
@@ -5883,9 +5946,76 @@
                 </a:effectLst>
                 <a:latin typeface="Gabriola" panose="04040605051002020D02" pitchFamily="82" charset="0"/>
               </a:rPr>
-              <a:t>Contributors</a:t>
+              <a:t> </a:t>
+            </a:r>
+            <a:r>
+              <a:rPr lang="de-DE" sz="3600" dirty="0" err="1" smtClean="0">
+                <a:solidFill>
+                  <a:prstClr val="black"/>
+                </a:solidFill>
+                <a:effectLst>
+                  <a:outerShdw blurRad="38100" dist="38100" dir="2700000" algn="tl">
+                    <a:srgbClr val="000000">
+                      <a:alpha val="43137"/>
+                    </a:srgbClr>
+                  </a:outerShdw>
+                </a:effectLst>
+                <a:latin typeface="Gabriola" panose="04040605051002020D02" pitchFamily="82" charset="0"/>
+              </a:rPr>
+              <a:t>NCase</a:t>
+            </a:r>
+            <a:r>
+              <a:rPr lang="de-DE" sz="3600" dirty="0" smtClean="0">
+                <a:solidFill>
+                  <a:prstClr val="black"/>
+                </a:solidFill>
+                <a:effectLst>
+                  <a:outerShdw blurRad="38100" dist="38100" dir="2700000" algn="tl">
+                    <a:srgbClr val="000000">
+                      <a:alpha val="43137"/>
+                    </a:srgbClr>
+                  </a:outerShdw>
+                </a:effectLst>
+                <a:latin typeface="Gabriola" panose="04040605051002020D02" pitchFamily="82" charset="0"/>
+              </a:rPr>
+              <a:t> </a:t>
+            </a:r>
+            <a:r>
+              <a:rPr lang="de-DE" sz="3600" dirty="0" err="1" smtClean="0">
+                <a:solidFill>
+                  <a:prstClr val="black"/>
+                </a:solidFill>
+                <a:effectLst>
+                  <a:outerShdw blurRad="38100" dist="38100" dir="2700000" algn="tl">
+                    <a:srgbClr val="000000">
+                      <a:alpha val="43137"/>
+                    </a:srgbClr>
+                  </a:outerShdw>
+                </a:effectLst>
+                <a:latin typeface="Gabriola" panose="04040605051002020D02" pitchFamily="82" charset="0"/>
+              </a:rPr>
+              <a:t>work</a:t>
+            </a:r>
+            <a:r>
+              <a:rPr lang="de-DE" sz="3600" dirty="0" smtClean="0">
+                <a:solidFill>
+                  <a:prstClr val="black"/>
+                </a:solidFill>
+                <a:effectLst>
+                  <a:outerShdw blurRad="38100" dist="38100" dir="2700000" algn="tl">
+                    <a:srgbClr val="000000">
+                      <a:alpha val="43137"/>
+                    </a:srgbClr>
+                  </a:outerShdw>
+                </a:effectLst>
+                <a:latin typeface="Gabriola" panose="04040605051002020D02" pitchFamily="82" charset="0"/>
+              </a:rPr>
+              <a:t>?</a:t>
             </a:r>
             <a:endParaRPr lang="en-US" sz="3600" dirty="0">
+              <a:solidFill>
+                <a:prstClr val="black"/>
+              </a:solidFill>
               <a:effectLst>
                 <a:outerShdw blurRad="38100" dist="38100" dir="2700000" algn="tl">
                   <a:srgbClr val="000000">
@@ -5900,356 +6030,81 @@
       </p:sp>
       <p:sp>
         <p:nvSpPr>
-          <p:cNvPr id="4" name="Line Callout 3 (Accent Bar) 3"/>
+          <p:cNvPr id="12" name="Oval 11"/>
           <p:cNvSpPr/>
           <p:nvPr/>
         </p:nvSpPr>
         <p:spPr>
           <a:xfrm>
-            <a:off x="2482938" y="2068402"/>
-            <a:ext cx="4802483" cy="685581"/>
-          </a:xfrm>
-          <a:prstGeom prst="accentCallout3">
-            <a:avLst>
-              <a:gd name="adj1" fmla="val 18750"/>
-              <a:gd name="adj2" fmla="val -4175"/>
-              <a:gd name="adj3" fmla="val -27242"/>
-              <a:gd name="adj4" fmla="val -9883"/>
-              <a:gd name="adj5" fmla="val -134558"/>
-              <a:gd name="adj6" fmla="val -9664"/>
-              <a:gd name="adj7" fmla="val -153789"/>
-              <a:gd name="adj8" fmla="val -5488"/>
-            </a:avLst>
-          </a:prstGeom>
-          <a:noFill/>
-          <a:ln w="19050"/>
+            <a:off x="1394408" y="902509"/>
+            <a:ext cx="554027" cy="554027"/>
+          </a:xfrm>
+          <a:prstGeom prst="ellipse">
+            <a:avLst/>
+          </a:prstGeom>
+          <a:effectLst>
+            <a:outerShdw blurRad="50800" dist="114300" dir="8100000" algn="tr" rotWithShape="0">
+              <a:prstClr val="black">
+                <a:alpha val="40000"/>
+              </a:prstClr>
+            </a:outerShdw>
+          </a:effectLst>
         </p:spPr>
         <p:style>
           <a:lnRef idx="2">
-            <a:schemeClr val="accent1"/>
+            <a:schemeClr val="accent1">
+              <a:shade val="50000"/>
+            </a:schemeClr>
           </a:lnRef>
           <a:fillRef idx="1">
-            <a:schemeClr val="lt1"/>
+            <a:schemeClr val="accent1"/>
           </a:fillRef>
           <a:effectRef idx="0">
             <a:schemeClr val="accent1"/>
           </a:effectRef>
           <a:fontRef idx="minor">
-            <a:schemeClr val="dk1"/>
+            <a:schemeClr val="lt1"/>
           </a:fontRef>
         </p:style>
         <p:txBody>
           <a:bodyPr rtlCol="0" anchor="ctr"/>
           <a:lstStyle/>
           <a:p>
-            <a:r>
-              <a:rPr lang="de-DE" sz="2000" dirty="0" smtClean="0">
+            <a:pPr algn="ctr"/>
+            <a:r>
+              <a:rPr lang="en-US" sz="2400" dirty="0">
                 <a:solidFill>
-                  <a:schemeClr val="dk1"/>
+                  <a:prstClr val="white"/>
                 </a:solidFill>
-                <a:latin typeface="Gabriola" panose="04040605051002020D02" pitchFamily="82" charset="0"/>
-              </a:rPr>
-              <a:t>Create </a:t>
-            </a:r>
-            <a:r>
-              <a:rPr lang="de-DE" sz="2000" dirty="0">
-                <a:solidFill>
-                  <a:schemeClr val="dk1"/>
-                </a:solidFill>
-                <a:latin typeface="Gabriola" panose="04040605051002020D02" pitchFamily="82" charset="0"/>
-              </a:rPr>
-              <a:t>a </a:t>
-            </a:r>
-            <a:r>
-              <a:rPr lang="de-DE" sz="2000" dirty="0" err="1">
-                <a:solidFill>
-                  <a:schemeClr val="dk1"/>
-                </a:solidFill>
-                <a:latin typeface="Gabriola" panose="04040605051002020D02" pitchFamily="82" charset="0"/>
-              </a:rPr>
-              <a:t>Builder</a:t>
-            </a:r>
-            <a:endParaRPr lang="de-DE" sz="2000" dirty="0">
-              <a:solidFill>
-                <a:schemeClr val="dk1"/>
-              </a:solidFill>
-              <a:latin typeface="Gabriola" panose="04040605051002020D02" pitchFamily="82" charset="0"/>
-            </a:endParaRPr>
-          </a:p>
-          <a:p>
-            <a:pPr lvl="1"/>
-            <a:r>
-              <a:rPr lang="de-DE" sz="2000" dirty="0" smtClean="0">
-                <a:latin typeface="Gabriola" panose="04040605051002020D02" pitchFamily="82" charset="0"/>
-              </a:rPr>
-              <a:t>A </a:t>
-            </a:r>
-            <a:r>
-              <a:rPr lang="de-DE" sz="2000" dirty="0" err="1">
-                <a:latin typeface="Gabriola" panose="04040605051002020D02" pitchFamily="82" charset="0"/>
-              </a:rPr>
-              <a:t>Builder</a:t>
-            </a:r>
-            <a:r>
-              <a:rPr lang="de-DE" sz="2000" dirty="0">
-                <a:latin typeface="Gabriola" panose="04040605051002020D02" pitchFamily="82" charset="0"/>
-              </a:rPr>
-              <a:t> o</a:t>
-            </a:r>
-            <a:r>
-              <a:rPr lang="en-US" sz="2000" dirty="0" err="1">
-                <a:latin typeface="Gabriola" panose="04040605051002020D02" pitchFamily="82" charset="0"/>
-              </a:rPr>
-              <a:t>wns</a:t>
-            </a:r>
-            <a:r>
-              <a:rPr lang="en-US" sz="2000" dirty="0">
-                <a:latin typeface="Gabriola" panose="04040605051002020D02" pitchFamily="82" charset="0"/>
-              </a:rPr>
-              <a:t> all </a:t>
-            </a:r>
-            <a:r>
-              <a:rPr lang="en-US" sz="2000" dirty="0" smtClean="0">
-                <a:latin typeface="Gabriola" panose="04040605051002020D02" pitchFamily="82" charset="0"/>
-              </a:rPr>
-              <a:t>Sets and Contributors</a:t>
-            </a:r>
-            <a:endParaRPr lang="en-US" sz="2000" dirty="0">
-              <a:latin typeface="Gabriola" panose="04040605051002020D02" pitchFamily="82" charset="0"/>
-            </a:endParaRPr>
-          </a:p>
-        </p:txBody>
-      </p:sp>
-      <p:sp>
-        <p:nvSpPr>
-          <p:cNvPr id="9" name="Line Callout 3 (Accent Bar) 8"/>
-          <p:cNvSpPr/>
-          <p:nvPr/>
-        </p:nvSpPr>
-        <p:spPr>
-          <a:xfrm>
-            <a:off x="2482937" y="3057634"/>
-            <a:ext cx="5494415" cy="685581"/>
-          </a:xfrm>
-          <a:prstGeom prst="accentCallout3">
-            <a:avLst>
-              <a:gd name="adj1" fmla="val 18750"/>
-              <a:gd name="adj2" fmla="val -3792"/>
-              <a:gd name="adj3" fmla="val -53304"/>
-              <a:gd name="adj4" fmla="val -14479"/>
-              <a:gd name="adj5" fmla="val -215809"/>
-              <a:gd name="adj6" fmla="val -14260"/>
-              <a:gd name="adj7" fmla="val -267235"/>
-              <a:gd name="adj8" fmla="val -5269"/>
-            </a:avLst>
-          </a:prstGeom>
-          <a:noFill/>
-          <a:ln w="19050"/>
-        </p:spPr>
-        <p:style>
-          <a:lnRef idx="2">
-            <a:schemeClr val="accent1"/>
-          </a:lnRef>
-          <a:fillRef idx="1">
-            <a:schemeClr val="lt1"/>
-          </a:fillRef>
-          <a:effectRef idx="0">
-            <a:schemeClr val="accent1"/>
-          </a:effectRef>
-          <a:fontRef idx="minor">
-            <a:schemeClr val="dk1"/>
-          </a:fontRef>
-        </p:style>
-        <p:txBody>
-          <a:bodyPr rtlCol="0" anchor="ctr"/>
-          <a:lstStyle/>
-          <a:p>
-            <a:r>
-              <a:rPr lang="de-DE" sz="2000" dirty="0" smtClean="0">
-                <a:latin typeface="Gabriola" panose="04040605051002020D02" pitchFamily="82" charset="0"/>
-              </a:rPr>
-              <a:t>Create </a:t>
-            </a:r>
-            <a:r>
-              <a:rPr lang="de-DE" sz="2000" dirty="0" err="1" smtClean="0">
-                <a:latin typeface="Gabriola" panose="04040605051002020D02" pitchFamily="82" charset="0"/>
-              </a:rPr>
-              <a:t>Contributors</a:t>
-            </a:r>
-            <a:endParaRPr lang="de-DE" sz="2000" dirty="0">
-              <a:latin typeface="Gabriola" panose="04040605051002020D02" pitchFamily="82" charset="0"/>
-            </a:endParaRPr>
-          </a:p>
-          <a:p>
-            <a:pPr lvl="1"/>
-            <a:r>
-              <a:rPr lang="en-US" sz="2000" dirty="0" smtClean="0">
-                <a:latin typeface="Gabriola" panose="04040605051002020D02" pitchFamily="82" charset="0"/>
-              </a:rPr>
-              <a:t>instances </a:t>
-            </a:r>
-            <a:r>
-              <a:rPr lang="en-US" sz="2000" dirty="0">
-                <a:latin typeface="Gabriola" panose="04040605051002020D02" pitchFamily="82" charset="0"/>
-              </a:rPr>
-              <a:t>of any type that you want to be controlled by </a:t>
-            </a:r>
-            <a:r>
-              <a:rPr lang="en-US" sz="2000" dirty="0" err="1">
-                <a:latin typeface="Gabriola" panose="04040605051002020D02" pitchFamily="82" charset="0"/>
-              </a:rPr>
-              <a:t>Ncase</a:t>
-            </a:r>
-            <a:endParaRPr lang="en-US" sz="2000" dirty="0">
-              <a:latin typeface="Gabriola" panose="04040605051002020D02" pitchFamily="82" charset="0"/>
-            </a:endParaRPr>
-          </a:p>
-        </p:txBody>
-      </p:sp>
-      <p:sp>
-        <p:nvSpPr>
-          <p:cNvPr id="10" name="Line Callout 3 (Accent Bar) 9"/>
-          <p:cNvSpPr/>
-          <p:nvPr/>
-        </p:nvSpPr>
-        <p:spPr>
-          <a:xfrm>
-            <a:off x="2482936" y="4176054"/>
-            <a:ext cx="5494415" cy="685581"/>
-          </a:xfrm>
-          <a:prstGeom prst="accentCallout3">
-            <a:avLst>
-              <a:gd name="adj1" fmla="val 18750"/>
-              <a:gd name="adj2" fmla="val -3792"/>
-              <a:gd name="adj3" fmla="val -59436"/>
-              <a:gd name="adj4" fmla="val -20026"/>
-              <a:gd name="adj5" fmla="val -324657"/>
-              <a:gd name="adj6" fmla="val -19616"/>
-              <a:gd name="adj7" fmla="val -402144"/>
-              <a:gd name="adj8" fmla="val -4886"/>
-            </a:avLst>
-          </a:prstGeom>
-          <a:noFill/>
-          <a:ln w="19050"/>
-        </p:spPr>
-        <p:style>
-          <a:lnRef idx="2">
-            <a:schemeClr val="accent1"/>
-          </a:lnRef>
-          <a:fillRef idx="1">
-            <a:schemeClr val="lt1"/>
-          </a:fillRef>
-          <a:effectRef idx="0">
-            <a:schemeClr val="accent1"/>
-          </a:effectRef>
-          <a:fontRef idx="minor">
-            <a:schemeClr val="dk1"/>
-          </a:fontRef>
-        </p:style>
-        <p:txBody>
-          <a:bodyPr rtlCol="0" anchor="ctr"/>
-          <a:lstStyle/>
-          <a:p>
-            <a:r>
-              <a:rPr lang="de-DE" sz="2000" dirty="0" smtClean="0">
-                <a:latin typeface="Gabriola" panose="04040605051002020D02" pitchFamily="82" charset="0"/>
-              </a:rPr>
-              <a:t>Create Sets </a:t>
-            </a:r>
-            <a:r>
-              <a:rPr lang="en-US" sz="2000" dirty="0" smtClean="0">
-                <a:latin typeface="Gabriola" panose="04040605051002020D02" pitchFamily="82" charset="0"/>
-              </a:rPr>
-              <a:t>(here </a:t>
-            </a:r>
-            <a:r>
-              <a:rPr lang="en-US" sz="2000" dirty="0" err="1" smtClean="0">
-                <a:latin typeface="Gabriola" panose="04040605051002020D02" pitchFamily="82" charset="0"/>
-              </a:rPr>
-              <a:t>CombinationSet</a:t>
-            </a:r>
-            <a:r>
-              <a:rPr lang="en-US" sz="2000" dirty="0">
-                <a:latin typeface="Gabriola" panose="04040605051002020D02" pitchFamily="82" charset="0"/>
-              </a:rPr>
-              <a:t>)</a:t>
-            </a:r>
-            <a:endParaRPr lang="de-DE" sz="2000" dirty="0">
-              <a:latin typeface="Gabriola" panose="04040605051002020D02" pitchFamily="82" charset="0"/>
-            </a:endParaRPr>
-          </a:p>
-          <a:p>
-            <a:pPr lvl="1"/>
-            <a:r>
-              <a:rPr lang="en-US" sz="2000" dirty="0">
-                <a:latin typeface="Gabriola" panose="04040605051002020D02" pitchFamily="82" charset="0"/>
-              </a:rPr>
-              <a:t>defines a set of test cases</a:t>
-            </a:r>
-            <a:endParaRPr lang="de-DE" sz="2000" dirty="0">
-              <a:latin typeface="Gabriola" panose="04040605051002020D02" pitchFamily="82" charset="0"/>
-            </a:endParaRPr>
-          </a:p>
-        </p:txBody>
-      </p:sp>
-    </p:spTree>
-    <p:extLst>
-      <p:ext uri="{BB962C8B-B14F-4D97-AF65-F5344CB8AC3E}">
-        <p14:creationId xmlns:p14="http://schemas.microsoft.com/office/powerpoint/2010/main" val="763936622"/>
-      </p:ext>
-    </p:extLst>
-  </p:cSld>
-  <p:clrMapOvr>
-    <a:masterClrMapping/>
-  </p:clrMapOvr>
-  <p:timing>
-    <p:tnLst>
-      <p:par>
-        <p:cTn id="1" dur="indefinite" restart="never" nodeType="tmRoot"/>
-      </p:par>
-    </p:tnLst>
-  </p:timing>
-</p:sld>
-</file>
-
-<file path=ppt/slides/slide16.xml><?xml version="1.0" encoding="utf-8"?>
-<p:sld xmlns:a="http://schemas.openxmlformats.org/drawingml/2006/main" xmlns:r="http://schemas.openxmlformats.org/officeDocument/2006/relationships" xmlns:p="http://schemas.openxmlformats.org/presentationml/2006/main">
-  <p:cSld>
-    <p:spTree>
-      <p:nvGrpSpPr>
-        <p:cNvPr id="1" name=""/>
-        <p:cNvGrpSpPr/>
-        <p:nvPr/>
-      </p:nvGrpSpPr>
-      <p:grpSpPr>
-        <a:xfrm>
-          <a:off x="0" y="0"/>
-          <a:ext cx="0" cy="0"/>
-          <a:chOff x="0" y="0"/>
-          <a:chExt cx="0" cy="0"/>
-        </a:xfrm>
-      </p:grpSpPr>
+                <a:latin typeface="Arial Black" panose="020B0A04020102020204" pitchFamily="34" charset="0"/>
+              </a:rPr>
+              <a:t>1</a:t>
+            </a:r>
+          </a:p>
+        </p:txBody>
+      </p:sp>
       <p:pic>
         <p:nvPicPr>
-          <p:cNvPr id="17" name="Grafik 5"/>
+          <p:cNvPr id="11" name="Grafik 5"/>
           <p:cNvPicPr>
             <a:picLocks noChangeAspect="1"/>
           </p:cNvPicPr>
           <p:nvPr/>
         </p:nvPicPr>
         <p:blipFill rotWithShape="1">
-          <a:blip r:link="rId2"/>
-          <a:srcRect l="1996" t="21214" r="3993" b="46473"/>
+          <a:blip r:link="rId3"/>
+          <a:srcRect l="1996" t="3788" r="3993" b="77337"/>
           <a:stretch/>
         </p:blipFill>
         <p:spPr>
           <a:xfrm>
-            <a:off x="2228938" y="1514474"/>
-            <a:ext cx="4689612" cy="1619251"/>
+            <a:off x="2838538" y="1541476"/>
+            <a:ext cx="4689612" cy="945931"/>
           </a:xfrm>
           <a:prstGeom prst="rect">
             <a:avLst/>
           </a:prstGeom>
+          <a:noFill/>
           <a:ln>
             <a:solidFill>
               <a:schemeClr val="bg1">
@@ -6257,217 +6112,50 @@
               </a:schemeClr>
             </a:solidFill>
           </a:ln>
+          <a:effectLst>
+            <a:outerShdw blurRad="50800" dist="114300" dir="8100000" algn="tr" rotWithShape="0">
+              <a:prstClr val="black">
+                <a:alpha val="40000"/>
+              </a:prstClr>
+            </a:outerShdw>
+          </a:effectLst>
         </p:spPr>
       </p:pic>
       <p:sp>
         <p:nvSpPr>
-          <p:cNvPr id="10" name="Oval 9"/>
+          <p:cNvPr id="2" name="Rectangle 1"/>
           <p:cNvSpPr/>
           <p:nvPr/>
         </p:nvSpPr>
         <p:spPr>
           <a:xfrm>
-            <a:off x="1394407" y="2083316"/>
-            <a:ext cx="554027" cy="554027"/>
-          </a:xfrm>
-          <a:prstGeom prst="ellipse">
-            <a:avLst/>
-          </a:prstGeom>
-        </p:spPr>
-        <p:style>
-          <a:lnRef idx="2">
-            <a:schemeClr val="accent1">
-              <a:shade val="50000"/>
-            </a:schemeClr>
-          </a:lnRef>
-          <a:fillRef idx="1">
-            <a:schemeClr val="accent1"/>
-          </a:fillRef>
-          <a:effectRef idx="0">
-            <a:schemeClr val="accent1"/>
-          </a:effectRef>
-          <a:fontRef idx="minor">
-            <a:schemeClr val="lt1"/>
-          </a:fontRef>
-        </p:style>
-        <p:txBody>
-          <a:bodyPr rtlCol="0" anchor="ctr"/>
-          <a:lstStyle/>
-          <a:p>
-            <a:pPr algn="ctr"/>
-            <a:r>
-              <a:rPr lang="en-US" sz="2400" dirty="0">
-                <a:latin typeface="Arial Black" panose="020B0A04020102020204" pitchFamily="34" charset="0"/>
-              </a:rPr>
-              <a:t>2</a:t>
-            </a:r>
-          </a:p>
-        </p:txBody>
-      </p:sp>
-      <p:sp>
-        <p:nvSpPr>
-          <p:cNvPr id="11" name="Textfeld 4"/>
-          <p:cNvSpPr txBox="1"/>
-          <p:nvPr/>
-        </p:nvSpPr>
-        <p:spPr>
-          <a:xfrm>
-            <a:off x="0" y="0"/>
-            <a:ext cx="9144000" cy="646331"/>
+            <a:off x="2807560" y="2588461"/>
+            <a:ext cx="4720590" cy="1754326"/>
           </a:xfrm>
           <a:prstGeom prst="rect">
             <a:avLst/>
           </a:prstGeom>
-          <a:noFill/>
-        </p:spPr>
-        <p:txBody>
-          <a:bodyPr wrap="square" rtlCol="0">
+          <a:solidFill>
+            <a:srgbClr val="5B9BD5"/>
+          </a:solidFill>
+          <a:effectLst>
+            <a:outerShdw blurRad="50800" dist="114300" dir="8100000" algn="tr" rotWithShape="0">
+              <a:prstClr val="black">
+                <a:alpha val="40000"/>
+              </a:prstClr>
+            </a:outerShdw>
+          </a:effectLst>
+        </p:spPr>
+        <p:txBody>
+          <a:bodyPr wrap="square">
             <a:spAutoFit/>
           </a:bodyPr>
           <a:lstStyle/>
           <a:p>
-            <a:pPr algn="ctr"/>
-            <a:r>
-              <a:rPr lang="de-DE" sz="3600" dirty="0">
-                <a:effectLst>
-                  <a:outerShdw blurRad="38100" dist="38100" dir="2700000" algn="tl">
-                    <a:srgbClr val="000000">
-                      <a:alpha val="43137"/>
-                    </a:srgbClr>
-                  </a:outerShdw>
-                </a:effectLst>
-                <a:latin typeface="Gabriola" panose="04040605051002020D02" pitchFamily="82" charset="0"/>
-              </a:rPr>
-              <a:t>Write Set </a:t>
-            </a:r>
-            <a:r>
-              <a:rPr lang="de-DE" sz="3600" dirty="0" err="1" smtClean="0">
-                <a:effectLst>
-                  <a:outerShdw blurRad="38100" dist="38100" dir="2700000" algn="tl">
-                    <a:srgbClr val="000000">
-                      <a:alpha val="43137"/>
-                    </a:srgbClr>
-                  </a:outerShdw>
-                </a:effectLst>
-                <a:latin typeface="Gabriola" panose="04040605051002020D02" pitchFamily="82" charset="0"/>
-              </a:rPr>
-              <a:t>Definitions</a:t>
-            </a:r>
-            <a:endParaRPr lang="en-US" sz="3600" dirty="0">
-              <a:effectLst>
-                <a:outerShdw blurRad="38100" dist="38100" dir="2700000" algn="tl">
-                  <a:srgbClr val="000000">
-                    <a:alpha val="43137"/>
-                  </a:srgbClr>
-                </a:outerShdw>
-              </a:effectLst>
-              <a:latin typeface="Gabriola" panose="04040605051002020D02" pitchFamily="82" charset="0"/>
-            </a:endParaRPr>
-          </a:p>
-        </p:txBody>
-      </p:sp>
-      <p:sp>
-        <p:nvSpPr>
-          <p:cNvPr id="9" name="Line Callout 3 (Accent Bar) 8"/>
-          <p:cNvSpPr/>
-          <p:nvPr/>
-        </p:nvSpPr>
-        <p:spPr>
-          <a:xfrm>
-            <a:off x="2472427" y="3489434"/>
-            <a:ext cx="5494415" cy="263635"/>
-          </a:xfrm>
-          <a:prstGeom prst="accentCallout3">
-            <a:avLst>
-              <a:gd name="adj1" fmla="val 11085"/>
-              <a:gd name="adj2" fmla="val -3983"/>
-              <a:gd name="adj3" fmla="val -80290"/>
-              <a:gd name="adj4" fmla="val -7592"/>
-              <a:gd name="adj5" fmla="val -435691"/>
-              <a:gd name="adj6" fmla="val -7374"/>
-              <a:gd name="adj7" fmla="val -522680"/>
-              <a:gd name="adj8" fmla="val -2399"/>
-            </a:avLst>
-          </a:prstGeom>
-          <a:noFill/>
-          <a:ln w="19050"/>
-        </p:spPr>
-        <p:style>
-          <a:lnRef idx="2">
-            <a:schemeClr val="accent1"/>
-          </a:lnRef>
-          <a:fillRef idx="1">
-            <a:schemeClr val="lt1"/>
-          </a:fillRef>
-          <a:effectRef idx="0">
-            <a:schemeClr val="accent1"/>
-          </a:effectRef>
-          <a:fontRef idx="minor">
-            <a:schemeClr val="dk1"/>
-          </a:fontRef>
-        </p:style>
-        <p:txBody>
-          <a:bodyPr rtlCol="0" anchor="ctr"/>
-          <a:lstStyle/>
-          <a:p>
-            <a:r>
-              <a:rPr lang="de-DE" sz="2000" dirty="0" err="1" smtClean="0">
-                <a:latin typeface="Gabriola" panose="04040605051002020D02" pitchFamily="82" charset="0"/>
-              </a:rPr>
-              <a:t>Record</a:t>
-            </a:r>
-            <a:r>
-              <a:rPr lang="de-DE" sz="2000" dirty="0" smtClean="0">
-                <a:latin typeface="Gabriola" panose="04040605051002020D02" pitchFamily="82" charset="0"/>
-              </a:rPr>
-              <a:t> </a:t>
-            </a:r>
-            <a:r>
-              <a:rPr lang="de-DE" sz="2000" dirty="0" err="1">
-                <a:latin typeface="Gabriola" panose="04040605051002020D02" pitchFamily="82" charset="0"/>
-              </a:rPr>
-              <a:t>C</a:t>
-            </a:r>
-            <a:r>
-              <a:rPr lang="de-DE" sz="2000" dirty="0" err="1" smtClean="0">
-                <a:latin typeface="Gabriola" panose="04040605051002020D02" pitchFamily="82" charset="0"/>
-              </a:rPr>
-              <a:t>ontributor</a:t>
-            </a:r>
-            <a:r>
-              <a:rPr lang="de-DE" sz="2000" dirty="0" smtClean="0">
-                <a:latin typeface="Gabriola" panose="04040605051002020D02" pitchFamily="82" charset="0"/>
-              </a:rPr>
-              <a:t> Calls</a:t>
-            </a:r>
-            <a:endParaRPr lang="de-DE" sz="2000" dirty="0">
-              <a:latin typeface="Gabriola" panose="04040605051002020D02" pitchFamily="82" charset="0"/>
-            </a:endParaRPr>
-          </a:p>
-        </p:txBody>
-      </p:sp>
-      <p:sp>
-        <p:nvSpPr>
-          <p:cNvPr id="2" name="TextBox 1"/>
-          <p:cNvSpPr txBox="1"/>
-          <p:nvPr/>
-        </p:nvSpPr>
-        <p:spPr>
-          <a:xfrm>
-            <a:off x="2228938" y="734846"/>
-            <a:ext cx="4689612" cy="707886"/>
-          </a:xfrm>
-          <a:prstGeom prst="rect">
-            <a:avLst/>
-          </a:prstGeom>
-          <a:noFill/>
-        </p:spPr>
-        <p:txBody>
-          <a:bodyPr wrap="square" rtlCol="0">
-            <a:spAutoFit/>
-          </a:bodyPr>
-          <a:lstStyle/>
-          <a:p>
+            <a:pPr marL="342900" indent="-342900">
+              <a:buFontTx/>
+              <a:buChar char="-"/>
+            </a:pPr>
             <a:r>
               <a:rPr lang="de-DE" sz="2000" dirty="0">
                 <a:solidFill>
@@ -6475,7 +6163,7 @@
                 </a:solidFill>
                 <a:latin typeface="Gabriola" panose="04040605051002020D02" pitchFamily="82" charset="0"/>
               </a:rPr>
-              <a:t>Write </a:t>
+              <a:t>Create </a:t>
             </a:r>
             <a:r>
               <a:rPr lang="de-DE" sz="2000" dirty="0" err="1">
@@ -6484,31 +6172,112 @@
                 </a:solidFill>
                 <a:latin typeface="Gabriola" panose="04040605051002020D02" pitchFamily="82" charset="0"/>
               </a:rPr>
-              <a:t>the</a:t>
-            </a:r>
+              <a:t>Builder</a:t>
+            </a:r>
+            <a:endParaRPr lang="de-DE" sz="2000" dirty="0">
+              <a:latin typeface="Gabriola" panose="04040605051002020D02" pitchFamily="82" charset="0"/>
+            </a:endParaRPr>
+          </a:p>
+          <a:p>
+            <a:pPr lvl="1"/>
+            <a:r>
+              <a:rPr lang="de-DE" sz="1600" dirty="0" err="1">
+                <a:latin typeface="Gabriola" panose="04040605051002020D02" pitchFamily="82" charset="0"/>
+              </a:rPr>
+              <a:t>builder</a:t>
+            </a:r>
+            <a:r>
+              <a:rPr lang="de-DE" sz="1600" dirty="0">
+                <a:latin typeface="Gabriola" panose="04040605051002020D02" pitchFamily="82" charset="0"/>
+              </a:rPr>
+              <a:t> o</a:t>
+            </a:r>
+            <a:r>
+              <a:rPr lang="en-US" sz="1600" dirty="0" err="1">
+                <a:latin typeface="Gabriola" panose="04040605051002020D02" pitchFamily="82" charset="0"/>
+              </a:rPr>
+              <a:t>wns</a:t>
+            </a:r>
+            <a:r>
+              <a:rPr lang="en-US" sz="1600" dirty="0">
+                <a:latin typeface="Gabriola" panose="04040605051002020D02" pitchFamily="82" charset="0"/>
+              </a:rPr>
+              <a:t> all Sets and Contributors</a:t>
+            </a:r>
+          </a:p>
+          <a:p>
+            <a:pPr marL="342900" indent="-342900">
+              <a:buFontTx/>
+              <a:buChar char="-"/>
+            </a:pPr>
             <a:r>
               <a:rPr lang="de-DE" sz="2000" dirty="0">
-                <a:solidFill>
-                  <a:schemeClr val="dk1"/>
-                </a:solidFill>
-                <a:latin typeface="Gabriola" panose="04040605051002020D02" pitchFamily="82" charset="0"/>
-              </a:rPr>
-              <a:t> Set Definition</a:t>
-            </a:r>
+                <a:latin typeface="Gabriola" panose="04040605051002020D02" pitchFamily="82" charset="0"/>
+              </a:rPr>
+              <a:t>Create </a:t>
+            </a:r>
+            <a:r>
+              <a:rPr lang="de-DE" sz="2000" dirty="0" err="1">
+                <a:latin typeface="Gabriola" panose="04040605051002020D02" pitchFamily="82" charset="0"/>
+              </a:rPr>
+              <a:t>Contributors</a:t>
+            </a:r>
+            <a:endParaRPr lang="de-DE" sz="2000" dirty="0">
+              <a:latin typeface="Gabriola" panose="04040605051002020D02" pitchFamily="82" charset="0"/>
+            </a:endParaRPr>
           </a:p>
           <a:p>
             <a:pPr lvl="1"/>
             <a:r>
+              <a:rPr lang="en-US" sz="1600" dirty="0">
+                <a:latin typeface="Gabriola" panose="04040605051002020D02" pitchFamily="82" charset="0"/>
+              </a:rPr>
+              <a:t>instances of any </a:t>
+            </a:r>
+            <a:r>
+              <a:rPr lang="en-US" sz="1600" dirty="0" smtClean="0">
+                <a:latin typeface="Gabriola" panose="04040605051002020D02" pitchFamily="82" charset="0"/>
+              </a:rPr>
+              <a:t>type, that you </a:t>
+            </a:r>
+            <a:r>
+              <a:rPr lang="en-US" sz="1600" dirty="0">
+                <a:latin typeface="Gabriola" panose="04040605051002020D02" pitchFamily="82" charset="0"/>
+              </a:rPr>
+              <a:t>want to </a:t>
+            </a:r>
+            <a:r>
+              <a:rPr lang="en-US" sz="1600" dirty="0" smtClean="0">
+                <a:latin typeface="Gabriola" panose="04040605051002020D02" pitchFamily="82" charset="0"/>
+              </a:rPr>
+              <a:t>control</a:t>
+            </a:r>
+            <a:endParaRPr lang="en-US" sz="1600" dirty="0">
+              <a:latin typeface="Gabriola" panose="04040605051002020D02" pitchFamily="82" charset="0"/>
+            </a:endParaRPr>
+          </a:p>
+          <a:p>
+            <a:pPr marL="285750" indent="-285750">
+              <a:buFontTx/>
+              <a:buChar char="-"/>
+            </a:pPr>
+            <a:r>
               <a:rPr lang="de-DE" sz="2000" dirty="0">
                 <a:latin typeface="Gabriola" panose="04040605051002020D02" pitchFamily="82" charset="0"/>
               </a:rPr>
-              <a:t>The </a:t>
+              <a:t>Create Sets </a:t>
             </a:r>
             <a:r>
               <a:rPr lang="en-US" sz="2000" dirty="0">
                 <a:latin typeface="Gabriola" panose="04040605051002020D02" pitchFamily="82" charset="0"/>
               </a:rPr>
-              <a:t>Syntax is specific to the set type (DSL</a:t>
+              <a:t>(here </a:t>
+            </a:r>
+            <a:r>
+              <a:rPr lang="en-US" sz="2000" dirty="0" err="1" smtClean="0">
+                <a:latin typeface="Gabriola" panose="04040605051002020D02" pitchFamily="82" charset="0"/>
+              </a:rPr>
+              <a:t>CombinationSet</a:t>
             </a:r>
             <a:r>
               <a:rPr lang="en-US" sz="2000" dirty="0" smtClean="0">
@@ -6516,7 +6285,89 @@
               </a:rPr>
               <a:t>)</a:t>
             </a:r>
-            <a:endParaRPr lang="en-US" sz="2000" dirty="0">
+          </a:p>
+          <a:p>
+            <a:pPr lvl="1"/>
+            <a:r>
+              <a:rPr lang="en-US" sz="1600" dirty="0" smtClean="0">
+                <a:latin typeface="Gabriola" panose="04040605051002020D02" pitchFamily="82" charset="0"/>
+              </a:rPr>
+              <a:t>defines </a:t>
+            </a:r>
+            <a:r>
+              <a:rPr lang="en-US" sz="1600" dirty="0">
+                <a:latin typeface="Gabriola" panose="04040605051002020D02" pitchFamily="82" charset="0"/>
+              </a:rPr>
+              <a:t>a set of test </a:t>
+            </a:r>
+            <a:r>
+              <a:rPr lang="en-US" sz="1600" dirty="0" smtClean="0">
+                <a:latin typeface="Gabriola" panose="04040605051002020D02" pitchFamily="82" charset="0"/>
+              </a:rPr>
+              <a:t>cases</a:t>
+            </a:r>
+            <a:endParaRPr lang="de-DE" sz="1600" dirty="0">
+              <a:latin typeface="Gabriola" panose="04040605051002020D02" pitchFamily="82" charset="0"/>
+            </a:endParaRPr>
+          </a:p>
+        </p:txBody>
+      </p:sp>
+      <p:sp>
+        <p:nvSpPr>
+          <p:cNvPr id="15" name="Textfeld 4"/>
+          <p:cNvSpPr txBox="1"/>
+          <p:nvPr/>
+        </p:nvSpPr>
+        <p:spPr>
+          <a:xfrm>
+            <a:off x="2225675" y="896292"/>
+            <a:ext cx="3407870" cy="578882"/>
+          </a:xfrm>
+          <a:prstGeom prst="roundRect">
+            <a:avLst/>
+          </a:prstGeom>
+          <a:solidFill>
+            <a:srgbClr val="5B9BD5"/>
+          </a:solidFill>
+          <a:effectLst>
+            <a:outerShdw blurRad="50800" dist="114300" dir="8100000" algn="tr" rotWithShape="0">
+              <a:prstClr val="black">
+                <a:alpha val="40000"/>
+              </a:prstClr>
+            </a:outerShdw>
+          </a:effectLst>
+        </p:spPr>
+        <p:txBody>
+          <a:bodyPr wrap="square" rtlCol="0">
+            <a:spAutoFit/>
+          </a:bodyPr>
+          <a:lstStyle/>
+          <a:p>
+            <a:r>
+              <a:rPr lang="de-DE" sz="2800" dirty="0" smtClean="0">
+                <a:latin typeface="Gabriola" panose="04040605051002020D02" pitchFamily="82" charset="0"/>
+              </a:rPr>
+              <a:t>Create Sets </a:t>
+            </a:r>
+            <a:r>
+              <a:rPr lang="de-DE" sz="2800" dirty="0" err="1" smtClean="0">
+                <a:latin typeface="Gabriola" panose="04040605051002020D02" pitchFamily="82" charset="0"/>
+              </a:rPr>
+              <a:t>and</a:t>
+            </a:r>
+            <a:r>
+              <a:rPr lang="de-DE" sz="2800" dirty="0" smtClean="0">
+                <a:latin typeface="Gabriola" panose="04040605051002020D02" pitchFamily="82" charset="0"/>
+              </a:rPr>
+              <a:t> </a:t>
+            </a:r>
+            <a:r>
+              <a:rPr lang="de-DE" sz="2800" dirty="0" err="1" smtClean="0">
+                <a:latin typeface="Gabriola" panose="04040605051002020D02" pitchFamily="82" charset="0"/>
+              </a:rPr>
+              <a:t>Contributors</a:t>
+            </a:r>
+            <a:endParaRPr lang="en-US" sz="2800" dirty="0">
               <a:latin typeface="Gabriola" panose="04040605051002020D02" pitchFamily="82" charset="0"/>
             </a:endParaRPr>
           </a:p>
@@ -6525,7 +6376,7 @@
     </p:spTree>
     <p:extLst>
       <p:ext uri="{BB962C8B-B14F-4D97-AF65-F5344CB8AC3E}">
-        <p14:creationId xmlns:p14="http://schemas.microsoft.com/office/powerpoint/2010/main" val="451494170"/>
+        <p14:creationId xmlns:p14="http://schemas.microsoft.com/office/powerpoint/2010/main" val="601966726"/>
       </p:ext>
     </p:extLst>
   </p:cSld>
@@ -6545,6 +6396,20 @@
 <file path=ppt/slides/slide17.xml><?xml version="1.0" encoding="utf-8"?>
 <p:sld xmlns:a="http://schemas.openxmlformats.org/drawingml/2006/main" xmlns:r="http://schemas.openxmlformats.org/officeDocument/2006/relationships" xmlns:p="http://schemas.openxmlformats.org/presentationml/2006/main">
   <p:cSld>
+    <p:bg>
+      <p:bgPr>
+        <a:blipFill dpi="0" rotWithShape="1">
+          <a:blip r:embed="rId2">
+            <a:lum/>
+          </a:blip>
+          <a:srcRect/>
+          <a:stretch>
+            <a:fillRect/>
+          </a:stretch>
+        </a:blipFill>
+        <a:effectLst/>
+      </p:bgPr>
+    </p:bg>
     <p:spTree>
       <p:nvGrpSpPr>
         <p:cNvPr id="1" name=""/>
@@ -6583,7 +6448,10 @@
           <a:p>
             <a:pPr algn="ctr"/>
             <a:r>
-              <a:rPr lang="de-DE" sz="3600" dirty="0" err="1">
+              <a:rPr lang="de-DE" sz="3600" dirty="0" err="1" smtClean="0">
+                <a:solidFill>
+                  <a:prstClr val="black"/>
+                </a:solidFill>
                 <a:effectLst>
                   <a:outerShdw blurRad="38100" dist="38100" dir="2700000" algn="tl">
                     <a:srgbClr val="000000">
@@ -6593,10 +6461,13 @@
                 </a:effectLst>
                 <a:latin typeface="Gabriola" panose="04040605051002020D02" pitchFamily="82" charset="0"/>
               </a:rPr>
-              <a:t>Generate</a:t>
-            </a:r>
-            <a:r>
-              <a:rPr lang="de-DE" sz="3600" dirty="0">
+              <a:t>How</a:t>
+            </a:r>
+            <a:r>
+              <a:rPr lang="de-DE" sz="3600" dirty="0" smtClean="0">
+                <a:solidFill>
+                  <a:prstClr val="black"/>
+                </a:solidFill>
                 <a:effectLst>
                   <a:outerShdw blurRad="38100" dist="38100" dir="2700000" algn="tl">
                     <a:srgbClr val="000000">
@@ -6609,7 +6480,10 @@
               <a:t> </a:t>
             </a:r>
             <a:r>
-              <a:rPr lang="de-DE" sz="3600" dirty="0" smtClean="0">
+              <a:rPr lang="de-DE" sz="3600" dirty="0" err="1" smtClean="0">
+                <a:solidFill>
+                  <a:prstClr val="black"/>
+                </a:solidFill>
                 <a:effectLst>
                   <a:outerShdw blurRad="38100" dist="38100" dir="2700000" algn="tl">
                     <a:srgbClr val="000000">
@@ -6619,10 +6493,13 @@
                 </a:effectLst>
                 <a:latin typeface="Gabriola" panose="04040605051002020D02" pitchFamily="82" charset="0"/>
               </a:rPr>
-              <a:t>Test </a:t>
-            </a:r>
-            <a:r>
-              <a:rPr lang="de-DE" sz="3600" dirty="0">
+              <a:t>does</a:t>
+            </a:r>
+            <a:r>
+              <a:rPr lang="de-DE" sz="3600" dirty="0" smtClean="0">
+                <a:solidFill>
+                  <a:prstClr val="black"/>
+                </a:solidFill>
                 <a:effectLst>
                   <a:outerShdw blurRad="38100" dist="38100" dir="2700000" algn="tl">
                     <a:srgbClr val="000000">
@@ -6632,10 +6509,13 @@
                 </a:effectLst>
                 <a:latin typeface="Gabriola" panose="04040605051002020D02" pitchFamily="82" charset="0"/>
               </a:rPr>
-              <a:t>Cases </a:t>
-            </a:r>
-            <a:r>
-              <a:rPr lang="de-DE" sz="3600" dirty="0" err="1">
+              <a:t> </a:t>
+            </a:r>
+            <a:r>
+              <a:rPr lang="de-DE" sz="3600" dirty="0" err="1" smtClean="0">
+                <a:solidFill>
+                  <a:prstClr val="black"/>
+                </a:solidFill>
                 <a:effectLst>
                   <a:outerShdw blurRad="38100" dist="38100" dir="2700000" algn="tl">
                     <a:srgbClr val="000000">
@@ -6645,10 +6525,13 @@
                 </a:effectLst>
                 <a:latin typeface="Gabriola" panose="04040605051002020D02" pitchFamily="82" charset="0"/>
               </a:rPr>
-              <a:t>and</a:t>
-            </a:r>
-            <a:r>
-              <a:rPr lang="de-DE" sz="3600" dirty="0">
+              <a:t>NCase</a:t>
+            </a:r>
+            <a:r>
+              <a:rPr lang="de-DE" sz="3600" dirty="0" smtClean="0">
+                <a:solidFill>
+                  <a:prstClr val="black"/>
+                </a:solidFill>
                 <a:effectLst>
                   <a:outerShdw blurRad="38100" dist="38100" dir="2700000" algn="tl">
                     <a:srgbClr val="000000">
@@ -6661,7 +6544,10 @@
               <a:t> </a:t>
             </a:r>
             <a:r>
-              <a:rPr lang="de-DE" sz="3600" dirty="0" err="1">
+              <a:rPr lang="de-DE" sz="3600" dirty="0" err="1" smtClean="0">
+                <a:solidFill>
+                  <a:prstClr val="black"/>
+                </a:solidFill>
                 <a:effectLst>
                   <a:outerShdw blurRad="38100" dist="38100" dir="2700000" algn="tl">
                     <a:srgbClr val="000000">
@@ -6671,10 +6557,13 @@
                 </a:effectLst>
                 <a:latin typeface="Gabriola" panose="04040605051002020D02" pitchFamily="82" charset="0"/>
               </a:rPr>
-              <a:t>Perform</a:t>
-            </a:r>
-            <a:r>
-              <a:rPr lang="de-DE" sz="3600" dirty="0">
+              <a:t>work</a:t>
+            </a:r>
+            <a:r>
+              <a:rPr lang="de-DE" sz="3600" dirty="0" smtClean="0">
+                <a:solidFill>
+                  <a:prstClr val="black"/>
+                </a:solidFill>
                 <a:effectLst>
                   <a:outerShdw blurRad="38100" dist="38100" dir="2700000" algn="tl">
                     <a:srgbClr val="000000">
@@ -6684,9 +6573,12 @@
                 </a:effectLst>
                 <a:latin typeface="Gabriola" panose="04040605051002020D02" pitchFamily="82" charset="0"/>
               </a:rPr>
-              <a:t> Tests</a:t>
+              <a:t>?</a:t>
             </a:r>
             <a:endParaRPr lang="en-US" sz="3600" dirty="0">
+              <a:solidFill>
+                <a:prstClr val="black"/>
+              </a:solidFill>
               <a:effectLst>
                 <a:outerShdw blurRad="38100" dist="38100" dir="2700000" algn="tl">
                   <a:srgbClr val="000000">
@@ -6701,18 +6593,25 @@
       </p:sp>
       <p:sp>
         <p:nvSpPr>
-          <p:cNvPr id="29" name="Oval 28"/>
+          <p:cNvPr id="14" name="Oval 13"/>
           <p:cNvSpPr/>
           <p:nvPr/>
         </p:nvSpPr>
         <p:spPr>
           <a:xfrm>
-            <a:off x="1394408" y="3797816"/>
+            <a:off x="1394407" y="2083316"/>
             <a:ext cx="554027" cy="554027"/>
           </a:xfrm>
           <a:prstGeom prst="ellipse">
             <a:avLst/>
           </a:prstGeom>
+          <a:effectLst>
+            <a:outerShdw blurRad="50800" dist="114300" dir="8100000" algn="tr" rotWithShape="0">
+              <a:prstClr val="black">
+                <a:alpha val="40000"/>
+              </a:prstClr>
+            </a:outerShdw>
+          </a:effectLst>
         </p:spPr>
         <p:style>
           <a:lnRef idx="2">
@@ -6737,34 +6636,38 @@
             <a:pPr algn="ctr"/>
             <a:r>
               <a:rPr lang="en-US" sz="2400" dirty="0">
+                <a:solidFill>
+                  <a:prstClr val="white"/>
+                </a:solidFill>
                 <a:latin typeface="Arial Black" panose="020B0A04020102020204" pitchFamily="34" charset="0"/>
               </a:rPr>
-              <a:t>3</a:t>
+              <a:t>2</a:t>
             </a:r>
           </a:p>
         </p:txBody>
       </p:sp>
       <p:pic>
         <p:nvPicPr>
-          <p:cNvPr id="8" name="Grafik 5"/>
+          <p:cNvPr id="11" name="Grafik 5"/>
           <p:cNvPicPr>
             <a:picLocks noChangeAspect="1"/>
           </p:cNvPicPr>
           <p:nvPr/>
         </p:nvPicPr>
         <p:blipFill rotWithShape="1">
-          <a:blip r:link="rId2"/>
-          <a:srcRect l="1996" t="53717" r="3993" b="7509"/>
+          <a:blip r:link="rId3"/>
+          <a:srcRect l="1996" t="21214" r="3993" b="46473"/>
           <a:stretch/>
         </p:blipFill>
         <p:spPr>
           <a:xfrm>
-            <a:off x="2228938" y="3143250"/>
-            <a:ext cx="4689612" cy="1943100"/>
+            <a:off x="2838538" y="2759418"/>
+            <a:ext cx="4689612" cy="1619251"/>
           </a:xfrm>
           <a:prstGeom prst="rect">
             <a:avLst/>
           </a:prstGeom>
+          <a:noFill/>
           <a:ln>
             <a:solidFill>
               <a:schemeClr val="bg1">
@@ -6772,248 +6675,190 @@
               </a:schemeClr>
             </a:solidFill>
           </a:ln>
+          <a:effectLst>
+            <a:outerShdw blurRad="50800" dist="114300" dir="8100000" algn="tr" rotWithShape="0">
+              <a:prstClr val="black">
+                <a:alpha val="40000"/>
+              </a:prstClr>
+            </a:outerShdw>
+          </a:effectLst>
         </p:spPr>
       </p:pic>
       <p:sp>
         <p:nvSpPr>
-          <p:cNvPr id="10" name="Line Callout 2 (Accent Bar) 9"/>
+          <p:cNvPr id="17" name="Rectangle 16"/>
           <p:cNvSpPr/>
           <p:nvPr/>
         </p:nvSpPr>
         <p:spPr>
           <a:xfrm>
-            <a:off x="3708619" y="1243819"/>
-            <a:ext cx="3744685" cy="215570"/>
-          </a:xfrm>
-          <a:prstGeom prst="accentCallout2">
-            <a:avLst>
-              <a:gd name="adj1" fmla="val 40394"/>
-              <a:gd name="adj2" fmla="val -8333"/>
-              <a:gd name="adj3" fmla="val 101635"/>
-              <a:gd name="adj4" fmla="val -15164"/>
-              <a:gd name="adj5" fmla="val 907303"/>
-              <a:gd name="adj6" fmla="val -14806"/>
-            </a:avLst>
-          </a:prstGeom>
-          <a:noFill/>
-          <a:ln w="19050"/>
-        </p:spPr>
-        <p:style>
-          <a:lnRef idx="2">
-            <a:schemeClr val="accent1"/>
-          </a:lnRef>
-          <a:fillRef idx="1">
-            <a:schemeClr val="lt1"/>
-          </a:fillRef>
-          <a:effectRef idx="0">
-            <a:schemeClr val="accent1"/>
-          </a:effectRef>
-          <a:fontRef idx="minor">
-            <a:schemeClr val="dk1"/>
-          </a:fontRef>
-        </p:style>
-        <p:txBody>
-          <a:bodyPr rtlCol="0" anchor="ctr"/>
-          <a:lstStyle/>
-          <a:p>
-            <a:r>
-              <a:rPr lang="de-DE" sz="2000" dirty="0" smtClean="0">
-                <a:latin typeface="Gabriola" panose="04040605051002020D02" pitchFamily="82" charset="0"/>
-                <a:sym typeface="Wingdings" panose="05000000000000000000" pitchFamily="2" charset="2"/>
-              </a:rPr>
-              <a:t>Generates all </a:t>
-            </a:r>
-            <a:r>
-              <a:rPr lang="de-DE" sz="2000" dirty="0" err="1">
-                <a:latin typeface="Gabriola" panose="04040605051002020D02" pitchFamily="82" charset="0"/>
-                <a:sym typeface="Wingdings" panose="05000000000000000000" pitchFamily="2" charset="2"/>
-              </a:rPr>
-              <a:t>test</a:t>
-            </a:r>
-            <a:r>
-              <a:rPr lang="de-DE" sz="2000" dirty="0">
-                <a:latin typeface="Gabriola" panose="04040605051002020D02" pitchFamily="82" charset="0"/>
-                <a:sym typeface="Wingdings" panose="05000000000000000000" pitchFamily="2" charset="2"/>
+            <a:off x="2838538" y="4454453"/>
+            <a:ext cx="4689612" cy="646331"/>
+          </a:xfrm>
+          <a:prstGeom prst="rect">
+            <a:avLst/>
+          </a:prstGeom>
+          <a:solidFill>
+            <a:srgbClr val="5B9BD5"/>
+          </a:solidFill>
+          <a:effectLst>
+            <a:outerShdw blurRad="50800" dist="114300" dir="8100000" algn="tr" rotWithShape="0">
+              <a:prstClr val="black">
+                <a:alpha val="40000"/>
+              </a:prstClr>
+            </a:outerShdw>
+          </a:effectLst>
+        </p:spPr>
+        <p:txBody>
+          <a:bodyPr wrap="square">
+            <a:spAutoFit/>
+          </a:bodyPr>
+          <a:lstStyle/>
+          <a:p>
+            <a:pPr marL="342900" indent="-342900">
+              <a:buFontTx/>
+              <a:buChar char="-"/>
+            </a:pPr>
+            <a:r>
+              <a:rPr lang="de-DE" sz="1800" dirty="0">
+                <a:latin typeface="Gabriola" panose="04040605051002020D02" pitchFamily="82" charset="0"/>
+              </a:rPr>
+              <a:t>Syntax </a:t>
+            </a:r>
+            <a:r>
+              <a:rPr lang="de-DE" sz="1800" dirty="0" err="1">
+                <a:latin typeface="Gabriola" panose="04040605051002020D02" pitchFamily="82" charset="0"/>
+              </a:rPr>
+              <a:t>specific</a:t>
+            </a:r>
+            <a:r>
+              <a:rPr lang="de-DE" sz="1800" dirty="0">
+                <a:latin typeface="Gabriola" panose="04040605051002020D02" pitchFamily="82" charset="0"/>
               </a:rPr>
               <a:t> </a:t>
             </a:r>
             <a:r>
-              <a:rPr lang="de-DE" sz="2000" dirty="0" err="1" smtClean="0">
-                <a:latin typeface="Gabriola" panose="04040605051002020D02" pitchFamily="82" charset="0"/>
-                <a:sym typeface="Wingdings" panose="05000000000000000000" pitchFamily="2" charset="2"/>
-              </a:rPr>
-              <a:t>cases</a:t>
-            </a:r>
-            <a:endParaRPr lang="en-US" sz="2000" dirty="0"/>
-          </a:p>
-        </p:txBody>
-      </p:sp>
-      <p:sp>
-        <p:nvSpPr>
-          <p:cNvPr id="11" name="Line Callout 2 (Accent Bar) 10"/>
-          <p:cNvSpPr/>
-          <p:nvPr/>
-        </p:nvSpPr>
-        <p:spPr>
-          <a:xfrm>
-            <a:off x="4482787" y="1990270"/>
-            <a:ext cx="3744685" cy="174861"/>
-          </a:xfrm>
-          <a:prstGeom prst="accentCallout2">
-            <a:avLst>
-              <a:gd name="adj1" fmla="val 18750"/>
-              <a:gd name="adj2" fmla="val -8333"/>
-              <a:gd name="adj3" fmla="val 78856"/>
-              <a:gd name="adj4" fmla="val -15162"/>
-              <a:gd name="adj5" fmla="val 695124"/>
-              <a:gd name="adj6" fmla="val -15288"/>
-            </a:avLst>
-          </a:prstGeom>
-          <a:noFill/>
-          <a:ln w="19050"/>
-        </p:spPr>
-        <p:style>
-          <a:lnRef idx="2">
-            <a:schemeClr val="accent1"/>
-          </a:lnRef>
-          <a:fillRef idx="1">
-            <a:schemeClr val="lt1"/>
-          </a:fillRef>
-          <a:effectRef idx="0">
-            <a:schemeClr val="accent1"/>
-          </a:effectRef>
-          <a:fontRef idx="minor">
-            <a:schemeClr val="dk1"/>
-          </a:fontRef>
-        </p:style>
-        <p:txBody>
-          <a:bodyPr rtlCol="0" anchor="ctr"/>
-          <a:lstStyle/>
-          <a:p>
-            <a:r>
-              <a:rPr lang="de-DE" sz="2000" dirty="0" err="1" smtClean="0">
-                <a:latin typeface="Gabriola" panose="04040605051002020D02" pitchFamily="82" charset="0"/>
-                <a:sym typeface="Wingdings" panose="05000000000000000000" pitchFamily="2" charset="2"/>
-              </a:rPr>
-              <a:t>Restores</a:t>
-            </a:r>
-            <a:r>
-              <a:rPr lang="de-DE" sz="2000" dirty="0" smtClean="0">
-                <a:latin typeface="Gabriola" panose="04040605051002020D02" pitchFamily="82" charset="0"/>
-                <a:sym typeface="Wingdings" panose="05000000000000000000" pitchFamily="2" charset="2"/>
+              <a:rPr lang="de-DE" sz="1800" dirty="0" err="1">
+                <a:latin typeface="Gabriola" panose="04040605051002020D02" pitchFamily="82" charset="0"/>
+              </a:rPr>
+              <a:t>to</a:t>
+            </a:r>
+            <a:r>
+              <a:rPr lang="de-DE" sz="1800" dirty="0">
+                <a:latin typeface="Gabriola" panose="04040605051002020D02" pitchFamily="82" charset="0"/>
+              </a:rPr>
+              <a:t> type </a:t>
+            </a:r>
+            <a:r>
+              <a:rPr lang="de-DE" sz="1800" dirty="0" err="1">
+                <a:latin typeface="Gabriola" panose="04040605051002020D02" pitchFamily="82" charset="0"/>
+              </a:rPr>
+              <a:t>of</a:t>
+            </a:r>
+            <a:r>
+              <a:rPr lang="de-DE" sz="1800" dirty="0">
+                <a:latin typeface="Gabriola" panose="04040605051002020D02" pitchFamily="82" charset="0"/>
+              </a:rPr>
+              <a:t> Set (DSL</a:t>
+            </a:r>
+            <a:r>
+              <a:rPr lang="de-DE" sz="1800" dirty="0" smtClean="0">
+                <a:latin typeface="Gabriola" panose="04040605051002020D02" pitchFamily="82" charset="0"/>
+              </a:rPr>
+              <a:t>)</a:t>
+            </a:r>
+          </a:p>
+          <a:p>
+            <a:pPr marL="342900" indent="-342900">
+              <a:buFontTx/>
+              <a:buChar char="-"/>
+            </a:pPr>
+            <a:r>
+              <a:rPr lang="de-DE" sz="1800" dirty="0">
+                <a:latin typeface="Gabriola" panose="04040605051002020D02" pitchFamily="82" charset="0"/>
+              </a:rPr>
+              <a:t>Records all </a:t>
+            </a:r>
+            <a:r>
+              <a:rPr lang="de-DE" sz="1800" dirty="0" err="1">
+                <a:latin typeface="Gabriola" panose="04040605051002020D02" pitchFamily="82" charset="0"/>
+              </a:rPr>
+              <a:t>Contributor</a:t>
+            </a:r>
+            <a:r>
+              <a:rPr lang="de-DE" sz="1800" dirty="0">
+                <a:latin typeface="Gabriola" panose="04040605051002020D02" pitchFamily="82" charset="0"/>
               </a:rPr>
               <a:t> </a:t>
             </a:r>
             <a:r>
-              <a:rPr lang="de-DE" sz="2000" dirty="0" err="1" smtClean="0">
-                <a:latin typeface="Gabriola" panose="04040605051002020D02" pitchFamily="82" charset="0"/>
-                <a:sym typeface="Wingdings" panose="05000000000000000000" pitchFamily="2" charset="2"/>
-              </a:rPr>
-              <a:t>values</a:t>
-            </a:r>
-            <a:r>
-              <a:rPr lang="de-DE" sz="2000" dirty="0" smtClean="0">
-                <a:latin typeface="Gabriola" panose="04040605051002020D02" pitchFamily="82" charset="0"/>
-                <a:sym typeface="Wingdings" panose="05000000000000000000" pitchFamily="2" charset="2"/>
-              </a:rPr>
-              <a:t> </a:t>
-            </a:r>
-            <a:r>
-              <a:rPr lang="de-DE" sz="2000" dirty="0" smtClean="0">
-                <a:latin typeface="Gabriola" panose="04040605051002020D02" pitchFamily="82" charset="0"/>
-                <a:sym typeface="Wingdings" panose="05000000000000000000" pitchFamily="2" charset="2"/>
-              </a:rPr>
-              <a:t>in </a:t>
-            </a:r>
-            <a:r>
-              <a:rPr lang="de-DE" sz="2000" dirty="0" err="1" smtClean="0">
-                <a:latin typeface="Gabriola" panose="04040605051002020D02" pitchFamily="82" charset="0"/>
-                <a:sym typeface="Wingdings" panose="05000000000000000000" pitchFamily="2" charset="2"/>
-              </a:rPr>
-              <a:t>contributors</a:t>
-            </a:r>
-            <a:endParaRPr lang="en-US" sz="2000" dirty="0"/>
-          </a:p>
-        </p:txBody>
-      </p:sp>
-      <p:sp>
-        <p:nvSpPr>
-          <p:cNvPr id="12" name="Line Callout 2 (Accent Bar) 11"/>
-          <p:cNvSpPr/>
-          <p:nvPr/>
-        </p:nvSpPr>
-        <p:spPr>
-          <a:xfrm>
-            <a:off x="5399315" y="2698966"/>
-            <a:ext cx="3744685" cy="212400"/>
-          </a:xfrm>
-          <a:prstGeom prst="accentCallout2">
-            <a:avLst>
-              <a:gd name="adj1" fmla="val 18750"/>
-              <a:gd name="adj2" fmla="val -8333"/>
-              <a:gd name="adj3" fmla="val 63285"/>
-              <a:gd name="adj4" fmla="val -15162"/>
-              <a:gd name="adj5" fmla="val 256612"/>
-              <a:gd name="adj6" fmla="val -15085"/>
-            </a:avLst>
-          </a:prstGeom>
-          <a:noFill/>
-          <a:ln w="19050"/>
-        </p:spPr>
-        <p:style>
-          <a:lnRef idx="2">
-            <a:schemeClr val="accent1"/>
-          </a:lnRef>
-          <a:fillRef idx="1">
-            <a:schemeClr val="lt1"/>
-          </a:fillRef>
-          <a:effectRef idx="0">
-            <a:schemeClr val="accent1"/>
-          </a:effectRef>
-          <a:fontRef idx="minor">
-            <a:schemeClr val="dk1"/>
-          </a:fontRef>
-        </p:style>
-        <p:txBody>
-          <a:bodyPr rtlCol="0" anchor="ctr"/>
-          <a:lstStyle/>
-          <a:p>
-            <a:r>
-              <a:rPr lang="de-DE" sz="2000" dirty="0" smtClean="0">
-                <a:latin typeface="Gabriola" panose="04040605051002020D02" pitchFamily="82" charset="0"/>
-                <a:sym typeface="Wingdings" panose="05000000000000000000" pitchFamily="2" charset="2"/>
-              </a:rPr>
-              <a:t>Calls Act </a:t>
-            </a:r>
-            <a:r>
-              <a:rPr lang="de-DE" sz="2000" dirty="0" err="1" smtClean="0">
-                <a:latin typeface="Gabriola" panose="04040605051002020D02" pitchFamily="82" charset="0"/>
-                <a:sym typeface="Wingdings" panose="05000000000000000000" pitchFamily="2" charset="2"/>
-              </a:rPr>
-              <a:t>and</a:t>
-            </a:r>
-            <a:r>
-              <a:rPr lang="de-DE" sz="2000" dirty="0" smtClean="0">
-                <a:latin typeface="Gabriola" panose="04040605051002020D02" pitchFamily="82" charset="0"/>
-                <a:sym typeface="Wingdings" panose="05000000000000000000" pitchFamily="2" charset="2"/>
-              </a:rPr>
-              <a:t> </a:t>
-            </a:r>
-            <a:r>
-              <a:rPr lang="de-DE" sz="2000" dirty="0" err="1" smtClean="0">
-                <a:latin typeface="Gabriola" panose="04040605051002020D02" pitchFamily="82" charset="0"/>
-                <a:sym typeface="Wingdings" panose="05000000000000000000" pitchFamily="2" charset="2"/>
-              </a:rPr>
-              <a:t>Asserts</a:t>
-            </a:r>
-            <a:endParaRPr lang="en-US" sz="2000" dirty="0"/>
+              <a:rPr lang="de-DE" sz="1800" dirty="0" smtClean="0">
+                <a:latin typeface="Gabriola" panose="04040605051002020D02" pitchFamily="82" charset="0"/>
+              </a:rPr>
+              <a:t>Calls</a:t>
+            </a:r>
+            <a:endParaRPr lang="de-DE" sz="1800" dirty="0">
+              <a:latin typeface="Gabriola" panose="04040605051002020D02" pitchFamily="82" charset="0"/>
+            </a:endParaRPr>
+          </a:p>
+        </p:txBody>
+      </p:sp>
+      <p:sp>
+        <p:nvSpPr>
+          <p:cNvPr id="18" name="Textfeld 4"/>
+          <p:cNvSpPr txBox="1"/>
+          <p:nvPr/>
+        </p:nvSpPr>
+        <p:spPr>
+          <a:xfrm>
+            <a:off x="2225674" y="2081510"/>
+            <a:ext cx="2567044" cy="578882"/>
+          </a:xfrm>
+          <a:prstGeom prst="roundRect">
+            <a:avLst/>
+          </a:prstGeom>
+          <a:solidFill>
+            <a:srgbClr val="5B9BD5"/>
+          </a:solidFill>
+          <a:effectLst>
+            <a:outerShdw blurRad="50800" dist="114300" dir="8100000" algn="tr" rotWithShape="0">
+              <a:prstClr val="black">
+                <a:alpha val="40000"/>
+              </a:prstClr>
+            </a:outerShdw>
+          </a:effectLst>
+        </p:spPr>
+        <p:txBody>
+          <a:bodyPr wrap="square" rtlCol="0">
+            <a:spAutoFit/>
+          </a:bodyPr>
+          <a:lstStyle>
+            <a:defPPr>
+              <a:defRPr lang="de-DE"/>
+            </a:defPPr>
+            <a:lvl1pPr>
+              <a:defRPr sz="2800">
+                <a:latin typeface="Gabriola" panose="04040605051002020D02" pitchFamily="82" charset="0"/>
+              </a:defRPr>
+            </a:lvl1pPr>
+          </a:lstStyle>
+          <a:p>
+            <a:r>
+              <a:rPr lang="de-DE" dirty="0"/>
+              <a:t>Write Set </a:t>
+            </a:r>
+            <a:r>
+              <a:rPr lang="de-DE" dirty="0" err="1"/>
+              <a:t>Definitions</a:t>
+            </a:r>
+            <a:endParaRPr lang="en-US" dirty="0"/>
           </a:p>
         </p:txBody>
       </p:sp>
     </p:spTree>
     <p:extLst>
       <p:ext uri="{BB962C8B-B14F-4D97-AF65-F5344CB8AC3E}">
-        <p14:creationId xmlns:p14="http://schemas.microsoft.com/office/powerpoint/2010/main" val="1225979955"/>
+        <p14:creationId xmlns:p14="http://schemas.microsoft.com/office/powerpoint/2010/main" val="1695721288"/>
       </p:ext>
     </p:extLst>
   </p:cSld>
@@ -7033,6 +6878,20 @@
 <file path=ppt/slides/slide18.xml><?xml version="1.0" encoding="utf-8"?>
 <p:sld xmlns:a="http://schemas.openxmlformats.org/drawingml/2006/main" xmlns:r="http://schemas.openxmlformats.org/officeDocument/2006/relationships" xmlns:p="http://schemas.openxmlformats.org/presentationml/2006/main">
   <p:cSld>
+    <p:bg>
+      <p:bgPr>
+        <a:blipFill dpi="0" rotWithShape="1">
+          <a:blip r:embed="rId2">
+            <a:lum/>
+          </a:blip>
+          <a:srcRect/>
+          <a:stretch>
+            <a:fillRect/>
+          </a:stretch>
+        </a:blipFill>
+        <a:effectLst/>
+      </p:bgPr>
+    </p:bg>
     <p:spTree>
       <p:nvGrpSpPr>
         <p:cNvPr id="1" name=""/>
@@ -7049,6 +6908,518 @@
       </p:grpSpPr>
       <p:sp>
         <p:nvSpPr>
+          <p:cNvPr id="5" name="Textfeld 4"/>
+          <p:cNvSpPr txBox="1"/>
+          <p:nvPr/>
+        </p:nvSpPr>
+        <p:spPr>
+          <a:xfrm>
+            <a:off x="0" y="0"/>
+            <a:ext cx="9144000" cy="646331"/>
+          </a:xfrm>
+          <a:prstGeom prst="rect">
+            <a:avLst/>
+          </a:prstGeom>
+          <a:noFill/>
+        </p:spPr>
+        <p:txBody>
+          <a:bodyPr wrap="square" rtlCol="0">
+            <a:spAutoFit/>
+          </a:bodyPr>
+          <a:lstStyle/>
+          <a:p>
+            <a:pPr algn="ctr"/>
+            <a:r>
+              <a:rPr lang="de-DE" sz="3600" dirty="0" err="1" smtClean="0">
+                <a:solidFill>
+                  <a:prstClr val="black"/>
+                </a:solidFill>
+                <a:effectLst>
+                  <a:outerShdw blurRad="38100" dist="38100" dir="2700000" algn="tl">
+                    <a:srgbClr val="000000">
+                      <a:alpha val="43137"/>
+                    </a:srgbClr>
+                  </a:outerShdw>
+                </a:effectLst>
+                <a:latin typeface="Gabriola" panose="04040605051002020D02" pitchFamily="82" charset="0"/>
+              </a:rPr>
+              <a:t>How</a:t>
+            </a:r>
+            <a:r>
+              <a:rPr lang="de-DE" sz="3600" dirty="0" smtClean="0">
+                <a:solidFill>
+                  <a:prstClr val="black"/>
+                </a:solidFill>
+                <a:effectLst>
+                  <a:outerShdw blurRad="38100" dist="38100" dir="2700000" algn="tl">
+                    <a:srgbClr val="000000">
+                      <a:alpha val="43137"/>
+                    </a:srgbClr>
+                  </a:outerShdw>
+                </a:effectLst>
+                <a:latin typeface="Gabriola" panose="04040605051002020D02" pitchFamily="82" charset="0"/>
+              </a:rPr>
+              <a:t> </a:t>
+            </a:r>
+            <a:r>
+              <a:rPr lang="de-DE" sz="3600" dirty="0" err="1" smtClean="0">
+                <a:solidFill>
+                  <a:prstClr val="black"/>
+                </a:solidFill>
+                <a:effectLst>
+                  <a:outerShdw blurRad="38100" dist="38100" dir="2700000" algn="tl">
+                    <a:srgbClr val="000000">
+                      <a:alpha val="43137"/>
+                    </a:srgbClr>
+                  </a:outerShdw>
+                </a:effectLst>
+                <a:latin typeface="Gabriola" panose="04040605051002020D02" pitchFamily="82" charset="0"/>
+              </a:rPr>
+              <a:t>does</a:t>
+            </a:r>
+            <a:r>
+              <a:rPr lang="de-DE" sz="3600" dirty="0" smtClean="0">
+                <a:solidFill>
+                  <a:prstClr val="black"/>
+                </a:solidFill>
+                <a:effectLst>
+                  <a:outerShdw blurRad="38100" dist="38100" dir="2700000" algn="tl">
+                    <a:srgbClr val="000000">
+                      <a:alpha val="43137"/>
+                    </a:srgbClr>
+                  </a:outerShdw>
+                </a:effectLst>
+                <a:latin typeface="Gabriola" panose="04040605051002020D02" pitchFamily="82" charset="0"/>
+              </a:rPr>
+              <a:t> </a:t>
+            </a:r>
+            <a:r>
+              <a:rPr lang="de-DE" sz="3600" dirty="0" err="1" smtClean="0">
+                <a:solidFill>
+                  <a:prstClr val="black"/>
+                </a:solidFill>
+                <a:effectLst>
+                  <a:outerShdw blurRad="38100" dist="38100" dir="2700000" algn="tl">
+                    <a:srgbClr val="000000">
+                      <a:alpha val="43137"/>
+                    </a:srgbClr>
+                  </a:outerShdw>
+                </a:effectLst>
+                <a:latin typeface="Gabriola" panose="04040605051002020D02" pitchFamily="82" charset="0"/>
+              </a:rPr>
+              <a:t>NCase</a:t>
+            </a:r>
+            <a:r>
+              <a:rPr lang="de-DE" sz="3600" dirty="0" smtClean="0">
+                <a:solidFill>
+                  <a:prstClr val="black"/>
+                </a:solidFill>
+                <a:effectLst>
+                  <a:outerShdw blurRad="38100" dist="38100" dir="2700000" algn="tl">
+                    <a:srgbClr val="000000">
+                      <a:alpha val="43137"/>
+                    </a:srgbClr>
+                  </a:outerShdw>
+                </a:effectLst>
+                <a:latin typeface="Gabriola" panose="04040605051002020D02" pitchFamily="82" charset="0"/>
+              </a:rPr>
+              <a:t> </a:t>
+            </a:r>
+            <a:r>
+              <a:rPr lang="de-DE" sz="3600" dirty="0" err="1" smtClean="0">
+                <a:solidFill>
+                  <a:prstClr val="black"/>
+                </a:solidFill>
+                <a:effectLst>
+                  <a:outerShdw blurRad="38100" dist="38100" dir="2700000" algn="tl">
+                    <a:srgbClr val="000000">
+                      <a:alpha val="43137"/>
+                    </a:srgbClr>
+                  </a:outerShdw>
+                </a:effectLst>
+                <a:latin typeface="Gabriola" panose="04040605051002020D02" pitchFamily="82" charset="0"/>
+              </a:rPr>
+              <a:t>work</a:t>
+            </a:r>
+            <a:r>
+              <a:rPr lang="de-DE" sz="3600" dirty="0" smtClean="0">
+                <a:solidFill>
+                  <a:prstClr val="black"/>
+                </a:solidFill>
+                <a:effectLst>
+                  <a:outerShdw blurRad="38100" dist="38100" dir="2700000" algn="tl">
+                    <a:srgbClr val="000000">
+                      <a:alpha val="43137"/>
+                    </a:srgbClr>
+                  </a:outerShdw>
+                </a:effectLst>
+                <a:latin typeface="Gabriola" panose="04040605051002020D02" pitchFamily="82" charset="0"/>
+              </a:rPr>
+              <a:t>?</a:t>
+            </a:r>
+            <a:endParaRPr lang="en-US" sz="3600" dirty="0">
+              <a:solidFill>
+                <a:prstClr val="black"/>
+              </a:solidFill>
+              <a:effectLst>
+                <a:outerShdw blurRad="38100" dist="38100" dir="2700000" algn="tl">
+                  <a:srgbClr val="000000">
+                    <a:alpha val="43137"/>
+                  </a:srgbClr>
+                </a:outerShdw>
+              </a:effectLst>
+              <a:latin typeface="Gabriola" panose="04040605051002020D02" pitchFamily="82" charset="0"/>
+            </a:endParaRPr>
+          </a:p>
+        </p:txBody>
+      </p:sp>
+      <p:sp>
+        <p:nvSpPr>
+          <p:cNvPr id="13" name="Oval 12"/>
+          <p:cNvSpPr/>
+          <p:nvPr/>
+        </p:nvSpPr>
+        <p:spPr>
+          <a:xfrm>
+            <a:off x="1394408" y="3797816"/>
+            <a:ext cx="554027" cy="554027"/>
+          </a:xfrm>
+          <a:prstGeom prst="ellipse">
+            <a:avLst/>
+          </a:prstGeom>
+          <a:effectLst>
+            <a:outerShdw blurRad="50800" dist="114300" dir="8100000" algn="tr" rotWithShape="0">
+              <a:prstClr val="black">
+                <a:alpha val="40000"/>
+              </a:prstClr>
+            </a:outerShdw>
+          </a:effectLst>
+        </p:spPr>
+        <p:style>
+          <a:lnRef idx="2">
+            <a:schemeClr val="accent1">
+              <a:shade val="50000"/>
+            </a:schemeClr>
+          </a:lnRef>
+          <a:fillRef idx="1">
+            <a:schemeClr val="accent1"/>
+          </a:fillRef>
+          <a:effectRef idx="0">
+            <a:schemeClr val="accent1"/>
+          </a:effectRef>
+          <a:fontRef idx="minor">
+            <a:schemeClr val="lt1"/>
+          </a:fontRef>
+        </p:style>
+        <p:txBody>
+          <a:bodyPr rtlCol="0" anchor="ctr"/>
+          <a:lstStyle/>
+          <a:p>
+            <a:pPr algn="ctr"/>
+            <a:r>
+              <a:rPr lang="en-US" sz="2400" dirty="0">
+                <a:solidFill>
+                  <a:prstClr val="white"/>
+                </a:solidFill>
+                <a:latin typeface="Arial Black" panose="020B0A04020102020204" pitchFamily="34" charset="0"/>
+              </a:rPr>
+              <a:t>3</a:t>
+            </a:r>
+          </a:p>
+        </p:txBody>
+      </p:sp>
+      <p:pic>
+        <p:nvPicPr>
+          <p:cNvPr id="11" name="Grafik 5"/>
+          <p:cNvPicPr>
+            <a:picLocks noChangeAspect="1"/>
+          </p:cNvPicPr>
+          <p:nvPr/>
+        </p:nvPicPr>
+        <p:blipFill rotWithShape="1">
+          <a:blip r:link="rId3"/>
+          <a:srcRect l="1996" t="53717" r="3993" b="7509"/>
+          <a:stretch/>
+        </p:blipFill>
+        <p:spPr>
+          <a:xfrm>
+            <a:off x="2838538" y="657838"/>
+            <a:ext cx="4689612" cy="1943100"/>
+          </a:xfrm>
+          <a:prstGeom prst="rect">
+            <a:avLst/>
+          </a:prstGeom>
+          <a:noFill/>
+          <a:ln>
+            <a:solidFill>
+              <a:schemeClr val="bg1">
+                <a:lumMod val="75000"/>
+              </a:schemeClr>
+            </a:solidFill>
+          </a:ln>
+          <a:effectLst>
+            <a:outerShdw blurRad="50800" dist="114300" dir="8100000" algn="tr" rotWithShape="0">
+              <a:prstClr val="black">
+                <a:alpha val="40000"/>
+              </a:prstClr>
+            </a:outerShdw>
+          </a:effectLst>
+        </p:spPr>
+      </p:pic>
+      <p:sp>
+        <p:nvSpPr>
+          <p:cNvPr id="16" name="Rectangle 15"/>
+          <p:cNvSpPr/>
+          <p:nvPr/>
+        </p:nvSpPr>
+        <p:spPr>
+          <a:xfrm>
+            <a:off x="2838538" y="2728693"/>
+            <a:ext cx="4689612" cy="923330"/>
+          </a:xfrm>
+          <a:prstGeom prst="rect">
+            <a:avLst/>
+          </a:prstGeom>
+          <a:solidFill>
+            <a:srgbClr val="5B9BD5"/>
+          </a:solidFill>
+          <a:effectLst>
+            <a:outerShdw blurRad="50800" dist="114300" dir="8100000" algn="tr" rotWithShape="0">
+              <a:prstClr val="black">
+                <a:alpha val="40000"/>
+              </a:prstClr>
+            </a:outerShdw>
+          </a:effectLst>
+        </p:spPr>
+        <p:txBody>
+          <a:bodyPr wrap="square">
+            <a:spAutoFit/>
+          </a:bodyPr>
+          <a:lstStyle/>
+          <a:p>
+            <a:pPr marL="342900" indent="-342900">
+              <a:buFontTx/>
+              <a:buChar char="-"/>
+            </a:pPr>
+            <a:r>
+              <a:rPr lang="de-DE" sz="1800" dirty="0">
+                <a:latin typeface="Gabriola" panose="04040605051002020D02" pitchFamily="82" charset="0"/>
+                <a:sym typeface="Wingdings" panose="05000000000000000000" pitchFamily="2" charset="2"/>
+              </a:rPr>
+              <a:t>Generates all </a:t>
+            </a:r>
+            <a:r>
+              <a:rPr lang="de-DE" sz="1800" dirty="0" err="1">
+                <a:latin typeface="Gabriola" panose="04040605051002020D02" pitchFamily="82" charset="0"/>
+                <a:sym typeface="Wingdings" panose="05000000000000000000" pitchFamily="2" charset="2"/>
+              </a:rPr>
+              <a:t>test</a:t>
+            </a:r>
+            <a:r>
+              <a:rPr lang="de-DE" sz="1800" dirty="0">
+                <a:latin typeface="Gabriola" panose="04040605051002020D02" pitchFamily="82" charset="0"/>
+                <a:sym typeface="Wingdings" panose="05000000000000000000" pitchFamily="2" charset="2"/>
+              </a:rPr>
+              <a:t> </a:t>
+            </a:r>
+            <a:r>
+              <a:rPr lang="de-DE" sz="1800" dirty="0" err="1" smtClean="0">
+                <a:latin typeface="Gabriola" panose="04040605051002020D02" pitchFamily="82" charset="0"/>
+                <a:sym typeface="Wingdings" panose="05000000000000000000" pitchFamily="2" charset="2"/>
+              </a:rPr>
+              <a:t>cases</a:t>
+            </a:r>
+            <a:endParaRPr lang="de-DE" sz="1800" dirty="0" smtClean="0">
+              <a:latin typeface="Gabriola" panose="04040605051002020D02" pitchFamily="82" charset="0"/>
+              <a:sym typeface="Wingdings" panose="05000000000000000000" pitchFamily="2" charset="2"/>
+            </a:endParaRPr>
+          </a:p>
+          <a:p>
+            <a:pPr marL="342900" indent="-342900">
+              <a:buFontTx/>
+              <a:buChar char="-"/>
+            </a:pPr>
+            <a:r>
+              <a:rPr lang="de-DE" sz="1800" dirty="0" err="1">
+                <a:latin typeface="Gabriola" panose="04040605051002020D02" pitchFamily="82" charset="0"/>
+                <a:sym typeface="Wingdings" panose="05000000000000000000" pitchFamily="2" charset="2"/>
+              </a:rPr>
+              <a:t>Restores</a:t>
+            </a:r>
+            <a:r>
+              <a:rPr lang="de-DE" sz="1800" dirty="0">
+                <a:latin typeface="Gabriola" panose="04040605051002020D02" pitchFamily="82" charset="0"/>
+                <a:sym typeface="Wingdings" panose="05000000000000000000" pitchFamily="2" charset="2"/>
+              </a:rPr>
+              <a:t> </a:t>
+            </a:r>
+            <a:r>
+              <a:rPr lang="de-DE" sz="1800" dirty="0" err="1">
+                <a:latin typeface="Gabriola" panose="04040605051002020D02" pitchFamily="82" charset="0"/>
+                <a:sym typeface="Wingdings" panose="05000000000000000000" pitchFamily="2" charset="2"/>
+              </a:rPr>
+              <a:t>values</a:t>
+            </a:r>
+            <a:r>
+              <a:rPr lang="de-DE" sz="1800" dirty="0">
+                <a:latin typeface="Gabriola" panose="04040605051002020D02" pitchFamily="82" charset="0"/>
+                <a:sym typeface="Wingdings" panose="05000000000000000000" pitchFamily="2" charset="2"/>
+              </a:rPr>
+              <a:t> in </a:t>
+            </a:r>
+            <a:r>
+              <a:rPr lang="de-DE" sz="1800" dirty="0" err="1">
+                <a:latin typeface="Gabriola" panose="04040605051002020D02" pitchFamily="82" charset="0"/>
+                <a:sym typeface="Wingdings" panose="05000000000000000000" pitchFamily="2" charset="2"/>
+              </a:rPr>
+              <a:t>contributors</a:t>
+            </a:r>
+            <a:endParaRPr lang="en-US" sz="1800" dirty="0"/>
+          </a:p>
+          <a:p>
+            <a:pPr marL="342900" indent="-342900">
+              <a:buFontTx/>
+              <a:buChar char="-"/>
+            </a:pPr>
+            <a:r>
+              <a:rPr lang="de-DE" sz="1800" dirty="0">
+                <a:latin typeface="Gabriola" panose="04040605051002020D02" pitchFamily="82" charset="0"/>
+                <a:sym typeface="Wingdings" panose="05000000000000000000" pitchFamily="2" charset="2"/>
+              </a:rPr>
+              <a:t>Calls Act </a:t>
+            </a:r>
+            <a:r>
+              <a:rPr lang="de-DE" sz="1800" dirty="0" err="1">
+                <a:latin typeface="Gabriola" panose="04040605051002020D02" pitchFamily="82" charset="0"/>
+                <a:sym typeface="Wingdings" panose="05000000000000000000" pitchFamily="2" charset="2"/>
+              </a:rPr>
+              <a:t>and</a:t>
+            </a:r>
+            <a:r>
+              <a:rPr lang="de-DE" sz="1800" dirty="0">
+                <a:latin typeface="Gabriola" panose="04040605051002020D02" pitchFamily="82" charset="0"/>
+                <a:sym typeface="Wingdings" panose="05000000000000000000" pitchFamily="2" charset="2"/>
+              </a:rPr>
+              <a:t> </a:t>
+            </a:r>
+            <a:r>
+              <a:rPr lang="de-DE" sz="1800" dirty="0" err="1" smtClean="0">
+                <a:latin typeface="Gabriola" panose="04040605051002020D02" pitchFamily="82" charset="0"/>
+                <a:sym typeface="Wingdings" panose="05000000000000000000" pitchFamily="2" charset="2"/>
+              </a:rPr>
+              <a:t>Asserts</a:t>
+            </a:r>
+            <a:endParaRPr lang="en-US" sz="1800" dirty="0"/>
+          </a:p>
+        </p:txBody>
+      </p:sp>
+      <p:sp>
+        <p:nvSpPr>
+          <p:cNvPr id="17" name="Textfeld 4"/>
+          <p:cNvSpPr txBox="1"/>
+          <p:nvPr/>
+        </p:nvSpPr>
+        <p:spPr>
+          <a:xfrm>
+            <a:off x="2232199" y="3778299"/>
+            <a:ext cx="4494421" cy="578882"/>
+          </a:xfrm>
+          <a:prstGeom prst="roundRect">
+            <a:avLst/>
+          </a:prstGeom>
+          <a:solidFill>
+            <a:srgbClr val="5B9BD5"/>
+          </a:solidFill>
+          <a:effectLst>
+            <a:outerShdw blurRad="50800" dist="114300" dir="8100000" algn="tr" rotWithShape="0">
+              <a:prstClr val="black">
+                <a:alpha val="40000"/>
+              </a:prstClr>
+            </a:outerShdw>
+          </a:effectLst>
+        </p:spPr>
+        <p:txBody>
+          <a:bodyPr wrap="square" rtlCol="0">
+            <a:spAutoFit/>
+          </a:bodyPr>
+          <a:lstStyle>
+            <a:defPPr>
+              <a:defRPr lang="de-DE"/>
+            </a:defPPr>
+            <a:lvl1pPr>
+              <a:defRPr sz="2800">
+                <a:latin typeface="Gabriola" panose="04040605051002020D02" pitchFamily="82" charset="0"/>
+              </a:defRPr>
+            </a:lvl1pPr>
+          </a:lstStyle>
+          <a:p>
+            <a:r>
+              <a:rPr lang="de-DE" dirty="0" err="1"/>
+              <a:t>Generate</a:t>
+            </a:r>
+            <a:r>
+              <a:rPr lang="de-DE" dirty="0"/>
+              <a:t> Test Cases </a:t>
+            </a:r>
+            <a:r>
+              <a:rPr lang="de-DE" dirty="0" err="1"/>
+              <a:t>and</a:t>
+            </a:r>
+            <a:r>
+              <a:rPr lang="de-DE" dirty="0"/>
+              <a:t> </a:t>
+            </a:r>
+            <a:r>
+              <a:rPr lang="de-DE" dirty="0" err="1"/>
+              <a:t>Perform</a:t>
+            </a:r>
+            <a:r>
+              <a:rPr lang="de-DE" dirty="0"/>
+              <a:t> Tests</a:t>
+            </a:r>
+            <a:endParaRPr lang="en-US" dirty="0"/>
+          </a:p>
+        </p:txBody>
+      </p:sp>
+    </p:spTree>
+    <p:extLst>
+      <p:ext uri="{BB962C8B-B14F-4D97-AF65-F5344CB8AC3E}">
+        <p14:creationId xmlns:p14="http://schemas.microsoft.com/office/powerpoint/2010/main" val="1317523052"/>
+      </p:ext>
+    </p:extLst>
+  </p:cSld>
+  <p:clrMapOvr>
+    <a:masterClrMapping/>
+  </p:clrMapOvr>
+  <p:timing>
+    <p:tnLst>
+      <p:par>
+        <p:cTn id="1" dur="indefinite" restart="never" nodeType="tmRoot"/>
+      </p:par>
+    </p:tnLst>
+  </p:timing>
+</p:sld>
+</file>
+
+<file path=ppt/slides/slide19.xml><?xml version="1.0" encoding="utf-8"?>
+<p:sld xmlns:a="http://schemas.openxmlformats.org/drawingml/2006/main" xmlns:r="http://schemas.openxmlformats.org/officeDocument/2006/relationships" xmlns:p="http://schemas.openxmlformats.org/presentationml/2006/main">
+  <p:cSld>
+    <p:spTree>
+      <p:nvGrpSpPr>
+        <p:cNvPr id="1" name=""/>
+        <p:cNvGrpSpPr/>
+        <p:nvPr/>
+      </p:nvGrpSpPr>
+      <p:grpSpPr>
+        <a:xfrm>
+          <a:off x="0" y="0"/>
+          <a:ext cx="0" cy="0"/>
+          <a:chOff x="0" y="0"/>
+          <a:chExt cx="0" cy="0"/>
+        </a:xfrm>
+      </p:grpSpPr>
+      <p:sp>
+        <p:nvSpPr>
           <p:cNvPr id="18" name="Textfeld 17"/>
           <p:cNvSpPr txBox="1"/>
           <p:nvPr/>
@@ -7101,7 +7472,7 @@
         </p:blipFill>
         <p:spPr>
           <a:xfrm>
-            <a:off x="1588172" y="3254704"/>
+            <a:off x="1588172" y="2873704"/>
             <a:ext cx="5967657" cy="357352"/>
           </a:xfrm>
           <a:prstGeom prst="rect">
@@ -7143,7 +7514,838 @@
 </p:sld>
 </file>
 
-<file path=ppt/slides/slide19.xml><?xml version="1.0" encoding="utf-8"?>
+<file path=ppt/slides/slide2.xml><?xml version="1.0" encoding="utf-8"?>
+<p:sld xmlns:a="http://schemas.openxmlformats.org/drawingml/2006/main" xmlns:r="http://schemas.openxmlformats.org/officeDocument/2006/relationships" xmlns:p="http://schemas.openxmlformats.org/presentationml/2006/main">
+  <p:cSld>
+    <p:spTree>
+      <p:nvGrpSpPr>
+        <p:cNvPr id="1" name=""/>
+        <p:cNvGrpSpPr/>
+        <p:nvPr/>
+      </p:nvGrpSpPr>
+      <p:grpSpPr>
+        <a:xfrm>
+          <a:off x="0" y="0"/>
+          <a:ext cx="0" cy="0"/>
+          <a:chOff x="0" y="0"/>
+          <a:chExt cx="0" cy="0"/>
+        </a:xfrm>
+      </p:grpSpPr>
+      <p:sp>
+        <p:nvSpPr>
+          <p:cNvPr id="18" name="Textfeld 17"/>
+          <p:cNvSpPr txBox="1"/>
+          <p:nvPr/>
+        </p:nvSpPr>
+        <p:spPr>
+          <a:xfrm>
+            <a:off x="2725236" y="1734257"/>
+            <a:ext cx="3444721" cy="1200329"/>
+          </a:xfrm>
+          <a:prstGeom prst="rect">
+            <a:avLst/>
+          </a:prstGeom>
+          <a:noFill/>
+        </p:spPr>
+        <p:txBody>
+          <a:bodyPr wrap="square" rtlCol="0">
+            <a:spAutoFit/>
+          </a:bodyPr>
+          <a:lstStyle/>
+          <a:p>
+            <a:pPr algn="ctr"/>
+            <a:r>
+              <a:rPr lang="de-DE" sz="7200" dirty="0" err="1" smtClean="0">
+                <a:effectLst>
+                  <a:outerShdw blurRad="38100" dist="38100" dir="2700000" algn="tl">
+                    <a:srgbClr val="000000">
+                      <a:alpha val="43137"/>
+                    </a:srgbClr>
+                  </a:outerShdw>
+                </a:effectLst>
+                <a:latin typeface="Gabriola" panose="04040605051002020D02" pitchFamily="82" charset="0"/>
+              </a:rPr>
+              <a:t>NCase</a:t>
+            </a:r>
+            <a:endParaRPr lang="en-US" sz="7200" dirty="0">
+              <a:effectLst>
+                <a:outerShdw blurRad="38100" dist="38100" dir="2700000" algn="tl">
+                  <a:srgbClr val="000000">
+                    <a:alpha val="43137"/>
+                  </a:srgbClr>
+                </a:outerShdw>
+              </a:effectLst>
+              <a:latin typeface="Gabriola" panose="04040605051002020D02" pitchFamily="82" charset="0"/>
+            </a:endParaRPr>
+          </a:p>
+        </p:txBody>
+      </p:sp>
+      <p:sp>
+        <p:nvSpPr>
+          <p:cNvPr id="29" name="Textfeld 9"/>
+          <p:cNvSpPr txBox="1"/>
+          <p:nvPr/>
+        </p:nvSpPr>
+        <p:spPr>
+          <a:xfrm>
+            <a:off x="3763079" y="559296"/>
+            <a:ext cx="1369034" cy="461665"/>
+          </a:xfrm>
+          <a:prstGeom prst="rect">
+            <a:avLst/>
+          </a:prstGeom>
+          <a:noFill/>
+        </p:spPr>
+        <p:txBody>
+          <a:bodyPr wrap="square" rtlCol="0">
+            <a:spAutoFit/>
+          </a:bodyPr>
+          <a:lstStyle/>
+          <a:p>
+            <a:pPr algn="ctr"/>
+            <a:r>
+              <a:rPr lang="de-DE" sz="2400" dirty="0" smtClean="0">
+                <a:latin typeface="Gabriola" panose="04040605051002020D02" pitchFamily="82" charset="0"/>
+                <a:sym typeface="Wingdings" panose="05000000000000000000" pitchFamily="2" charset="2"/>
+              </a:rPr>
+              <a:t>Unit </a:t>
+            </a:r>
+            <a:r>
+              <a:rPr lang="de-DE" sz="2400" dirty="0" err="1" smtClean="0">
+                <a:latin typeface="Gabriola" panose="04040605051002020D02" pitchFamily="82" charset="0"/>
+                <a:sym typeface="Wingdings" panose="05000000000000000000" pitchFamily="2" charset="2"/>
+              </a:rPr>
+              <a:t>Testing</a:t>
+            </a:r>
+            <a:endParaRPr lang="de-DE" sz="2400" dirty="0" smtClean="0">
+              <a:latin typeface="Gabriola" panose="04040605051002020D02" pitchFamily="82" charset="0"/>
+              <a:sym typeface="Wingdings" panose="05000000000000000000" pitchFamily="2" charset="2"/>
+            </a:endParaRPr>
+          </a:p>
+        </p:txBody>
+      </p:sp>
+      <p:sp>
+        <p:nvSpPr>
+          <p:cNvPr id="30" name="Textfeld 9"/>
+          <p:cNvSpPr txBox="1"/>
+          <p:nvPr/>
+        </p:nvSpPr>
+        <p:spPr>
+          <a:xfrm>
+            <a:off x="983907" y="821659"/>
+            <a:ext cx="2419192" cy="461665"/>
+          </a:xfrm>
+          <a:prstGeom prst="rect">
+            <a:avLst/>
+          </a:prstGeom>
+          <a:noFill/>
+        </p:spPr>
+        <p:txBody>
+          <a:bodyPr wrap="square" rtlCol="0">
+            <a:spAutoFit/>
+          </a:bodyPr>
+          <a:lstStyle/>
+          <a:p>
+            <a:pPr algn="ctr"/>
+            <a:r>
+              <a:rPr lang="de-DE" sz="2400" dirty="0" err="1" smtClean="0">
+                <a:latin typeface="Gabriola" panose="04040605051002020D02" pitchFamily="82" charset="0"/>
+                <a:sym typeface="Wingdings" panose="05000000000000000000" pitchFamily="2" charset="2"/>
+              </a:rPr>
+              <a:t>Parametrized</a:t>
+            </a:r>
+            <a:r>
+              <a:rPr lang="de-DE" sz="2400" dirty="0" smtClean="0">
+                <a:latin typeface="Gabriola" panose="04040605051002020D02" pitchFamily="82" charset="0"/>
+                <a:sym typeface="Wingdings" panose="05000000000000000000" pitchFamily="2" charset="2"/>
+              </a:rPr>
+              <a:t> </a:t>
+            </a:r>
+            <a:r>
+              <a:rPr lang="de-DE" sz="2400" dirty="0" err="1" smtClean="0">
+                <a:latin typeface="Gabriola" panose="04040605051002020D02" pitchFamily="82" charset="0"/>
+                <a:sym typeface="Wingdings" panose="05000000000000000000" pitchFamily="2" charset="2"/>
+              </a:rPr>
+              <a:t>Testing</a:t>
+            </a:r>
+            <a:endParaRPr lang="de-DE" sz="2400" dirty="0" smtClean="0">
+              <a:latin typeface="Gabriola" panose="04040605051002020D02" pitchFamily="82" charset="0"/>
+              <a:sym typeface="Wingdings" panose="05000000000000000000" pitchFamily="2" charset="2"/>
+            </a:endParaRPr>
+          </a:p>
+        </p:txBody>
+      </p:sp>
+      <p:sp>
+        <p:nvSpPr>
+          <p:cNvPr id="31" name="Textfeld 9"/>
+          <p:cNvSpPr txBox="1"/>
+          <p:nvPr/>
+        </p:nvSpPr>
+        <p:spPr>
+          <a:xfrm>
+            <a:off x="6015254" y="1769863"/>
+            <a:ext cx="2419192" cy="461665"/>
+          </a:xfrm>
+          <a:prstGeom prst="rect">
+            <a:avLst/>
+          </a:prstGeom>
+          <a:noFill/>
+        </p:spPr>
+        <p:txBody>
+          <a:bodyPr wrap="square" rtlCol="0">
+            <a:spAutoFit/>
+          </a:bodyPr>
+          <a:lstStyle/>
+          <a:p>
+            <a:pPr algn="ctr"/>
+            <a:r>
+              <a:rPr lang="de-DE" sz="2400" dirty="0" err="1" smtClean="0">
+                <a:latin typeface="Gabriola" panose="04040605051002020D02" pitchFamily="82" charset="0"/>
+                <a:sym typeface="Wingdings" panose="05000000000000000000" pitchFamily="2" charset="2"/>
+              </a:rPr>
+              <a:t>Pairwise</a:t>
+            </a:r>
+            <a:r>
+              <a:rPr lang="de-DE" sz="2400" dirty="0" smtClean="0">
+                <a:latin typeface="Gabriola" panose="04040605051002020D02" pitchFamily="82" charset="0"/>
+                <a:sym typeface="Wingdings" panose="05000000000000000000" pitchFamily="2" charset="2"/>
+              </a:rPr>
+              <a:t> </a:t>
+            </a:r>
+            <a:r>
+              <a:rPr lang="de-DE" sz="2400" dirty="0" err="1" smtClean="0">
+                <a:latin typeface="Gabriola" panose="04040605051002020D02" pitchFamily="82" charset="0"/>
+                <a:sym typeface="Wingdings" panose="05000000000000000000" pitchFamily="2" charset="2"/>
+              </a:rPr>
+              <a:t>Testing</a:t>
+            </a:r>
+            <a:endParaRPr lang="de-DE" sz="2400" dirty="0" smtClean="0">
+              <a:latin typeface="Gabriola" panose="04040605051002020D02" pitchFamily="82" charset="0"/>
+              <a:sym typeface="Wingdings" panose="05000000000000000000" pitchFamily="2" charset="2"/>
+            </a:endParaRPr>
+          </a:p>
+        </p:txBody>
+      </p:sp>
+      <p:sp>
+        <p:nvSpPr>
+          <p:cNvPr id="32" name="Textfeld 9"/>
+          <p:cNvSpPr txBox="1"/>
+          <p:nvPr/>
+        </p:nvSpPr>
+        <p:spPr>
+          <a:xfrm>
+            <a:off x="429050" y="1815911"/>
+            <a:ext cx="2419192" cy="461665"/>
+          </a:xfrm>
+          <a:prstGeom prst="rect">
+            <a:avLst/>
+          </a:prstGeom>
+          <a:noFill/>
+        </p:spPr>
+        <p:txBody>
+          <a:bodyPr wrap="square" rtlCol="0">
+            <a:spAutoFit/>
+          </a:bodyPr>
+          <a:lstStyle/>
+          <a:p>
+            <a:pPr algn="ctr"/>
+            <a:r>
+              <a:rPr lang="de-DE" sz="2400" dirty="0" err="1" smtClean="0">
+                <a:latin typeface="Gabriola" panose="04040605051002020D02" pitchFamily="82" charset="0"/>
+                <a:sym typeface="Wingdings" panose="05000000000000000000" pitchFamily="2" charset="2"/>
+              </a:rPr>
+              <a:t>Combinatorics</a:t>
+            </a:r>
+            <a:endParaRPr lang="de-DE" sz="2400" dirty="0" smtClean="0">
+              <a:latin typeface="Gabriola" panose="04040605051002020D02" pitchFamily="82" charset="0"/>
+              <a:sym typeface="Wingdings" panose="05000000000000000000" pitchFamily="2" charset="2"/>
+            </a:endParaRPr>
+          </a:p>
+        </p:txBody>
+      </p:sp>
+      <p:sp>
+        <p:nvSpPr>
+          <p:cNvPr id="34" name="Textfeld 9"/>
+          <p:cNvSpPr txBox="1"/>
+          <p:nvPr/>
+        </p:nvSpPr>
+        <p:spPr>
+          <a:xfrm>
+            <a:off x="5016905" y="821659"/>
+            <a:ext cx="2419192" cy="461665"/>
+          </a:xfrm>
+          <a:prstGeom prst="rect">
+            <a:avLst/>
+          </a:prstGeom>
+          <a:noFill/>
+        </p:spPr>
+        <p:txBody>
+          <a:bodyPr wrap="square" rtlCol="0">
+            <a:spAutoFit/>
+          </a:bodyPr>
+          <a:lstStyle/>
+          <a:p>
+            <a:pPr algn="ctr"/>
+            <a:r>
+              <a:rPr lang="de-DE" sz="2400" dirty="0" err="1" smtClean="0">
+                <a:latin typeface="Gabriola" panose="04040605051002020D02" pitchFamily="82" charset="0"/>
+                <a:sym typeface="Wingdings" panose="05000000000000000000" pitchFamily="2" charset="2"/>
+              </a:rPr>
+              <a:t>Tree</a:t>
+            </a:r>
+            <a:r>
+              <a:rPr lang="de-DE" sz="2400" dirty="0" smtClean="0">
+                <a:latin typeface="Gabriola" panose="04040605051002020D02" pitchFamily="82" charset="0"/>
+                <a:sym typeface="Wingdings" panose="05000000000000000000" pitchFamily="2" charset="2"/>
+              </a:rPr>
+              <a:t> </a:t>
+            </a:r>
+            <a:r>
+              <a:rPr lang="de-DE" sz="2400" dirty="0" err="1" smtClean="0">
+                <a:latin typeface="Gabriola" panose="04040605051002020D02" pitchFamily="82" charset="0"/>
+                <a:sym typeface="Wingdings" panose="05000000000000000000" pitchFamily="2" charset="2"/>
+              </a:rPr>
+              <a:t>Testing</a:t>
+            </a:r>
+            <a:endParaRPr lang="de-DE" sz="2400" dirty="0" smtClean="0">
+              <a:latin typeface="Gabriola" panose="04040605051002020D02" pitchFamily="82" charset="0"/>
+              <a:sym typeface="Wingdings" panose="05000000000000000000" pitchFamily="2" charset="2"/>
+            </a:endParaRPr>
+          </a:p>
+        </p:txBody>
+      </p:sp>
+      <p:sp>
+        <p:nvSpPr>
+          <p:cNvPr id="35" name="Textfeld 9"/>
+          <p:cNvSpPr txBox="1"/>
+          <p:nvPr/>
+        </p:nvSpPr>
+        <p:spPr>
+          <a:xfrm>
+            <a:off x="741358" y="2718989"/>
+            <a:ext cx="1757916" cy="461665"/>
+          </a:xfrm>
+          <a:prstGeom prst="rect">
+            <a:avLst/>
+          </a:prstGeom>
+          <a:noFill/>
+        </p:spPr>
+        <p:txBody>
+          <a:bodyPr wrap="square" rtlCol="0">
+            <a:spAutoFit/>
+          </a:bodyPr>
+          <a:lstStyle/>
+          <a:p>
+            <a:pPr algn="ctr"/>
+            <a:r>
+              <a:rPr lang="de-DE" sz="2400" dirty="0" smtClean="0">
+                <a:latin typeface="Gabriola" panose="04040605051002020D02" pitchFamily="82" charset="0"/>
+                <a:sym typeface="Wingdings" panose="05000000000000000000" pitchFamily="2" charset="2"/>
+              </a:rPr>
+              <a:t>C# Internal DSL</a:t>
+            </a:r>
+          </a:p>
+        </p:txBody>
+      </p:sp>
+      <p:cxnSp>
+        <p:nvCxnSpPr>
+          <p:cNvPr id="4" name="Straight Connector 3"/>
+          <p:cNvCxnSpPr/>
+          <p:nvPr/>
+        </p:nvCxnSpPr>
+        <p:spPr>
+          <a:xfrm>
+            <a:off x="3196021" y="1470188"/>
+            <a:ext cx="399393" cy="504101"/>
+          </a:xfrm>
+          <a:prstGeom prst="line">
+            <a:avLst/>
+          </a:prstGeom>
+        </p:spPr>
+        <p:style>
+          <a:lnRef idx="1">
+            <a:schemeClr val="accent1"/>
+          </a:lnRef>
+          <a:fillRef idx="0">
+            <a:schemeClr val="accent1"/>
+          </a:fillRef>
+          <a:effectRef idx="0">
+            <a:schemeClr val="accent1"/>
+          </a:effectRef>
+          <a:fontRef idx="minor">
+            <a:schemeClr val="tx1"/>
+          </a:fontRef>
+        </p:style>
+      </p:cxnSp>
+      <p:cxnSp>
+        <p:nvCxnSpPr>
+          <p:cNvPr id="37" name="Straight Connector 36"/>
+          <p:cNvCxnSpPr/>
+          <p:nvPr/>
+        </p:nvCxnSpPr>
+        <p:spPr>
+          <a:xfrm>
+            <a:off x="4444314" y="1283324"/>
+            <a:ext cx="0" cy="690965"/>
+          </a:xfrm>
+          <a:prstGeom prst="line">
+            <a:avLst/>
+          </a:prstGeom>
+        </p:spPr>
+        <p:style>
+          <a:lnRef idx="1">
+            <a:schemeClr val="accent1"/>
+          </a:lnRef>
+          <a:fillRef idx="0">
+            <a:schemeClr val="accent1"/>
+          </a:fillRef>
+          <a:effectRef idx="0">
+            <a:schemeClr val="accent1"/>
+          </a:effectRef>
+          <a:fontRef idx="minor">
+            <a:schemeClr val="tx1"/>
+          </a:fontRef>
+        </p:style>
+      </p:cxnSp>
+      <p:cxnSp>
+        <p:nvCxnSpPr>
+          <p:cNvPr id="39" name="Straight Connector 38"/>
+          <p:cNvCxnSpPr/>
+          <p:nvPr/>
+        </p:nvCxnSpPr>
+        <p:spPr>
+          <a:xfrm flipH="1">
+            <a:off x="5234404" y="1480446"/>
+            <a:ext cx="483476" cy="504101"/>
+          </a:xfrm>
+          <a:prstGeom prst="line">
+            <a:avLst/>
+          </a:prstGeom>
+        </p:spPr>
+        <p:style>
+          <a:lnRef idx="1">
+            <a:schemeClr val="accent1"/>
+          </a:lnRef>
+          <a:fillRef idx="0">
+            <a:schemeClr val="accent1"/>
+          </a:fillRef>
+          <a:effectRef idx="0">
+            <a:schemeClr val="accent1"/>
+          </a:effectRef>
+          <a:fontRef idx="minor">
+            <a:schemeClr val="tx1"/>
+          </a:fontRef>
+        </p:style>
+      </p:cxnSp>
+      <p:cxnSp>
+        <p:nvCxnSpPr>
+          <p:cNvPr id="41" name="Straight Connector 40"/>
+          <p:cNvCxnSpPr/>
+          <p:nvPr/>
+        </p:nvCxnSpPr>
+        <p:spPr>
+          <a:xfrm flipH="1">
+            <a:off x="5592379" y="2131945"/>
+            <a:ext cx="602592" cy="202476"/>
+          </a:xfrm>
+          <a:prstGeom prst="line">
+            <a:avLst/>
+          </a:prstGeom>
+        </p:spPr>
+        <p:style>
+          <a:lnRef idx="1">
+            <a:schemeClr val="accent1"/>
+          </a:lnRef>
+          <a:fillRef idx="0">
+            <a:schemeClr val="accent1"/>
+          </a:fillRef>
+          <a:effectRef idx="0">
+            <a:schemeClr val="accent1"/>
+          </a:effectRef>
+          <a:fontRef idx="minor">
+            <a:schemeClr val="tx1"/>
+          </a:fontRef>
+        </p:style>
+      </p:cxnSp>
+      <p:cxnSp>
+        <p:nvCxnSpPr>
+          <p:cNvPr id="43" name="Straight Connector 42"/>
+          <p:cNvCxnSpPr/>
+          <p:nvPr/>
+        </p:nvCxnSpPr>
+        <p:spPr>
+          <a:xfrm>
+            <a:off x="2623707" y="2179020"/>
+            <a:ext cx="772010" cy="175406"/>
+          </a:xfrm>
+          <a:prstGeom prst="line">
+            <a:avLst/>
+          </a:prstGeom>
+        </p:spPr>
+        <p:style>
+          <a:lnRef idx="1">
+            <a:schemeClr val="accent1"/>
+          </a:lnRef>
+          <a:fillRef idx="0">
+            <a:schemeClr val="accent1"/>
+          </a:fillRef>
+          <a:effectRef idx="0">
+            <a:schemeClr val="accent1"/>
+          </a:effectRef>
+          <a:fontRef idx="minor">
+            <a:schemeClr val="tx1"/>
+          </a:fontRef>
+        </p:style>
+      </p:cxnSp>
+      <p:cxnSp>
+        <p:nvCxnSpPr>
+          <p:cNvPr id="45" name="Straight Connector 44"/>
+          <p:cNvCxnSpPr/>
+          <p:nvPr/>
+        </p:nvCxnSpPr>
+        <p:spPr>
+          <a:xfrm flipH="1">
+            <a:off x="2623708" y="2718989"/>
+            <a:ext cx="772009" cy="209792"/>
+          </a:xfrm>
+          <a:prstGeom prst="line">
+            <a:avLst/>
+          </a:prstGeom>
+        </p:spPr>
+        <p:style>
+          <a:lnRef idx="1">
+            <a:schemeClr val="accent1"/>
+          </a:lnRef>
+          <a:fillRef idx="0">
+            <a:schemeClr val="accent1"/>
+          </a:fillRef>
+          <a:effectRef idx="0">
+            <a:schemeClr val="accent1"/>
+          </a:effectRef>
+          <a:fontRef idx="minor">
+            <a:schemeClr val="tx1"/>
+          </a:fontRef>
+        </p:style>
+      </p:cxnSp>
+      <p:sp>
+        <p:nvSpPr>
+          <p:cNvPr id="47" name="Textfeld 9"/>
+          <p:cNvSpPr txBox="1"/>
+          <p:nvPr/>
+        </p:nvSpPr>
+        <p:spPr>
+          <a:xfrm>
+            <a:off x="6142254" y="2720610"/>
+            <a:ext cx="2419192" cy="461665"/>
+          </a:xfrm>
+          <a:prstGeom prst="rect">
+            <a:avLst/>
+          </a:prstGeom>
+          <a:noFill/>
+        </p:spPr>
+        <p:txBody>
+          <a:bodyPr wrap="square" rtlCol="0">
+            <a:spAutoFit/>
+          </a:bodyPr>
+          <a:lstStyle/>
+          <a:p>
+            <a:pPr algn="ctr"/>
+            <a:r>
+              <a:rPr lang="de-DE" sz="2400" dirty="0" err="1" smtClean="0">
+                <a:latin typeface="Gabriola" panose="04040605051002020D02" pitchFamily="82" charset="0"/>
+                <a:sym typeface="Wingdings" panose="05000000000000000000" pitchFamily="2" charset="2"/>
+              </a:rPr>
+              <a:t>NUnit</a:t>
+            </a:r>
+            <a:r>
+              <a:rPr lang="de-DE" sz="2400" dirty="0" smtClean="0">
+                <a:latin typeface="Gabriola" panose="04040605051002020D02" pitchFamily="82" charset="0"/>
+                <a:sym typeface="Wingdings" panose="05000000000000000000" pitchFamily="2" charset="2"/>
+              </a:rPr>
+              <a:t> </a:t>
+            </a:r>
+            <a:r>
+              <a:rPr lang="de-DE" sz="2400" dirty="0" err="1" smtClean="0">
+                <a:latin typeface="Gabriola" panose="04040605051002020D02" pitchFamily="82" charset="0"/>
+                <a:sym typeface="Wingdings" panose="05000000000000000000" pitchFamily="2" charset="2"/>
+              </a:rPr>
+              <a:t>integration</a:t>
+            </a:r>
+            <a:endParaRPr lang="de-DE" sz="2400" dirty="0" smtClean="0">
+              <a:latin typeface="Gabriola" panose="04040605051002020D02" pitchFamily="82" charset="0"/>
+              <a:sym typeface="Wingdings" panose="05000000000000000000" pitchFamily="2" charset="2"/>
+            </a:endParaRPr>
+          </a:p>
+        </p:txBody>
+      </p:sp>
+      <p:sp>
+        <p:nvSpPr>
+          <p:cNvPr id="48" name="Textfeld 9"/>
+          <p:cNvSpPr txBox="1"/>
+          <p:nvPr/>
+        </p:nvSpPr>
+        <p:spPr>
+          <a:xfrm>
+            <a:off x="5372538" y="3431635"/>
+            <a:ext cx="2419192" cy="461665"/>
+          </a:xfrm>
+          <a:prstGeom prst="rect">
+            <a:avLst/>
+          </a:prstGeom>
+          <a:noFill/>
+        </p:spPr>
+        <p:txBody>
+          <a:bodyPr wrap="square" rtlCol="0">
+            <a:spAutoFit/>
+          </a:bodyPr>
+          <a:lstStyle/>
+          <a:p>
+            <a:pPr algn="ctr"/>
+            <a:r>
+              <a:rPr lang="de-DE" sz="2400" dirty="0" err="1" smtClean="0">
+                <a:latin typeface="Gabriola" panose="04040605051002020D02" pitchFamily="82" charset="0"/>
+                <a:sym typeface="Wingdings" panose="05000000000000000000" pitchFamily="2" charset="2"/>
+              </a:rPr>
+              <a:t>XUnit</a:t>
+            </a:r>
+            <a:r>
+              <a:rPr lang="de-DE" sz="2400" dirty="0" smtClean="0">
+                <a:latin typeface="Gabriola" panose="04040605051002020D02" pitchFamily="82" charset="0"/>
+                <a:sym typeface="Wingdings" panose="05000000000000000000" pitchFamily="2" charset="2"/>
+              </a:rPr>
+              <a:t> </a:t>
+            </a:r>
+            <a:r>
+              <a:rPr lang="de-DE" sz="2400" dirty="0" err="1" smtClean="0">
+                <a:latin typeface="Gabriola" panose="04040605051002020D02" pitchFamily="82" charset="0"/>
+                <a:sym typeface="Wingdings" panose="05000000000000000000" pitchFamily="2" charset="2"/>
+              </a:rPr>
+              <a:t>integration</a:t>
+            </a:r>
+            <a:endParaRPr lang="de-DE" sz="2400" dirty="0" smtClean="0">
+              <a:latin typeface="Gabriola" panose="04040605051002020D02" pitchFamily="82" charset="0"/>
+              <a:sym typeface="Wingdings" panose="05000000000000000000" pitchFamily="2" charset="2"/>
+            </a:endParaRPr>
+          </a:p>
+        </p:txBody>
+      </p:sp>
+      <p:cxnSp>
+        <p:nvCxnSpPr>
+          <p:cNvPr id="50" name="Straight Connector 49"/>
+          <p:cNvCxnSpPr/>
+          <p:nvPr/>
+        </p:nvCxnSpPr>
+        <p:spPr>
+          <a:xfrm flipH="1" flipV="1">
+            <a:off x="5592379" y="2629216"/>
+            <a:ext cx="602592" cy="279051"/>
+          </a:xfrm>
+          <a:prstGeom prst="line">
+            <a:avLst/>
+          </a:prstGeom>
+        </p:spPr>
+        <p:style>
+          <a:lnRef idx="1">
+            <a:schemeClr val="accent1"/>
+          </a:lnRef>
+          <a:fillRef idx="0">
+            <a:schemeClr val="accent1"/>
+          </a:fillRef>
+          <a:effectRef idx="0">
+            <a:schemeClr val="accent1"/>
+          </a:effectRef>
+          <a:fontRef idx="minor">
+            <a:schemeClr val="tx1"/>
+          </a:fontRef>
+        </p:style>
+      </p:cxnSp>
+      <p:cxnSp>
+        <p:nvCxnSpPr>
+          <p:cNvPr id="52" name="Straight Connector 51"/>
+          <p:cNvCxnSpPr/>
+          <p:nvPr/>
+        </p:nvCxnSpPr>
+        <p:spPr>
+          <a:xfrm flipH="1" flipV="1">
+            <a:off x="5132113" y="2928781"/>
+            <a:ext cx="460267" cy="513364"/>
+          </a:xfrm>
+          <a:prstGeom prst="line">
+            <a:avLst/>
+          </a:prstGeom>
+        </p:spPr>
+        <p:style>
+          <a:lnRef idx="1">
+            <a:schemeClr val="accent1"/>
+          </a:lnRef>
+          <a:fillRef idx="0">
+            <a:schemeClr val="accent1"/>
+          </a:fillRef>
+          <a:effectRef idx="0">
+            <a:schemeClr val="accent1"/>
+          </a:effectRef>
+          <a:fontRef idx="minor">
+            <a:schemeClr val="tx1"/>
+          </a:fontRef>
+        </p:style>
+      </p:cxnSp>
+      <p:sp>
+        <p:nvSpPr>
+          <p:cNvPr id="55" name="Textfeld 9"/>
+          <p:cNvSpPr txBox="1"/>
+          <p:nvPr/>
+        </p:nvSpPr>
+        <p:spPr>
+          <a:xfrm>
+            <a:off x="3573019" y="3799977"/>
+            <a:ext cx="1742589" cy="461665"/>
+          </a:xfrm>
+          <a:prstGeom prst="rect">
+            <a:avLst/>
+          </a:prstGeom>
+          <a:noFill/>
+        </p:spPr>
+        <p:txBody>
+          <a:bodyPr wrap="square" rtlCol="0">
+            <a:spAutoFit/>
+          </a:bodyPr>
+          <a:lstStyle/>
+          <a:p>
+            <a:pPr algn="ctr"/>
+            <a:r>
+              <a:rPr lang="de-DE" sz="2400" dirty="0" smtClean="0">
+                <a:latin typeface="Gabriola" panose="04040605051002020D02" pitchFamily="82" charset="0"/>
+                <a:sym typeface="Wingdings" panose="05000000000000000000" pitchFamily="2" charset="2"/>
+              </a:rPr>
+              <a:t>Modular Syntax</a:t>
+            </a:r>
+          </a:p>
+        </p:txBody>
+      </p:sp>
+      <p:cxnSp>
+        <p:nvCxnSpPr>
+          <p:cNvPr id="57" name="Straight Connector 56"/>
+          <p:cNvCxnSpPr>
+            <a:stCxn id="18" idx="2"/>
+            <a:endCxn id="55" idx="0"/>
+          </p:cNvCxnSpPr>
+          <p:nvPr/>
+        </p:nvCxnSpPr>
+        <p:spPr>
+          <a:xfrm flipH="1">
+            <a:off x="4444314" y="2934586"/>
+            <a:ext cx="3283" cy="865391"/>
+          </a:xfrm>
+          <a:prstGeom prst="line">
+            <a:avLst/>
+          </a:prstGeom>
+        </p:spPr>
+        <p:style>
+          <a:lnRef idx="1">
+            <a:schemeClr val="accent1"/>
+          </a:lnRef>
+          <a:fillRef idx="0">
+            <a:schemeClr val="accent1"/>
+          </a:fillRef>
+          <a:effectRef idx="0">
+            <a:schemeClr val="accent1"/>
+          </a:effectRef>
+          <a:fontRef idx="minor">
+            <a:schemeClr val="tx1"/>
+          </a:fontRef>
+        </p:style>
+      </p:cxnSp>
+      <p:sp>
+        <p:nvSpPr>
+          <p:cNvPr id="71" name="Textfeld 9"/>
+          <p:cNvSpPr txBox="1"/>
+          <p:nvPr/>
+        </p:nvSpPr>
+        <p:spPr>
+          <a:xfrm>
+            <a:off x="1617718" y="3458284"/>
+            <a:ext cx="1812294" cy="461665"/>
+          </a:xfrm>
+          <a:prstGeom prst="rect">
+            <a:avLst/>
+          </a:prstGeom>
+          <a:noFill/>
+        </p:spPr>
+        <p:txBody>
+          <a:bodyPr wrap="square" rtlCol="0">
+            <a:spAutoFit/>
+          </a:bodyPr>
+          <a:lstStyle/>
+          <a:p>
+            <a:pPr algn="ctr"/>
+            <a:r>
+              <a:rPr lang="de-DE" sz="2400" dirty="0" err="1" smtClean="0">
+                <a:latin typeface="Gabriola" panose="04040605051002020D02" pitchFamily="82" charset="0"/>
+                <a:sym typeface="Wingdings" panose="05000000000000000000" pitchFamily="2" charset="2"/>
+              </a:rPr>
+              <a:t>Readable</a:t>
+            </a:r>
+            <a:r>
+              <a:rPr lang="de-DE" sz="2400" dirty="0" smtClean="0">
+                <a:latin typeface="Gabriola" panose="04040605051002020D02" pitchFamily="82" charset="0"/>
+                <a:sym typeface="Wingdings" panose="05000000000000000000" pitchFamily="2" charset="2"/>
+              </a:rPr>
+              <a:t> Syntax</a:t>
+            </a:r>
+          </a:p>
+        </p:txBody>
+      </p:sp>
+      <p:cxnSp>
+        <p:nvCxnSpPr>
+          <p:cNvPr id="74" name="Straight Connector 73"/>
+          <p:cNvCxnSpPr/>
+          <p:nvPr/>
+        </p:nvCxnSpPr>
+        <p:spPr>
+          <a:xfrm flipH="1">
+            <a:off x="3395717" y="2908267"/>
+            <a:ext cx="561782" cy="533878"/>
+          </a:xfrm>
+          <a:prstGeom prst="line">
+            <a:avLst/>
+          </a:prstGeom>
+        </p:spPr>
+        <p:style>
+          <a:lnRef idx="1">
+            <a:schemeClr val="accent1"/>
+          </a:lnRef>
+          <a:fillRef idx="0">
+            <a:schemeClr val="accent1"/>
+          </a:fillRef>
+          <a:effectRef idx="0">
+            <a:schemeClr val="accent1"/>
+          </a:effectRef>
+          <a:fontRef idx="minor">
+            <a:schemeClr val="tx1"/>
+          </a:fontRef>
+        </p:style>
+      </p:cxnSp>
+    </p:spTree>
+    <p:extLst>
+      <p:ext uri="{BB962C8B-B14F-4D97-AF65-F5344CB8AC3E}">
+        <p14:creationId xmlns:p14="http://schemas.microsoft.com/office/powerpoint/2010/main" val="154123504"/>
+      </p:ext>
+    </p:extLst>
+  </p:cSld>
+  <p:clrMapOvr>
+    <a:masterClrMapping/>
+  </p:clrMapOvr>
+  <p:timing>
+    <p:tnLst>
+      <p:par>
+        <p:cTn id="1" dur="indefinite" restart="never" nodeType="tmRoot"/>
+      </p:par>
+    </p:tnLst>
+  </p:timing>
+</p:sld>
+</file>
+
+<file path=ppt/slides/slide20.xml><?xml version="1.0" encoding="utf-8"?>
 <p:sld xmlns:a="http://schemas.openxmlformats.org/drawingml/2006/main" xmlns:r="http://schemas.openxmlformats.org/officeDocument/2006/relationships" xmlns:p="http://schemas.openxmlformats.org/presentationml/2006/main">
   <p:cSld>
     <p:spTree>
@@ -8008,838 +9210,7 @@
 </p:sld>
 </file>
 
-<file path=ppt/slides/slide2.xml><?xml version="1.0" encoding="utf-8"?>
-<p:sld xmlns:a="http://schemas.openxmlformats.org/drawingml/2006/main" xmlns:r="http://schemas.openxmlformats.org/officeDocument/2006/relationships" xmlns:p="http://schemas.openxmlformats.org/presentationml/2006/main">
-  <p:cSld>
-    <p:spTree>
-      <p:nvGrpSpPr>
-        <p:cNvPr id="1" name=""/>
-        <p:cNvGrpSpPr/>
-        <p:nvPr/>
-      </p:nvGrpSpPr>
-      <p:grpSpPr>
-        <a:xfrm>
-          <a:off x="0" y="0"/>
-          <a:ext cx="0" cy="0"/>
-          <a:chOff x="0" y="0"/>
-          <a:chExt cx="0" cy="0"/>
-        </a:xfrm>
-      </p:grpSpPr>
-      <p:sp>
-        <p:nvSpPr>
-          <p:cNvPr id="18" name="Textfeld 17"/>
-          <p:cNvSpPr txBox="1"/>
-          <p:nvPr/>
-        </p:nvSpPr>
-        <p:spPr>
-          <a:xfrm>
-            <a:off x="2725236" y="1734257"/>
-            <a:ext cx="3444721" cy="1200329"/>
-          </a:xfrm>
-          <a:prstGeom prst="rect">
-            <a:avLst/>
-          </a:prstGeom>
-          <a:noFill/>
-        </p:spPr>
-        <p:txBody>
-          <a:bodyPr wrap="square" rtlCol="0">
-            <a:spAutoFit/>
-          </a:bodyPr>
-          <a:lstStyle/>
-          <a:p>
-            <a:pPr algn="ctr"/>
-            <a:r>
-              <a:rPr lang="de-DE" sz="7200" dirty="0" err="1" smtClean="0">
-                <a:effectLst>
-                  <a:outerShdw blurRad="38100" dist="38100" dir="2700000" algn="tl">
-                    <a:srgbClr val="000000">
-                      <a:alpha val="43137"/>
-                    </a:srgbClr>
-                  </a:outerShdw>
-                </a:effectLst>
-                <a:latin typeface="Gabriola" panose="04040605051002020D02" pitchFamily="82" charset="0"/>
-              </a:rPr>
-              <a:t>NCase</a:t>
-            </a:r>
-            <a:endParaRPr lang="en-US" sz="7200" dirty="0">
-              <a:effectLst>
-                <a:outerShdw blurRad="38100" dist="38100" dir="2700000" algn="tl">
-                  <a:srgbClr val="000000">
-                    <a:alpha val="43137"/>
-                  </a:srgbClr>
-                </a:outerShdw>
-              </a:effectLst>
-              <a:latin typeface="Gabriola" panose="04040605051002020D02" pitchFamily="82" charset="0"/>
-            </a:endParaRPr>
-          </a:p>
-        </p:txBody>
-      </p:sp>
-      <p:sp>
-        <p:nvSpPr>
-          <p:cNvPr id="29" name="Textfeld 9"/>
-          <p:cNvSpPr txBox="1"/>
-          <p:nvPr/>
-        </p:nvSpPr>
-        <p:spPr>
-          <a:xfrm>
-            <a:off x="3763079" y="559296"/>
-            <a:ext cx="1369034" cy="461665"/>
-          </a:xfrm>
-          <a:prstGeom prst="rect">
-            <a:avLst/>
-          </a:prstGeom>
-          <a:noFill/>
-        </p:spPr>
-        <p:txBody>
-          <a:bodyPr wrap="square" rtlCol="0">
-            <a:spAutoFit/>
-          </a:bodyPr>
-          <a:lstStyle/>
-          <a:p>
-            <a:pPr algn="ctr"/>
-            <a:r>
-              <a:rPr lang="de-DE" sz="2400" dirty="0" smtClean="0">
-                <a:latin typeface="Gabriola" panose="04040605051002020D02" pitchFamily="82" charset="0"/>
-                <a:sym typeface="Wingdings" panose="05000000000000000000" pitchFamily="2" charset="2"/>
-              </a:rPr>
-              <a:t>Unit </a:t>
-            </a:r>
-            <a:r>
-              <a:rPr lang="de-DE" sz="2400" dirty="0" err="1" smtClean="0">
-                <a:latin typeface="Gabriola" panose="04040605051002020D02" pitchFamily="82" charset="0"/>
-                <a:sym typeface="Wingdings" panose="05000000000000000000" pitchFamily="2" charset="2"/>
-              </a:rPr>
-              <a:t>Testing</a:t>
-            </a:r>
-            <a:endParaRPr lang="de-DE" sz="2400" dirty="0" smtClean="0">
-              <a:latin typeface="Gabriola" panose="04040605051002020D02" pitchFamily="82" charset="0"/>
-              <a:sym typeface="Wingdings" panose="05000000000000000000" pitchFamily="2" charset="2"/>
-            </a:endParaRPr>
-          </a:p>
-        </p:txBody>
-      </p:sp>
-      <p:sp>
-        <p:nvSpPr>
-          <p:cNvPr id="30" name="Textfeld 9"/>
-          <p:cNvSpPr txBox="1"/>
-          <p:nvPr/>
-        </p:nvSpPr>
-        <p:spPr>
-          <a:xfrm>
-            <a:off x="983907" y="821659"/>
-            <a:ext cx="2419192" cy="461665"/>
-          </a:xfrm>
-          <a:prstGeom prst="rect">
-            <a:avLst/>
-          </a:prstGeom>
-          <a:noFill/>
-        </p:spPr>
-        <p:txBody>
-          <a:bodyPr wrap="square" rtlCol="0">
-            <a:spAutoFit/>
-          </a:bodyPr>
-          <a:lstStyle/>
-          <a:p>
-            <a:pPr algn="ctr"/>
-            <a:r>
-              <a:rPr lang="de-DE" sz="2400" dirty="0" err="1" smtClean="0">
-                <a:latin typeface="Gabriola" panose="04040605051002020D02" pitchFamily="82" charset="0"/>
-                <a:sym typeface="Wingdings" panose="05000000000000000000" pitchFamily="2" charset="2"/>
-              </a:rPr>
-              <a:t>Parametrized</a:t>
-            </a:r>
-            <a:r>
-              <a:rPr lang="de-DE" sz="2400" dirty="0" smtClean="0">
-                <a:latin typeface="Gabriola" panose="04040605051002020D02" pitchFamily="82" charset="0"/>
-                <a:sym typeface="Wingdings" panose="05000000000000000000" pitchFamily="2" charset="2"/>
-              </a:rPr>
-              <a:t> </a:t>
-            </a:r>
-            <a:r>
-              <a:rPr lang="de-DE" sz="2400" dirty="0" err="1" smtClean="0">
-                <a:latin typeface="Gabriola" panose="04040605051002020D02" pitchFamily="82" charset="0"/>
-                <a:sym typeface="Wingdings" panose="05000000000000000000" pitchFamily="2" charset="2"/>
-              </a:rPr>
-              <a:t>Testing</a:t>
-            </a:r>
-            <a:endParaRPr lang="de-DE" sz="2400" dirty="0" smtClean="0">
-              <a:latin typeface="Gabriola" panose="04040605051002020D02" pitchFamily="82" charset="0"/>
-              <a:sym typeface="Wingdings" panose="05000000000000000000" pitchFamily="2" charset="2"/>
-            </a:endParaRPr>
-          </a:p>
-        </p:txBody>
-      </p:sp>
-      <p:sp>
-        <p:nvSpPr>
-          <p:cNvPr id="31" name="Textfeld 9"/>
-          <p:cNvSpPr txBox="1"/>
-          <p:nvPr/>
-        </p:nvSpPr>
-        <p:spPr>
-          <a:xfrm>
-            <a:off x="6015254" y="1769863"/>
-            <a:ext cx="2419192" cy="461665"/>
-          </a:xfrm>
-          <a:prstGeom prst="rect">
-            <a:avLst/>
-          </a:prstGeom>
-          <a:noFill/>
-        </p:spPr>
-        <p:txBody>
-          <a:bodyPr wrap="square" rtlCol="0">
-            <a:spAutoFit/>
-          </a:bodyPr>
-          <a:lstStyle/>
-          <a:p>
-            <a:pPr algn="ctr"/>
-            <a:r>
-              <a:rPr lang="de-DE" sz="2400" dirty="0" err="1" smtClean="0">
-                <a:latin typeface="Gabriola" panose="04040605051002020D02" pitchFamily="82" charset="0"/>
-                <a:sym typeface="Wingdings" panose="05000000000000000000" pitchFamily="2" charset="2"/>
-              </a:rPr>
-              <a:t>Pairwise</a:t>
-            </a:r>
-            <a:r>
-              <a:rPr lang="de-DE" sz="2400" dirty="0" smtClean="0">
-                <a:latin typeface="Gabriola" panose="04040605051002020D02" pitchFamily="82" charset="0"/>
-                <a:sym typeface="Wingdings" panose="05000000000000000000" pitchFamily="2" charset="2"/>
-              </a:rPr>
-              <a:t> </a:t>
-            </a:r>
-            <a:r>
-              <a:rPr lang="de-DE" sz="2400" dirty="0" err="1" smtClean="0">
-                <a:latin typeface="Gabriola" panose="04040605051002020D02" pitchFamily="82" charset="0"/>
-                <a:sym typeface="Wingdings" panose="05000000000000000000" pitchFamily="2" charset="2"/>
-              </a:rPr>
-              <a:t>Testing</a:t>
-            </a:r>
-            <a:endParaRPr lang="de-DE" sz="2400" dirty="0" smtClean="0">
-              <a:latin typeface="Gabriola" panose="04040605051002020D02" pitchFamily="82" charset="0"/>
-              <a:sym typeface="Wingdings" panose="05000000000000000000" pitchFamily="2" charset="2"/>
-            </a:endParaRPr>
-          </a:p>
-        </p:txBody>
-      </p:sp>
-      <p:sp>
-        <p:nvSpPr>
-          <p:cNvPr id="32" name="Textfeld 9"/>
-          <p:cNvSpPr txBox="1"/>
-          <p:nvPr/>
-        </p:nvSpPr>
-        <p:spPr>
-          <a:xfrm>
-            <a:off x="429050" y="1815911"/>
-            <a:ext cx="2419192" cy="461665"/>
-          </a:xfrm>
-          <a:prstGeom prst="rect">
-            <a:avLst/>
-          </a:prstGeom>
-          <a:noFill/>
-        </p:spPr>
-        <p:txBody>
-          <a:bodyPr wrap="square" rtlCol="0">
-            <a:spAutoFit/>
-          </a:bodyPr>
-          <a:lstStyle/>
-          <a:p>
-            <a:pPr algn="ctr"/>
-            <a:r>
-              <a:rPr lang="de-DE" sz="2400" dirty="0" err="1" smtClean="0">
-                <a:latin typeface="Gabriola" panose="04040605051002020D02" pitchFamily="82" charset="0"/>
-                <a:sym typeface="Wingdings" panose="05000000000000000000" pitchFamily="2" charset="2"/>
-              </a:rPr>
-              <a:t>Combinatorics</a:t>
-            </a:r>
-            <a:endParaRPr lang="de-DE" sz="2400" dirty="0" smtClean="0">
-              <a:latin typeface="Gabriola" panose="04040605051002020D02" pitchFamily="82" charset="0"/>
-              <a:sym typeface="Wingdings" panose="05000000000000000000" pitchFamily="2" charset="2"/>
-            </a:endParaRPr>
-          </a:p>
-        </p:txBody>
-      </p:sp>
-      <p:sp>
-        <p:nvSpPr>
-          <p:cNvPr id="34" name="Textfeld 9"/>
-          <p:cNvSpPr txBox="1"/>
-          <p:nvPr/>
-        </p:nvSpPr>
-        <p:spPr>
-          <a:xfrm>
-            <a:off x="5016905" y="821659"/>
-            <a:ext cx="2419192" cy="461665"/>
-          </a:xfrm>
-          <a:prstGeom prst="rect">
-            <a:avLst/>
-          </a:prstGeom>
-          <a:noFill/>
-        </p:spPr>
-        <p:txBody>
-          <a:bodyPr wrap="square" rtlCol="0">
-            <a:spAutoFit/>
-          </a:bodyPr>
-          <a:lstStyle/>
-          <a:p>
-            <a:pPr algn="ctr"/>
-            <a:r>
-              <a:rPr lang="de-DE" sz="2400" dirty="0" err="1" smtClean="0">
-                <a:latin typeface="Gabriola" panose="04040605051002020D02" pitchFamily="82" charset="0"/>
-                <a:sym typeface="Wingdings" panose="05000000000000000000" pitchFamily="2" charset="2"/>
-              </a:rPr>
-              <a:t>Tree</a:t>
-            </a:r>
-            <a:r>
-              <a:rPr lang="de-DE" sz="2400" dirty="0" smtClean="0">
-                <a:latin typeface="Gabriola" panose="04040605051002020D02" pitchFamily="82" charset="0"/>
-                <a:sym typeface="Wingdings" panose="05000000000000000000" pitchFamily="2" charset="2"/>
-              </a:rPr>
-              <a:t> </a:t>
-            </a:r>
-            <a:r>
-              <a:rPr lang="de-DE" sz="2400" dirty="0" err="1" smtClean="0">
-                <a:latin typeface="Gabriola" panose="04040605051002020D02" pitchFamily="82" charset="0"/>
-                <a:sym typeface="Wingdings" panose="05000000000000000000" pitchFamily="2" charset="2"/>
-              </a:rPr>
-              <a:t>Testing</a:t>
-            </a:r>
-            <a:endParaRPr lang="de-DE" sz="2400" dirty="0" smtClean="0">
-              <a:latin typeface="Gabriola" panose="04040605051002020D02" pitchFamily="82" charset="0"/>
-              <a:sym typeface="Wingdings" panose="05000000000000000000" pitchFamily="2" charset="2"/>
-            </a:endParaRPr>
-          </a:p>
-        </p:txBody>
-      </p:sp>
-      <p:sp>
-        <p:nvSpPr>
-          <p:cNvPr id="35" name="Textfeld 9"/>
-          <p:cNvSpPr txBox="1"/>
-          <p:nvPr/>
-        </p:nvSpPr>
-        <p:spPr>
-          <a:xfrm>
-            <a:off x="741358" y="2718989"/>
-            <a:ext cx="1757916" cy="461665"/>
-          </a:xfrm>
-          <a:prstGeom prst="rect">
-            <a:avLst/>
-          </a:prstGeom>
-          <a:noFill/>
-        </p:spPr>
-        <p:txBody>
-          <a:bodyPr wrap="square" rtlCol="0">
-            <a:spAutoFit/>
-          </a:bodyPr>
-          <a:lstStyle/>
-          <a:p>
-            <a:pPr algn="ctr"/>
-            <a:r>
-              <a:rPr lang="de-DE" sz="2400" dirty="0" smtClean="0">
-                <a:latin typeface="Gabriola" panose="04040605051002020D02" pitchFamily="82" charset="0"/>
-                <a:sym typeface="Wingdings" panose="05000000000000000000" pitchFamily="2" charset="2"/>
-              </a:rPr>
-              <a:t>C# Internal DSL</a:t>
-            </a:r>
-          </a:p>
-        </p:txBody>
-      </p:sp>
-      <p:cxnSp>
-        <p:nvCxnSpPr>
-          <p:cNvPr id="4" name="Straight Connector 3"/>
-          <p:cNvCxnSpPr/>
-          <p:nvPr/>
-        </p:nvCxnSpPr>
-        <p:spPr>
-          <a:xfrm>
-            <a:off x="3196021" y="1470188"/>
-            <a:ext cx="399393" cy="504101"/>
-          </a:xfrm>
-          <a:prstGeom prst="line">
-            <a:avLst/>
-          </a:prstGeom>
-        </p:spPr>
-        <p:style>
-          <a:lnRef idx="1">
-            <a:schemeClr val="accent1"/>
-          </a:lnRef>
-          <a:fillRef idx="0">
-            <a:schemeClr val="accent1"/>
-          </a:fillRef>
-          <a:effectRef idx="0">
-            <a:schemeClr val="accent1"/>
-          </a:effectRef>
-          <a:fontRef idx="minor">
-            <a:schemeClr val="tx1"/>
-          </a:fontRef>
-        </p:style>
-      </p:cxnSp>
-      <p:cxnSp>
-        <p:nvCxnSpPr>
-          <p:cNvPr id="37" name="Straight Connector 36"/>
-          <p:cNvCxnSpPr/>
-          <p:nvPr/>
-        </p:nvCxnSpPr>
-        <p:spPr>
-          <a:xfrm>
-            <a:off x="4444314" y="1283324"/>
-            <a:ext cx="0" cy="690965"/>
-          </a:xfrm>
-          <a:prstGeom prst="line">
-            <a:avLst/>
-          </a:prstGeom>
-        </p:spPr>
-        <p:style>
-          <a:lnRef idx="1">
-            <a:schemeClr val="accent1"/>
-          </a:lnRef>
-          <a:fillRef idx="0">
-            <a:schemeClr val="accent1"/>
-          </a:fillRef>
-          <a:effectRef idx="0">
-            <a:schemeClr val="accent1"/>
-          </a:effectRef>
-          <a:fontRef idx="minor">
-            <a:schemeClr val="tx1"/>
-          </a:fontRef>
-        </p:style>
-      </p:cxnSp>
-      <p:cxnSp>
-        <p:nvCxnSpPr>
-          <p:cNvPr id="39" name="Straight Connector 38"/>
-          <p:cNvCxnSpPr/>
-          <p:nvPr/>
-        </p:nvCxnSpPr>
-        <p:spPr>
-          <a:xfrm flipH="1">
-            <a:off x="5234404" y="1480446"/>
-            <a:ext cx="483476" cy="504101"/>
-          </a:xfrm>
-          <a:prstGeom prst="line">
-            <a:avLst/>
-          </a:prstGeom>
-        </p:spPr>
-        <p:style>
-          <a:lnRef idx="1">
-            <a:schemeClr val="accent1"/>
-          </a:lnRef>
-          <a:fillRef idx="0">
-            <a:schemeClr val="accent1"/>
-          </a:fillRef>
-          <a:effectRef idx="0">
-            <a:schemeClr val="accent1"/>
-          </a:effectRef>
-          <a:fontRef idx="minor">
-            <a:schemeClr val="tx1"/>
-          </a:fontRef>
-        </p:style>
-      </p:cxnSp>
-      <p:cxnSp>
-        <p:nvCxnSpPr>
-          <p:cNvPr id="41" name="Straight Connector 40"/>
-          <p:cNvCxnSpPr/>
-          <p:nvPr/>
-        </p:nvCxnSpPr>
-        <p:spPr>
-          <a:xfrm flipH="1">
-            <a:off x="5592379" y="2131945"/>
-            <a:ext cx="602592" cy="202476"/>
-          </a:xfrm>
-          <a:prstGeom prst="line">
-            <a:avLst/>
-          </a:prstGeom>
-        </p:spPr>
-        <p:style>
-          <a:lnRef idx="1">
-            <a:schemeClr val="accent1"/>
-          </a:lnRef>
-          <a:fillRef idx="0">
-            <a:schemeClr val="accent1"/>
-          </a:fillRef>
-          <a:effectRef idx="0">
-            <a:schemeClr val="accent1"/>
-          </a:effectRef>
-          <a:fontRef idx="minor">
-            <a:schemeClr val="tx1"/>
-          </a:fontRef>
-        </p:style>
-      </p:cxnSp>
-      <p:cxnSp>
-        <p:nvCxnSpPr>
-          <p:cNvPr id="43" name="Straight Connector 42"/>
-          <p:cNvCxnSpPr/>
-          <p:nvPr/>
-        </p:nvCxnSpPr>
-        <p:spPr>
-          <a:xfrm>
-            <a:off x="2623707" y="2179020"/>
-            <a:ext cx="772010" cy="175406"/>
-          </a:xfrm>
-          <a:prstGeom prst="line">
-            <a:avLst/>
-          </a:prstGeom>
-        </p:spPr>
-        <p:style>
-          <a:lnRef idx="1">
-            <a:schemeClr val="accent1"/>
-          </a:lnRef>
-          <a:fillRef idx="0">
-            <a:schemeClr val="accent1"/>
-          </a:fillRef>
-          <a:effectRef idx="0">
-            <a:schemeClr val="accent1"/>
-          </a:effectRef>
-          <a:fontRef idx="minor">
-            <a:schemeClr val="tx1"/>
-          </a:fontRef>
-        </p:style>
-      </p:cxnSp>
-      <p:cxnSp>
-        <p:nvCxnSpPr>
-          <p:cNvPr id="45" name="Straight Connector 44"/>
-          <p:cNvCxnSpPr/>
-          <p:nvPr/>
-        </p:nvCxnSpPr>
-        <p:spPr>
-          <a:xfrm flipH="1">
-            <a:off x="2623708" y="2718989"/>
-            <a:ext cx="772009" cy="209792"/>
-          </a:xfrm>
-          <a:prstGeom prst="line">
-            <a:avLst/>
-          </a:prstGeom>
-        </p:spPr>
-        <p:style>
-          <a:lnRef idx="1">
-            <a:schemeClr val="accent1"/>
-          </a:lnRef>
-          <a:fillRef idx="0">
-            <a:schemeClr val="accent1"/>
-          </a:fillRef>
-          <a:effectRef idx="0">
-            <a:schemeClr val="accent1"/>
-          </a:effectRef>
-          <a:fontRef idx="minor">
-            <a:schemeClr val="tx1"/>
-          </a:fontRef>
-        </p:style>
-      </p:cxnSp>
-      <p:sp>
-        <p:nvSpPr>
-          <p:cNvPr id="47" name="Textfeld 9"/>
-          <p:cNvSpPr txBox="1"/>
-          <p:nvPr/>
-        </p:nvSpPr>
-        <p:spPr>
-          <a:xfrm>
-            <a:off x="6142254" y="2720610"/>
-            <a:ext cx="2419192" cy="461665"/>
-          </a:xfrm>
-          <a:prstGeom prst="rect">
-            <a:avLst/>
-          </a:prstGeom>
-          <a:noFill/>
-        </p:spPr>
-        <p:txBody>
-          <a:bodyPr wrap="square" rtlCol="0">
-            <a:spAutoFit/>
-          </a:bodyPr>
-          <a:lstStyle/>
-          <a:p>
-            <a:pPr algn="ctr"/>
-            <a:r>
-              <a:rPr lang="de-DE" sz="2400" dirty="0" err="1" smtClean="0">
-                <a:latin typeface="Gabriola" panose="04040605051002020D02" pitchFamily="82" charset="0"/>
-                <a:sym typeface="Wingdings" panose="05000000000000000000" pitchFamily="2" charset="2"/>
-              </a:rPr>
-              <a:t>NUnit</a:t>
-            </a:r>
-            <a:r>
-              <a:rPr lang="de-DE" sz="2400" dirty="0" smtClean="0">
-                <a:latin typeface="Gabriola" panose="04040605051002020D02" pitchFamily="82" charset="0"/>
-                <a:sym typeface="Wingdings" panose="05000000000000000000" pitchFamily="2" charset="2"/>
-              </a:rPr>
-              <a:t> </a:t>
-            </a:r>
-            <a:r>
-              <a:rPr lang="de-DE" sz="2400" dirty="0" err="1" smtClean="0">
-                <a:latin typeface="Gabriola" panose="04040605051002020D02" pitchFamily="82" charset="0"/>
-                <a:sym typeface="Wingdings" panose="05000000000000000000" pitchFamily="2" charset="2"/>
-              </a:rPr>
-              <a:t>integration</a:t>
-            </a:r>
-            <a:endParaRPr lang="de-DE" sz="2400" dirty="0" smtClean="0">
-              <a:latin typeface="Gabriola" panose="04040605051002020D02" pitchFamily="82" charset="0"/>
-              <a:sym typeface="Wingdings" panose="05000000000000000000" pitchFamily="2" charset="2"/>
-            </a:endParaRPr>
-          </a:p>
-        </p:txBody>
-      </p:sp>
-      <p:sp>
-        <p:nvSpPr>
-          <p:cNvPr id="48" name="Textfeld 9"/>
-          <p:cNvSpPr txBox="1"/>
-          <p:nvPr/>
-        </p:nvSpPr>
-        <p:spPr>
-          <a:xfrm>
-            <a:off x="5372538" y="3431635"/>
-            <a:ext cx="2419192" cy="461665"/>
-          </a:xfrm>
-          <a:prstGeom prst="rect">
-            <a:avLst/>
-          </a:prstGeom>
-          <a:noFill/>
-        </p:spPr>
-        <p:txBody>
-          <a:bodyPr wrap="square" rtlCol="0">
-            <a:spAutoFit/>
-          </a:bodyPr>
-          <a:lstStyle/>
-          <a:p>
-            <a:pPr algn="ctr"/>
-            <a:r>
-              <a:rPr lang="de-DE" sz="2400" dirty="0" err="1" smtClean="0">
-                <a:latin typeface="Gabriola" panose="04040605051002020D02" pitchFamily="82" charset="0"/>
-                <a:sym typeface="Wingdings" panose="05000000000000000000" pitchFamily="2" charset="2"/>
-              </a:rPr>
-              <a:t>XUnit</a:t>
-            </a:r>
-            <a:r>
-              <a:rPr lang="de-DE" sz="2400" dirty="0" smtClean="0">
-                <a:latin typeface="Gabriola" panose="04040605051002020D02" pitchFamily="82" charset="0"/>
-                <a:sym typeface="Wingdings" panose="05000000000000000000" pitchFamily="2" charset="2"/>
-              </a:rPr>
-              <a:t> </a:t>
-            </a:r>
-            <a:r>
-              <a:rPr lang="de-DE" sz="2400" dirty="0" err="1" smtClean="0">
-                <a:latin typeface="Gabriola" panose="04040605051002020D02" pitchFamily="82" charset="0"/>
-                <a:sym typeface="Wingdings" panose="05000000000000000000" pitchFamily="2" charset="2"/>
-              </a:rPr>
-              <a:t>integration</a:t>
-            </a:r>
-            <a:endParaRPr lang="de-DE" sz="2400" dirty="0" smtClean="0">
-              <a:latin typeface="Gabriola" panose="04040605051002020D02" pitchFamily="82" charset="0"/>
-              <a:sym typeface="Wingdings" panose="05000000000000000000" pitchFamily="2" charset="2"/>
-            </a:endParaRPr>
-          </a:p>
-        </p:txBody>
-      </p:sp>
-      <p:cxnSp>
-        <p:nvCxnSpPr>
-          <p:cNvPr id="50" name="Straight Connector 49"/>
-          <p:cNvCxnSpPr/>
-          <p:nvPr/>
-        </p:nvCxnSpPr>
-        <p:spPr>
-          <a:xfrm flipH="1" flipV="1">
-            <a:off x="5592379" y="2629216"/>
-            <a:ext cx="602592" cy="279051"/>
-          </a:xfrm>
-          <a:prstGeom prst="line">
-            <a:avLst/>
-          </a:prstGeom>
-        </p:spPr>
-        <p:style>
-          <a:lnRef idx="1">
-            <a:schemeClr val="accent1"/>
-          </a:lnRef>
-          <a:fillRef idx="0">
-            <a:schemeClr val="accent1"/>
-          </a:fillRef>
-          <a:effectRef idx="0">
-            <a:schemeClr val="accent1"/>
-          </a:effectRef>
-          <a:fontRef idx="minor">
-            <a:schemeClr val="tx1"/>
-          </a:fontRef>
-        </p:style>
-      </p:cxnSp>
-      <p:cxnSp>
-        <p:nvCxnSpPr>
-          <p:cNvPr id="52" name="Straight Connector 51"/>
-          <p:cNvCxnSpPr/>
-          <p:nvPr/>
-        </p:nvCxnSpPr>
-        <p:spPr>
-          <a:xfrm flipH="1" flipV="1">
-            <a:off x="5132113" y="2928781"/>
-            <a:ext cx="460267" cy="513364"/>
-          </a:xfrm>
-          <a:prstGeom prst="line">
-            <a:avLst/>
-          </a:prstGeom>
-        </p:spPr>
-        <p:style>
-          <a:lnRef idx="1">
-            <a:schemeClr val="accent1"/>
-          </a:lnRef>
-          <a:fillRef idx="0">
-            <a:schemeClr val="accent1"/>
-          </a:fillRef>
-          <a:effectRef idx="0">
-            <a:schemeClr val="accent1"/>
-          </a:effectRef>
-          <a:fontRef idx="minor">
-            <a:schemeClr val="tx1"/>
-          </a:fontRef>
-        </p:style>
-      </p:cxnSp>
-      <p:sp>
-        <p:nvSpPr>
-          <p:cNvPr id="55" name="Textfeld 9"/>
-          <p:cNvSpPr txBox="1"/>
-          <p:nvPr/>
-        </p:nvSpPr>
-        <p:spPr>
-          <a:xfrm>
-            <a:off x="3573019" y="3799977"/>
-            <a:ext cx="1742589" cy="461665"/>
-          </a:xfrm>
-          <a:prstGeom prst="rect">
-            <a:avLst/>
-          </a:prstGeom>
-          <a:noFill/>
-        </p:spPr>
-        <p:txBody>
-          <a:bodyPr wrap="square" rtlCol="0">
-            <a:spAutoFit/>
-          </a:bodyPr>
-          <a:lstStyle/>
-          <a:p>
-            <a:pPr algn="ctr"/>
-            <a:r>
-              <a:rPr lang="de-DE" sz="2400" dirty="0" smtClean="0">
-                <a:latin typeface="Gabriola" panose="04040605051002020D02" pitchFamily="82" charset="0"/>
-                <a:sym typeface="Wingdings" panose="05000000000000000000" pitchFamily="2" charset="2"/>
-              </a:rPr>
-              <a:t>Modular Syntax</a:t>
-            </a:r>
-          </a:p>
-        </p:txBody>
-      </p:sp>
-      <p:cxnSp>
-        <p:nvCxnSpPr>
-          <p:cNvPr id="57" name="Straight Connector 56"/>
-          <p:cNvCxnSpPr>
-            <a:stCxn id="18" idx="2"/>
-            <a:endCxn id="55" idx="0"/>
-          </p:cNvCxnSpPr>
-          <p:nvPr/>
-        </p:nvCxnSpPr>
-        <p:spPr>
-          <a:xfrm flipH="1">
-            <a:off x="4444314" y="2934586"/>
-            <a:ext cx="3283" cy="865391"/>
-          </a:xfrm>
-          <a:prstGeom prst="line">
-            <a:avLst/>
-          </a:prstGeom>
-        </p:spPr>
-        <p:style>
-          <a:lnRef idx="1">
-            <a:schemeClr val="accent1"/>
-          </a:lnRef>
-          <a:fillRef idx="0">
-            <a:schemeClr val="accent1"/>
-          </a:fillRef>
-          <a:effectRef idx="0">
-            <a:schemeClr val="accent1"/>
-          </a:effectRef>
-          <a:fontRef idx="minor">
-            <a:schemeClr val="tx1"/>
-          </a:fontRef>
-        </p:style>
-      </p:cxnSp>
-      <p:sp>
-        <p:nvSpPr>
-          <p:cNvPr id="71" name="Textfeld 9"/>
-          <p:cNvSpPr txBox="1"/>
-          <p:nvPr/>
-        </p:nvSpPr>
-        <p:spPr>
-          <a:xfrm>
-            <a:off x="1617718" y="3458284"/>
-            <a:ext cx="1812294" cy="461665"/>
-          </a:xfrm>
-          <a:prstGeom prst="rect">
-            <a:avLst/>
-          </a:prstGeom>
-          <a:noFill/>
-        </p:spPr>
-        <p:txBody>
-          <a:bodyPr wrap="square" rtlCol="0">
-            <a:spAutoFit/>
-          </a:bodyPr>
-          <a:lstStyle/>
-          <a:p>
-            <a:pPr algn="ctr"/>
-            <a:r>
-              <a:rPr lang="de-DE" sz="2400" dirty="0" err="1" smtClean="0">
-                <a:latin typeface="Gabriola" panose="04040605051002020D02" pitchFamily="82" charset="0"/>
-                <a:sym typeface="Wingdings" panose="05000000000000000000" pitchFamily="2" charset="2"/>
-              </a:rPr>
-              <a:t>Readable</a:t>
-            </a:r>
-            <a:r>
-              <a:rPr lang="de-DE" sz="2400" dirty="0" smtClean="0">
-                <a:latin typeface="Gabriola" panose="04040605051002020D02" pitchFamily="82" charset="0"/>
-                <a:sym typeface="Wingdings" panose="05000000000000000000" pitchFamily="2" charset="2"/>
-              </a:rPr>
-              <a:t> Syntax</a:t>
-            </a:r>
-          </a:p>
-        </p:txBody>
-      </p:sp>
-      <p:cxnSp>
-        <p:nvCxnSpPr>
-          <p:cNvPr id="74" name="Straight Connector 73"/>
-          <p:cNvCxnSpPr/>
-          <p:nvPr/>
-        </p:nvCxnSpPr>
-        <p:spPr>
-          <a:xfrm flipH="1">
-            <a:off x="3395717" y="2908267"/>
-            <a:ext cx="561782" cy="533878"/>
-          </a:xfrm>
-          <a:prstGeom prst="line">
-            <a:avLst/>
-          </a:prstGeom>
-        </p:spPr>
-        <p:style>
-          <a:lnRef idx="1">
-            <a:schemeClr val="accent1"/>
-          </a:lnRef>
-          <a:fillRef idx="0">
-            <a:schemeClr val="accent1"/>
-          </a:fillRef>
-          <a:effectRef idx="0">
-            <a:schemeClr val="accent1"/>
-          </a:effectRef>
-          <a:fontRef idx="minor">
-            <a:schemeClr val="tx1"/>
-          </a:fontRef>
-        </p:style>
-      </p:cxnSp>
-    </p:spTree>
-    <p:extLst>
-      <p:ext uri="{BB962C8B-B14F-4D97-AF65-F5344CB8AC3E}">
-        <p14:creationId xmlns:p14="http://schemas.microsoft.com/office/powerpoint/2010/main" val="154123504"/>
-      </p:ext>
-    </p:extLst>
-  </p:cSld>
-  <p:clrMapOvr>
-    <a:masterClrMapping/>
-  </p:clrMapOvr>
-  <p:timing>
-    <p:tnLst>
-      <p:par>
-        <p:cTn id="1" dur="indefinite" restart="never" nodeType="tmRoot"/>
-      </p:par>
-    </p:tnLst>
-  </p:timing>
-</p:sld>
-</file>
-
-<file path=ppt/slides/slide20.xml><?xml version="1.0" encoding="utf-8"?>
+<file path=ppt/slides/slide21.xml><?xml version="1.0" encoding="utf-8"?>
 <p:sld xmlns:a="http://schemas.openxmlformats.org/drawingml/2006/main" xmlns:r="http://schemas.openxmlformats.org/officeDocument/2006/relationships" xmlns:p="http://schemas.openxmlformats.org/presentationml/2006/main">
   <p:cSld>
     <p:bg>
@@ -9002,7 +9373,7 @@
 </p:sld>
 </file>
 
-<file path=ppt/slides/slide21.xml><?xml version="1.0" encoding="utf-8"?>
+<file path=ppt/slides/slide22.xml><?xml version="1.0" encoding="utf-8"?>
 <p:sld xmlns:a="http://schemas.openxmlformats.org/drawingml/2006/main" xmlns:r="http://schemas.openxmlformats.org/officeDocument/2006/relationships" xmlns:p="http://schemas.openxmlformats.org/presentationml/2006/main">
   <p:cSld>
     <p:spTree>
@@ -9927,7 +10298,7 @@
 </p:sld>
 </file>
 
-<file path=ppt/slides/slide22.xml><?xml version="1.0" encoding="utf-8"?>
+<file path=ppt/slides/slide23.xml><?xml version="1.0" encoding="utf-8"?>
 <p:sld xmlns:a="http://schemas.openxmlformats.org/drawingml/2006/main" xmlns:r="http://schemas.openxmlformats.org/officeDocument/2006/relationships" xmlns:p="http://schemas.openxmlformats.org/presentationml/2006/main">
   <p:cSld>
     <p:bg>
@@ -10090,7 +10461,7 @@
 </p:sld>
 </file>
 
-<file path=ppt/slides/slide23.xml><?xml version="1.0" encoding="utf-8"?>
+<file path=ppt/slides/slide24.xml><?xml version="1.0" encoding="utf-8"?>
 <p:sld xmlns:a="http://schemas.openxmlformats.org/drawingml/2006/main" xmlns:r="http://schemas.openxmlformats.org/officeDocument/2006/relationships" xmlns:p="http://schemas.openxmlformats.org/presentationml/2006/main">
   <p:cSld>
     <p:spTree>
@@ -11184,7 +11555,7 @@
 </p:sld>
 </file>
 
-<file path=ppt/slides/slide24.xml><?xml version="1.0" encoding="utf-8"?>
+<file path=ppt/slides/slide25.xml><?xml version="1.0" encoding="utf-8"?>
 <p:sld xmlns:a="http://schemas.openxmlformats.org/drawingml/2006/main" xmlns:r="http://schemas.openxmlformats.org/officeDocument/2006/relationships" xmlns:p="http://schemas.openxmlformats.org/presentationml/2006/main">
   <p:cSld>
     <p:bg>
@@ -11348,7 +11719,7 @@
 </p:sld>
 </file>
 
-<file path=ppt/slides/slide25.xml><?xml version="1.0" encoding="utf-8"?>
+<file path=ppt/slides/slide26.xml><?xml version="1.0" encoding="utf-8"?>
 <p:sld xmlns:a="http://schemas.openxmlformats.org/drawingml/2006/main" xmlns:r="http://schemas.openxmlformats.org/officeDocument/2006/relationships" xmlns:p="http://schemas.openxmlformats.org/presentationml/2006/main">
   <p:cSld>
     <p:spTree>
@@ -11741,7 +12112,7 @@
 </p:sld>
 </file>
 
-<file path=ppt/slides/slide26.xml><?xml version="1.0" encoding="utf-8"?>
+<file path=ppt/slides/slide27.xml><?xml version="1.0" encoding="utf-8"?>
 <p:sld xmlns:a="http://schemas.openxmlformats.org/drawingml/2006/main" xmlns:r="http://schemas.openxmlformats.org/officeDocument/2006/relationships" xmlns:p="http://schemas.openxmlformats.org/presentationml/2006/main">
   <p:cSld>
     <p:bg>
@@ -12115,7 +12486,7 @@
 </p:sld>
 </file>
 
-<file path=ppt/slides/slide27.xml><?xml version="1.0" encoding="utf-8"?>
+<file path=ppt/slides/slide28.xml><?xml version="1.0" encoding="utf-8"?>
 <p:sld xmlns:a="http://schemas.openxmlformats.org/drawingml/2006/main" xmlns:r="http://schemas.openxmlformats.org/officeDocument/2006/relationships" xmlns:p="http://schemas.openxmlformats.org/presentationml/2006/main">
   <p:cSld>
     <p:spTree>
@@ -12419,7 +12790,7 @@
 </p:sld>
 </file>
 
-<file path=ppt/slides/slide28.xml><?xml version="1.0" encoding="utf-8"?>
+<file path=ppt/slides/slide29.xml><?xml version="1.0" encoding="utf-8"?>
 <p:sld xmlns:a="http://schemas.openxmlformats.org/drawingml/2006/main" xmlns:r="http://schemas.openxmlformats.org/officeDocument/2006/relationships" xmlns:p="http://schemas.openxmlformats.org/presentationml/2006/main">
   <p:cSld>
     <p:bg>
@@ -12806,133 +13177,6 @@
     <p:extLst>
       <p:ext uri="{BB962C8B-B14F-4D97-AF65-F5344CB8AC3E}">
         <p14:creationId xmlns:p14="http://schemas.microsoft.com/office/powerpoint/2010/main" val="1200419680"/>
-      </p:ext>
-    </p:extLst>
-  </p:cSld>
-  <p:clrMapOvr>
-    <a:masterClrMapping/>
-  </p:clrMapOvr>
-  <p:timing>
-    <p:tnLst>
-      <p:par>
-        <p:cTn id="1" dur="indefinite" restart="never" nodeType="tmRoot"/>
-      </p:par>
-    </p:tnLst>
-  </p:timing>
-</p:sld>
-</file>
-
-<file path=ppt/slides/slide29.xml><?xml version="1.0" encoding="utf-8"?>
-<p:sld xmlns:a="http://schemas.openxmlformats.org/drawingml/2006/main" xmlns:r="http://schemas.openxmlformats.org/officeDocument/2006/relationships" xmlns:p="http://schemas.openxmlformats.org/presentationml/2006/main">
-  <p:cSld>
-    <p:spTree>
-      <p:nvGrpSpPr>
-        <p:cNvPr id="1" name=""/>
-        <p:cNvGrpSpPr/>
-        <p:nvPr/>
-      </p:nvGrpSpPr>
-      <p:grpSpPr>
-        <a:xfrm>
-          <a:off x="0" y="0"/>
-          <a:ext cx="0" cy="0"/>
-          <a:chOff x="0" y="0"/>
-          <a:chExt cx="0" cy="0"/>
-        </a:xfrm>
-      </p:grpSpPr>
-      <p:sp>
-        <p:nvSpPr>
-          <p:cNvPr id="18" name="Textfeld 17"/>
-          <p:cNvSpPr txBox="1"/>
-          <p:nvPr/>
-        </p:nvSpPr>
-        <p:spPr>
-          <a:xfrm>
-            <a:off x="2038373" y="1527953"/>
-            <a:ext cx="5067255" cy="1200329"/>
-          </a:xfrm>
-          <a:prstGeom prst="rect">
-            <a:avLst/>
-          </a:prstGeom>
-          <a:noFill/>
-        </p:spPr>
-        <p:txBody>
-          <a:bodyPr wrap="square" rtlCol="0">
-            <a:spAutoFit/>
-          </a:bodyPr>
-          <a:lstStyle/>
-          <a:p>
-            <a:pPr algn="ctr"/>
-            <a:r>
-              <a:rPr lang="en-US" sz="7200" dirty="0" smtClean="0">
-                <a:effectLst>
-                  <a:outerShdw blurRad="38100" dist="38100" dir="2700000" algn="tl">
-                    <a:srgbClr val="000000">
-                      <a:alpha val="43137"/>
-                    </a:srgbClr>
-                  </a:outerShdw>
-                </a:effectLst>
-                <a:latin typeface="Gabriola" panose="04040605051002020D02" pitchFamily="82" charset="0"/>
-              </a:rPr>
-              <a:t>Permutation Set</a:t>
-            </a:r>
-          </a:p>
-        </p:txBody>
-      </p:sp>
-      <p:sp>
-        <p:nvSpPr>
-          <p:cNvPr id="5" name="Textfeld 9"/>
-          <p:cNvSpPr txBox="1"/>
-          <p:nvPr/>
-        </p:nvSpPr>
-        <p:spPr>
-          <a:xfrm>
-            <a:off x="1303154" y="2928005"/>
-            <a:ext cx="6288882" cy="523220"/>
-          </a:xfrm>
-          <a:prstGeom prst="rect">
-            <a:avLst/>
-          </a:prstGeom>
-          <a:noFill/>
-        </p:spPr>
-        <p:txBody>
-          <a:bodyPr wrap="square" rtlCol="0">
-            <a:spAutoFit/>
-          </a:bodyPr>
-          <a:lstStyle/>
-          <a:p>
-            <a:pPr algn="ctr"/>
-            <a:r>
-              <a:rPr lang="de-DE" sz="2800" dirty="0" smtClean="0">
-                <a:latin typeface="Gabriola" panose="04040605051002020D02" pitchFamily="82" charset="0"/>
-                <a:sym typeface="Wingdings" panose="05000000000000000000" pitchFamily="2" charset="2"/>
-              </a:rPr>
-              <a:t>… Coming </a:t>
-            </a:r>
-            <a:r>
-              <a:rPr lang="de-DE" sz="2800" dirty="0" err="1" smtClean="0">
-                <a:latin typeface="Gabriola" panose="04040605051002020D02" pitchFamily="82" charset="0"/>
-                <a:sym typeface="Wingdings" panose="05000000000000000000" pitchFamily="2" charset="2"/>
-              </a:rPr>
-              <a:t>soon</a:t>
-            </a:r>
-            <a:r>
-              <a:rPr lang="de-DE" sz="2800" dirty="0" smtClean="0">
-                <a:latin typeface="Gabriola" panose="04040605051002020D02" pitchFamily="82" charset="0"/>
-                <a:sym typeface="Wingdings" panose="05000000000000000000" pitchFamily="2" charset="2"/>
-              </a:rPr>
-              <a:t> …</a:t>
-            </a:r>
-            <a:endParaRPr lang="de-DE" sz="2800" dirty="0" smtClean="0">
-              <a:latin typeface="Gabriola" panose="04040605051002020D02" pitchFamily="82" charset="0"/>
-              <a:sym typeface="Wingdings" panose="05000000000000000000" pitchFamily="2" charset="2"/>
-            </a:endParaRPr>
-          </a:p>
-        </p:txBody>
-      </p:sp>
-    </p:spTree>
-    <p:extLst>
-      <p:ext uri="{BB962C8B-B14F-4D97-AF65-F5344CB8AC3E}">
-        <p14:creationId xmlns:p14="http://schemas.microsoft.com/office/powerpoint/2010/main" val="44589572"/>
       </p:ext>
     </p:extLst>
   </p:cSld>
@@ -13148,6 +13392,500 @@
       </p:grpSpPr>
       <p:sp>
         <p:nvSpPr>
+          <p:cNvPr id="25" name="Textfeld 17"/>
+          <p:cNvSpPr txBox="1"/>
+          <p:nvPr/>
+        </p:nvSpPr>
+        <p:spPr>
+          <a:xfrm>
+            <a:off x="-2" y="1786759"/>
+            <a:ext cx="9144002" cy="1200329"/>
+          </a:xfrm>
+          <a:prstGeom prst="rect">
+            <a:avLst/>
+          </a:prstGeom>
+          <a:noFill/>
+        </p:spPr>
+        <p:txBody>
+          <a:bodyPr wrap="square" rtlCol="0">
+            <a:spAutoFit/>
+          </a:bodyPr>
+          <a:lstStyle/>
+          <a:p>
+            <a:pPr algn="ctr"/>
+            <a:r>
+              <a:rPr lang="de-DE" sz="7200" dirty="0" smtClean="0">
+                <a:effectLst>
+                  <a:outerShdw blurRad="38100" dist="38100" dir="2700000" algn="tl">
+                    <a:srgbClr val="000000">
+                      <a:alpha val="43137"/>
+                    </a:srgbClr>
+                  </a:outerShdw>
+                </a:effectLst>
+                <a:latin typeface="Gabriola" panose="04040605051002020D02" pitchFamily="82" charset="0"/>
+              </a:rPr>
+              <a:t>Coming Features</a:t>
+            </a:r>
+            <a:endParaRPr lang="en-US" sz="7200" dirty="0">
+              <a:effectLst>
+                <a:outerShdw blurRad="38100" dist="38100" dir="2700000" algn="tl">
+                  <a:srgbClr val="000000">
+                    <a:alpha val="43137"/>
+                  </a:srgbClr>
+                </a:outerShdw>
+              </a:effectLst>
+              <a:latin typeface="Gabriola" panose="04040605051002020D02" pitchFamily="82" charset="0"/>
+            </a:endParaRPr>
+          </a:p>
+        </p:txBody>
+      </p:sp>
+    </p:spTree>
+    <p:extLst>
+      <p:ext uri="{BB962C8B-B14F-4D97-AF65-F5344CB8AC3E}">
+        <p14:creationId xmlns:p14="http://schemas.microsoft.com/office/powerpoint/2010/main" val="1739631295"/>
+      </p:ext>
+    </p:extLst>
+  </p:cSld>
+  <p:clrMapOvr>
+    <a:masterClrMapping/>
+  </p:clrMapOvr>
+  <p:timing>
+    <p:tnLst>
+      <p:par>
+        <p:cTn id="1" dur="indefinite" restart="never" nodeType="tmRoot"/>
+      </p:par>
+    </p:tnLst>
+  </p:timing>
+</p:sld>
+</file>
+
+<file path=ppt/slides/slide31.xml><?xml version="1.0" encoding="utf-8"?>
+<p:sld xmlns:a="http://schemas.openxmlformats.org/drawingml/2006/main" xmlns:r="http://schemas.openxmlformats.org/officeDocument/2006/relationships" xmlns:p="http://schemas.openxmlformats.org/presentationml/2006/main">
+  <p:cSld>
+    <p:spTree>
+      <p:nvGrpSpPr>
+        <p:cNvPr id="1" name=""/>
+        <p:cNvGrpSpPr/>
+        <p:nvPr/>
+      </p:nvGrpSpPr>
+      <p:grpSpPr>
+        <a:xfrm>
+          <a:off x="0" y="0"/>
+          <a:ext cx="0" cy="0"/>
+          <a:chOff x="0" y="0"/>
+          <a:chExt cx="0" cy="0"/>
+        </a:xfrm>
+      </p:grpSpPr>
+      <p:sp>
+        <p:nvSpPr>
+          <p:cNvPr id="30" name="Textfeld 17"/>
+          <p:cNvSpPr txBox="1"/>
+          <p:nvPr/>
+        </p:nvSpPr>
+        <p:spPr>
+          <a:xfrm>
+            <a:off x="0" y="0"/>
+            <a:ext cx="9144000" cy="646331"/>
+          </a:xfrm>
+          <a:prstGeom prst="rect">
+            <a:avLst/>
+          </a:prstGeom>
+          <a:noFill/>
+        </p:spPr>
+        <p:txBody>
+          <a:bodyPr wrap="square" rtlCol="0">
+            <a:spAutoFit/>
+          </a:bodyPr>
+          <a:lstStyle/>
+          <a:p>
+            <a:pPr algn="ctr"/>
+            <a:r>
+              <a:rPr lang="de-DE" sz="3600" dirty="0" smtClean="0">
+                <a:effectLst>
+                  <a:outerShdw blurRad="38100" dist="38100" dir="2700000" algn="tl">
+                    <a:srgbClr val="000000">
+                      <a:alpha val="43137"/>
+                    </a:srgbClr>
+                  </a:outerShdw>
+                </a:effectLst>
+                <a:latin typeface="Gabriola" panose="04040605051002020D02" pitchFamily="82" charset="0"/>
+              </a:rPr>
+              <a:t>Coming Features</a:t>
+            </a:r>
+            <a:endParaRPr lang="en-US" sz="3600" dirty="0">
+              <a:effectLst>
+                <a:outerShdw blurRad="38100" dist="38100" dir="2700000" algn="tl">
+                  <a:srgbClr val="000000">
+                    <a:alpha val="43137"/>
+                  </a:srgbClr>
+                </a:outerShdw>
+              </a:effectLst>
+              <a:latin typeface="Gabriola" panose="04040605051002020D02" pitchFamily="82" charset="0"/>
+            </a:endParaRPr>
+          </a:p>
+        </p:txBody>
+      </p:sp>
+      <p:sp>
+        <p:nvSpPr>
+          <p:cNvPr id="31" name="Textfeld 9"/>
+          <p:cNvSpPr txBox="1"/>
+          <p:nvPr/>
+        </p:nvSpPr>
+        <p:spPr>
+          <a:xfrm>
+            <a:off x="1912884" y="1282431"/>
+            <a:ext cx="5801709" cy="3416320"/>
+          </a:xfrm>
+          <a:prstGeom prst="rect">
+            <a:avLst/>
+          </a:prstGeom>
+          <a:noFill/>
+        </p:spPr>
+        <p:txBody>
+          <a:bodyPr wrap="square" rtlCol="0">
+            <a:spAutoFit/>
+          </a:bodyPr>
+          <a:lstStyle/>
+          <a:p>
+            <a:pPr marL="342900" indent="-342900">
+              <a:buFontTx/>
+              <a:buChar char="-"/>
+            </a:pPr>
+            <a:r>
+              <a:rPr lang="de-DE" sz="2800" dirty="0" smtClean="0">
+                <a:latin typeface="Gabriola" panose="04040605051002020D02" pitchFamily="82" charset="0"/>
+                <a:sym typeface="Wingdings" panose="05000000000000000000" pitchFamily="2" charset="2"/>
+              </a:rPr>
+              <a:t>Recording </a:t>
+            </a:r>
+            <a:r>
+              <a:rPr lang="de-DE" sz="2800" dirty="0" err="1" smtClean="0">
+                <a:latin typeface="Gabriola" panose="04040605051002020D02" pitchFamily="82" charset="0"/>
+                <a:sym typeface="Wingdings" panose="05000000000000000000" pitchFamily="2" charset="2"/>
+              </a:rPr>
+              <a:t>of</a:t>
+            </a:r>
+            <a:r>
+              <a:rPr lang="de-DE" sz="2800" dirty="0" smtClean="0">
+                <a:latin typeface="Gabriola" panose="04040605051002020D02" pitchFamily="82" charset="0"/>
+                <a:sym typeface="Wingdings" panose="05000000000000000000" pitchFamily="2" charset="2"/>
+              </a:rPr>
+              <a:t> </a:t>
+            </a:r>
+            <a:r>
+              <a:rPr lang="de-DE" sz="2800" dirty="0" err="1" smtClean="0">
+                <a:latin typeface="Gabriola" panose="04040605051002020D02" pitchFamily="82" charset="0"/>
+                <a:sym typeface="Wingdings" panose="05000000000000000000" pitchFamily="2" charset="2"/>
+              </a:rPr>
+              <a:t>method</a:t>
+            </a:r>
+            <a:r>
+              <a:rPr lang="de-DE" sz="2800" dirty="0" smtClean="0">
+                <a:latin typeface="Gabriola" panose="04040605051002020D02" pitchFamily="82" charset="0"/>
+                <a:sym typeface="Wingdings" panose="05000000000000000000" pitchFamily="2" charset="2"/>
+              </a:rPr>
+              <a:t> </a:t>
+            </a:r>
+            <a:r>
+              <a:rPr lang="de-DE" sz="2800" dirty="0" err="1" smtClean="0">
+                <a:latin typeface="Gabriola" panose="04040605051002020D02" pitchFamily="82" charset="0"/>
+                <a:sym typeface="Wingdings" panose="05000000000000000000" pitchFamily="2" charset="2"/>
+              </a:rPr>
+              <a:t>calls</a:t>
+            </a:r>
+            <a:r>
+              <a:rPr lang="de-DE" sz="2800" dirty="0" smtClean="0">
+                <a:latin typeface="Gabriola" panose="04040605051002020D02" pitchFamily="82" charset="0"/>
+                <a:sym typeface="Wingdings" panose="05000000000000000000" pitchFamily="2" charset="2"/>
+              </a:rPr>
+              <a:t> </a:t>
+            </a:r>
+          </a:p>
+          <a:p>
+            <a:pPr lvl="1"/>
+            <a:r>
+              <a:rPr lang="de-DE" sz="2000" dirty="0" smtClean="0">
+                <a:latin typeface="Gabriola" panose="04040605051002020D02" pitchFamily="82" charset="0"/>
+                <a:sym typeface="Wingdings" panose="05000000000000000000" pitchFamily="2" charset="2"/>
+              </a:rPr>
+              <a:t>(</a:t>
+            </a:r>
+            <a:r>
+              <a:rPr lang="de-DE" sz="2000" dirty="0" err="1" smtClean="0">
+                <a:latin typeface="Gabriola" panose="04040605051002020D02" pitchFamily="82" charset="0"/>
+                <a:sym typeface="Wingdings" panose="05000000000000000000" pitchFamily="2" charset="2"/>
+              </a:rPr>
+              <a:t>currently</a:t>
+            </a:r>
+            <a:r>
+              <a:rPr lang="de-DE" sz="2000" dirty="0" smtClean="0">
+                <a:latin typeface="Gabriola" panose="04040605051002020D02" pitchFamily="82" charset="0"/>
+                <a:sym typeface="Wingdings" panose="05000000000000000000" pitchFamily="2" charset="2"/>
+              </a:rPr>
+              <a:t> </a:t>
+            </a:r>
+            <a:r>
+              <a:rPr lang="de-DE" sz="2000" dirty="0" err="1" smtClean="0">
+                <a:latin typeface="Gabriola" panose="04040605051002020D02" pitchFamily="82" charset="0"/>
+                <a:sym typeface="Wingdings" panose="05000000000000000000" pitchFamily="2" charset="2"/>
+              </a:rPr>
+              <a:t>only</a:t>
+            </a:r>
+            <a:r>
+              <a:rPr lang="de-DE" sz="2000" dirty="0" smtClean="0">
+                <a:latin typeface="Gabriola" panose="04040605051002020D02" pitchFamily="82" charset="0"/>
+                <a:sym typeface="Wingdings" panose="05000000000000000000" pitchFamily="2" charset="2"/>
+              </a:rPr>
+              <a:t> </a:t>
+            </a:r>
+            <a:r>
+              <a:rPr lang="de-DE" sz="2000" dirty="0" err="1" smtClean="0">
+                <a:latin typeface="Gabriola" panose="04040605051002020D02" pitchFamily="82" charset="0"/>
+                <a:sym typeface="Wingdings" panose="05000000000000000000" pitchFamily="2" charset="2"/>
+              </a:rPr>
+              <a:t>property</a:t>
+            </a:r>
+            <a:r>
+              <a:rPr lang="de-DE" sz="2000" dirty="0" smtClean="0">
+                <a:latin typeface="Gabriola" panose="04040605051002020D02" pitchFamily="82" charset="0"/>
+                <a:sym typeface="Wingdings" panose="05000000000000000000" pitchFamily="2" charset="2"/>
+              </a:rPr>
+              <a:t> </a:t>
+            </a:r>
+            <a:r>
+              <a:rPr lang="de-DE" sz="2000" dirty="0" err="1" smtClean="0">
+                <a:latin typeface="Gabriola" panose="04040605051002020D02" pitchFamily="82" charset="0"/>
+                <a:sym typeface="Wingdings" panose="05000000000000000000" pitchFamily="2" charset="2"/>
+              </a:rPr>
+              <a:t>calls</a:t>
+            </a:r>
+            <a:r>
+              <a:rPr lang="de-DE" sz="2000" dirty="0" smtClean="0">
+                <a:latin typeface="Gabriola" panose="04040605051002020D02" pitchFamily="82" charset="0"/>
+                <a:sym typeface="Wingdings" panose="05000000000000000000" pitchFamily="2" charset="2"/>
+              </a:rPr>
+              <a:t> </a:t>
+            </a:r>
+            <a:r>
+              <a:rPr lang="de-DE" sz="2000" dirty="0" err="1" smtClean="0">
+                <a:latin typeface="Gabriola" panose="04040605051002020D02" pitchFamily="82" charset="0"/>
+                <a:sym typeface="Wingdings" panose="05000000000000000000" pitchFamily="2" charset="2"/>
+              </a:rPr>
+              <a:t>are</a:t>
+            </a:r>
+            <a:r>
+              <a:rPr lang="de-DE" sz="2000" dirty="0" smtClean="0">
+                <a:latin typeface="Gabriola" panose="04040605051002020D02" pitchFamily="82" charset="0"/>
+                <a:sym typeface="Wingdings" panose="05000000000000000000" pitchFamily="2" charset="2"/>
+              </a:rPr>
+              <a:t> </a:t>
+            </a:r>
+            <a:r>
+              <a:rPr lang="de-DE" sz="2000" dirty="0" err="1" smtClean="0">
+                <a:latin typeface="Gabriola" panose="04040605051002020D02" pitchFamily="82" charset="0"/>
+                <a:sym typeface="Wingdings" panose="05000000000000000000" pitchFamily="2" charset="2"/>
+              </a:rPr>
+              <a:t>recorded</a:t>
+            </a:r>
+            <a:r>
+              <a:rPr lang="de-DE" sz="2000" dirty="0" smtClean="0">
+                <a:latin typeface="Gabriola" panose="04040605051002020D02" pitchFamily="82" charset="0"/>
+                <a:sym typeface="Wingdings" panose="05000000000000000000" pitchFamily="2" charset="2"/>
+              </a:rPr>
+              <a:t>)</a:t>
+            </a:r>
+          </a:p>
+          <a:p>
+            <a:pPr marL="685800" lvl="1" indent="-342900">
+              <a:buFontTx/>
+              <a:buChar char="-"/>
+            </a:pPr>
+            <a:endParaRPr lang="de-DE" sz="2800" dirty="0" smtClean="0">
+              <a:latin typeface="Gabriola" panose="04040605051002020D02" pitchFamily="82" charset="0"/>
+              <a:sym typeface="Wingdings" panose="05000000000000000000" pitchFamily="2" charset="2"/>
+            </a:endParaRPr>
+          </a:p>
+          <a:p>
+            <a:pPr marL="342900" indent="-342900">
+              <a:buFontTx/>
+              <a:buChar char="-"/>
+            </a:pPr>
+            <a:r>
+              <a:rPr lang="de-DE" sz="2800" dirty="0" err="1" smtClean="0">
+                <a:latin typeface="Gabriola" panose="04040605051002020D02" pitchFamily="82" charset="0"/>
+                <a:sym typeface="Wingdings" panose="05000000000000000000" pitchFamily="2" charset="2"/>
+              </a:rPr>
+              <a:t>Moq</a:t>
+            </a:r>
+            <a:r>
+              <a:rPr lang="de-DE" sz="2800" dirty="0" smtClean="0">
+                <a:latin typeface="Gabriola" panose="04040605051002020D02" pitchFamily="82" charset="0"/>
+                <a:sym typeface="Wingdings" panose="05000000000000000000" pitchFamily="2" charset="2"/>
+              </a:rPr>
+              <a:t> like Setup(…) </a:t>
+            </a:r>
+            <a:r>
+              <a:rPr lang="de-DE" sz="2800" dirty="0" err="1" smtClean="0">
+                <a:latin typeface="Gabriola" panose="04040605051002020D02" pitchFamily="82" charset="0"/>
+                <a:sym typeface="Wingdings" panose="05000000000000000000" pitchFamily="2" charset="2"/>
+              </a:rPr>
+              <a:t>and</a:t>
+            </a:r>
+            <a:r>
+              <a:rPr lang="de-DE" sz="2800" dirty="0" smtClean="0">
+                <a:latin typeface="Gabriola" panose="04040605051002020D02" pitchFamily="82" charset="0"/>
+                <a:sym typeface="Wingdings" panose="05000000000000000000" pitchFamily="2" charset="2"/>
+              </a:rPr>
+              <a:t> </a:t>
+            </a:r>
+            <a:r>
+              <a:rPr lang="de-DE" sz="2800" dirty="0" err="1" smtClean="0">
+                <a:latin typeface="Gabriola" panose="04040605051002020D02" pitchFamily="82" charset="0"/>
+                <a:sym typeface="Wingdings" panose="05000000000000000000" pitchFamily="2" charset="2"/>
+              </a:rPr>
+              <a:t>Verify</a:t>
+            </a:r>
+            <a:r>
+              <a:rPr lang="de-DE" sz="2800" dirty="0" smtClean="0">
+                <a:latin typeface="Gabriola" panose="04040605051002020D02" pitchFamily="82" charset="0"/>
+                <a:sym typeface="Wingdings" panose="05000000000000000000" pitchFamily="2" charset="2"/>
+              </a:rPr>
+              <a:t>(…)</a:t>
+            </a:r>
+          </a:p>
+          <a:p>
+            <a:pPr marL="342900" indent="-342900">
+              <a:buFontTx/>
+              <a:buChar char="-"/>
+            </a:pPr>
+            <a:endParaRPr lang="de-DE" sz="2800" dirty="0" smtClean="0">
+              <a:latin typeface="Gabriola" panose="04040605051002020D02" pitchFamily="82" charset="0"/>
+              <a:sym typeface="Wingdings" panose="05000000000000000000" pitchFamily="2" charset="2"/>
+            </a:endParaRPr>
+          </a:p>
+          <a:p>
+            <a:pPr marL="342900" indent="-342900">
+              <a:buFontTx/>
+              <a:buChar char="-"/>
+            </a:pPr>
+            <a:r>
+              <a:rPr lang="de-DE" sz="2800" dirty="0" smtClean="0">
+                <a:latin typeface="Gabriola" panose="04040605051002020D02" pitchFamily="82" charset="0"/>
+                <a:sym typeface="Wingdings" panose="05000000000000000000" pitchFamily="2" charset="2"/>
+              </a:rPr>
+              <a:t>Permutation Set</a:t>
+            </a:r>
+            <a:br>
+              <a:rPr lang="de-DE" sz="2800" dirty="0" smtClean="0">
+                <a:latin typeface="Gabriola" panose="04040605051002020D02" pitchFamily="82" charset="0"/>
+                <a:sym typeface="Wingdings" panose="05000000000000000000" pitchFamily="2" charset="2"/>
+              </a:rPr>
+            </a:br>
+            <a:r>
+              <a:rPr lang="de-DE" sz="2000" dirty="0" err="1" smtClean="0">
+                <a:latin typeface="Gabriola" panose="04040605051002020D02" pitchFamily="82" charset="0"/>
+                <a:sym typeface="Wingdings" panose="05000000000000000000" pitchFamily="2" charset="2"/>
+              </a:rPr>
+              <a:t>permuting</a:t>
+            </a:r>
+            <a:r>
+              <a:rPr lang="de-DE" sz="2000" dirty="0" smtClean="0">
+                <a:latin typeface="Gabriola" panose="04040605051002020D02" pitchFamily="82" charset="0"/>
+                <a:sym typeface="Wingdings" panose="05000000000000000000" pitchFamily="2" charset="2"/>
+              </a:rPr>
+              <a:t> </a:t>
+            </a:r>
+            <a:r>
+              <a:rPr lang="de-DE" sz="2000" dirty="0" err="1" smtClean="0">
+                <a:latin typeface="Gabriola" panose="04040605051002020D02" pitchFamily="82" charset="0"/>
+                <a:sym typeface="Wingdings" panose="05000000000000000000" pitchFamily="2" charset="2"/>
+              </a:rPr>
+              <a:t>order</a:t>
+            </a:r>
+            <a:r>
+              <a:rPr lang="de-DE" sz="2000" dirty="0" smtClean="0">
+                <a:latin typeface="Gabriola" panose="04040605051002020D02" pitchFamily="82" charset="0"/>
+                <a:sym typeface="Wingdings" panose="05000000000000000000" pitchFamily="2" charset="2"/>
+              </a:rPr>
+              <a:t> </a:t>
+            </a:r>
+            <a:r>
+              <a:rPr lang="de-DE" sz="2000" dirty="0" err="1" smtClean="0">
+                <a:latin typeface="Gabriola" panose="04040605051002020D02" pitchFamily="82" charset="0"/>
+                <a:sym typeface="Wingdings" panose="05000000000000000000" pitchFamily="2" charset="2"/>
+              </a:rPr>
+              <a:t>of</a:t>
+            </a:r>
+            <a:r>
+              <a:rPr lang="de-DE" sz="2000" dirty="0" smtClean="0">
+                <a:latin typeface="Gabriola" panose="04040605051002020D02" pitchFamily="82" charset="0"/>
+                <a:sym typeface="Wingdings" panose="05000000000000000000" pitchFamily="2" charset="2"/>
+              </a:rPr>
+              <a:t> </a:t>
+            </a:r>
+            <a:r>
+              <a:rPr lang="de-DE" sz="2000" dirty="0" err="1" smtClean="0">
+                <a:latin typeface="Gabriola" panose="04040605051002020D02" pitchFamily="82" charset="0"/>
+                <a:sym typeface="Wingdings" panose="05000000000000000000" pitchFamily="2" charset="2"/>
+              </a:rPr>
+              <a:t>calls</a:t>
+            </a:r>
+            <a:endParaRPr lang="de-DE" sz="2800" dirty="0" smtClean="0">
+              <a:latin typeface="Gabriola" panose="04040605051002020D02" pitchFamily="82" charset="0"/>
+              <a:sym typeface="Wingdings" panose="05000000000000000000" pitchFamily="2" charset="2"/>
+            </a:endParaRPr>
+          </a:p>
+          <a:p>
+            <a:pPr marL="342900" indent="-342900">
+              <a:buFontTx/>
+              <a:buChar char="-"/>
+            </a:pPr>
+            <a:endParaRPr lang="de-DE" sz="2800" dirty="0" smtClean="0">
+              <a:latin typeface="Gabriola" panose="04040605051002020D02" pitchFamily="82" charset="0"/>
+              <a:sym typeface="Wingdings" panose="05000000000000000000" pitchFamily="2" charset="2"/>
+            </a:endParaRPr>
+          </a:p>
+        </p:txBody>
+      </p:sp>
+    </p:spTree>
+    <p:extLst>
+      <p:ext uri="{BB962C8B-B14F-4D97-AF65-F5344CB8AC3E}">
+        <p14:creationId xmlns:p14="http://schemas.microsoft.com/office/powerpoint/2010/main" val="2963728394"/>
+      </p:ext>
+    </p:extLst>
+  </p:cSld>
+  <p:clrMapOvr>
+    <a:masterClrMapping/>
+  </p:clrMapOvr>
+  <p:timing>
+    <p:tnLst>
+      <p:par>
+        <p:cTn id="1" dur="indefinite" restart="never" nodeType="tmRoot"/>
+      </p:par>
+    </p:tnLst>
+  </p:timing>
+</p:sld>
+</file>
+
+<file path=ppt/slides/slide32.xml><?xml version="1.0" encoding="utf-8"?>
+<p:sld xmlns:a="http://schemas.openxmlformats.org/drawingml/2006/main" xmlns:r="http://schemas.openxmlformats.org/officeDocument/2006/relationships" xmlns:p="http://schemas.openxmlformats.org/presentationml/2006/main">
+  <p:cSld>
+    <p:spTree>
+      <p:nvGrpSpPr>
+        <p:cNvPr id="1" name=""/>
+        <p:cNvGrpSpPr/>
+        <p:nvPr/>
+      </p:nvGrpSpPr>
+      <p:grpSpPr>
+        <a:xfrm>
+          <a:off x="0" y="0"/>
+          <a:ext cx="0" cy="0"/>
+          <a:chOff x="0" y="0"/>
+          <a:chExt cx="0" cy="0"/>
+        </a:xfrm>
+      </p:grpSpPr>
+      <p:sp>
+        <p:nvSpPr>
           <p:cNvPr id="24" name="Textfeld 17"/>
           <p:cNvSpPr txBox="1"/>
           <p:nvPr/>
@@ -13992,7 +14730,7 @@
     </p:spTree>
     <p:extLst>
       <p:ext uri="{BB962C8B-B14F-4D97-AF65-F5344CB8AC3E}">
-        <p14:creationId xmlns:p14="http://schemas.microsoft.com/office/powerpoint/2010/main" val="2963728394"/>
+        <p14:creationId xmlns:p14="http://schemas.microsoft.com/office/powerpoint/2010/main" val="2854752365"/>
       </p:ext>
     </p:extLst>
   </p:cSld>
@@ -14053,7 +14791,7 @@
               <a:rPr lang="de-DE" sz="3200" dirty="0" err="1" smtClean="0">
                 <a:latin typeface="Gabriola" panose="04040605051002020D02" pitchFamily="82" charset="0"/>
               </a:rPr>
-              <a:t>Conventional</a:t>
+              <a:t>Usual</a:t>
             </a:r>
             <a:r>
               <a:rPr lang="de-DE" sz="3200" dirty="0" smtClean="0">
@@ -14062,10 +14800,16 @@
               <a:t> </a:t>
             </a:r>
             <a:r>
-              <a:rPr lang="de-DE" sz="3200" dirty="0" err="1" smtClean="0">
-                <a:latin typeface="Gabriola" panose="04040605051002020D02" pitchFamily="82" charset="0"/>
-              </a:rPr>
-              <a:t>test</a:t>
+              <a:rPr lang="de-DE" sz="3200" dirty="0">
+                <a:latin typeface="Gabriola" panose="04040605051002020D02" pitchFamily="82" charset="0"/>
+              </a:rPr>
+              <a:t>T</a:t>
+            </a:r>
+            <a:r>
+              <a:rPr lang="de-DE" sz="3200" dirty="0" smtClean="0">
+                <a:latin typeface="Gabriola" panose="04040605051002020D02" pitchFamily="82" charset="0"/>
+              </a:rPr>
+              <a:t>est</a:t>
             </a:r>
             <a:endParaRPr lang="en-US" sz="3200" dirty="0">
               <a:latin typeface="Gabriola" panose="04040605051002020D02" pitchFamily="82" charset="0"/>
@@ -14664,6 +15408,13 @@
               </a:schemeClr>
             </a:solidFill>
           </a:ln>
+          <a:effectLst>
+            <a:outerShdw blurRad="50800" dist="63500" dir="11700000" algn="br" rotWithShape="0">
+              <a:prstClr val="black">
+                <a:alpha val="40000"/>
+              </a:prstClr>
+            </a:outerShdw>
+          </a:effectLst>
         </p:spPr>
       </p:pic>
       <p:pic>
@@ -14695,6 +15446,13 @@
               </a:schemeClr>
             </a:solidFill>
           </a:ln>
+          <a:effectLst>
+            <a:outerShdw blurRad="50800" dist="63500" dir="11700000" algn="br" rotWithShape="0">
+              <a:prstClr val="black">
+                <a:alpha val="40000"/>
+              </a:prstClr>
+            </a:outerShdw>
+          </a:effectLst>
         </p:spPr>
       </p:pic>
       <p:pic>
@@ -14726,6 +15484,13 @@
               </a:schemeClr>
             </a:solidFill>
           </a:ln>
+          <a:effectLst>
+            <a:outerShdw blurRad="50800" dist="63500" dir="11700000" algn="br" rotWithShape="0">
+              <a:prstClr val="black">
+                <a:alpha val="40000"/>
+              </a:prstClr>
+            </a:outerShdw>
+          </a:effectLst>
         </p:spPr>
       </p:pic>
       <p:sp>

--- a/src/Documentation/Slides/Slides.pptx
+++ b/src/Documentation/Slides/Slides.pptx
@@ -4,6 +4,12 @@
   <p:sldMasterIdLst>
     <p:sldMasterId id="2147483648" r:id="rId1"/>
   </p:sldMasterIdLst>
+  <p:notesMasterIdLst>
+    <p:notesMasterId r:id="rId34"/>
+  </p:notesMasterIdLst>
+  <p:handoutMasterIdLst>
+    <p:handoutMasterId r:id="rId35"/>
+  </p:handoutMasterIdLst>
   <p:sldIdLst>
     <p:sldId id="285" r:id="rId2"/>
     <p:sldId id="268" r:id="rId3"/>
@@ -39,7 +45,7 @@
     <p:sldId id="307" r:id="rId33"/>
   </p:sldIdLst>
   <p:sldSz cx="9144000" cy="5143500" type="screen16x9"/>
-  <p:notesSz cx="6858000" cy="9144000"/>
+  <p:notesSz cx="13258800" cy="23926800"/>
   <p:defaultTextStyle>
     <a:defPPr>
       <a:defRPr lang="de-DE"/>
@@ -164,6 +170,584 @@
 </p:presentation>
 </file>
 
+<file path=ppt/handoutMasters/handoutMaster1.xml><?xml version="1.0" encoding="utf-8"?>
+<p:handoutMaster xmlns:a="http://schemas.openxmlformats.org/drawingml/2006/main" xmlns:r="http://schemas.openxmlformats.org/officeDocument/2006/relationships" xmlns:p="http://schemas.openxmlformats.org/presentationml/2006/main">
+  <p:cSld>
+    <p:bg>
+      <p:bgRef idx="1001">
+        <a:schemeClr val="bg1"/>
+      </p:bgRef>
+    </p:bg>
+    <p:spTree>
+      <p:nvGrpSpPr>
+        <p:cNvPr id="1" name=""/>
+        <p:cNvGrpSpPr/>
+        <p:nvPr/>
+      </p:nvGrpSpPr>
+      <p:grpSpPr>
+        <a:xfrm>
+          <a:off x="0" y="0"/>
+          <a:ext cx="0" cy="0"/>
+          <a:chOff x="0" y="0"/>
+          <a:chExt cx="0" cy="0"/>
+        </a:xfrm>
+      </p:grpSpPr>
+      <p:sp>
+        <p:nvSpPr>
+          <p:cNvPr id="2" name="Header Placeholder 1"/>
+          <p:cNvSpPr>
+            <a:spLocks noGrp="1"/>
+          </p:cNvSpPr>
+          <p:nvPr>
+            <p:ph type="hdr" sz="quarter"/>
+          </p:nvPr>
+        </p:nvSpPr>
+        <p:spPr>
+          <a:xfrm>
+            <a:off x="0" y="0"/>
+            <a:ext cx="5745163" cy="1200150"/>
+          </a:xfrm>
+          <a:prstGeom prst="rect">
+            <a:avLst/>
+          </a:prstGeom>
+        </p:spPr>
+        <p:txBody>
+          <a:bodyPr vert="horz" lIns="91440" tIns="45720" rIns="91440" bIns="45720" rtlCol="0"/>
+          <a:lstStyle>
+            <a:lvl1pPr algn="l">
+              <a:defRPr sz="1200"/>
+            </a:lvl1pPr>
+          </a:lstStyle>
+          <a:p>
+            <a:endParaRPr lang="en-US"/>
+          </a:p>
+        </p:txBody>
+      </p:sp>
+      <p:sp>
+        <p:nvSpPr>
+          <p:cNvPr id="3" name="Date Placeholder 2"/>
+          <p:cNvSpPr>
+            <a:spLocks noGrp="1"/>
+          </p:cNvSpPr>
+          <p:nvPr>
+            <p:ph type="dt" sz="quarter" idx="1"/>
+          </p:nvPr>
+        </p:nvSpPr>
+        <p:spPr>
+          <a:xfrm>
+            <a:off x="7510463" y="0"/>
+            <a:ext cx="5745162" cy="1200150"/>
+          </a:xfrm>
+          <a:prstGeom prst="rect">
+            <a:avLst/>
+          </a:prstGeom>
+        </p:spPr>
+        <p:txBody>
+          <a:bodyPr vert="horz" lIns="91440" tIns="45720" rIns="91440" bIns="45720" rtlCol="0"/>
+          <a:lstStyle>
+            <a:lvl1pPr algn="r">
+              <a:defRPr sz="1200"/>
+            </a:lvl1pPr>
+          </a:lstStyle>
+          <a:p>
+            <a:fld id="{E6BAE45B-E87F-4948-B393-299E700CA214}" type="datetimeFigureOut">
+              <a:rPr lang="en-US" smtClean="0"/>
+              <a:t>2/8/2016</a:t>
+            </a:fld>
+            <a:endParaRPr lang="en-US"/>
+          </a:p>
+        </p:txBody>
+      </p:sp>
+      <p:sp>
+        <p:nvSpPr>
+          <p:cNvPr id="4" name="Footer Placeholder 3"/>
+          <p:cNvSpPr>
+            <a:spLocks noGrp="1"/>
+          </p:cNvSpPr>
+          <p:nvPr>
+            <p:ph type="ftr" sz="quarter" idx="2"/>
+          </p:nvPr>
+        </p:nvSpPr>
+        <p:spPr>
+          <a:xfrm>
+            <a:off x="0" y="22726650"/>
+            <a:ext cx="5745163" cy="1200150"/>
+          </a:xfrm>
+          <a:prstGeom prst="rect">
+            <a:avLst/>
+          </a:prstGeom>
+        </p:spPr>
+        <p:txBody>
+          <a:bodyPr vert="horz" lIns="91440" tIns="45720" rIns="91440" bIns="45720" rtlCol="0" anchor="b"/>
+          <a:lstStyle>
+            <a:lvl1pPr algn="l">
+              <a:defRPr sz="1200"/>
+            </a:lvl1pPr>
+          </a:lstStyle>
+          <a:p>
+            <a:endParaRPr lang="en-US"/>
+          </a:p>
+        </p:txBody>
+      </p:sp>
+      <p:sp>
+        <p:nvSpPr>
+          <p:cNvPr id="5" name="Slide Number Placeholder 4"/>
+          <p:cNvSpPr>
+            <a:spLocks noGrp="1"/>
+          </p:cNvSpPr>
+          <p:nvPr>
+            <p:ph type="sldNum" sz="quarter" idx="3"/>
+          </p:nvPr>
+        </p:nvSpPr>
+        <p:spPr>
+          <a:xfrm>
+            <a:off x="7510463" y="22726650"/>
+            <a:ext cx="5745162" cy="1200150"/>
+          </a:xfrm>
+          <a:prstGeom prst="rect">
+            <a:avLst/>
+          </a:prstGeom>
+        </p:spPr>
+        <p:txBody>
+          <a:bodyPr vert="horz" lIns="91440" tIns="45720" rIns="91440" bIns="45720" rtlCol="0" anchor="b"/>
+          <a:lstStyle>
+            <a:lvl1pPr algn="r">
+              <a:defRPr sz="1200"/>
+            </a:lvl1pPr>
+          </a:lstStyle>
+          <a:p>
+            <a:fld id="{72B75B01-A3C2-4ABF-A52F-B1C40E6FE4D1}" type="slidenum">
+              <a:rPr lang="en-US" smtClean="0"/>
+              <a:t>‹#›</a:t>
+            </a:fld>
+            <a:endParaRPr lang="en-US"/>
+          </a:p>
+        </p:txBody>
+      </p:sp>
+    </p:spTree>
+    <p:extLst>
+      <p:ext uri="{BB962C8B-B14F-4D97-AF65-F5344CB8AC3E}">
+        <p14:creationId xmlns:p14="http://schemas.microsoft.com/office/powerpoint/2010/main" val="2193536245"/>
+      </p:ext>
+    </p:extLst>
+  </p:cSld>
+  <p:clrMap bg1="lt1" tx1="dk1" bg2="lt2" tx2="dk2" accent1="accent1" accent2="accent2" accent3="accent3" accent4="accent4" accent5="accent5" accent6="accent6" hlink="hlink" folHlink="folHlink"/>
+  <p:hf sldNum="0" hdr="0" ftr="0" dt="0"/>
+</p:handoutMaster>
+</file>
+
+<file path=ppt/notesMasters/notesMaster1.xml><?xml version="1.0" encoding="utf-8"?>
+<p:notesMaster xmlns:a="http://schemas.openxmlformats.org/drawingml/2006/main" xmlns:r="http://schemas.openxmlformats.org/officeDocument/2006/relationships" xmlns:p="http://schemas.openxmlformats.org/presentationml/2006/main">
+  <p:cSld>
+    <p:bg>
+      <p:bgRef idx="1001">
+        <a:schemeClr val="bg1"/>
+      </p:bgRef>
+    </p:bg>
+    <p:spTree>
+      <p:nvGrpSpPr>
+        <p:cNvPr id="1" name=""/>
+        <p:cNvGrpSpPr/>
+        <p:nvPr/>
+      </p:nvGrpSpPr>
+      <p:grpSpPr>
+        <a:xfrm>
+          <a:off x="0" y="0"/>
+          <a:ext cx="0" cy="0"/>
+          <a:chOff x="0" y="0"/>
+          <a:chExt cx="0" cy="0"/>
+        </a:xfrm>
+      </p:grpSpPr>
+      <p:sp>
+        <p:nvSpPr>
+          <p:cNvPr id="2" name="Header Placeholder 1"/>
+          <p:cNvSpPr>
+            <a:spLocks noGrp="1"/>
+          </p:cNvSpPr>
+          <p:nvPr>
+            <p:ph type="hdr" sz="quarter"/>
+          </p:nvPr>
+        </p:nvSpPr>
+        <p:spPr>
+          <a:xfrm>
+            <a:off x="0" y="0"/>
+            <a:ext cx="5745163" cy="1200150"/>
+          </a:xfrm>
+          <a:prstGeom prst="rect">
+            <a:avLst/>
+          </a:prstGeom>
+        </p:spPr>
+        <p:txBody>
+          <a:bodyPr vert="horz" lIns="91440" tIns="45720" rIns="91440" bIns="45720" rtlCol="0"/>
+          <a:lstStyle>
+            <a:lvl1pPr algn="l">
+              <a:defRPr sz="1200"/>
+            </a:lvl1pPr>
+          </a:lstStyle>
+          <a:p>
+            <a:endParaRPr lang="en-US"/>
+          </a:p>
+        </p:txBody>
+      </p:sp>
+      <p:sp>
+        <p:nvSpPr>
+          <p:cNvPr id="3" name="Date Placeholder 2"/>
+          <p:cNvSpPr>
+            <a:spLocks noGrp="1"/>
+          </p:cNvSpPr>
+          <p:nvPr>
+            <p:ph type="dt" idx="1"/>
+          </p:nvPr>
+        </p:nvSpPr>
+        <p:spPr>
+          <a:xfrm>
+            <a:off x="7510463" y="0"/>
+            <a:ext cx="5745162" cy="1200150"/>
+          </a:xfrm>
+          <a:prstGeom prst="rect">
+            <a:avLst/>
+          </a:prstGeom>
+        </p:spPr>
+        <p:txBody>
+          <a:bodyPr vert="horz" lIns="91440" tIns="45720" rIns="91440" bIns="45720" rtlCol="0"/>
+          <a:lstStyle>
+            <a:lvl1pPr algn="r">
+              <a:defRPr sz="1200"/>
+            </a:lvl1pPr>
+          </a:lstStyle>
+          <a:p>
+            <a:fld id="{CEA0DD96-5CE1-48E6-A003-7CE9EF7C6F97}" type="datetimeFigureOut">
+              <a:rPr lang="en-US" smtClean="0"/>
+              <a:t>2/8/2016</a:t>
+            </a:fld>
+            <a:endParaRPr lang="en-US"/>
+          </a:p>
+        </p:txBody>
+      </p:sp>
+      <p:sp>
+        <p:nvSpPr>
+          <p:cNvPr id="4" name="Slide Image Placeholder 3"/>
+          <p:cNvSpPr>
+            <a:spLocks noGrp="1" noRot="1" noChangeAspect="1"/>
+          </p:cNvSpPr>
+          <p:nvPr>
+            <p:ph type="sldImg" idx="2"/>
+          </p:nvPr>
+        </p:nvSpPr>
+        <p:spPr>
+          <a:xfrm>
+            <a:off x="-547688" y="2990850"/>
+            <a:ext cx="14354176" cy="8075613"/>
+          </a:xfrm>
+          <a:prstGeom prst="rect">
+            <a:avLst/>
+          </a:prstGeom>
+          <a:noFill/>
+          <a:ln w="12700">
+            <a:solidFill>
+              <a:prstClr val="black"/>
+            </a:solidFill>
+          </a:ln>
+        </p:spPr>
+        <p:txBody>
+          <a:bodyPr vert="horz" lIns="91440" tIns="45720" rIns="91440" bIns="45720" rtlCol="0" anchor="ctr"/>
+          <a:lstStyle/>
+          <a:p>
+            <a:endParaRPr lang="en-US"/>
+          </a:p>
+        </p:txBody>
+      </p:sp>
+      <p:sp>
+        <p:nvSpPr>
+          <p:cNvPr id="5" name="Notes Placeholder 4"/>
+          <p:cNvSpPr>
+            <a:spLocks noGrp="1"/>
+          </p:cNvSpPr>
+          <p:nvPr>
+            <p:ph type="body" sz="quarter" idx="3"/>
+          </p:nvPr>
+        </p:nvSpPr>
+        <p:spPr>
+          <a:xfrm>
+            <a:off x="1325563" y="11514138"/>
+            <a:ext cx="10607675" cy="9421812"/>
+          </a:xfrm>
+          <a:prstGeom prst="rect">
+            <a:avLst/>
+          </a:prstGeom>
+        </p:spPr>
+        <p:txBody>
+          <a:bodyPr vert="horz" lIns="91440" tIns="45720" rIns="91440" bIns="45720" rtlCol="0"/>
+          <a:lstStyle/>
+          <a:p>
+            <a:pPr lvl="0"/>
+            <a:r>
+              <a:rPr lang="en-US" smtClean="0"/>
+              <a:t>Click to edit Master text styles</a:t>
+            </a:r>
+          </a:p>
+          <a:p>
+            <a:pPr lvl="1"/>
+            <a:r>
+              <a:rPr lang="en-US" smtClean="0"/>
+              <a:t>Second level</a:t>
+            </a:r>
+          </a:p>
+          <a:p>
+            <a:pPr lvl="2"/>
+            <a:r>
+              <a:rPr lang="en-US" smtClean="0"/>
+              <a:t>Third level</a:t>
+            </a:r>
+          </a:p>
+          <a:p>
+            <a:pPr lvl="3"/>
+            <a:r>
+              <a:rPr lang="en-US" smtClean="0"/>
+              <a:t>Fourth level</a:t>
+            </a:r>
+          </a:p>
+          <a:p>
+            <a:pPr lvl="4"/>
+            <a:r>
+              <a:rPr lang="en-US" smtClean="0"/>
+              <a:t>Fifth level</a:t>
+            </a:r>
+            <a:endParaRPr lang="en-US"/>
+          </a:p>
+        </p:txBody>
+      </p:sp>
+      <p:sp>
+        <p:nvSpPr>
+          <p:cNvPr id="6" name="Footer Placeholder 5"/>
+          <p:cNvSpPr>
+            <a:spLocks noGrp="1"/>
+          </p:cNvSpPr>
+          <p:nvPr>
+            <p:ph type="ftr" sz="quarter" idx="4"/>
+          </p:nvPr>
+        </p:nvSpPr>
+        <p:spPr>
+          <a:xfrm>
+            <a:off x="0" y="22726650"/>
+            <a:ext cx="5745163" cy="1200150"/>
+          </a:xfrm>
+          <a:prstGeom prst="rect">
+            <a:avLst/>
+          </a:prstGeom>
+        </p:spPr>
+        <p:txBody>
+          <a:bodyPr vert="horz" lIns="91440" tIns="45720" rIns="91440" bIns="45720" rtlCol="0" anchor="b"/>
+          <a:lstStyle>
+            <a:lvl1pPr algn="l">
+              <a:defRPr sz="1200"/>
+            </a:lvl1pPr>
+          </a:lstStyle>
+          <a:p>
+            <a:endParaRPr lang="en-US"/>
+          </a:p>
+        </p:txBody>
+      </p:sp>
+      <p:sp>
+        <p:nvSpPr>
+          <p:cNvPr id="7" name="Slide Number Placeholder 6"/>
+          <p:cNvSpPr>
+            <a:spLocks noGrp="1"/>
+          </p:cNvSpPr>
+          <p:nvPr>
+            <p:ph type="sldNum" sz="quarter" idx="5"/>
+          </p:nvPr>
+        </p:nvSpPr>
+        <p:spPr>
+          <a:xfrm>
+            <a:off x="7510463" y="22726650"/>
+            <a:ext cx="5745162" cy="1200150"/>
+          </a:xfrm>
+          <a:prstGeom prst="rect">
+            <a:avLst/>
+          </a:prstGeom>
+        </p:spPr>
+        <p:txBody>
+          <a:bodyPr vert="horz" lIns="91440" tIns="45720" rIns="91440" bIns="45720" rtlCol="0" anchor="b"/>
+          <a:lstStyle>
+            <a:lvl1pPr algn="r">
+              <a:defRPr sz="1200"/>
+            </a:lvl1pPr>
+          </a:lstStyle>
+          <a:p>
+            <a:fld id="{76939971-DC89-4BF9-A980-755334D66F7B}" type="slidenum">
+              <a:rPr lang="en-US" smtClean="0"/>
+              <a:t>‹#›</a:t>
+            </a:fld>
+            <a:endParaRPr lang="en-US"/>
+          </a:p>
+        </p:txBody>
+      </p:sp>
+    </p:spTree>
+    <p:extLst>
+      <p:ext uri="{BB962C8B-B14F-4D97-AF65-F5344CB8AC3E}">
+        <p14:creationId xmlns:p14="http://schemas.microsoft.com/office/powerpoint/2010/main" val="4000285009"/>
+      </p:ext>
+    </p:extLst>
+  </p:cSld>
+  <p:clrMap bg1="lt1" tx1="dk1" bg2="lt2" tx2="dk2" accent1="accent1" accent2="accent2" accent3="accent3" accent4="accent4" accent5="accent5" accent6="accent6" hlink="hlink" folHlink="folHlink"/>
+  <p:hf sldNum="0" hdr="0" ftr="0" dt="0"/>
+  <p:notesStyle>
+    <a:lvl1pPr marL="0" algn="l" defTabSz="914400" rtl="0" eaLnBrk="1" latinLnBrk="0" hangingPunct="1">
+      <a:defRPr sz="1200" kern="1200">
+        <a:solidFill>
+          <a:schemeClr val="tx1"/>
+        </a:solidFill>
+        <a:latin typeface="+mn-lt"/>
+        <a:ea typeface="+mn-ea"/>
+        <a:cs typeface="+mn-cs"/>
+      </a:defRPr>
+    </a:lvl1pPr>
+    <a:lvl2pPr marL="457200" algn="l" defTabSz="914400" rtl="0" eaLnBrk="1" latinLnBrk="0" hangingPunct="1">
+      <a:defRPr sz="1200" kern="1200">
+        <a:solidFill>
+          <a:schemeClr val="tx1"/>
+        </a:solidFill>
+        <a:latin typeface="+mn-lt"/>
+        <a:ea typeface="+mn-ea"/>
+        <a:cs typeface="+mn-cs"/>
+      </a:defRPr>
+    </a:lvl2pPr>
+    <a:lvl3pPr marL="914400" algn="l" defTabSz="914400" rtl="0" eaLnBrk="1" latinLnBrk="0" hangingPunct="1">
+      <a:defRPr sz="1200" kern="1200">
+        <a:solidFill>
+          <a:schemeClr val="tx1"/>
+        </a:solidFill>
+        <a:latin typeface="+mn-lt"/>
+        <a:ea typeface="+mn-ea"/>
+        <a:cs typeface="+mn-cs"/>
+      </a:defRPr>
+    </a:lvl3pPr>
+    <a:lvl4pPr marL="1371600" algn="l" defTabSz="914400" rtl="0" eaLnBrk="1" latinLnBrk="0" hangingPunct="1">
+      <a:defRPr sz="1200" kern="1200">
+        <a:solidFill>
+          <a:schemeClr val="tx1"/>
+        </a:solidFill>
+        <a:latin typeface="+mn-lt"/>
+        <a:ea typeface="+mn-ea"/>
+        <a:cs typeface="+mn-cs"/>
+      </a:defRPr>
+    </a:lvl4pPr>
+    <a:lvl5pPr marL="1828800" algn="l" defTabSz="914400" rtl="0" eaLnBrk="1" latinLnBrk="0" hangingPunct="1">
+      <a:defRPr sz="1200" kern="1200">
+        <a:solidFill>
+          <a:schemeClr val="tx1"/>
+        </a:solidFill>
+        <a:latin typeface="+mn-lt"/>
+        <a:ea typeface="+mn-ea"/>
+        <a:cs typeface="+mn-cs"/>
+      </a:defRPr>
+    </a:lvl5pPr>
+    <a:lvl6pPr marL="2286000" algn="l" defTabSz="914400" rtl="0" eaLnBrk="1" latinLnBrk="0" hangingPunct="1">
+      <a:defRPr sz="1200" kern="1200">
+        <a:solidFill>
+          <a:schemeClr val="tx1"/>
+        </a:solidFill>
+        <a:latin typeface="+mn-lt"/>
+        <a:ea typeface="+mn-ea"/>
+        <a:cs typeface="+mn-cs"/>
+      </a:defRPr>
+    </a:lvl6pPr>
+    <a:lvl7pPr marL="2743200" algn="l" defTabSz="914400" rtl="0" eaLnBrk="1" latinLnBrk="0" hangingPunct="1">
+      <a:defRPr sz="1200" kern="1200">
+        <a:solidFill>
+          <a:schemeClr val="tx1"/>
+        </a:solidFill>
+        <a:latin typeface="+mn-lt"/>
+        <a:ea typeface="+mn-ea"/>
+        <a:cs typeface="+mn-cs"/>
+      </a:defRPr>
+    </a:lvl7pPr>
+    <a:lvl8pPr marL="3200400" algn="l" defTabSz="914400" rtl="0" eaLnBrk="1" latinLnBrk="0" hangingPunct="1">
+      <a:defRPr sz="1200" kern="1200">
+        <a:solidFill>
+          <a:schemeClr val="tx1"/>
+        </a:solidFill>
+        <a:latin typeface="+mn-lt"/>
+        <a:ea typeface="+mn-ea"/>
+        <a:cs typeface="+mn-cs"/>
+      </a:defRPr>
+    </a:lvl8pPr>
+    <a:lvl9pPr marL="3657600" algn="l" defTabSz="914400" rtl="0" eaLnBrk="1" latinLnBrk="0" hangingPunct="1">
+      <a:defRPr sz="1200" kern="1200">
+        <a:solidFill>
+          <a:schemeClr val="tx1"/>
+        </a:solidFill>
+        <a:latin typeface="+mn-lt"/>
+        <a:ea typeface="+mn-ea"/>
+        <a:cs typeface="+mn-cs"/>
+      </a:defRPr>
+    </a:lvl9pPr>
+  </p:notesStyle>
+</p:notesMaster>
+</file>
+
+<file path=ppt/notesSlides/notesSlide1.xml><?xml version="1.0" encoding="utf-8"?>
+<p:notes xmlns:a="http://schemas.openxmlformats.org/drawingml/2006/main" xmlns:r="http://schemas.openxmlformats.org/officeDocument/2006/relationships" xmlns:p="http://schemas.openxmlformats.org/presentationml/2006/main">
+  <p:cSld>
+    <p:spTree>
+      <p:nvGrpSpPr>
+        <p:cNvPr id="1" name=""/>
+        <p:cNvGrpSpPr/>
+        <p:nvPr/>
+      </p:nvGrpSpPr>
+      <p:grpSpPr>
+        <a:xfrm>
+          <a:off x="0" y="0"/>
+          <a:ext cx="0" cy="0"/>
+          <a:chOff x="0" y="0"/>
+          <a:chExt cx="0" cy="0"/>
+        </a:xfrm>
+      </p:grpSpPr>
+      <p:sp>
+        <p:nvSpPr>
+          <p:cNvPr id="2" name="Slide Image Placeholder 1"/>
+          <p:cNvSpPr>
+            <a:spLocks noGrp="1" noRot="1" noChangeAspect="1"/>
+          </p:cNvSpPr>
+          <p:nvPr>
+            <p:ph type="sldImg"/>
+          </p:nvPr>
+        </p:nvSpPr>
+        <p:spPr/>
+      </p:sp>
+      <p:sp>
+        <p:nvSpPr>
+          <p:cNvPr id="3" name="Notes Placeholder 2"/>
+          <p:cNvSpPr>
+            <a:spLocks noGrp="1"/>
+          </p:cNvSpPr>
+          <p:nvPr>
+            <p:ph type="body" idx="1"/>
+          </p:nvPr>
+        </p:nvSpPr>
+        <p:spPr/>
+        <p:txBody>
+          <a:bodyPr/>
+          <a:lstStyle/>
+          <a:p>
+            <a:endParaRPr lang="en-US"/>
+          </a:p>
+        </p:txBody>
+      </p:sp>
+    </p:spTree>
+    <p:extLst>
+      <p:ext uri="{BB962C8B-B14F-4D97-AF65-F5344CB8AC3E}">
+        <p14:creationId xmlns:p14="http://schemas.microsoft.com/office/powerpoint/2010/main" val="2251392711"/>
+      </p:ext>
+    </p:extLst>
+  </p:cSld>
+  <p:clrMapOvr>
+    <a:masterClrMapping/>
+  </p:clrMapOvr>
+</p:notes>
+</file>
+
 <file path=ppt/slideLayouts/slideLayout1.xml><?xml version="1.0" encoding="utf-8"?>
 <p:sldLayout xmlns:a="http://schemas.openxmlformats.org/drawingml/2006/main" xmlns:r="http://schemas.openxmlformats.org/officeDocument/2006/relationships" xmlns:p="http://schemas.openxmlformats.org/presentationml/2006/main" type="title" preserve="1">
   <p:cSld name="Title Slide">
@@ -295,7 +879,7 @@
           <a:p>
             <a:fld id="{AF1194EC-C915-441E-AD9A-616349DBA75B}" type="datetimeFigureOut">
               <a:rPr lang="en-US" smtClean="0"/>
-              <a:t>2/7/2016</a:t>
+              <a:t>2/8/2016</a:t>
             </a:fld>
             <a:endParaRPr lang="en-US"/>
           </a:p>
@@ -465,7 +1049,7 @@
           <a:p>
             <a:fld id="{AF1194EC-C915-441E-AD9A-616349DBA75B}" type="datetimeFigureOut">
               <a:rPr lang="en-US" smtClean="0"/>
-              <a:t>2/7/2016</a:t>
+              <a:t>2/8/2016</a:t>
             </a:fld>
             <a:endParaRPr lang="en-US"/>
           </a:p>
@@ -645,7 +1229,7 @@
           <a:p>
             <a:fld id="{AF1194EC-C915-441E-AD9A-616349DBA75B}" type="datetimeFigureOut">
               <a:rPr lang="en-US" smtClean="0"/>
-              <a:t>2/7/2016</a:t>
+              <a:t>2/8/2016</a:t>
             </a:fld>
             <a:endParaRPr lang="en-US"/>
           </a:p>
@@ -815,7 +1399,7 @@
           <a:p>
             <a:fld id="{AF1194EC-C915-441E-AD9A-616349DBA75B}" type="datetimeFigureOut">
               <a:rPr lang="en-US" smtClean="0"/>
-              <a:t>2/7/2016</a:t>
+              <a:t>2/8/2016</a:t>
             </a:fld>
             <a:endParaRPr lang="en-US"/>
           </a:p>
@@ -1061,7 +1645,7 @@
           <a:p>
             <a:fld id="{AF1194EC-C915-441E-AD9A-616349DBA75B}" type="datetimeFigureOut">
               <a:rPr lang="en-US" smtClean="0"/>
-              <a:t>2/7/2016</a:t>
+              <a:t>2/8/2016</a:t>
             </a:fld>
             <a:endParaRPr lang="en-US"/>
           </a:p>
@@ -1293,7 +1877,7 @@
           <a:p>
             <a:fld id="{AF1194EC-C915-441E-AD9A-616349DBA75B}" type="datetimeFigureOut">
               <a:rPr lang="en-US" smtClean="0"/>
-              <a:t>2/7/2016</a:t>
+              <a:t>2/8/2016</a:t>
             </a:fld>
             <a:endParaRPr lang="en-US"/>
           </a:p>
@@ -1660,7 +2244,7 @@
           <a:p>
             <a:fld id="{AF1194EC-C915-441E-AD9A-616349DBA75B}" type="datetimeFigureOut">
               <a:rPr lang="en-US" smtClean="0"/>
-              <a:t>2/7/2016</a:t>
+              <a:t>2/8/2016</a:t>
             </a:fld>
             <a:endParaRPr lang="en-US"/>
           </a:p>
@@ -1778,7 +2362,7 @@
           <a:p>
             <a:fld id="{AF1194EC-C915-441E-AD9A-616349DBA75B}" type="datetimeFigureOut">
               <a:rPr lang="en-US" smtClean="0"/>
-              <a:t>2/7/2016</a:t>
+              <a:t>2/8/2016</a:t>
             </a:fld>
             <a:endParaRPr lang="en-US"/>
           </a:p>
@@ -1873,7 +2457,7 @@
           <a:p>
             <a:fld id="{AF1194EC-C915-441E-AD9A-616349DBA75B}" type="datetimeFigureOut">
               <a:rPr lang="en-US" smtClean="0"/>
-              <a:t>2/7/2016</a:t>
+              <a:t>2/8/2016</a:t>
             </a:fld>
             <a:endParaRPr lang="en-US"/>
           </a:p>
@@ -2150,7 +2734,7 @@
           <a:p>
             <a:fld id="{AF1194EC-C915-441E-AD9A-616349DBA75B}" type="datetimeFigureOut">
               <a:rPr lang="en-US" smtClean="0"/>
-              <a:t>2/7/2016</a:t>
+              <a:t>2/8/2016</a:t>
             </a:fld>
             <a:endParaRPr lang="en-US"/>
           </a:p>
@@ -2403,7 +2987,7 @@
           <a:p>
             <a:fld id="{AF1194EC-C915-441E-AD9A-616349DBA75B}" type="datetimeFigureOut">
               <a:rPr lang="en-US" smtClean="0"/>
-              <a:t>2/7/2016</a:t>
+              <a:t>2/8/2016</a:t>
             </a:fld>
             <a:endParaRPr lang="en-US"/>
           </a:p>
@@ -2622,7 +3206,7 @@
           <a:p>
             <a:fld id="{AF1194EC-C915-441E-AD9A-616349DBA75B}" type="datetimeFigureOut">
               <a:rPr lang="en-US" smtClean="0"/>
-              <a:t>2/7/2016</a:t>
+              <a:t>2/8/2016</a:t>
             </a:fld>
             <a:endParaRPr lang="en-US"/>
           </a:p>
@@ -4439,7 +5023,7 @@
     <p:bg>
       <p:bgPr>
         <a:blipFill dpi="0" rotWithShape="1">
-          <a:blip r:embed="rId2">
+          <a:blip r:embed="rId3">
             <a:lum/>
           </a:blip>
           <a:srcRect/>
@@ -4687,7 +5271,7 @@
           <p:nvPr/>
         </p:nvPicPr>
         <p:blipFill>
-          <a:blip r:link="rId3"/>
+          <a:blip r:link="rId4"/>
           <a:stretch>
             <a:fillRect/>
           </a:stretch>
@@ -6083,6 +6667,67 @@
           </a:p>
         </p:txBody>
       </p:sp>
+      <p:sp>
+        <p:nvSpPr>
+          <p:cNvPr id="15" name="Textfeld 4"/>
+          <p:cNvSpPr txBox="1"/>
+          <p:nvPr/>
+        </p:nvSpPr>
+        <p:spPr>
+          <a:xfrm>
+            <a:off x="2225675" y="896292"/>
+            <a:ext cx="3407870" cy="578882"/>
+          </a:xfrm>
+          <a:prstGeom prst="roundRect">
+            <a:avLst/>
+          </a:prstGeom>
+          <a:solidFill>
+            <a:srgbClr val="5B9BD5"/>
+          </a:solidFill>
+          <a:effectLst>
+            <a:outerShdw blurRad="50800" dist="114300" dir="8100000" algn="tr" rotWithShape="0">
+              <a:prstClr val="black">
+                <a:alpha val="40000"/>
+              </a:prstClr>
+            </a:outerShdw>
+          </a:effectLst>
+        </p:spPr>
+        <p:txBody>
+          <a:bodyPr wrap="square" rtlCol="0">
+            <a:spAutoFit/>
+          </a:bodyPr>
+          <a:lstStyle/>
+          <a:p>
+            <a:r>
+              <a:rPr lang="de-DE" sz="2800" dirty="0" smtClean="0">
+                <a:latin typeface="Gabriola" panose="04040605051002020D02" pitchFamily="82" charset="0"/>
+              </a:rPr>
+              <a:t>Create Sets </a:t>
+            </a:r>
+            <a:r>
+              <a:rPr lang="de-DE" sz="2800" dirty="0" err="1" smtClean="0">
+                <a:latin typeface="Gabriola" panose="04040605051002020D02" pitchFamily="82" charset="0"/>
+              </a:rPr>
+              <a:t>and</a:t>
+            </a:r>
+            <a:r>
+              <a:rPr lang="de-DE" sz="2800" dirty="0" smtClean="0">
+                <a:latin typeface="Gabriola" panose="04040605051002020D02" pitchFamily="82" charset="0"/>
+              </a:rPr>
+              <a:t> </a:t>
+            </a:r>
+            <a:r>
+              <a:rPr lang="de-DE" sz="2800" dirty="0" err="1" smtClean="0">
+                <a:latin typeface="Gabriola" panose="04040605051002020D02" pitchFamily="82" charset="0"/>
+              </a:rPr>
+              <a:t>Contributors</a:t>
+            </a:r>
+            <a:endParaRPr lang="en-US" sz="2800" dirty="0">
+              <a:latin typeface="Gabriola" panose="04040605051002020D02" pitchFamily="82" charset="0"/>
+            </a:endParaRPr>
+          </a:p>
+        </p:txBody>
+      </p:sp>
       <p:pic>
         <p:nvPicPr>
           <p:cNvPr id="11" name="Grafik 5"/>
@@ -6307,67 +6952,6 @@
               <a:t>cases</a:t>
             </a:r>
             <a:endParaRPr lang="de-DE" sz="1600" dirty="0">
-              <a:latin typeface="Gabriola" panose="04040605051002020D02" pitchFamily="82" charset="0"/>
-            </a:endParaRPr>
-          </a:p>
-        </p:txBody>
-      </p:sp>
-      <p:sp>
-        <p:nvSpPr>
-          <p:cNvPr id="15" name="Textfeld 4"/>
-          <p:cNvSpPr txBox="1"/>
-          <p:nvPr/>
-        </p:nvSpPr>
-        <p:spPr>
-          <a:xfrm>
-            <a:off x="2225675" y="896292"/>
-            <a:ext cx="3407870" cy="578882"/>
-          </a:xfrm>
-          <a:prstGeom prst="roundRect">
-            <a:avLst/>
-          </a:prstGeom>
-          <a:solidFill>
-            <a:srgbClr val="5B9BD5"/>
-          </a:solidFill>
-          <a:effectLst>
-            <a:outerShdw blurRad="50800" dist="114300" dir="8100000" algn="tr" rotWithShape="0">
-              <a:prstClr val="black">
-                <a:alpha val="40000"/>
-              </a:prstClr>
-            </a:outerShdw>
-          </a:effectLst>
-        </p:spPr>
-        <p:txBody>
-          <a:bodyPr wrap="square" rtlCol="0">
-            <a:spAutoFit/>
-          </a:bodyPr>
-          <a:lstStyle/>
-          <a:p>
-            <a:r>
-              <a:rPr lang="de-DE" sz="2800" dirty="0" smtClean="0">
-                <a:latin typeface="Gabriola" panose="04040605051002020D02" pitchFamily="82" charset="0"/>
-              </a:rPr>
-              <a:t>Create Sets </a:t>
-            </a:r>
-            <a:r>
-              <a:rPr lang="de-DE" sz="2800" dirty="0" err="1" smtClean="0">
-                <a:latin typeface="Gabriola" panose="04040605051002020D02" pitchFamily="82" charset="0"/>
-              </a:rPr>
-              <a:t>and</a:t>
-            </a:r>
-            <a:r>
-              <a:rPr lang="de-DE" sz="2800" dirty="0" smtClean="0">
-                <a:latin typeface="Gabriola" panose="04040605051002020D02" pitchFamily="82" charset="0"/>
-              </a:rPr>
-              <a:t> </a:t>
-            </a:r>
-            <a:r>
-              <a:rPr lang="de-DE" sz="2800" dirty="0" err="1" smtClean="0">
-                <a:latin typeface="Gabriola" panose="04040605051002020D02" pitchFamily="82" charset="0"/>
-              </a:rPr>
-              <a:t>Contributors</a:t>
-            </a:r>
-            <a:endParaRPr lang="en-US" sz="2800" dirty="0">
               <a:latin typeface="Gabriola" panose="04040605051002020D02" pitchFamily="82" charset="0"/>
             </a:endParaRPr>
           </a:p>
@@ -7420,6 +8004,56 @@
       </p:grpSpPr>
       <p:sp>
         <p:nvSpPr>
+          <p:cNvPr id="2" name="Rectangle 1"/>
+          <p:cNvSpPr/>
+          <p:nvPr/>
+        </p:nvSpPr>
+        <p:spPr>
+          <a:xfrm>
+            <a:off x="1510018" y="2824163"/>
+            <a:ext cx="6123964" cy="406893"/>
+          </a:xfrm>
+          <a:prstGeom prst="rect">
+            <a:avLst/>
+          </a:prstGeom>
+          <a:solidFill>
+            <a:schemeClr val="bg1"/>
+          </a:solidFill>
+          <a:ln>
+            <a:solidFill>
+              <a:schemeClr val="bg1">
+                <a:lumMod val="65000"/>
+              </a:schemeClr>
+            </a:solidFill>
+          </a:ln>
+        </p:spPr>
+        <p:style>
+          <a:lnRef idx="2">
+            <a:schemeClr val="accent1">
+              <a:shade val="50000"/>
+            </a:schemeClr>
+          </a:lnRef>
+          <a:fillRef idx="1">
+            <a:schemeClr val="accent1"/>
+          </a:fillRef>
+          <a:effectRef idx="0">
+            <a:schemeClr val="accent1"/>
+          </a:effectRef>
+          <a:fontRef idx="minor">
+            <a:schemeClr val="lt1"/>
+          </a:fontRef>
+        </p:style>
+        <p:txBody>
+          <a:bodyPr rtlCol="0" anchor="ctr"/>
+          <a:lstStyle/>
+          <a:p>
+            <a:pPr algn="ctr"/>
+            <a:endParaRPr lang="en-US"/>
+          </a:p>
+        </p:txBody>
+      </p:sp>
+      <p:sp>
+        <p:nvSpPr>
           <p:cNvPr id="18" name="Textfeld 17"/>
           <p:cNvSpPr txBox="1"/>
           <p:nvPr/>
@@ -7467,31 +8101,21 @@
         </p:nvPicPr>
         <p:blipFill rotWithShape="1">
           <a:blip r:link="rId2"/>
-          <a:srcRect l="1996" t="15319" r="3993" b="79078"/>
+          <a:srcRect l="1996" t="15904" r="3993" b="80358"/>
           <a:stretch/>
         </p:blipFill>
         <p:spPr>
           <a:xfrm>
-            <a:off x="1588172" y="2873704"/>
-            <a:ext cx="5967657" cy="357352"/>
+            <a:off x="1588171" y="2908417"/>
+            <a:ext cx="5967657" cy="238384"/>
           </a:xfrm>
           <a:prstGeom prst="rect">
             <a:avLst/>
           </a:prstGeom>
           <a:ln>
-            <a:solidFill>
-              <a:schemeClr val="bg1">
-                <a:lumMod val="75000"/>
-              </a:schemeClr>
-            </a:solidFill>
+            <a:noFill/>
           </a:ln>
-          <a:effectLst>
-            <a:outerShdw blurRad="50800" dist="38100" dir="8100000" algn="tr" rotWithShape="0">
-              <a:prstClr val="black">
-                <a:alpha val="40000"/>
-              </a:prstClr>
-            </a:outerShdw>
-          </a:effectLst>
+          <a:effectLst/>
         </p:spPr>
       </p:pic>
     </p:spTree>
@@ -12505,39 +13129,26 @@
       </p:grpSpPr>
       <p:pic>
         <p:nvPicPr>
-          <p:cNvPr id="2" name="Picture 1"/>
+          <p:cNvPr id="3" name="Picture 2"/>
           <p:cNvPicPr>
             <a:picLocks noChangeAspect="1"/>
           </p:cNvPicPr>
           <p:nvPr/>
         </p:nvPicPr>
         <p:blipFill>
-          <a:blip r:embed="rId2">
-            <a:extLst>
-              <a:ext uri="{28A0092B-C50C-407E-A947-70E740481C1C}">
-                <a14:useLocalDpi xmlns:a14="http://schemas.microsoft.com/office/drawing/2010/main" val="0"/>
-              </a:ext>
-            </a:extLst>
-          </a:blip>
+          <a:blip r:link="rId2"/>
           <a:stretch>
             <a:fillRect/>
           </a:stretch>
         </p:blipFill>
         <p:spPr>
           <a:xfrm>
-            <a:off x="2645911" y="1542225"/>
+            <a:off x="2654300" y="1299750"/>
             <a:ext cx="3835400" cy="2544000"/>
           </a:xfrm>
           <a:prstGeom prst="rect">
             <a:avLst/>
           </a:prstGeom>
-          <a:ln>
-            <a:solidFill>
-              <a:schemeClr val="bg1">
-                <a:lumMod val="75000"/>
-              </a:schemeClr>
-            </a:solidFill>
-          </a:ln>
         </p:spPr>
       </p:pic>
       <p:sp>
@@ -12636,7 +13247,7 @@
         </p:nvCxnSpPr>
         <p:spPr>
           <a:xfrm>
-            <a:off x="3227898" y="2468695"/>
+            <a:off x="3227898" y="2214695"/>
             <a:ext cx="1327324" cy="0"/>
           </a:xfrm>
           <a:prstGeom prst="line">
@@ -12977,79 +13588,94 @@
           </a:effectLst>
         </p:spPr>
       </p:pic>
-      <p:pic>
-        <p:nvPicPr>
-          <p:cNvPr id="6" name="Picture 5"/>
-          <p:cNvPicPr>
-            <a:picLocks noChangeAspect="1"/>
-          </p:cNvPicPr>
-          <p:nvPr/>
-        </p:nvPicPr>
-        <p:blipFill>
-          <a:blip r:link="rId4"/>
-          <a:stretch>
-            <a:fillRect/>
-          </a:stretch>
-        </p:blipFill>
-        <p:spPr>
-          <a:xfrm>
-            <a:off x="3677077" y="1434801"/>
+      <p:grpSp>
+        <p:nvGrpSpPr>
+          <p:cNvPr id="2" name="Group 1"/>
+          <p:cNvGrpSpPr/>
+          <p:nvPr/>
+        </p:nvGrpSpPr>
+        <p:grpSpPr>
+          <a:xfrm>
+            <a:off x="217243" y="808840"/>
             <a:ext cx="3745646" cy="1404519"/>
-          </a:xfrm>
-          <a:prstGeom prst="rect">
-            <a:avLst/>
-          </a:prstGeom>
-          <a:ln>
-            <a:solidFill>
-              <a:schemeClr val="bg1">
-                <a:lumMod val="75000"/>
-              </a:schemeClr>
-            </a:solidFill>
-          </a:ln>
-          <a:effectLst>
-            <a:outerShdw blurRad="457200" dist="1295400" dir="9120000" sx="94000" sy="94000" algn="tr" rotWithShape="0">
-              <a:prstClr val="black">
-                <a:alpha val="41000"/>
-              </a:prstClr>
-            </a:outerShdw>
-          </a:effectLst>
-        </p:spPr>
-      </p:pic>
-      <p:cxnSp>
-        <p:nvCxnSpPr>
-          <p:cNvPr id="9" name="Straight Connector 11"/>
-          <p:cNvCxnSpPr/>
-          <p:nvPr/>
-        </p:nvCxnSpPr>
-        <p:spPr>
-          <a:xfrm>
-            <a:off x="3971278" y="1541812"/>
-            <a:ext cx="927833" cy="0"/>
-          </a:xfrm>
-          <a:prstGeom prst="line">
-            <a:avLst/>
-          </a:prstGeom>
-          <a:ln w="57150">
-            <a:solidFill>
-              <a:srgbClr val="00B050"/>
-            </a:solidFill>
-          </a:ln>
-        </p:spPr>
-        <p:style>
-          <a:lnRef idx="1">
-            <a:schemeClr val="accent1"/>
-          </a:lnRef>
-          <a:fillRef idx="0">
-            <a:schemeClr val="accent1"/>
-          </a:fillRef>
-          <a:effectRef idx="0">
-            <a:schemeClr val="accent1"/>
-          </a:effectRef>
-          <a:fontRef idx="minor">
-            <a:schemeClr val="tx1"/>
-          </a:fontRef>
-        </p:style>
-      </p:cxnSp>
+            <a:chOff x="225632" y="2924503"/>
+            <a:chExt cx="3745646" cy="1404519"/>
+          </a:xfrm>
+        </p:grpSpPr>
+        <p:pic>
+          <p:nvPicPr>
+            <p:cNvPr id="6" name="Picture 5"/>
+            <p:cNvPicPr>
+              <a:picLocks noChangeAspect="1"/>
+            </p:cNvPicPr>
+            <p:nvPr/>
+          </p:nvPicPr>
+          <p:blipFill>
+            <a:blip r:link="rId4"/>
+            <a:stretch>
+              <a:fillRect/>
+            </a:stretch>
+          </p:blipFill>
+          <p:spPr>
+            <a:xfrm>
+              <a:off x="225632" y="2924503"/>
+              <a:ext cx="3745646" cy="1404519"/>
+            </a:xfrm>
+            <a:prstGeom prst="rect">
+              <a:avLst/>
+            </a:prstGeom>
+            <a:ln>
+              <a:solidFill>
+                <a:schemeClr val="bg1">
+                  <a:lumMod val="75000"/>
+                </a:schemeClr>
+              </a:solidFill>
+            </a:ln>
+            <a:effectLst>
+              <a:outerShdw blurRad="457200" dist="1295400" dir="9120000" sx="94000" sy="94000" algn="tr" rotWithShape="0">
+                <a:prstClr val="black">
+                  <a:alpha val="41000"/>
+                </a:prstClr>
+              </a:outerShdw>
+            </a:effectLst>
+          </p:spPr>
+        </p:pic>
+        <p:cxnSp>
+          <p:nvCxnSpPr>
+            <p:cNvPr id="9" name="Straight Connector 11"/>
+            <p:cNvCxnSpPr/>
+            <p:nvPr/>
+          </p:nvCxnSpPr>
+          <p:spPr>
+            <a:xfrm>
+              <a:off x="531791" y="3076998"/>
+              <a:ext cx="927833" cy="0"/>
+            </a:xfrm>
+            <a:prstGeom prst="line">
+              <a:avLst/>
+            </a:prstGeom>
+            <a:ln w="57150">
+              <a:solidFill>
+                <a:srgbClr val="00B050"/>
+              </a:solidFill>
+            </a:ln>
+          </p:spPr>
+          <p:style>
+            <a:lnRef idx="1">
+              <a:schemeClr val="accent1"/>
+            </a:lnRef>
+            <a:fillRef idx="0">
+              <a:schemeClr val="accent1"/>
+            </a:fillRef>
+            <a:effectRef idx="0">
+              <a:schemeClr val="accent1"/>
+            </a:effectRef>
+            <a:fontRef idx="minor">
+              <a:schemeClr val="tx1"/>
+            </a:fontRef>
+          </p:style>
+        </p:cxnSp>
+      </p:grpSp>
       <p:cxnSp>
         <p:nvCxnSpPr>
           <p:cNvPr id="13" name="Straight Connector 11"/>
@@ -13533,8 +14159,8 @@
         </p:nvSpPr>
         <p:spPr>
           <a:xfrm>
-            <a:off x="1912884" y="1282431"/>
-            <a:ext cx="5801709" cy="3416320"/>
+            <a:off x="1912884" y="901431"/>
+            <a:ext cx="5801709" cy="4616648"/>
           </a:xfrm>
           <a:prstGeom prst="rect">
             <a:avLst/>
@@ -13552,49 +14178,63 @@
               <a:buChar char="-"/>
             </a:pPr>
             <a:r>
-              <a:rPr lang="de-DE" sz="2800" dirty="0" smtClean="0">
-                <a:latin typeface="Gabriola" panose="04040605051002020D02" pitchFamily="82" charset="0"/>
-                <a:sym typeface="Wingdings" panose="05000000000000000000" pitchFamily="2" charset="2"/>
-              </a:rPr>
-              <a:t>Recording </a:t>
-            </a:r>
-            <a:r>
-              <a:rPr lang="de-DE" sz="2800" dirty="0" err="1" smtClean="0">
+              <a:rPr lang="de-DE" sz="2400" dirty="0" smtClean="0">
+                <a:latin typeface="Gabriola" panose="04040605051002020D02" pitchFamily="82" charset="0"/>
+                <a:sym typeface="Wingdings" panose="05000000000000000000" pitchFamily="2" charset="2"/>
+              </a:rPr>
+              <a:t>Support </a:t>
+            </a:r>
+            <a:r>
+              <a:rPr lang="de-DE" sz="2400" dirty="0" err="1" smtClean="0">
+                <a:latin typeface="Gabriola" panose="04040605051002020D02" pitchFamily="82" charset="0"/>
+                <a:sym typeface="Wingdings" panose="05000000000000000000" pitchFamily="2" charset="2"/>
+              </a:rPr>
+              <a:t>recording</a:t>
+            </a:r>
+            <a:r>
+              <a:rPr lang="de-DE" sz="2400" dirty="0" smtClean="0">
+                <a:latin typeface="Gabriola" panose="04040605051002020D02" pitchFamily="82" charset="0"/>
+                <a:sym typeface="Wingdings" panose="05000000000000000000" pitchFamily="2" charset="2"/>
+              </a:rPr>
+              <a:t> </a:t>
+            </a:r>
+            <a:r>
+              <a:rPr lang="de-DE" sz="2400" dirty="0" err="1" smtClean="0">
                 <a:latin typeface="Gabriola" panose="04040605051002020D02" pitchFamily="82" charset="0"/>
                 <a:sym typeface="Wingdings" panose="05000000000000000000" pitchFamily="2" charset="2"/>
               </a:rPr>
               <a:t>of</a:t>
             </a:r>
             <a:r>
-              <a:rPr lang="de-DE" sz="2800" dirty="0" smtClean="0">
+              <a:rPr lang="de-DE" sz="2400" dirty="0" smtClean="0">
                 <a:latin typeface="Gabriola" panose="04040605051002020D02" pitchFamily="82" charset="0"/>
                 <a:sym typeface="Wingdings" panose="05000000000000000000" pitchFamily="2" charset="2"/>
               </a:rPr>
               <a:t> </a:t>
             </a:r>
             <a:r>
-              <a:rPr lang="de-DE" sz="2800" dirty="0" err="1" smtClean="0">
+              <a:rPr lang="de-DE" sz="2400" dirty="0" err="1" smtClean="0">
                 <a:latin typeface="Gabriola" panose="04040605051002020D02" pitchFamily="82" charset="0"/>
                 <a:sym typeface="Wingdings" panose="05000000000000000000" pitchFamily="2" charset="2"/>
               </a:rPr>
               <a:t>method</a:t>
             </a:r>
             <a:r>
-              <a:rPr lang="de-DE" sz="2800" dirty="0" smtClean="0">
+              <a:rPr lang="de-DE" sz="2400" dirty="0" smtClean="0">
                 <a:latin typeface="Gabriola" panose="04040605051002020D02" pitchFamily="82" charset="0"/>
                 <a:sym typeface="Wingdings" panose="05000000000000000000" pitchFamily="2" charset="2"/>
               </a:rPr>
               <a:t> </a:t>
             </a:r>
             <a:r>
-              <a:rPr lang="de-DE" sz="2800" dirty="0" err="1" smtClean="0">
+              <a:rPr lang="de-DE" sz="2400" dirty="0" err="1" smtClean="0">
                 <a:latin typeface="Gabriola" panose="04040605051002020D02" pitchFamily="82" charset="0"/>
                 <a:sym typeface="Wingdings" panose="05000000000000000000" pitchFamily="2" charset="2"/>
               </a:rPr>
               <a:t>calls</a:t>
             </a:r>
             <a:r>
-              <a:rPr lang="de-DE" sz="2800" dirty="0" smtClean="0">
+              <a:rPr lang="de-DE" sz="2400" dirty="0" smtClean="0">
                 <a:latin typeface="Gabriola" panose="04040605051002020D02" pitchFamily="82" charset="0"/>
                 <a:sym typeface="Wingdings" panose="05000000000000000000" pitchFamily="2" charset="2"/>
               </a:rPr>
@@ -13604,91 +14244,91 @@
           <a:p>
             <a:pPr lvl="1"/>
             <a:r>
-              <a:rPr lang="de-DE" sz="2000" dirty="0" smtClean="0">
+              <a:rPr lang="de-DE" sz="1800" dirty="0" smtClean="0">
                 <a:latin typeface="Gabriola" panose="04040605051002020D02" pitchFamily="82" charset="0"/>
                 <a:sym typeface="Wingdings" panose="05000000000000000000" pitchFamily="2" charset="2"/>
               </a:rPr>
               <a:t>(</a:t>
             </a:r>
             <a:r>
-              <a:rPr lang="de-DE" sz="2000" dirty="0" err="1" smtClean="0">
+              <a:rPr lang="de-DE" sz="1800" dirty="0" err="1" smtClean="0">
                 <a:latin typeface="Gabriola" panose="04040605051002020D02" pitchFamily="82" charset="0"/>
                 <a:sym typeface="Wingdings" panose="05000000000000000000" pitchFamily="2" charset="2"/>
               </a:rPr>
               <a:t>currently</a:t>
             </a:r>
             <a:r>
-              <a:rPr lang="de-DE" sz="2000" dirty="0" smtClean="0">
+              <a:rPr lang="de-DE" sz="1800" dirty="0" smtClean="0">
                 <a:latin typeface="Gabriola" panose="04040605051002020D02" pitchFamily="82" charset="0"/>
                 <a:sym typeface="Wingdings" panose="05000000000000000000" pitchFamily="2" charset="2"/>
               </a:rPr>
               <a:t> </a:t>
             </a:r>
             <a:r>
-              <a:rPr lang="de-DE" sz="2000" dirty="0" err="1" smtClean="0">
+              <a:rPr lang="de-DE" sz="1800" dirty="0" err="1" smtClean="0">
                 <a:latin typeface="Gabriola" panose="04040605051002020D02" pitchFamily="82" charset="0"/>
                 <a:sym typeface="Wingdings" panose="05000000000000000000" pitchFamily="2" charset="2"/>
               </a:rPr>
               <a:t>only</a:t>
             </a:r>
             <a:r>
-              <a:rPr lang="de-DE" sz="2000" dirty="0" smtClean="0">
+              <a:rPr lang="de-DE" sz="1800" dirty="0" smtClean="0">
                 <a:latin typeface="Gabriola" panose="04040605051002020D02" pitchFamily="82" charset="0"/>
                 <a:sym typeface="Wingdings" panose="05000000000000000000" pitchFamily="2" charset="2"/>
               </a:rPr>
               <a:t> </a:t>
             </a:r>
             <a:r>
-              <a:rPr lang="de-DE" sz="2000" dirty="0" err="1" smtClean="0">
+              <a:rPr lang="de-DE" sz="1800" dirty="0" err="1" smtClean="0">
                 <a:latin typeface="Gabriola" panose="04040605051002020D02" pitchFamily="82" charset="0"/>
                 <a:sym typeface="Wingdings" panose="05000000000000000000" pitchFamily="2" charset="2"/>
               </a:rPr>
               <a:t>property</a:t>
             </a:r>
             <a:r>
-              <a:rPr lang="de-DE" sz="2000" dirty="0" smtClean="0">
+              <a:rPr lang="de-DE" sz="1800" dirty="0" smtClean="0">
                 <a:latin typeface="Gabriola" panose="04040605051002020D02" pitchFamily="82" charset="0"/>
                 <a:sym typeface="Wingdings" panose="05000000000000000000" pitchFamily="2" charset="2"/>
               </a:rPr>
               <a:t> </a:t>
             </a:r>
             <a:r>
-              <a:rPr lang="de-DE" sz="2000" dirty="0" err="1" smtClean="0">
+              <a:rPr lang="de-DE" sz="1800" dirty="0" err="1" smtClean="0">
                 <a:latin typeface="Gabriola" panose="04040605051002020D02" pitchFamily="82" charset="0"/>
                 <a:sym typeface="Wingdings" panose="05000000000000000000" pitchFamily="2" charset="2"/>
               </a:rPr>
               <a:t>calls</a:t>
             </a:r>
             <a:r>
-              <a:rPr lang="de-DE" sz="2000" dirty="0" smtClean="0">
+              <a:rPr lang="de-DE" sz="1800" dirty="0" smtClean="0">
                 <a:latin typeface="Gabriola" panose="04040605051002020D02" pitchFamily="82" charset="0"/>
                 <a:sym typeface="Wingdings" panose="05000000000000000000" pitchFamily="2" charset="2"/>
               </a:rPr>
               <a:t> </a:t>
             </a:r>
             <a:r>
-              <a:rPr lang="de-DE" sz="2000" dirty="0" err="1" smtClean="0">
+              <a:rPr lang="de-DE" sz="1800" dirty="0" err="1" smtClean="0">
                 <a:latin typeface="Gabriola" panose="04040605051002020D02" pitchFamily="82" charset="0"/>
                 <a:sym typeface="Wingdings" panose="05000000000000000000" pitchFamily="2" charset="2"/>
               </a:rPr>
               <a:t>are</a:t>
             </a:r>
             <a:r>
-              <a:rPr lang="de-DE" sz="2000" dirty="0" smtClean="0">
+              <a:rPr lang="de-DE" sz="1800" dirty="0" smtClean="0">
                 <a:latin typeface="Gabriola" panose="04040605051002020D02" pitchFamily="82" charset="0"/>
                 <a:sym typeface="Wingdings" panose="05000000000000000000" pitchFamily="2" charset="2"/>
               </a:rPr>
               <a:t> </a:t>
             </a:r>
             <a:r>
-              <a:rPr lang="de-DE" sz="2000" dirty="0" err="1" smtClean="0">
+              <a:rPr lang="de-DE" sz="1800" dirty="0" err="1" smtClean="0">
                 <a:latin typeface="Gabriola" panose="04040605051002020D02" pitchFamily="82" charset="0"/>
                 <a:sym typeface="Wingdings" panose="05000000000000000000" pitchFamily="2" charset="2"/>
               </a:rPr>
               <a:t>recorded</a:t>
             </a:r>
             <a:r>
-              <a:rPr lang="de-DE" sz="2000" dirty="0" smtClean="0">
+              <a:rPr lang="de-DE" sz="1800" dirty="0" smtClean="0">
                 <a:latin typeface="Gabriola" panose="04040605051002020D02" pitchFamily="82" charset="0"/>
                 <a:sym typeface="Wingdings" panose="05000000000000000000" pitchFamily="2" charset="2"/>
               </a:rPr>
@@ -13696,11 +14336,8 @@
             </a:r>
           </a:p>
           <a:p>
-            <a:pPr marL="685800" lvl="1" indent="-342900">
-              <a:buFontTx/>
-              <a:buChar char="-"/>
-            </a:pPr>
-            <a:endParaRPr lang="de-DE" sz="2800" dirty="0" smtClean="0">
+            <a:pPr lvl="1"/>
+            <a:endParaRPr lang="de-DE" sz="1600" dirty="0" smtClean="0">
               <a:latin typeface="Gabriola" panose="04040605051002020D02" pitchFamily="82" charset="0"/>
               <a:sym typeface="Wingdings" panose="05000000000000000000" pitchFamily="2" charset="2"/>
             </a:endParaRPr>
@@ -13711,54 +14348,198 @@
               <a:buChar char="-"/>
             </a:pPr>
             <a:r>
-              <a:rPr lang="de-DE" sz="2800" dirty="0" err="1" smtClean="0">
-                <a:latin typeface="Gabriola" panose="04040605051002020D02" pitchFamily="82" charset="0"/>
-                <a:sym typeface="Wingdings" panose="05000000000000000000" pitchFamily="2" charset="2"/>
-              </a:rPr>
-              <a:t>Moq</a:t>
-            </a:r>
-            <a:r>
-              <a:rPr lang="de-DE" sz="2800" dirty="0" smtClean="0">
-                <a:latin typeface="Gabriola" panose="04040605051002020D02" pitchFamily="82" charset="0"/>
-                <a:sym typeface="Wingdings" panose="05000000000000000000" pitchFamily="2" charset="2"/>
-              </a:rPr>
-              <a:t> like Setup(…) </a:t>
-            </a:r>
-            <a:r>
-              <a:rPr lang="de-DE" sz="2800" dirty="0" err="1" smtClean="0">
-                <a:latin typeface="Gabriola" panose="04040605051002020D02" pitchFamily="82" charset="0"/>
-                <a:sym typeface="Wingdings" panose="05000000000000000000" pitchFamily="2" charset="2"/>
-              </a:rPr>
-              <a:t>and</a:t>
-            </a:r>
-            <a:r>
-              <a:rPr lang="de-DE" sz="2800" dirty="0" smtClean="0">
+              <a:rPr lang="de-DE" sz="2400" dirty="0" smtClean="0">
+                <a:latin typeface="Gabriola" panose="04040605051002020D02" pitchFamily="82" charset="0"/>
+                <a:sym typeface="Wingdings" panose="05000000000000000000" pitchFamily="2" charset="2"/>
+              </a:rPr>
+              <a:t>Support </a:t>
+            </a:r>
+            <a:r>
+              <a:rPr lang="de-DE" sz="2400" dirty="0" err="1" smtClean="0">
+                <a:latin typeface="Gabriola" panose="04040605051002020D02" pitchFamily="82" charset="0"/>
+                <a:sym typeface="Wingdings" panose="05000000000000000000" pitchFamily="2" charset="2"/>
+              </a:rPr>
+              <a:t>class</a:t>
+            </a:r>
+            <a:r>
+              <a:rPr lang="de-DE" sz="2400" dirty="0" smtClean="0">
                 <a:latin typeface="Gabriola" panose="04040605051002020D02" pitchFamily="82" charset="0"/>
                 <a:sym typeface="Wingdings" panose="05000000000000000000" pitchFamily="2" charset="2"/>
               </a:rPr>
               <a:t> </a:t>
             </a:r>
             <a:r>
-              <a:rPr lang="de-DE" sz="2800" dirty="0" err="1" smtClean="0">
-                <a:latin typeface="Gabriola" panose="04040605051002020D02" pitchFamily="82" charset="0"/>
-                <a:sym typeface="Wingdings" panose="05000000000000000000" pitchFamily="2" charset="2"/>
-              </a:rPr>
-              <a:t>Verify</a:t>
-            </a:r>
-            <a:r>
-              <a:rPr lang="de-DE" sz="2800" dirty="0" smtClean="0">
-                <a:latin typeface="Gabriola" panose="04040605051002020D02" pitchFamily="82" charset="0"/>
-                <a:sym typeface="Wingdings" panose="05000000000000000000" pitchFamily="2" charset="2"/>
-              </a:rPr>
-              <a:t>(…)</a:t>
-            </a:r>
+              <a:rPr lang="de-DE" sz="2400" dirty="0" err="1" smtClean="0">
+                <a:latin typeface="Gabriola" panose="04040605051002020D02" pitchFamily="82" charset="0"/>
+                <a:sym typeface="Wingdings" panose="05000000000000000000" pitchFamily="2" charset="2"/>
+              </a:rPr>
+              <a:t>contributors</a:t>
+            </a:r>
+            <a:r>
+              <a:rPr lang="de-DE" sz="2400" dirty="0" smtClean="0">
+                <a:latin typeface="Gabriola" panose="04040605051002020D02" pitchFamily="82" charset="0"/>
+                <a:sym typeface="Wingdings" panose="05000000000000000000" pitchFamily="2" charset="2"/>
+              </a:rPr>
+              <a:t/>
+            </a:r>
+            <a:br>
+              <a:rPr lang="de-DE" sz="2400" dirty="0" smtClean="0">
+                <a:latin typeface="Gabriola" panose="04040605051002020D02" pitchFamily="82" charset="0"/>
+                <a:sym typeface="Wingdings" panose="05000000000000000000" pitchFamily="2" charset="2"/>
+              </a:rPr>
+            </a:br>
+            <a:r>
+              <a:rPr lang="de-DE" sz="1800" dirty="0" smtClean="0">
+                <a:latin typeface="Gabriola" panose="04040605051002020D02" pitchFamily="82" charset="0"/>
+                <a:sym typeface="Wingdings" panose="05000000000000000000" pitchFamily="2" charset="2"/>
+              </a:rPr>
+              <a:t>(</a:t>
+            </a:r>
+            <a:r>
+              <a:rPr lang="de-DE" sz="1800" dirty="0" err="1" smtClean="0">
+                <a:latin typeface="Gabriola" panose="04040605051002020D02" pitchFamily="82" charset="0"/>
+                <a:sym typeface="Wingdings" panose="05000000000000000000" pitchFamily="2" charset="2"/>
+              </a:rPr>
+              <a:t>currently</a:t>
+            </a:r>
+            <a:r>
+              <a:rPr lang="de-DE" sz="1800" dirty="0" smtClean="0">
+                <a:latin typeface="Gabriola" panose="04040605051002020D02" pitchFamily="82" charset="0"/>
+                <a:sym typeface="Wingdings" panose="05000000000000000000" pitchFamily="2" charset="2"/>
+              </a:rPr>
+              <a:t> </a:t>
+            </a:r>
+            <a:r>
+              <a:rPr lang="de-DE" sz="1800" dirty="0" err="1" smtClean="0">
+                <a:latin typeface="Gabriola" panose="04040605051002020D02" pitchFamily="82" charset="0"/>
+                <a:sym typeface="Wingdings" panose="05000000000000000000" pitchFamily="2" charset="2"/>
+              </a:rPr>
+              <a:t>only</a:t>
+            </a:r>
+            <a:r>
+              <a:rPr lang="de-DE" sz="1800" dirty="0" smtClean="0">
+                <a:latin typeface="Gabriola" panose="04040605051002020D02" pitchFamily="82" charset="0"/>
+                <a:sym typeface="Wingdings" panose="05000000000000000000" pitchFamily="2" charset="2"/>
+              </a:rPr>
+              <a:t> </a:t>
+            </a:r>
+            <a:r>
+              <a:rPr lang="de-DE" sz="1800" dirty="0" err="1" smtClean="0">
+                <a:latin typeface="Gabriola" panose="04040605051002020D02" pitchFamily="82" charset="0"/>
+                <a:sym typeface="Wingdings" panose="05000000000000000000" pitchFamily="2" charset="2"/>
+              </a:rPr>
+              <a:t>interface</a:t>
+            </a:r>
+            <a:r>
+              <a:rPr lang="de-DE" sz="1800" dirty="0" smtClean="0">
+                <a:latin typeface="Gabriola" panose="04040605051002020D02" pitchFamily="82" charset="0"/>
+                <a:sym typeface="Wingdings" panose="05000000000000000000" pitchFamily="2" charset="2"/>
+              </a:rPr>
+              <a:t> </a:t>
+            </a:r>
+            <a:r>
+              <a:rPr lang="de-DE" sz="1800" dirty="0" err="1" smtClean="0">
+                <a:latin typeface="Gabriola" panose="04040605051002020D02" pitchFamily="82" charset="0"/>
+                <a:sym typeface="Wingdings" panose="05000000000000000000" pitchFamily="2" charset="2"/>
+              </a:rPr>
+              <a:t>contributors</a:t>
+            </a:r>
+            <a:r>
+              <a:rPr lang="de-DE" sz="1800" dirty="0" smtClean="0">
+                <a:latin typeface="Gabriola" panose="04040605051002020D02" pitchFamily="82" charset="0"/>
+                <a:sym typeface="Wingdings" panose="05000000000000000000" pitchFamily="2" charset="2"/>
+              </a:rPr>
+              <a:t> </a:t>
+            </a:r>
+            <a:r>
+              <a:rPr lang="de-DE" sz="1800" dirty="0" err="1" smtClean="0">
+                <a:latin typeface="Gabriola" panose="04040605051002020D02" pitchFamily="82" charset="0"/>
+                <a:sym typeface="Wingdings" panose="05000000000000000000" pitchFamily="2" charset="2"/>
+              </a:rPr>
+              <a:t>are</a:t>
+            </a:r>
+            <a:r>
+              <a:rPr lang="de-DE" sz="1800" dirty="0" smtClean="0">
+                <a:latin typeface="Gabriola" panose="04040605051002020D02" pitchFamily="82" charset="0"/>
+                <a:sym typeface="Wingdings" panose="05000000000000000000" pitchFamily="2" charset="2"/>
+              </a:rPr>
+              <a:t> </a:t>
+            </a:r>
+            <a:r>
+              <a:rPr lang="de-DE" sz="1800" dirty="0" err="1" smtClean="0">
+                <a:latin typeface="Gabriola" panose="04040605051002020D02" pitchFamily="82" charset="0"/>
+                <a:sym typeface="Wingdings" panose="05000000000000000000" pitchFamily="2" charset="2"/>
+              </a:rPr>
+              <a:t>supported</a:t>
+            </a:r>
+            <a:r>
+              <a:rPr lang="de-DE" sz="1800" dirty="0" smtClean="0">
+                <a:latin typeface="Gabriola" panose="04040605051002020D02" pitchFamily="82" charset="0"/>
+                <a:sym typeface="Wingdings" panose="05000000000000000000" pitchFamily="2" charset="2"/>
+              </a:rPr>
+              <a:t>)</a:t>
+            </a:r>
+            <a:endParaRPr lang="de-DE" sz="1800" dirty="0" smtClean="0">
+              <a:latin typeface="Gabriola" panose="04040605051002020D02" pitchFamily="82" charset="0"/>
+              <a:sym typeface="Wingdings" panose="05000000000000000000" pitchFamily="2" charset="2"/>
+            </a:endParaRPr>
+          </a:p>
+          <a:p>
+            <a:endParaRPr lang="de-DE" sz="1600" dirty="0" smtClean="0">
+              <a:latin typeface="Gabriola" panose="04040605051002020D02" pitchFamily="82" charset="0"/>
+              <a:sym typeface="Wingdings" panose="05000000000000000000" pitchFamily="2" charset="2"/>
+            </a:endParaRPr>
           </a:p>
           <a:p>
             <a:pPr marL="342900" indent="-342900">
               <a:buFontTx/>
               <a:buChar char="-"/>
             </a:pPr>
-            <a:endParaRPr lang="de-DE" sz="2800" dirty="0" smtClean="0">
+            <a:r>
+              <a:rPr lang="de-DE" sz="2400" dirty="0" err="1" smtClean="0">
+                <a:latin typeface="Gabriola" panose="04040605051002020D02" pitchFamily="82" charset="0"/>
+                <a:sym typeface="Wingdings" panose="05000000000000000000" pitchFamily="2" charset="2"/>
+              </a:rPr>
+              <a:t>Moq</a:t>
+            </a:r>
+            <a:r>
+              <a:rPr lang="de-DE" sz="2400" dirty="0" smtClean="0">
+                <a:latin typeface="Gabriola" panose="04040605051002020D02" pitchFamily="82" charset="0"/>
+                <a:sym typeface="Wingdings" panose="05000000000000000000" pitchFamily="2" charset="2"/>
+              </a:rPr>
+              <a:t> like Setup(…) </a:t>
+            </a:r>
+            <a:r>
+              <a:rPr lang="de-DE" sz="2400" dirty="0" err="1" smtClean="0">
+                <a:latin typeface="Gabriola" panose="04040605051002020D02" pitchFamily="82" charset="0"/>
+                <a:sym typeface="Wingdings" panose="05000000000000000000" pitchFamily="2" charset="2"/>
+              </a:rPr>
+              <a:t>and</a:t>
+            </a:r>
+            <a:r>
+              <a:rPr lang="de-DE" sz="2400" dirty="0" smtClean="0">
+                <a:latin typeface="Gabriola" panose="04040605051002020D02" pitchFamily="82" charset="0"/>
+                <a:sym typeface="Wingdings" panose="05000000000000000000" pitchFamily="2" charset="2"/>
+              </a:rPr>
+              <a:t> </a:t>
+            </a:r>
+            <a:r>
+              <a:rPr lang="de-DE" sz="2400" dirty="0" err="1" smtClean="0">
+                <a:latin typeface="Gabriola" panose="04040605051002020D02" pitchFamily="82" charset="0"/>
+                <a:sym typeface="Wingdings" panose="05000000000000000000" pitchFamily="2" charset="2"/>
+              </a:rPr>
+              <a:t>Verify</a:t>
+            </a:r>
+            <a:r>
+              <a:rPr lang="de-DE" sz="2400" dirty="0" smtClean="0">
+                <a:latin typeface="Gabriola" panose="04040605051002020D02" pitchFamily="82" charset="0"/>
+                <a:sym typeface="Wingdings" panose="05000000000000000000" pitchFamily="2" charset="2"/>
+              </a:rPr>
+              <a:t>(…)</a:t>
+            </a:r>
+          </a:p>
+          <a:p>
+            <a:endParaRPr lang="de-DE" sz="1600" dirty="0" smtClean="0">
               <a:latin typeface="Gabriola" panose="04040605051002020D02" pitchFamily="82" charset="0"/>
               <a:sym typeface="Wingdings" panose="05000000000000000000" pitchFamily="2" charset="2"/>
             </a:endParaRPr>
@@ -13769,68 +14550,385 @@
               <a:buChar char="-"/>
             </a:pPr>
             <a:r>
-              <a:rPr lang="de-DE" sz="2800" dirty="0" smtClean="0">
+              <a:rPr lang="de-DE" sz="2400" dirty="0" smtClean="0">
                 <a:latin typeface="Gabriola" panose="04040605051002020D02" pitchFamily="82" charset="0"/>
                 <a:sym typeface="Wingdings" panose="05000000000000000000" pitchFamily="2" charset="2"/>
               </a:rPr>
               <a:t>Permutation Set</a:t>
             </a:r>
             <a:br>
-              <a:rPr lang="de-DE" sz="2800" dirty="0" smtClean="0">
+              <a:rPr lang="de-DE" sz="2400" dirty="0" smtClean="0">
                 <a:latin typeface="Gabriola" panose="04040605051002020D02" pitchFamily="82" charset="0"/>
                 <a:sym typeface="Wingdings" panose="05000000000000000000" pitchFamily="2" charset="2"/>
               </a:rPr>
             </a:br>
             <a:r>
-              <a:rPr lang="de-DE" sz="2000" dirty="0" err="1" smtClean="0">
+              <a:rPr lang="de-DE" sz="1800" dirty="0" err="1" smtClean="0">
                 <a:latin typeface="Gabriola" panose="04040605051002020D02" pitchFamily="82" charset="0"/>
                 <a:sym typeface="Wingdings" panose="05000000000000000000" pitchFamily="2" charset="2"/>
               </a:rPr>
               <a:t>permuting</a:t>
             </a:r>
             <a:r>
-              <a:rPr lang="de-DE" sz="2000" dirty="0" smtClean="0">
+              <a:rPr lang="de-DE" sz="1800" dirty="0" smtClean="0">
                 <a:latin typeface="Gabriola" panose="04040605051002020D02" pitchFamily="82" charset="0"/>
                 <a:sym typeface="Wingdings" panose="05000000000000000000" pitchFamily="2" charset="2"/>
               </a:rPr>
               <a:t> </a:t>
             </a:r>
             <a:r>
-              <a:rPr lang="de-DE" sz="2000" dirty="0" err="1" smtClean="0">
+              <a:rPr lang="de-DE" sz="1800" dirty="0" err="1" smtClean="0">
                 <a:latin typeface="Gabriola" panose="04040605051002020D02" pitchFamily="82" charset="0"/>
                 <a:sym typeface="Wingdings" panose="05000000000000000000" pitchFamily="2" charset="2"/>
               </a:rPr>
               <a:t>order</a:t>
             </a:r>
             <a:r>
-              <a:rPr lang="de-DE" sz="2000" dirty="0" smtClean="0">
+              <a:rPr lang="de-DE" sz="1800" dirty="0" smtClean="0">
                 <a:latin typeface="Gabriola" panose="04040605051002020D02" pitchFamily="82" charset="0"/>
                 <a:sym typeface="Wingdings" panose="05000000000000000000" pitchFamily="2" charset="2"/>
               </a:rPr>
               <a:t> </a:t>
             </a:r>
             <a:r>
-              <a:rPr lang="de-DE" sz="2000" dirty="0" err="1" smtClean="0">
+              <a:rPr lang="de-DE" sz="1800" dirty="0" err="1" smtClean="0">
                 <a:latin typeface="Gabriola" panose="04040605051002020D02" pitchFamily="82" charset="0"/>
                 <a:sym typeface="Wingdings" panose="05000000000000000000" pitchFamily="2" charset="2"/>
               </a:rPr>
               <a:t>of</a:t>
             </a:r>
             <a:r>
-              <a:rPr lang="de-DE" sz="2000" dirty="0" smtClean="0">
+              <a:rPr lang="de-DE" sz="1800" dirty="0" smtClean="0">
                 <a:latin typeface="Gabriola" panose="04040605051002020D02" pitchFamily="82" charset="0"/>
                 <a:sym typeface="Wingdings" panose="05000000000000000000" pitchFamily="2" charset="2"/>
               </a:rPr>
               <a:t> </a:t>
             </a:r>
             <a:r>
-              <a:rPr lang="de-DE" sz="2000" dirty="0" err="1" smtClean="0">
+              <a:rPr lang="de-DE" sz="1800" dirty="0" err="1">
                 <a:latin typeface="Gabriola" panose="04040605051002020D02" pitchFamily="82" charset="0"/>
                 <a:sym typeface="Wingdings" panose="05000000000000000000" pitchFamily="2" charset="2"/>
               </a:rPr>
               <a:t>calls</a:t>
             </a:r>
-            <a:endParaRPr lang="de-DE" sz="2800" dirty="0" smtClean="0">
+            <a:endParaRPr lang="de-DE" sz="1800" dirty="0">
+              <a:latin typeface="Gabriola" panose="04040605051002020D02" pitchFamily="82" charset="0"/>
+              <a:sym typeface="Wingdings" panose="05000000000000000000" pitchFamily="2" charset="2"/>
+            </a:endParaRPr>
+          </a:p>
+          <a:p>
+            <a:endParaRPr lang="de-DE" sz="1200" dirty="0">
+              <a:latin typeface="Gabriola" panose="04040605051002020D02" pitchFamily="82" charset="0"/>
+              <a:sym typeface="Wingdings" panose="05000000000000000000" pitchFamily="2" charset="2"/>
+            </a:endParaRPr>
+          </a:p>
+          <a:p>
+            <a:pPr marL="342900" lvl="0" indent="-342900">
+              <a:buFontTx/>
+              <a:buChar char="-"/>
+            </a:pPr>
+            <a:r>
+              <a:rPr lang="de-DE" sz="2400" dirty="0" err="1" smtClean="0">
+                <a:latin typeface="Gabriola" panose="04040605051002020D02" pitchFamily="82" charset="0"/>
+                <a:sym typeface="Wingdings" panose="05000000000000000000" pitchFamily="2" charset="2"/>
+              </a:rPr>
+              <a:t>Dedicated</a:t>
+            </a:r>
+            <a:r>
+              <a:rPr lang="de-DE" sz="2400" dirty="0" smtClean="0">
+                <a:latin typeface="Gabriola" panose="04040605051002020D02" pitchFamily="82" charset="0"/>
+                <a:sym typeface="Wingdings" panose="05000000000000000000" pitchFamily="2" charset="2"/>
+              </a:rPr>
+              <a:t> </a:t>
+            </a:r>
+            <a:r>
+              <a:rPr lang="de-DE" sz="2400" dirty="0" err="1" smtClean="0">
+                <a:latin typeface="Gabriola" panose="04040605051002020D02" pitchFamily="82" charset="0"/>
+                <a:sym typeface="Wingdings" panose="05000000000000000000" pitchFamily="2" charset="2"/>
+              </a:rPr>
+              <a:t>unit</a:t>
+            </a:r>
+            <a:r>
+              <a:rPr lang="de-DE" sz="2400" dirty="0" smtClean="0">
+                <a:latin typeface="Gabriola" panose="04040605051002020D02" pitchFamily="82" charset="0"/>
+                <a:sym typeface="Wingdings" panose="05000000000000000000" pitchFamily="2" charset="2"/>
+              </a:rPr>
+              <a:t> </a:t>
+            </a:r>
+            <a:r>
+              <a:rPr lang="de-DE" sz="2400" dirty="0" err="1" smtClean="0">
+                <a:latin typeface="Gabriola" panose="04040605051002020D02" pitchFamily="82" charset="0"/>
+                <a:sym typeface="Wingdings" panose="05000000000000000000" pitchFamily="2" charset="2"/>
+              </a:rPr>
+              <a:t>test</a:t>
+            </a:r>
+            <a:r>
+              <a:rPr lang="de-DE" sz="2400" dirty="0" smtClean="0">
+                <a:latin typeface="Gabriola" panose="04040605051002020D02" pitchFamily="82" charset="0"/>
+                <a:sym typeface="Wingdings" panose="05000000000000000000" pitchFamily="2" charset="2"/>
+              </a:rPr>
+              <a:t> </a:t>
+            </a:r>
+            <a:r>
+              <a:rPr lang="de-DE" sz="2400" dirty="0" err="1" smtClean="0">
+                <a:latin typeface="Gabriola" panose="04040605051002020D02" pitchFamily="82" charset="0"/>
+                <a:sym typeface="Wingdings" panose="05000000000000000000" pitchFamily="2" charset="2"/>
+              </a:rPr>
+              <a:t>runner</a:t>
+            </a:r>
+            <a:r>
+              <a:rPr lang="de-DE" sz="2400" dirty="0">
+                <a:solidFill>
+                  <a:prstClr val="black"/>
+                </a:solidFill>
+                <a:latin typeface="Gabriola" panose="04040605051002020D02" pitchFamily="82" charset="0"/>
+                <a:sym typeface="Wingdings" panose="05000000000000000000" pitchFamily="2" charset="2"/>
+              </a:rPr>
+              <a:t/>
+            </a:r>
+            <a:br>
+              <a:rPr lang="de-DE" sz="2400" dirty="0">
+                <a:solidFill>
+                  <a:prstClr val="black"/>
+                </a:solidFill>
+                <a:latin typeface="Gabriola" panose="04040605051002020D02" pitchFamily="82" charset="0"/>
+                <a:sym typeface="Wingdings" panose="05000000000000000000" pitchFamily="2" charset="2"/>
+              </a:rPr>
+            </a:br>
+            <a:r>
+              <a:rPr lang="de-DE" sz="1800" dirty="0" err="1" smtClean="0">
+                <a:solidFill>
+                  <a:prstClr val="black"/>
+                </a:solidFill>
+                <a:latin typeface="Gabriola" panose="04040605051002020D02" pitchFamily="82" charset="0"/>
+                <a:sym typeface="Wingdings" panose="05000000000000000000" pitchFamily="2" charset="2"/>
+              </a:rPr>
+              <a:t>currently</a:t>
+            </a:r>
+            <a:r>
+              <a:rPr lang="de-DE" sz="1800" dirty="0" smtClean="0">
+                <a:solidFill>
+                  <a:prstClr val="black"/>
+                </a:solidFill>
+                <a:latin typeface="Gabriola" panose="04040605051002020D02" pitchFamily="82" charset="0"/>
+                <a:sym typeface="Wingdings" panose="05000000000000000000" pitchFamily="2" charset="2"/>
+              </a:rPr>
+              <a:t> </a:t>
+            </a:r>
+            <a:r>
+              <a:rPr lang="de-DE" sz="1800" dirty="0" err="1" smtClean="0">
+                <a:solidFill>
+                  <a:prstClr val="black"/>
+                </a:solidFill>
+                <a:latin typeface="Gabriola" panose="04040605051002020D02" pitchFamily="82" charset="0"/>
+                <a:sym typeface="Wingdings" panose="05000000000000000000" pitchFamily="2" charset="2"/>
+              </a:rPr>
+              <a:t>integrates</a:t>
+            </a:r>
+            <a:r>
+              <a:rPr lang="de-DE" sz="1800" dirty="0" smtClean="0">
+                <a:solidFill>
+                  <a:prstClr val="black"/>
+                </a:solidFill>
+                <a:latin typeface="Gabriola" panose="04040605051002020D02" pitchFamily="82" charset="0"/>
+                <a:sym typeface="Wingdings" panose="05000000000000000000" pitchFamily="2" charset="2"/>
+              </a:rPr>
+              <a:t> </a:t>
+            </a:r>
+            <a:r>
+              <a:rPr lang="de-DE" sz="1800" dirty="0" err="1" smtClean="0">
+                <a:solidFill>
+                  <a:prstClr val="black"/>
+                </a:solidFill>
+                <a:latin typeface="Gabriola" panose="04040605051002020D02" pitchFamily="82" charset="0"/>
+                <a:sym typeface="Wingdings" panose="05000000000000000000" pitchFamily="2" charset="2"/>
+              </a:rPr>
+              <a:t>with</a:t>
+            </a:r>
+            <a:r>
+              <a:rPr lang="de-DE" sz="1800" dirty="0" smtClean="0">
+                <a:solidFill>
+                  <a:prstClr val="black"/>
+                </a:solidFill>
+                <a:latin typeface="Gabriola" panose="04040605051002020D02" pitchFamily="82" charset="0"/>
+                <a:sym typeface="Wingdings" panose="05000000000000000000" pitchFamily="2" charset="2"/>
+              </a:rPr>
+              <a:t> </a:t>
+            </a:r>
+            <a:r>
+              <a:rPr lang="de-DE" sz="1800" dirty="0" err="1" smtClean="0">
+                <a:solidFill>
+                  <a:prstClr val="black"/>
+                </a:solidFill>
+                <a:latin typeface="Gabriola" panose="04040605051002020D02" pitchFamily="82" charset="0"/>
+                <a:sym typeface="Wingdings" panose="05000000000000000000" pitchFamily="2" charset="2"/>
+              </a:rPr>
+              <a:t>NUnit</a:t>
+            </a:r>
+            <a:r>
+              <a:rPr lang="de-DE" sz="1800" dirty="0" smtClean="0">
+                <a:solidFill>
+                  <a:prstClr val="black"/>
+                </a:solidFill>
+                <a:latin typeface="Gabriola" panose="04040605051002020D02" pitchFamily="82" charset="0"/>
+                <a:sym typeface="Wingdings" panose="05000000000000000000" pitchFamily="2" charset="2"/>
+              </a:rPr>
+              <a:t>, </a:t>
+            </a:r>
+            <a:r>
+              <a:rPr lang="de-DE" sz="1800" dirty="0" err="1" smtClean="0">
+                <a:solidFill>
+                  <a:prstClr val="black"/>
+                </a:solidFill>
+                <a:latin typeface="Gabriola" panose="04040605051002020D02" pitchFamily="82" charset="0"/>
+                <a:sym typeface="Wingdings" panose="05000000000000000000" pitchFamily="2" charset="2"/>
+              </a:rPr>
+              <a:t>XUnit</a:t>
+            </a:r>
+            <a:r>
+              <a:rPr lang="de-DE" sz="1800" dirty="0" smtClean="0">
+                <a:solidFill>
+                  <a:prstClr val="black"/>
+                </a:solidFill>
+                <a:latin typeface="Gabriola" panose="04040605051002020D02" pitchFamily="82" charset="0"/>
+                <a:sym typeface="Wingdings" panose="05000000000000000000" pitchFamily="2" charset="2"/>
+              </a:rPr>
+              <a:t>. </a:t>
+            </a:r>
+            <a:r>
+              <a:rPr lang="de-DE" sz="1800" dirty="0" err="1" smtClean="0">
+                <a:solidFill>
+                  <a:prstClr val="black"/>
+                </a:solidFill>
+                <a:latin typeface="Gabriola" panose="04040605051002020D02" pitchFamily="82" charset="0"/>
+                <a:sym typeface="Wingdings" panose="05000000000000000000" pitchFamily="2" charset="2"/>
+              </a:rPr>
+              <a:t>Dedicated</a:t>
+            </a:r>
+            <a:r>
+              <a:rPr lang="de-DE" sz="1800" dirty="0" smtClean="0">
+                <a:solidFill>
+                  <a:prstClr val="black"/>
+                </a:solidFill>
+                <a:latin typeface="Gabriola" panose="04040605051002020D02" pitchFamily="82" charset="0"/>
+                <a:sym typeface="Wingdings" panose="05000000000000000000" pitchFamily="2" charset="2"/>
+              </a:rPr>
+              <a:t> </a:t>
+            </a:r>
+            <a:r>
+              <a:rPr lang="de-DE" sz="1800" dirty="0" err="1" smtClean="0">
+                <a:solidFill>
+                  <a:prstClr val="black"/>
+                </a:solidFill>
+                <a:latin typeface="Gabriola" panose="04040605051002020D02" pitchFamily="82" charset="0"/>
+                <a:sym typeface="Wingdings" panose="05000000000000000000" pitchFamily="2" charset="2"/>
+              </a:rPr>
+              <a:t>runner</a:t>
+            </a:r>
+            <a:r>
+              <a:rPr lang="de-DE" sz="1800" dirty="0" smtClean="0">
+                <a:solidFill>
+                  <a:prstClr val="black"/>
+                </a:solidFill>
+                <a:latin typeface="Gabriola" panose="04040605051002020D02" pitchFamily="82" charset="0"/>
+                <a:sym typeface="Wingdings" panose="05000000000000000000" pitchFamily="2" charset="2"/>
+              </a:rPr>
+              <a:t> </a:t>
+            </a:r>
+            <a:r>
+              <a:rPr lang="de-DE" sz="1800" dirty="0" err="1">
+                <a:solidFill>
+                  <a:prstClr val="black"/>
+                </a:solidFill>
+                <a:latin typeface="Gabriola" panose="04040605051002020D02" pitchFamily="82" charset="0"/>
+                <a:sym typeface="Wingdings" panose="05000000000000000000" pitchFamily="2" charset="2"/>
+              </a:rPr>
+              <a:t>w</a:t>
+            </a:r>
+            <a:r>
+              <a:rPr lang="de-DE" sz="1800" dirty="0" err="1" smtClean="0">
+                <a:solidFill>
+                  <a:prstClr val="black"/>
+                </a:solidFill>
+                <a:latin typeface="Gabriola" panose="04040605051002020D02" pitchFamily="82" charset="0"/>
+                <a:sym typeface="Wingdings" panose="05000000000000000000" pitchFamily="2" charset="2"/>
+              </a:rPr>
+              <a:t>ould</a:t>
+            </a:r>
+            <a:r>
+              <a:rPr lang="de-DE" sz="1800" dirty="0" smtClean="0">
+                <a:solidFill>
+                  <a:prstClr val="black"/>
+                </a:solidFill>
+                <a:latin typeface="Gabriola" panose="04040605051002020D02" pitchFamily="82" charset="0"/>
+                <a:sym typeface="Wingdings" panose="05000000000000000000" pitchFamily="2" charset="2"/>
+              </a:rPr>
+              <a:t> </a:t>
+            </a:r>
+            <a:r>
+              <a:rPr lang="de-DE" sz="1800" dirty="0" err="1" smtClean="0">
+                <a:solidFill>
+                  <a:prstClr val="black"/>
+                </a:solidFill>
+                <a:latin typeface="Gabriola" panose="04040605051002020D02" pitchFamily="82" charset="0"/>
+                <a:sym typeface="Wingdings" panose="05000000000000000000" pitchFamily="2" charset="2"/>
+              </a:rPr>
+              <a:t>improve</a:t>
+            </a:r>
+            <a:r>
+              <a:rPr lang="de-DE" sz="1800" dirty="0" smtClean="0">
+                <a:solidFill>
+                  <a:prstClr val="black"/>
+                </a:solidFill>
+                <a:latin typeface="Gabriola" panose="04040605051002020D02" pitchFamily="82" charset="0"/>
+                <a:sym typeface="Wingdings" panose="05000000000000000000" pitchFamily="2" charset="2"/>
+              </a:rPr>
+              <a:t> </a:t>
+            </a:r>
+            <a:r>
+              <a:rPr lang="de-DE" sz="1800" dirty="0" err="1" smtClean="0">
+                <a:solidFill>
+                  <a:prstClr val="black"/>
+                </a:solidFill>
+                <a:latin typeface="Gabriola" panose="04040605051002020D02" pitchFamily="82" charset="0"/>
+                <a:sym typeface="Wingdings" panose="05000000000000000000" pitchFamily="2" charset="2"/>
+              </a:rPr>
+              <a:t>usability</a:t>
+            </a:r>
+            <a:r>
+              <a:rPr lang="de-DE" sz="1800" dirty="0" smtClean="0">
+                <a:solidFill>
+                  <a:prstClr val="black"/>
+                </a:solidFill>
+                <a:latin typeface="Gabriola" panose="04040605051002020D02" pitchFamily="82" charset="0"/>
+                <a:sym typeface="Wingdings" panose="05000000000000000000" pitchFamily="2" charset="2"/>
+              </a:rPr>
+              <a:t> </a:t>
+            </a:r>
+            <a:r>
+              <a:rPr lang="de-DE" sz="1800" dirty="0" err="1" smtClean="0">
+                <a:solidFill>
+                  <a:prstClr val="black"/>
+                </a:solidFill>
+                <a:latin typeface="Gabriola" panose="04040605051002020D02" pitchFamily="82" charset="0"/>
+                <a:sym typeface="Wingdings" panose="05000000000000000000" pitchFamily="2" charset="2"/>
+              </a:rPr>
+              <a:t>within</a:t>
+            </a:r>
+            <a:r>
+              <a:rPr lang="de-DE" sz="1800" dirty="0" smtClean="0">
+                <a:solidFill>
+                  <a:prstClr val="black"/>
+                </a:solidFill>
+                <a:latin typeface="Gabriola" panose="04040605051002020D02" pitchFamily="82" charset="0"/>
+                <a:sym typeface="Wingdings" panose="05000000000000000000" pitchFamily="2" charset="2"/>
+              </a:rPr>
+              <a:t> IDE</a:t>
+            </a:r>
+            <a:endParaRPr lang="de-DE" sz="1800" dirty="0">
+              <a:solidFill>
+                <a:prstClr val="black"/>
+              </a:solidFill>
               <a:latin typeface="Gabriola" panose="04040605051002020D02" pitchFamily="82" charset="0"/>
               <a:sym typeface="Wingdings" panose="05000000000000000000" pitchFamily="2" charset="2"/>
             </a:endParaRPr>
@@ -13840,7 +14938,7 @@
               <a:buFontTx/>
               <a:buChar char="-"/>
             </a:pPr>
-            <a:endParaRPr lang="de-DE" sz="2800" dirty="0" smtClean="0">
+            <a:endParaRPr lang="de-DE" sz="2400" dirty="0" smtClean="0">
               <a:latin typeface="Gabriola" panose="04040605051002020D02" pitchFamily="82" charset="0"/>
               <a:sym typeface="Wingdings" panose="05000000000000000000" pitchFamily="2" charset="2"/>
             </a:endParaRPr>
@@ -17492,6 +18590,528 @@
 </a:theme>
 </file>
 
+<file path=ppt/theme/theme2.xml><?xml version="1.0" encoding="utf-8"?>
+<a:theme xmlns:a="http://schemas.openxmlformats.org/drawingml/2006/main" name="Office Theme">
+  <a:themeElements>
+    <a:clrScheme name="Office">
+      <a:dk1>
+        <a:sysClr val="windowText" lastClr="000000"/>
+      </a:dk1>
+      <a:lt1>
+        <a:sysClr val="window" lastClr="FFFFFF"/>
+      </a:lt1>
+      <a:dk2>
+        <a:srgbClr val="44546A"/>
+      </a:dk2>
+      <a:lt2>
+        <a:srgbClr val="E7E6E6"/>
+      </a:lt2>
+      <a:accent1>
+        <a:srgbClr val="5B9BD5"/>
+      </a:accent1>
+      <a:accent2>
+        <a:srgbClr val="ED7D31"/>
+      </a:accent2>
+      <a:accent3>
+        <a:srgbClr val="A5A5A5"/>
+      </a:accent3>
+      <a:accent4>
+        <a:srgbClr val="FFC000"/>
+      </a:accent4>
+      <a:accent5>
+        <a:srgbClr val="4472C4"/>
+      </a:accent5>
+      <a:accent6>
+        <a:srgbClr val="70AD47"/>
+      </a:accent6>
+      <a:hlink>
+        <a:srgbClr val="0563C1"/>
+      </a:hlink>
+      <a:folHlink>
+        <a:srgbClr val="954F72"/>
+      </a:folHlink>
+    </a:clrScheme>
+    <a:fontScheme name="Office">
+      <a:majorFont>
+        <a:latin typeface="Calibri Light" panose="020F0302020204030204"/>
+        <a:ea typeface=""/>
+        <a:cs typeface=""/>
+        <a:font script="Jpan" typeface="ＭＳ Ｐゴシック"/>
+        <a:font script="Hang" typeface="맑은 고딕"/>
+        <a:font script="Hans" typeface="宋体"/>
+        <a:font script="Hant" typeface="新細明體"/>
+        <a:font script="Arab" typeface="Times New Roman"/>
+        <a:font script="Hebr" typeface="Times New Roman"/>
+        <a:font script="Thai" typeface="Angsana New"/>
+        <a:font script="Ethi" typeface="Nyala"/>
+        <a:font script="Beng" typeface="Vrinda"/>
+        <a:font script="Gujr" typeface="Shruti"/>
+        <a:font script="Khmr" typeface="MoolBoran"/>
+        <a:font script="Knda" typeface="Tunga"/>
+        <a:font script="Guru" typeface="Raavi"/>
+        <a:font script="Cans" typeface="Euphemia"/>
+        <a:font script="Cher" typeface="Plantagenet Cherokee"/>
+        <a:font script="Yiii" typeface="Microsoft Yi Baiti"/>
+        <a:font script="Tibt" typeface="Microsoft Himalaya"/>
+        <a:font script="Thaa" typeface="MV Boli"/>
+        <a:font script="Deva" typeface="Mangal"/>
+        <a:font script="Telu" typeface="Gautami"/>
+        <a:font script="Taml" typeface="Latha"/>
+        <a:font script="Syrc" typeface="Estrangelo Edessa"/>
+        <a:font script="Orya" typeface="Kalinga"/>
+        <a:font script="Mlym" typeface="Kartika"/>
+        <a:font script="Laoo" typeface="DokChampa"/>
+        <a:font script="Sinh" typeface="Iskoola Pota"/>
+        <a:font script="Mong" typeface="Mongolian Baiti"/>
+        <a:font script="Viet" typeface="Times New Roman"/>
+        <a:font script="Uigh" typeface="Microsoft Uighur"/>
+        <a:font script="Geor" typeface="Sylfaen"/>
+      </a:majorFont>
+      <a:minorFont>
+        <a:latin typeface="Calibri" panose="020F0502020204030204"/>
+        <a:ea typeface=""/>
+        <a:cs typeface=""/>
+        <a:font script="Jpan" typeface="ＭＳ Ｐゴシック"/>
+        <a:font script="Hang" typeface="맑은 고딕"/>
+        <a:font script="Hans" typeface="宋体"/>
+        <a:font script="Hant" typeface="新細明體"/>
+        <a:font script="Arab" typeface="Arial"/>
+        <a:font script="Hebr" typeface="Arial"/>
+        <a:font script="Thai" typeface="Cordia New"/>
+        <a:font script="Ethi" typeface="Nyala"/>
+        <a:font script="Beng" typeface="Vrinda"/>
+        <a:font script="Gujr" typeface="Shruti"/>
+        <a:font script="Khmr" typeface="DaunPenh"/>
+        <a:font script="Knda" typeface="Tunga"/>
+        <a:font script="Guru" typeface="Raavi"/>
+        <a:font script="Cans" typeface="Euphemia"/>
+        <a:font script="Cher" typeface="Plantagenet Cherokee"/>
+        <a:font script="Yiii" typeface="Microsoft Yi Baiti"/>
+        <a:font script="Tibt" typeface="Microsoft Himalaya"/>
+        <a:font script="Thaa" typeface="MV Boli"/>
+        <a:font script="Deva" typeface="Mangal"/>
+        <a:font script="Telu" typeface="Gautami"/>
+        <a:font script="Taml" typeface="Latha"/>
+        <a:font script="Syrc" typeface="Estrangelo Edessa"/>
+        <a:font script="Orya" typeface="Kalinga"/>
+        <a:font script="Mlym" typeface="Kartika"/>
+        <a:font script="Laoo" typeface="DokChampa"/>
+        <a:font script="Sinh" typeface="Iskoola Pota"/>
+        <a:font script="Mong" typeface="Mongolian Baiti"/>
+        <a:font script="Viet" typeface="Arial"/>
+        <a:font script="Uigh" typeface="Microsoft Uighur"/>
+        <a:font script="Geor" typeface="Sylfaen"/>
+      </a:minorFont>
+    </a:fontScheme>
+    <a:fmtScheme name="Office">
+      <a:fillStyleLst>
+        <a:solidFill>
+          <a:schemeClr val="phClr"/>
+        </a:solidFill>
+        <a:gradFill rotWithShape="1">
+          <a:gsLst>
+            <a:gs pos="0">
+              <a:schemeClr val="phClr">
+                <a:lumMod val="110000"/>
+                <a:satMod val="105000"/>
+                <a:tint val="67000"/>
+              </a:schemeClr>
+            </a:gs>
+            <a:gs pos="50000">
+              <a:schemeClr val="phClr">
+                <a:lumMod val="105000"/>
+                <a:satMod val="103000"/>
+                <a:tint val="73000"/>
+              </a:schemeClr>
+            </a:gs>
+            <a:gs pos="100000">
+              <a:schemeClr val="phClr">
+                <a:lumMod val="105000"/>
+                <a:satMod val="109000"/>
+                <a:tint val="81000"/>
+              </a:schemeClr>
+            </a:gs>
+          </a:gsLst>
+          <a:lin ang="5400000" scaled="0"/>
+        </a:gradFill>
+        <a:gradFill rotWithShape="1">
+          <a:gsLst>
+            <a:gs pos="0">
+              <a:schemeClr val="phClr">
+                <a:satMod val="103000"/>
+                <a:lumMod val="102000"/>
+                <a:tint val="94000"/>
+              </a:schemeClr>
+            </a:gs>
+            <a:gs pos="50000">
+              <a:schemeClr val="phClr">
+                <a:satMod val="110000"/>
+                <a:lumMod val="100000"/>
+                <a:shade val="100000"/>
+              </a:schemeClr>
+            </a:gs>
+            <a:gs pos="100000">
+              <a:schemeClr val="phClr">
+                <a:lumMod val="99000"/>
+                <a:satMod val="120000"/>
+                <a:shade val="78000"/>
+              </a:schemeClr>
+            </a:gs>
+          </a:gsLst>
+          <a:lin ang="5400000" scaled="0"/>
+        </a:gradFill>
+      </a:fillStyleLst>
+      <a:lnStyleLst>
+        <a:ln w="6350" cap="flat" cmpd="sng" algn="ctr">
+          <a:solidFill>
+            <a:schemeClr val="phClr"/>
+          </a:solidFill>
+          <a:prstDash val="solid"/>
+          <a:miter lim="800000"/>
+        </a:ln>
+        <a:ln w="12700" cap="flat" cmpd="sng" algn="ctr">
+          <a:solidFill>
+            <a:schemeClr val="phClr"/>
+          </a:solidFill>
+          <a:prstDash val="solid"/>
+          <a:miter lim="800000"/>
+        </a:ln>
+        <a:ln w="19050" cap="flat" cmpd="sng" algn="ctr">
+          <a:solidFill>
+            <a:schemeClr val="phClr"/>
+          </a:solidFill>
+          <a:prstDash val="solid"/>
+          <a:miter lim="800000"/>
+        </a:ln>
+      </a:lnStyleLst>
+      <a:effectStyleLst>
+        <a:effectStyle>
+          <a:effectLst/>
+        </a:effectStyle>
+        <a:effectStyle>
+          <a:effectLst/>
+        </a:effectStyle>
+        <a:effectStyle>
+          <a:effectLst>
+            <a:outerShdw blurRad="57150" dist="19050" dir="5400000" algn="ctr" rotWithShape="0">
+              <a:srgbClr val="000000">
+                <a:alpha val="63000"/>
+              </a:srgbClr>
+            </a:outerShdw>
+          </a:effectLst>
+        </a:effectStyle>
+      </a:effectStyleLst>
+      <a:bgFillStyleLst>
+        <a:solidFill>
+          <a:schemeClr val="phClr"/>
+        </a:solidFill>
+        <a:solidFill>
+          <a:schemeClr val="phClr">
+            <a:tint val="95000"/>
+            <a:satMod val="170000"/>
+          </a:schemeClr>
+        </a:solidFill>
+        <a:gradFill rotWithShape="1">
+          <a:gsLst>
+            <a:gs pos="0">
+              <a:schemeClr val="phClr">
+                <a:tint val="93000"/>
+                <a:satMod val="150000"/>
+                <a:shade val="98000"/>
+                <a:lumMod val="102000"/>
+              </a:schemeClr>
+            </a:gs>
+            <a:gs pos="50000">
+              <a:schemeClr val="phClr">
+                <a:tint val="98000"/>
+                <a:satMod val="130000"/>
+                <a:shade val="90000"/>
+                <a:lumMod val="103000"/>
+              </a:schemeClr>
+            </a:gs>
+            <a:gs pos="100000">
+              <a:schemeClr val="phClr">
+                <a:shade val="63000"/>
+                <a:satMod val="120000"/>
+              </a:schemeClr>
+            </a:gs>
+          </a:gsLst>
+          <a:lin ang="5400000" scaled="0"/>
+        </a:gradFill>
+      </a:bgFillStyleLst>
+    </a:fmtScheme>
+  </a:themeElements>
+  <a:objectDefaults/>
+  <a:extraClrSchemeLst/>
+  <a:extLst>
+    <a:ext uri="{05A4C25C-085E-4340-85A3-A5531E510DB2}">
+      <thm15:themeFamily xmlns:thm15="http://schemas.microsoft.com/office/thememl/2012/main" name="Office Theme" id="{62F939B6-93AF-4DB8-9C6B-D6C7DFDC589F}" vid="{4A3C46E8-61CC-4603-A589-7422A47A8E4A}"/>
+    </a:ext>
+  </a:extLst>
+</a:theme>
+</file>
+
+<file path=ppt/theme/theme3.xml><?xml version="1.0" encoding="utf-8"?>
+<a:theme xmlns:a="http://schemas.openxmlformats.org/drawingml/2006/main" name="Office Theme">
+  <a:themeElements>
+    <a:clrScheme name="Office">
+      <a:dk1>
+        <a:sysClr val="windowText" lastClr="000000"/>
+      </a:dk1>
+      <a:lt1>
+        <a:sysClr val="window" lastClr="FFFFFF"/>
+      </a:lt1>
+      <a:dk2>
+        <a:srgbClr val="44546A"/>
+      </a:dk2>
+      <a:lt2>
+        <a:srgbClr val="E7E6E6"/>
+      </a:lt2>
+      <a:accent1>
+        <a:srgbClr val="5B9BD5"/>
+      </a:accent1>
+      <a:accent2>
+        <a:srgbClr val="ED7D31"/>
+      </a:accent2>
+      <a:accent3>
+        <a:srgbClr val="A5A5A5"/>
+      </a:accent3>
+      <a:accent4>
+        <a:srgbClr val="FFC000"/>
+      </a:accent4>
+      <a:accent5>
+        <a:srgbClr val="4472C4"/>
+      </a:accent5>
+      <a:accent6>
+        <a:srgbClr val="70AD47"/>
+      </a:accent6>
+      <a:hlink>
+        <a:srgbClr val="0563C1"/>
+      </a:hlink>
+      <a:folHlink>
+        <a:srgbClr val="954F72"/>
+      </a:folHlink>
+    </a:clrScheme>
+    <a:fontScheme name="Office">
+      <a:majorFont>
+        <a:latin typeface="Calibri Light" panose="020F0302020204030204"/>
+        <a:ea typeface=""/>
+        <a:cs typeface=""/>
+        <a:font script="Jpan" typeface="ＭＳ Ｐゴシック"/>
+        <a:font script="Hang" typeface="맑은 고딕"/>
+        <a:font script="Hans" typeface="宋体"/>
+        <a:font script="Hant" typeface="新細明體"/>
+        <a:font script="Arab" typeface="Times New Roman"/>
+        <a:font script="Hebr" typeface="Times New Roman"/>
+        <a:font script="Thai" typeface="Angsana New"/>
+        <a:font script="Ethi" typeface="Nyala"/>
+        <a:font script="Beng" typeface="Vrinda"/>
+        <a:font script="Gujr" typeface="Shruti"/>
+        <a:font script="Khmr" typeface="MoolBoran"/>
+        <a:font script="Knda" typeface="Tunga"/>
+        <a:font script="Guru" typeface="Raavi"/>
+        <a:font script="Cans" typeface="Euphemia"/>
+        <a:font script="Cher" typeface="Plantagenet Cherokee"/>
+        <a:font script="Yiii" typeface="Microsoft Yi Baiti"/>
+        <a:font script="Tibt" typeface="Microsoft Himalaya"/>
+        <a:font script="Thaa" typeface="MV Boli"/>
+        <a:font script="Deva" typeface="Mangal"/>
+        <a:font script="Telu" typeface="Gautami"/>
+        <a:font script="Taml" typeface="Latha"/>
+        <a:font script="Syrc" typeface="Estrangelo Edessa"/>
+        <a:font script="Orya" typeface="Kalinga"/>
+        <a:font script="Mlym" typeface="Kartika"/>
+        <a:font script="Laoo" typeface="DokChampa"/>
+        <a:font script="Sinh" typeface="Iskoola Pota"/>
+        <a:font script="Mong" typeface="Mongolian Baiti"/>
+        <a:font script="Viet" typeface="Times New Roman"/>
+        <a:font script="Uigh" typeface="Microsoft Uighur"/>
+        <a:font script="Geor" typeface="Sylfaen"/>
+      </a:majorFont>
+      <a:minorFont>
+        <a:latin typeface="Calibri" panose="020F0502020204030204"/>
+        <a:ea typeface=""/>
+        <a:cs typeface=""/>
+        <a:font script="Jpan" typeface="ＭＳ Ｐゴシック"/>
+        <a:font script="Hang" typeface="맑은 고딕"/>
+        <a:font script="Hans" typeface="宋体"/>
+        <a:font script="Hant" typeface="新細明體"/>
+        <a:font script="Arab" typeface="Arial"/>
+        <a:font script="Hebr" typeface="Arial"/>
+        <a:font script="Thai" typeface="Cordia New"/>
+        <a:font script="Ethi" typeface="Nyala"/>
+        <a:font script="Beng" typeface="Vrinda"/>
+        <a:font script="Gujr" typeface="Shruti"/>
+        <a:font script="Khmr" typeface="DaunPenh"/>
+        <a:font script="Knda" typeface="Tunga"/>
+        <a:font script="Guru" typeface="Raavi"/>
+        <a:font script="Cans" typeface="Euphemia"/>
+        <a:font script="Cher" typeface="Plantagenet Cherokee"/>
+        <a:font script="Yiii" typeface="Microsoft Yi Baiti"/>
+        <a:font script="Tibt" typeface="Microsoft Himalaya"/>
+        <a:font script="Thaa" typeface="MV Boli"/>
+        <a:font script="Deva" typeface="Mangal"/>
+        <a:font script="Telu" typeface="Gautami"/>
+        <a:font script="Taml" typeface="Latha"/>
+        <a:font script="Syrc" typeface="Estrangelo Edessa"/>
+        <a:font script="Orya" typeface="Kalinga"/>
+        <a:font script="Mlym" typeface="Kartika"/>
+        <a:font script="Laoo" typeface="DokChampa"/>
+        <a:font script="Sinh" typeface="Iskoola Pota"/>
+        <a:font script="Mong" typeface="Mongolian Baiti"/>
+        <a:font script="Viet" typeface="Arial"/>
+        <a:font script="Uigh" typeface="Microsoft Uighur"/>
+        <a:font script="Geor" typeface="Sylfaen"/>
+      </a:minorFont>
+    </a:fontScheme>
+    <a:fmtScheme name="Office">
+      <a:fillStyleLst>
+        <a:solidFill>
+          <a:schemeClr val="phClr"/>
+        </a:solidFill>
+        <a:gradFill rotWithShape="1">
+          <a:gsLst>
+            <a:gs pos="0">
+              <a:schemeClr val="phClr">
+                <a:lumMod val="110000"/>
+                <a:satMod val="105000"/>
+                <a:tint val="67000"/>
+              </a:schemeClr>
+            </a:gs>
+            <a:gs pos="50000">
+              <a:schemeClr val="phClr">
+                <a:lumMod val="105000"/>
+                <a:satMod val="103000"/>
+                <a:tint val="73000"/>
+              </a:schemeClr>
+            </a:gs>
+            <a:gs pos="100000">
+              <a:schemeClr val="phClr">
+                <a:lumMod val="105000"/>
+                <a:satMod val="109000"/>
+                <a:tint val="81000"/>
+              </a:schemeClr>
+            </a:gs>
+          </a:gsLst>
+          <a:lin ang="5400000" scaled="0"/>
+        </a:gradFill>
+        <a:gradFill rotWithShape="1">
+          <a:gsLst>
+            <a:gs pos="0">
+              <a:schemeClr val="phClr">
+                <a:satMod val="103000"/>
+                <a:lumMod val="102000"/>
+                <a:tint val="94000"/>
+              </a:schemeClr>
+            </a:gs>
+            <a:gs pos="50000">
+              <a:schemeClr val="phClr">
+                <a:satMod val="110000"/>
+                <a:lumMod val="100000"/>
+                <a:shade val="100000"/>
+              </a:schemeClr>
+            </a:gs>
+            <a:gs pos="100000">
+              <a:schemeClr val="phClr">
+                <a:lumMod val="99000"/>
+                <a:satMod val="120000"/>
+                <a:shade val="78000"/>
+              </a:schemeClr>
+            </a:gs>
+          </a:gsLst>
+          <a:lin ang="5400000" scaled="0"/>
+        </a:gradFill>
+      </a:fillStyleLst>
+      <a:lnStyleLst>
+        <a:ln w="6350" cap="flat" cmpd="sng" algn="ctr">
+          <a:solidFill>
+            <a:schemeClr val="phClr"/>
+          </a:solidFill>
+          <a:prstDash val="solid"/>
+          <a:miter lim="800000"/>
+        </a:ln>
+        <a:ln w="12700" cap="flat" cmpd="sng" algn="ctr">
+          <a:solidFill>
+            <a:schemeClr val="phClr"/>
+          </a:solidFill>
+          <a:prstDash val="solid"/>
+          <a:miter lim="800000"/>
+        </a:ln>
+        <a:ln w="19050" cap="flat" cmpd="sng" algn="ctr">
+          <a:solidFill>
+            <a:schemeClr val="phClr"/>
+          </a:solidFill>
+          <a:prstDash val="solid"/>
+          <a:miter lim="800000"/>
+        </a:ln>
+      </a:lnStyleLst>
+      <a:effectStyleLst>
+        <a:effectStyle>
+          <a:effectLst/>
+        </a:effectStyle>
+        <a:effectStyle>
+          <a:effectLst/>
+        </a:effectStyle>
+        <a:effectStyle>
+          <a:effectLst>
+            <a:outerShdw blurRad="57150" dist="19050" dir="5400000" algn="ctr" rotWithShape="0">
+              <a:srgbClr val="000000">
+                <a:alpha val="63000"/>
+              </a:srgbClr>
+            </a:outerShdw>
+          </a:effectLst>
+        </a:effectStyle>
+      </a:effectStyleLst>
+      <a:bgFillStyleLst>
+        <a:solidFill>
+          <a:schemeClr val="phClr"/>
+        </a:solidFill>
+        <a:solidFill>
+          <a:schemeClr val="phClr">
+            <a:tint val="95000"/>
+            <a:satMod val="170000"/>
+          </a:schemeClr>
+        </a:solidFill>
+        <a:gradFill rotWithShape="1">
+          <a:gsLst>
+            <a:gs pos="0">
+              <a:schemeClr val="phClr">
+                <a:tint val="93000"/>
+                <a:satMod val="150000"/>
+                <a:shade val="98000"/>
+                <a:lumMod val="102000"/>
+              </a:schemeClr>
+            </a:gs>
+            <a:gs pos="50000">
+              <a:schemeClr val="phClr">
+                <a:tint val="98000"/>
+                <a:satMod val="130000"/>
+                <a:shade val="90000"/>
+                <a:lumMod val="103000"/>
+              </a:schemeClr>
+            </a:gs>
+            <a:gs pos="100000">
+              <a:schemeClr val="phClr">
+                <a:shade val="63000"/>
+                <a:satMod val="120000"/>
+              </a:schemeClr>
+            </a:gs>
+          </a:gsLst>
+          <a:lin ang="5400000" scaled="0"/>
+        </a:gradFill>
+      </a:bgFillStyleLst>
+    </a:fmtScheme>
+  </a:themeElements>
+  <a:objectDefaults/>
+  <a:extraClrSchemeLst/>
+  <a:extLst>
+    <a:ext uri="{05A4C25C-085E-4340-85A3-A5531E510DB2}">
+      <thm15:themeFamily xmlns:thm15="http://schemas.microsoft.com/office/thememl/2012/main" name="Office Theme" id="{62F939B6-93AF-4DB8-9C6B-D6C7DFDC589F}" vid="{4A3C46E8-61CC-4603-A589-7422A47A8E4A}"/>
+    </a:ext>
+  </a:extLst>
+</a:theme>
+</file>
+
 <file path=ppt/theme/themeOverride1.xml><?xml version="1.0" encoding="utf-8"?>
 <a:themeOverride xmlns:a="http://schemas.openxmlformats.org/drawingml/2006/main">
   <a:clrScheme name="Office">
